--- a/Vincoli_Domini_BDProgetto_finale.pptx
+++ b/Vincoli_Domini_BDProgetto_finale.pptx
@@ -165,98 +165,12 @@
     <p1510:client id="{64795711-E579-46C4-A66A-FF4BB7A7177C}" v="2291" dt="2021-06-02T14:14:49.121"/>
     <p1510:client id="{B14B8130-7782-43EB-987D-49D23A567CB4}" v="4717" dt="2021-06-02T14:48:12.837"/>
     <p1510:client id="{C4C932F5-40D3-4160-A8AE-4E5317D68FAE}" v="1836" dt="2021-06-02T14:55:50.419"/>
-    <p1510:client id="{FB68D5EE-263A-4381-AA0D-BD68277D8F93}" v="909" dt="2021-06-01T15:24:47.035"/>
   </p1510:revLst>
 </p1510:revInfo>
 </file>
 
 <file path=ppt/changesInfos/changesInfo1.xml><?xml version="1.0" encoding="utf-8"?>
 <pc:chgInfo xmlns:a="http://schemas.openxmlformats.org/drawingml/2006/main" xmlns:r="http://schemas.openxmlformats.org/officeDocument/2006/relationships" xmlns:ac="http://schemas.microsoft.com/office/drawing/2013/main/command" xmlns:pc="http://schemas.microsoft.com/office/powerpoint/2013/main/command">
-  <pc:docChgLst>
-    <pc:chgData name="Utente guest" providerId="Windows Live" clId="Web-{51DCA8CF-D795-4A4F-9967-BAB967FB6AC1}"/>
-    <pc:docChg chg="addSld modSld modSection">
-      <pc:chgData name="Utente guest" userId="" providerId="Windows Live" clId="Web-{51DCA8CF-D795-4A4F-9967-BAB967FB6AC1}" dt="2021-06-02T14:28:02.065" v="294" actId="20577"/>
-      <pc:docMkLst>
-        <pc:docMk/>
-      </pc:docMkLst>
-      <pc:sldChg chg="modSp">
-        <pc:chgData name="Utente guest" userId="" providerId="Windows Live" clId="Web-{51DCA8CF-D795-4A4F-9967-BAB967FB6AC1}" dt="2021-06-02T14:28:02.065" v="294" actId="20577"/>
-        <pc:sldMkLst>
-          <pc:docMk/>
-          <pc:sldMk cId="454804502" sldId="261"/>
-        </pc:sldMkLst>
-        <pc:spChg chg="mod">
-          <ac:chgData name="Utente guest" userId="" providerId="Windows Live" clId="Web-{51DCA8CF-D795-4A4F-9967-BAB967FB6AC1}" dt="2021-06-02T14:28:02.065" v="294" actId="20577"/>
-          <ac:spMkLst>
-            <pc:docMk/>
-            <pc:sldMk cId="454804502" sldId="261"/>
-            <ac:spMk id="3" creationId="{8CDEC847-E9FA-49FF-BAD9-93C23970BB6B}"/>
-          </ac:spMkLst>
-        </pc:spChg>
-      </pc:sldChg>
-      <pc:sldChg chg="modSp">
-        <pc:chgData name="Utente guest" userId="" providerId="Windows Live" clId="Web-{51DCA8CF-D795-4A4F-9967-BAB967FB6AC1}" dt="2021-06-02T10:06:58.670" v="2" actId="20577"/>
-        <pc:sldMkLst>
-          <pc:docMk/>
-          <pc:sldMk cId="3776714482" sldId="266"/>
-        </pc:sldMkLst>
-        <pc:spChg chg="mod">
-          <ac:chgData name="Utente guest" userId="" providerId="Windows Live" clId="Web-{51DCA8CF-D795-4A4F-9967-BAB967FB6AC1}" dt="2021-06-02T10:06:58.670" v="2" actId="20577"/>
-          <ac:spMkLst>
-            <pc:docMk/>
-            <pc:sldMk cId="3776714482" sldId="266"/>
-            <ac:spMk id="3" creationId="{06AC63E7-FD21-494C-9BCC-923FE382CF68}"/>
-          </ac:spMkLst>
-        </pc:spChg>
-      </pc:sldChg>
-      <pc:sldChg chg="modSp">
-        <pc:chgData name="Utente guest" userId="" providerId="Windows Live" clId="Web-{51DCA8CF-D795-4A4F-9967-BAB967FB6AC1}" dt="2021-06-02T10:32:06.025" v="16" actId="20577"/>
-        <pc:sldMkLst>
-          <pc:docMk/>
-          <pc:sldMk cId="2512718786" sldId="267"/>
-        </pc:sldMkLst>
-        <pc:spChg chg="mod">
-          <ac:chgData name="Utente guest" userId="" providerId="Windows Live" clId="Web-{51DCA8CF-D795-4A4F-9967-BAB967FB6AC1}" dt="2021-06-02T10:32:06.025" v="16" actId="20577"/>
-          <ac:spMkLst>
-            <pc:docMk/>
-            <pc:sldMk cId="2512718786" sldId="267"/>
-            <ac:spMk id="3" creationId="{208110D2-D72A-4954-A9E7-B3348AD41880}"/>
-          </ac:spMkLst>
-        </pc:spChg>
-      </pc:sldChg>
-      <pc:sldChg chg="addSp delSp modSp new">
-        <pc:chgData name="Utente guest" userId="" providerId="Windows Live" clId="Web-{51DCA8CF-D795-4A4F-9967-BAB967FB6AC1}" dt="2021-06-02T13:38:35.501" v="291" actId="20577"/>
-        <pc:sldMkLst>
-          <pc:docMk/>
-          <pc:sldMk cId="59111166" sldId="271"/>
-        </pc:sldMkLst>
-        <pc:spChg chg="del">
-          <ac:chgData name="Utente guest" userId="" providerId="Windows Live" clId="Web-{51DCA8CF-D795-4A4F-9967-BAB967FB6AC1}" dt="2021-06-02T10:45:24.493" v="19"/>
-          <ac:spMkLst>
-            <pc:docMk/>
-            <pc:sldMk cId="59111166" sldId="271"/>
-            <ac:spMk id="2" creationId="{82B83D2C-77E5-45DD-87F7-DEECAF715D4C}"/>
-          </ac:spMkLst>
-        </pc:spChg>
-        <pc:spChg chg="mod">
-          <ac:chgData name="Utente guest" userId="" providerId="Windows Live" clId="Web-{51DCA8CF-D795-4A4F-9967-BAB967FB6AC1}" dt="2021-06-02T13:38:35.501" v="291" actId="20577"/>
-          <ac:spMkLst>
-            <pc:docMk/>
-            <pc:sldMk cId="59111166" sldId="271"/>
-            <ac:spMk id="3" creationId="{43207D95-BE19-48A2-9AC7-26D59EA281A1}"/>
-          </ac:spMkLst>
-        </pc:spChg>
-        <pc:spChg chg="add del">
-          <ac:chgData name="Utente guest" userId="" providerId="Windows Live" clId="Web-{51DCA8CF-D795-4A4F-9967-BAB967FB6AC1}" dt="2021-06-02T10:45:32.618" v="22"/>
-          <ac:spMkLst>
-            <pc:docMk/>
-            <pc:sldMk cId="59111166" sldId="271"/>
-            <ac:spMk id="4" creationId="{1D36DC5B-B01E-4C45-91E7-9FA12A0A2750}"/>
-          </ac:spMkLst>
-        </pc:spChg>
-      </pc:sldChg>
-    </pc:docChg>
-  </pc:docChgLst>
   <pc:docChgLst>
     <pc:chgData name="Utente guest" providerId="Windows Live" clId="Web-{64795711-E579-46C4-A66A-FF4BB7A7177C}"/>
     <pc:docChg chg="addSld modSld modSection">
@@ -390,6 +304,185 @@
             <pc:docMk/>
             <pc:sldMk cId="3559874528" sldId="274"/>
             <ac:spMk id="2" creationId="{84FBF444-9288-4579-8734-36339035B881}"/>
+          </ac:spMkLst>
+        </pc:spChg>
+      </pc:sldChg>
+    </pc:docChg>
+  </pc:docChgLst>
+  <pc:docChgLst>
+    <pc:chgData name="Davide Romano" userId="c3ac3c10d9ce9e2a" providerId="LiveId" clId="{6211C885-34CD-4DA2-A60D-6B878C61B1E6}"/>
+    <pc:docChg chg="modSld">
+      <pc:chgData name="Davide Romano" userId="c3ac3c10d9ce9e2a" providerId="LiveId" clId="{6211C885-34CD-4DA2-A60D-6B878C61B1E6}" dt="2021-06-02T17:38:57.333" v="5" actId="20577"/>
+      <pc:docMkLst>
+        <pc:docMk/>
+      </pc:docMkLst>
+      <pc:sldChg chg="modSp mod">
+        <pc:chgData name="Davide Romano" userId="c3ac3c10d9ce9e2a" providerId="LiveId" clId="{6211C885-34CD-4DA2-A60D-6B878C61B1E6}" dt="2021-06-02T17:38:57.333" v="5" actId="20577"/>
+        <pc:sldMkLst>
+          <pc:docMk/>
+          <pc:sldMk cId="3727552200" sldId="259"/>
+        </pc:sldMkLst>
+        <pc:spChg chg="mod">
+          <ac:chgData name="Davide Romano" userId="c3ac3c10d9ce9e2a" providerId="LiveId" clId="{6211C885-34CD-4DA2-A60D-6B878C61B1E6}" dt="2021-06-02T17:38:57.333" v="5" actId="20577"/>
+          <ac:spMkLst>
+            <pc:docMk/>
+            <pc:sldMk cId="3727552200" sldId="259"/>
+            <ac:spMk id="4" creationId="{EB866CC2-B024-4565-9E57-DDA3BCD9066A}"/>
+          </ac:spMkLst>
+        </pc:spChg>
+      </pc:sldChg>
+    </pc:docChg>
+  </pc:docChgLst>
+  <pc:docChgLst>
+    <pc:chgData name="Matte Mannai" userId="f9f1d15fa8820bad" providerId="Windows Live" clId="Web-{C7256D88-6842-4158-802D-67661F249B24}"/>
+    <pc:docChg chg="addSld modSld sldOrd">
+      <pc:chgData name="Matte Mannai" userId="f9f1d15fa8820bad" providerId="Windows Live" clId="Web-{C7256D88-6842-4158-802D-67661F249B24}" dt="2021-05-30T14:17:36.498" v="293" actId="20577"/>
+      <pc:docMkLst>
+        <pc:docMk/>
+      </pc:docMkLst>
+      <pc:sldChg chg="addSp delSp">
+        <pc:chgData name="Matte Mannai" userId="f9f1d15fa8820bad" providerId="Windows Live" clId="Web-{C7256D88-6842-4158-802D-67661F249B24}" dt="2021-05-30T13:04:23.383" v="1"/>
+        <pc:sldMkLst>
+          <pc:docMk/>
+          <pc:sldMk cId="2726428701" sldId="258"/>
+        </pc:sldMkLst>
+        <pc:picChg chg="add del">
+          <ac:chgData name="Matte Mannai" userId="f9f1d15fa8820bad" providerId="Windows Live" clId="Web-{C7256D88-6842-4158-802D-67661F249B24}" dt="2021-05-30T13:04:23.383" v="1"/>
+          <ac:picMkLst>
+            <pc:docMk/>
+            <pc:sldMk cId="2726428701" sldId="258"/>
+            <ac:picMk id="4" creationId="{5C4B816E-72DE-4A9C-BF49-BA03B85DD57F}"/>
+          </ac:picMkLst>
+        </pc:picChg>
+      </pc:sldChg>
+      <pc:sldChg chg="modSp">
+        <pc:chgData name="Matte Mannai" userId="f9f1d15fa8820bad" providerId="Windows Live" clId="Web-{C7256D88-6842-4158-802D-67661F249B24}" dt="2021-05-30T14:17:36.498" v="293" actId="20577"/>
+        <pc:sldMkLst>
+          <pc:docMk/>
+          <pc:sldMk cId="454804502" sldId="261"/>
+        </pc:sldMkLst>
+        <pc:spChg chg="mod">
+          <ac:chgData name="Matte Mannai" userId="f9f1d15fa8820bad" providerId="Windows Live" clId="Web-{C7256D88-6842-4158-802D-67661F249B24}" dt="2021-05-30T14:17:36.498" v="293" actId="20577"/>
+          <ac:spMkLst>
+            <pc:docMk/>
+            <pc:sldMk cId="454804502" sldId="261"/>
+            <ac:spMk id="3" creationId="{8CDEC847-E9FA-49FF-BAD9-93C23970BB6B}"/>
+          </ac:spMkLst>
+        </pc:spChg>
+      </pc:sldChg>
+      <pc:sldChg chg="addSp modSp new ord">
+        <pc:chgData name="Matte Mannai" userId="f9f1d15fa8820bad" providerId="Windows Live" clId="Web-{C7256D88-6842-4158-802D-67661F249B24}" dt="2021-05-30T14:07:44.372" v="253" actId="1076"/>
+        <pc:sldMkLst>
+          <pc:docMk/>
+          <pc:sldMk cId="18532425" sldId="263"/>
+        </pc:sldMkLst>
+        <pc:spChg chg="mod">
+          <ac:chgData name="Matte Mannai" userId="f9f1d15fa8820bad" providerId="Windows Live" clId="Web-{C7256D88-6842-4158-802D-67661F249B24}" dt="2021-05-30T13:51:49.657" v="45" actId="14100"/>
+          <ac:spMkLst>
+            <pc:docMk/>
+            <pc:sldMk cId="18532425" sldId="263"/>
+            <ac:spMk id="2" creationId="{2CF25644-C6BB-454A-B883-E4591B91425F}"/>
+          </ac:spMkLst>
+        </pc:spChg>
+        <pc:spChg chg="add mod">
+          <ac:chgData name="Matte Mannai" userId="f9f1d15fa8820bad" providerId="Windows Live" clId="Web-{C7256D88-6842-4158-802D-67661F249B24}" dt="2021-05-30T13:52:53.550" v="58" actId="1076"/>
+          <ac:spMkLst>
+            <pc:docMk/>
+            <pc:sldMk cId="18532425" sldId="263"/>
+            <ac:spMk id="4" creationId="{2CA354D7-6021-4DBA-8FF2-1581A1AC43D7}"/>
+          </ac:spMkLst>
+        </pc:spChg>
+        <pc:spChg chg="add mod">
+          <ac:chgData name="Matte Mannai" userId="f9f1d15fa8820bad" providerId="Windows Live" clId="Web-{C7256D88-6842-4158-802D-67661F249B24}" dt="2021-05-30T14:07:44.372" v="253" actId="1076"/>
+          <ac:spMkLst>
+            <pc:docMk/>
+            <pc:sldMk cId="18532425" sldId="263"/>
+            <ac:spMk id="5" creationId="{A6D97257-32F1-46B3-9260-6D61D40AE718}"/>
+          </ac:spMkLst>
+        </pc:spChg>
+      </pc:sldChg>
+    </pc:docChg>
+  </pc:docChgLst>
+  <pc:docChgLst>
+    <pc:chgData name="Utente guest" providerId="Windows Live" clId="Web-{51DCA8CF-D795-4A4F-9967-BAB967FB6AC1}"/>
+    <pc:docChg chg="addSld modSld modSection">
+      <pc:chgData name="Utente guest" userId="" providerId="Windows Live" clId="Web-{51DCA8CF-D795-4A4F-9967-BAB967FB6AC1}" dt="2021-06-02T14:28:02.065" v="294" actId="20577"/>
+      <pc:docMkLst>
+        <pc:docMk/>
+      </pc:docMkLst>
+      <pc:sldChg chg="modSp">
+        <pc:chgData name="Utente guest" userId="" providerId="Windows Live" clId="Web-{51DCA8CF-D795-4A4F-9967-BAB967FB6AC1}" dt="2021-06-02T14:28:02.065" v="294" actId="20577"/>
+        <pc:sldMkLst>
+          <pc:docMk/>
+          <pc:sldMk cId="454804502" sldId="261"/>
+        </pc:sldMkLst>
+        <pc:spChg chg="mod">
+          <ac:chgData name="Utente guest" userId="" providerId="Windows Live" clId="Web-{51DCA8CF-D795-4A4F-9967-BAB967FB6AC1}" dt="2021-06-02T14:28:02.065" v="294" actId="20577"/>
+          <ac:spMkLst>
+            <pc:docMk/>
+            <pc:sldMk cId="454804502" sldId="261"/>
+            <ac:spMk id="3" creationId="{8CDEC847-E9FA-49FF-BAD9-93C23970BB6B}"/>
+          </ac:spMkLst>
+        </pc:spChg>
+      </pc:sldChg>
+      <pc:sldChg chg="modSp">
+        <pc:chgData name="Utente guest" userId="" providerId="Windows Live" clId="Web-{51DCA8CF-D795-4A4F-9967-BAB967FB6AC1}" dt="2021-06-02T10:06:58.670" v="2" actId="20577"/>
+        <pc:sldMkLst>
+          <pc:docMk/>
+          <pc:sldMk cId="3776714482" sldId="266"/>
+        </pc:sldMkLst>
+        <pc:spChg chg="mod">
+          <ac:chgData name="Utente guest" userId="" providerId="Windows Live" clId="Web-{51DCA8CF-D795-4A4F-9967-BAB967FB6AC1}" dt="2021-06-02T10:06:58.670" v="2" actId="20577"/>
+          <ac:spMkLst>
+            <pc:docMk/>
+            <pc:sldMk cId="3776714482" sldId="266"/>
+            <ac:spMk id="3" creationId="{06AC63E7-FD21-494C-9BCC-923FE382CF68}"/>
+          </ac:spMkLst>
+        </pc:spChg>
+      </pc:sldChg>
+      <pc:sldChg chg="modSp">
+        <pc:chgData name="Utente guest" userId="" providerId="Windows Live" clId="Web-{51DCA8CF-D795-4A4F-9967-BAB967FB6AC1}" dt="2021-06-02T10:32:06.025" v="16" actId="20577"/>
+        <pc:sldMkLst>
+          <pc:docMk/>
+          <pc:sldMk cId="2512718786" sldId="267"/>
+        </pc:sldMkLst>
+        <pc:spChg chg="mod">
+          <ac:chgData name="Utente guest" userId="" providerId="Windows Live" clId="Web-{51DCA8CF-D795-4A4F-9967-BAB967FB6AC1}" dt="2021-06-02T10:32:06.025" v="16" actId="20577"/>
+          <ac:spMkLst>
+            <pc:docMk/>
+            <pc:sldMk cId="2512718786" sldId="267"/>
+            <ac:spMk id="3" creationId="{208110D2-D72A-4954-A9E7-B3348AD41880}"/>
+          </ac:spMkLst>
+        </pc:spChg>
+      </pc:sldChg>
+      <pc:sldChg chg="addSp delSp modSp new">
+        <pc:chgData name="Utente guest" userId="" providerId="Windows Live" clId="Web-{51DCA8CF-D795-4A4F-9967-BAB967FB6AC1}" dt="2021-06-02T13:38:35.501" v="291" actId="20577"/>
+        <pc:sldMkLst>
+          <pc:docMk/>
+          <pc:sldMk cId="59111166" sldId="271"/>
+        </pc:sldMkLst>
+        <pc:spChg chg="del">
+          <ac:chgData name="Utente guest" userId="" providerId="Windows Live" clId="Web-{51DCA8CF-D795-4A4F-9967-BAB967FB6AC1}" dt="2021-06-02T10:45:24.493" v="19"/>
+          <ac:spMkLst>
+            <pc:docMk/>
+            <pc:sldMk cId="59111166" sldId="271"/>
+            <ac:spMk id="2" creationId="{82B83D2C-77E5-45DD-87F7-DEECAF715D4C}"/>
+          </ac:spMkLst>
+        </pc:spChg>
+        <pc:spChg chg="mod">
+          <ac:chgData name="Utente guest" userId="" providerId="Windows Live" clId="Web-{51DCA8CF-D795-4A4F-9967-BAB967FB6AC1}" dt="2021-06-02T13:38:35.501" v="291" actId="20577"/>
+          <ac:spMkLst>
+            <pc:docMk/>
+            <pc:sldMk cId="59111166" sldId="271"/>
+            <ac:spMk id="3" creationId="{43207D95-BE19-48A2-9AC7-26D59EA281A1}"/>
+          </ac:spMkLst>
+        </pc:spChg>
+        <pc:spChg chg="add del">
+          <ac:chgData name="Utente guest" userId="" providerId="Windows Live" clId="Web-{51DCA8CF-D795-4A4F-9967-BAB967FB6AC1}" dt="2021-06-02T10:45:32.618" v="22"/>
+          <ac:spMkLst>
+            <pc:docMk/>
+            <pc:sldMk cId="59111166" sldId="271"/>
+            <ac:spMk id="4" creationId="{1D36DC5B-B01E-4C45-91E7-9FA12A0A2750}"/>
           </ac:spMkLst>
         </pc:spChg>
       </pc:sldChg>
@@ -576,6 +669,60 @@
             <pc:docMk/>
             <pc:sldMk cId="3559874528" sldId="274"/>
             <ac:spMk id="2" creationId="{84FBF444-9288-4579-8734-36339035B881}"/>
+          </ac:spMkLst>
+        </pc:spChg>
+      </pc:sldChg>
+    </pc:docChg>
+  </pc:docChgLst>
+  <pc:docChgLst>
+    <pc:chgData name="Utente guest" providerId="Windows Live" clId="Web-{58F7BD0A-CE2B-464F-A994-EA57534DED22}"/>
+    <pc:docChg chg="addSld modSld modSection">
+      <pc:chgData name="Utente guest" userId="" providerId="Windows Live" clId="Web-{58F7BD0A-CE2B-464F-A994-EA57534DED22}" dt="2021-05-30T15:03:11.161" v="984" actId="20577"/>
+      <pc:docMkLst>
+        <pc:docMk/>
+      </pc:docMkLst>
+      <pc:sldChg chg="modSp">
+        <pc:chgData name="Utente guest" userId="" providerId="Windows Live" clId="Web-{58F7BD0A-CE2B-464F-A994-EA57534DED22}" dt="2021-05-30T12:58:49.997" v="25" actId="20577"/>
+        <pc:sldMkLst>
+          <pc:docMk/>
+          <pc:sldMk cId="3539450417" sldId="256"/>
+        </pc:sldMkLst>
+        <pc:spChg chg="mod">
+          <ac:chgData name="Utente guest" userId="" providerId="Windows Live" clId="Web-{58F7BD0A-CE2B-464F-A994-EA57534DED22}" dt="2021-05-30T12:58:49.997" v="25" actId="20577"/>
+          <ac:spMkLst>
+            <pc:docMk/>
+            <pc:sldMk cId="3539450417" sldId="256"/>
+            <ac:spMk id="5" creationId="{34FBF581-0D37-4C99-A911-DC18F3791DE8}"/>
+          </ac:spMkLst>
+        </pc:spChg>
+      </pc:sldChg>
+      <pc:sldChg chg="modSp">
+        <pc:chgData name="Utente guest" userId="" providerId="Windows Live" clId="Web-{58F7BD0A-CE2B-464F-A994-EA57534DED22}" dt="2021-05-30T15:03:11.161" v="984" actId="20577"/>
+        <pc:sldMkLst>
+          <pc:docMk/>
+          <pc:sldMk cId="454804502" sldId="261"/>
+        </pc:sldMkLst>
+        <pc:spChg chg="mod">
+          <ac:chgData name="Utente guest" userId="" providerId="Windows Live" clId="Web-{58F7BD0A-CE2B-464F-A994-EA57534DED22}" dt="2021-05-30T15:03:11.161" v="984" actId="20577"/>
+          <ac:spMkLst>
+            <pc:docMk/>
+            <pc:sldMk cId="454804502" sldId="261"/>
+            <ac:spMk id="3" creationId="{8CDEC847-E9FA-49FF-BAD9-93C23970BB6B}"/>
+          </ac:spMkLst>
+        </pc:spChg>
+      </pc:sldChg>
+      <pc:sldChg chg="addSp modSp new">
+        <pc:chgData name="Utente guest" userId="" providerId="Windows Live" clId="Web-{58F7BD0A-CE2B-464F-A994-EA57534DED22}" dt="2021-05-30T14:07:44.622" v="297" actId="20577"/>
+        <pc:sldMkLst>
+          <pc:docMk/>
+          <pc:sldMk cId="2996220520" sldId="264"/>
+        </pc:sldMkLst>
+        <pc:spChg chg="add mod">
+          <ac:chgData name="Utente guest" userId="" providerId="Windows Live" clId="Web-{58F7BD0A-CE2B-464F-A994-EA57534DED22}" dt="2021-05-30T14:07:44.622" v="297" actId="20577"/>
+          <ac:spMkLst>
+            <pc:docMk/>
+            <pc:sldMk cId="2996220520" sldId="264"/>
+            <ac:spMk id="2" creationId="{0E86079A-4833-455B-8F15-5B08C6CCCB64}"/>
           </ac:spMkLst>
         </pc:spChg>
       </pc:sldChg>
@@ -1266,130 +1413,6 @@
       </pc:sldChg>
     </pc:docChg>
   </pc:docChgLst>
-  <pc:docChgLst>
-    <pc:chgData name="Utente guest" providerId="Windows Live" clId="Web-{58F7BD0A-CE2B-464F-A994-EA57534DED22}"/>
-    <pc:docChg chg="addSld modSld modSection">
-      <pc:chgData name="Utente guest" userId="" providerId="Windows Live" clId="Web-{58F7BD0A-CE2B-464F-A994-EA57534DED22}" dt="2021-05-30T15:03:11.161" v="984" actId="20577"/>
-      <pc:docMkLst>
-        <pc:docMk/>
-      </pc:docMkLst>
-      <pc:sldChg chg="modSp">
-        <pc:chgData name="Utente guest" userId="" providerId="Windows Live" clId="Web-{58F7BD0A-CE2B-464F-A994-EA57534DED22}" dt="2021-05-30T12:58:49.997" v="25" actId="20577"/>
-        <pc:sldMkLst>
-          <pc:docMk/>
-          <pc:sldMk cId="3539450417" sldId="256"/>
-        </pc:sldMkLst>
-        <pc:spChg chg="mod">
-          <ac:chgData name="Utente guest" userId="" providerId="Windows Live" clId="Web-{58F7BD0A-CE2B-464F-A994-EA57534DED22}" dt="2021-05-30T12:58:49.997" v="25" actId="20577"/>
-          <ac:spMkLst>
-            <pc:docMk/>
-            <pc:sldMk cId="3539450417" sldId="256"/>
-            <ac:spMk id="5" creationId="{34FBF581-0D37-4C99-A911-DC18F3791DE8}"/>
-          </ac:spMkLst>
-        </pc:spChg>
-      </pc:sldChg>
-      <pc:sldChg chg="modSp">
-        <pc:chgData name="Utente guest" userId="" providerId="Windows Live" clId="Web-{58F7BD0A-CE2B-464F-A994-EA57534DED22}" dt="2021-05-30T15:03:11.161" v="984" actId="20577"/>
-        <pc:sldMkLst>
-          <pc:docMk/>
-          <pc:sldMk cId="454804502" sldId="261"/>
-        </pc:sldMkLst>
-        <pc:spChg chg="mod">
-          <ac:chgData name="Utente guest" userId="" providerId="Windows Live" clId="Web-{58F7BD0A-CE2B-464F-A994-EA57534DED22}" dt="2021-05-30T15:03:11.161" v="984" actId="20577"/>
-          <ac:spMkLst>
-            <pc:docMk/>
-            <pc:sldMk cId="454804502" sldId="261"/>
-            <ac:spMk id="3" creationId="{8CDEC847-E9FA-49FF-BAD9-93C23970BB6B}"/>
-          </ac:spMkLst>
-        </pc:spChg>
-      </pc:sldChg>
-      <pc:sldChg chg="addSp modSp new">
-        <pc:chgData name="Utente guest" userId="" providerId="Windows Live" clId="Web-{58F7BD0A-CE2B-464F-A994-EA57534DED22}" dt="2021-05-30T14:07:44.622" v="297" actId="20577"/>
-        <pc:sldMkLst>
-          <pc:docMk/>
-          <pc:sldMk cId="2996220520" sldId="264"/>
-        </pc:sldMkLst>
-        <pc:spChg chg="add mod">
-          <ac:chgData name="Utente guest" userId="" providerId="Windows Live" clId="Web-{58F7BD0A-CE2B-464F-A994-EA57534DED22}" dt="2021-05-30T14:07:44.622" v="297" actId="20577"/>
-          <ac:spMkLst>
-            <pc:docMk/>
-            <pc:sldMk cId="2996220520" sldId="264"/>
-            <ac:spMk id="2" creationId="{0E86079A-4833-455B-8F15-5B08C6CCCB64}"/>
-          </ac:spMkLst>
-        </pc:spChg>
-      </pc:sldChg>
-    </pc:docChg>
-  </pc:docChgLst>
-  <pc:docChgLst>
-    <pc:chgData name="Matte Mannai" userId="f9f1d15fa8820bad" providerId="Windows Live" clId="Web-{C7256D88-6842-4158-802D-67661F249B24}"/>
-    <pc:docChg chg="addSld modSld sldOrd">
-      <pc:chgData name="Matte Mannai" userId="f9f1d15fa8820bad" providerId="Windows Live" clId="Web-{C7256D88-6842-4158-802D-67661F249B24}" dt="2021-05-30T14:17:36.498" v="293" actId="20577"/>
-      <pc:docMkLst>
-        <pc:docMk/>
-      </pc:docMkLst>
-      <pc:sldChg chg="addSp delSp">
-        <pc:chgData name="Matte Mannai" userId="f9f1d15fa8820bad" providerId="Windows Live" clId="Web-{C7256D88-6842-4158-802D-67661F249B24}" dt="2021-05-30T13:04:23.383" v="1"/>
-        <pc:sldMkLst>
-          <pc:docMk/>
-          <pc:sldMk cId="2726428701" sldId="258"/>
-        </pc:sldMkLst>
-        <pc:picChg chg="add del">
-          <ac:chgData name="Matte Mannai" userId="f9f1d15fa8820bad" providerId="Windows Live" clId="Web-{C7256D88-6842-4158-802D-67661F249B24}" dt="2021-05-30T13:04:23.383" v="1"/>
-          <ac:picMkLst>
-            <pc:docMk/>
-            <pc:sldMk cId="2726428701" sldId="258"/>
-            <ac:picMk id="4" creationId="{5C4B816E-72DE-4A9C-BF49-BA03B85DD57F}"/>
-          </ac:picMkLst>
-        </pc:picChg>
-      </pc:sldChg>
-      <pc:sldChg chg="modSp">
-        <pc:chgData name="Matte Mannai" userId="f9f1d15fa8820bad" providerId="Windows Live" clId="Web-{C7256D88-6842-4158-802D-67661F249B24}" dt="2021-05-30T14:17:36.498" v="293" actId="20577"/>
-        <pc:sldMkLst>
-          <pc:docMk/>
-          <pc:sldMk cId="454804502" sldId="261"/>
-        </pc:sldMkLst>
-        <pc:spChg chg="mod">
-          <ac:chgData name="Matte Mannai" userId="f9f1d15fa8820bad" providerId="Windows Live" clId="Web-{C7256D88-6842-4158-802D-67661F249B24}" dt="2021-05-30T14:17:36.498" v="293" actId="20577"/>
-          <ac:spMkLst>
-            <pc:docMk/>
-            <pc:sldMk cId="454804502" sldId="261"/>
-            <ac:spMk id="3" creationId="{8CDEC847-E9FA-49FF-BAD9-93C23970BB6B}"/>
-          </ac:spMkLst>
-        </pc:spChg>
-      </pc:sldChg>
-      <pc:sldChg chg="addSp modSp new ord">
-        <pc:chgData name="Matte Mannai" userId="f9f1d15fa8820bad" providerId="Windows Live" clId="Web-{C7256D88-6842-4158-802D-67661F249B24}" dt="2021-05-30T14:07:44.372" v="253" actId="1076"/>
-        <pc:sldMkLst>
-          <pc:docMk/>
-          <pc:sldMk cId="18532425" sldId="263"/>
-        </pc:sldMkLst>
-        <pc:spChg chg="mod">
-          <ac:chgData name="Matte Mannai" userId="f9f1d15fa8820bad" providerId="Windows Live" clId="Web-{C7256D88-6842-4158-802D-67661F249B24}" dt="2021-05-30T13:51:49.657" v="45" actId="14100"/>
-          <ac:spMkLst>
-            <pc:docMk/>
-            <pc:sldMk cId="18532425" sldId="263"/>
-            <ac:spMk id="2" creationId="{2CF25644-C6BB-454A-B883-E4591B91425F}"/>
-          </ac:spMkLst>
-        </pc:spChg>
-        <pc:spChg chg="add mod">
-          <ac:chgData name="Matte Mannai" userId="f9f1d15fa8820bad" providerId="Windows Live" clId="Web-{C7256D88-6842-4158-802D-67661F249B24}" dt="2021-05-30T13:52:53.550" v="58" actId="1076"/>
-          <ac:spMkLst>
-            <pc:docMk/>
-            <pc:sldMk cId="18532425" sldId="263"/>
-            <ac:spMk id="4" creationId="{2CA354D7-6021-4DBA-8FF2-1581A1AC43D7}"/>
-          </ac:spMkLst>
-        </pc:spChg>
-        <pc:spChg chg="add mod">
-          <ac:chgData name="Matte Mannai" userId="f9f1d15fa8820bad" providerId="Windows Live" clId="Web-{C7256D88-6842-4158-802D-67661F249B24}" dt="2021-05-30T14:07:44.372" v="253" actId="1076"/>
-          <ac:spMkLst>
-            <pc:docMk/>
-            <pc:sldMk cId="18532425" sldId="263"/>
-            <ac:spMk id="5" creationId="{A6D97257-32F1-46B3-9260-6D61D40AE718}"/>
-          </ac:spMkLst>
-        </pc:spChg>
-      </pc:sldChg>
-    </pc:docChg>
-  </pc:docChgLst>
 </pc:chgInfo>
 </file>
 
@@ -1660,7 +1683,7 @@
           <a:p>
             <a:fld id="{D1783AC9-ADD0-4178-8AD1-257600409AB3}" type="slidenum">
               <a:rPr lang="it-IT" smtClean="0"/>
-              <a:t>‹#›</a:t>
+              <a:t>‹N›</a:t>
             </a:fld>
             <a:endParaRPr lang="it-IT"/>
           </a:p>
@@ -1970,7 +1993,7 @@
           <a:p>
             <a:fld id="{EC4644FD-B202-4CA9-A9CA-C7FD72BD6F11}" type="slidenum">
               <a:rPr lang="it-IT" smtClean="0"/>
-              <a:t>‹#›</a:t>
+              <a:t>‹N›</a:t>
             </a:fld>
             <a:endParaRPr lang="it-IT"/>
           </a:p>
@@ -2168,7 +2191,7 @@
           <a:p>
             <a:fld id="{EC4644FD-B202-4CA9-A9CA-C7FD72BD6F11}" type="slidenum">
               <a:rPr lang="it-IT" smtClean="0"/>
-              <a:t>‹#›</a:t>
+              <a:t>‹N›</a:t>
             </a:fld>
             <a:endParaRPr lang="it-IT"/>
           </a:p>
@@ -2376,7 +2399,7 @@
           <a:p>
             <a:fld id="{EC4644FD-B202-4CA9-A9CA-C7FD72BD6F11}" type="slidenum">
               <a:rPr lang="it-IT" smtClean="0"/>
-              <a:t>‹#›</a:t>
+              <a:t>‹N›</a:t>
             </a:fld>
             <a:endParaRPr lang="it-IT"/>
           </a:p>
@@ -2574,7 +2597,7 @@
           <a:p>
             <a:fld id="{EC4644FD-B202-4CA9-A9CA-C7FD72BD6F11}" type="slidenum">
               <a:rPr lang="it-IT" smtClean="0"/>
-              <a:t>‹#›</a:t>
+              <a:t>‹N›</a:t>
             </a:fld>
             <a:endParaRPr lang="it-IT"/>
           </a:p>
@@ -2849,7 +2872,7 @@
           <a:p>
             <a:fld id="{EC4644FD-B202-4CA9-A9CA-C7FD72BD6F11}" type="slidenum">
               <a:rPr lang="it-IT" smtClean="0"/>
-              <a:t>‹#›</a:t>
+              <a:t>‹N›</a:t>
             </a:fld>
             <a:endParaRPr lang="it-IT"/>
           </a:p>
@@ -3114,7 +3137,7 @@
           <a:p>
             <a:fld id="{EC4644FD-B202-4CA9-A9CA-C7FD72BD6F11}" type="slidenum">
               <a:rPr lang="it-IT" smtClean="0"/>
-              <a:t>‹#›</a:t>
+              <a:t>‹N›</a:t>
             </a:fld>
             <a:endParaRPr lang="it-IT"/>
           </a:p>
@@ -3526,7 +3549,7 @@
           <a:p>
             <a:fld id="{EC4644FD-B202-4CA9-A9CA-C7FD72BD6F11}" type="slidenum">
               <a:rPr lang="it-IT" smtClean="0"/>
-              <a:t>‹#›</a:t>
+              <a:t>‹N›</a:t>
             </a:fld>
             <a:endParaRPr lang="it-IT"/>
           </a:p>
@@ -3667,7 +3690,7 @@
           <a:p>
             <a:fld id="{EC4644FD-B202-4CA9-A9CA-C7FD72BD6F11}" type="slidenum">
               <a:rPr lang="it-IT" smtClean="0"/>
-              <a:t>‹#›</a:t>
+              <a:t>‹N›</a:t>
             </a:fld>
             <a:endParaRPr lang="it-IT"/>
           </a:p>
@@ -3780,7 +3803,7 @@
           <a:p>
             <a:fld id="{EC4644FD-B202-4CA9-A9CA-C7FD72BD6F11}" type="slidenum">
               <a:rPr lang="it-IT" smtClean="0"/>
-              <a:t>‹#›</a:t>
+              <a:t>‹N›</a:t>
             </a:fld>
             <a:endParaRPr lang="it-IT"/>
           </a:p>
@@ -4091,7 +4114,7 @@
           <a:p>
             <a:fld id="{EC4644FD-B202-4CA9-A9CA-C7FD72BD6F11}" type="slidenum">
               <a:rPr lang="it-IT" smtClean="0"/>
-              <a:t>‹#›</a:t>
+              <a:t>‹N›</a:t>
             </a:fld>
             <a:endParaRPr lang="it-IT"/>
           </a:p>
@@ -4379,7 +4402,7 @@
           <a:p>
             <a:fld id="{EC4644FD-B202-4CA9-A9CA-C7FD72BD6F11}" type="slidenum">
               <a:rPr lang="it-IT" smtClean="0"/>
-              <a:t>‹#›</a:t>
+              <a:t>‹N›</a:t>
             </a:fld>
             <a:endParaRPr lang="it-IT"/>
           </a:p>
@@ -4656,7 +4679,7 @@
           <a:p>
             <a:fld id="{EC4644FD-B202-4CA9-A9CA-C7FD72BD6F11}" type="slidenum">
               <a:rPr lang="it-IT" smtClean="0"/>
-              <a:t>‹#›</a:t>
+              <a:t>‹N›</a:t>
             </a:fld>
             <a:endParaRPr lang="it-IT"/>
           </a:p>
@@ -4998,7 +5021,7 @@
         <p:spPr>
           <a:xfrm>
             <a:off x="390732" y="335845"/>
-            <a:ext cx="7754722" cy="4124206"/>
+            <a:ext cx="7754722" cy="4555093"/>
           </a:xfrm>
           <a:prstGeom prst="rect">
             <a:avLst/>
@@ -5012,7 +5035,7 @@
           <a:lstStyle/>
           <a:p>
             <a:r>
-              <a:rPr lang="it-IT" b="1" u="sng">
+              <a:rPr lang="it-IT" b="1" u="sng" dirty="0">
                 <a:solidFill>
                   <a:srgbClr val="FF0000"/>
                 </a:solidFill>
@@ -5021,7 +5044,7 @@
             </a:r>
           </a:p>
           <a:p>
-            <a:endParaRPr lang="it-IT" sz="1000" b="1" u="sng">
+            <a:endParaRPr lang="it-IT" sz="1000" b="1" u="sng" dirty="0">
               <a:solidFill>
                 <a:srgbClr val="FF0000"/>
               </a:solidFill>
@@ -5030,12 +5053,12 @@
           <a:p>
             <a:pPr algn="l"/>
             <a:r>
-              <a:rPr lang="it-IT" sz="1400" b="0" i="0">
+              <a:rPr lang="it-IT" sz="1400" b="0" i="0" dirty="0">
                 <a:effectLst/>
               </a:rPr>
               <a:t>Noi abbiamo implementato la base di dati in modo tale che ogni casella di ogni gioco diverso può avere un tempo massimo di risposta diverso.</a:t>
             </a:r>
-            <a:endParaRPr lang="it-IT" sz="1400" b="0" i="0">
+            <a:endParaRPr lang="it-IT" sz="1400" b="0" i="0" dirty="0">
               <a:effectLst/>
               <a:cs typeface="Calibri"/>
             </a:endParaRPr>
@@ -5043,12 +5066,12 @@
           <a:p>
             <a:pPr algn="l"/>
             <a:r>
-              <a:rPr lang="it-IT" sz="1400" b="0" i="0">
+              <a:rPr lang="it-IT" sz="1400" b="0" i="0" dirty="0">
                 <a:effectLst/>
               </a:rPr>
               <a:t>I set di icone sono i gruppi di icone che vengono poi utilizzate dalle squadre nelle partite. Quindi un'icona di una squadra fa parte di un set di icone</a:t>
             </a:r>
-            <a:endParaRPr lang="it-IT" sz="1400" b="0" i="0">
+            <a:endParaRPr lang="it-IT" sz="1400" b="0" i="0" dirty="0">
               <a:effectLst/>
               <a:cs typeface="Calibri"/>
             </a:endParaRPr>
@@ -5056,12 +5079,12 @@
           <a:p>
             <a:pPr algn="l"/>
             <a:r>
-              <a:rPr lang="it-IT" sz="1400" b="0" i="0">
+              <a:rPr lang="it-IT" sz="1400" b="0" i="0" dirty="0">
                 <a:effectLst/>
               </a:rPr>
               <a:t>Le icone delle squadre sono le pedine delle squadre sulle caselle.</a:t>
             </a:r>
-            <a:endParaRPr lang="it-IT" sz="1400" b="0" i="0">
+            <a:endParaRPr lang="it-IT" sz="1400" b="0" i="0" dirty="0">
               <a:effectLst/>
               <a:cs typeface="Calibri"/>
             </a:endParaRPr>
@@ -5069,12 +5092,12 @@
           <a:p>
             <a:pPr algn="l"/>
             <a:r>
-              <a:rPr lang="it-IT" sz="1400" b="0" i="0">
+              <a:rPr lang="it-IT" sz="1400" b="0" i="0" dirty="0">
                 <a:effectLst/>
               </a:rPr>
               <a:t>Noi teniamo traccia solo della somma dei lanci di dadi ad ogni turno. Non salviamo i risultati specifici di ogni dado.</a:t>
             </a:r>
-            <a:endParaRPr lang="it-IT" sz="1400" b="0" i="0">
+            <a:endParaRPr lang="it-IT" sz="1400" b="0" i="0" dirty="0">
               <a:effectLst/>
               <a:cs typeface="Calibri"/>
             </a:endParaRPr>
@@ -5082,12 +5105,12 @@
           <a:p>
             <a:pPr algn="l"/>
             <a:r>
-              <a:rPr lang="it-IT" sz="1400" b="0" i="0">
+              <a:rPr lang="it-IT" sz="1400" b="0" i="0" dirty="0">
                 <a:effectLst/>
               </a:rPr>
               <a:t>Turno è identificato con numero turno e l'identificatore di squadra. Ogni istanza corrisponde al turno di una specifica squadra.</a:t>
             </a:r>
-            <a:endParaRPr lang="it-IT" sz="1400" b="0" i="0">
+            <a:endParaRPr lang="it-IT" sz="1400" b="0" i="0" dirty="0">
               <a:effectLst/>
               <a:cs typeface="Calibri"/>
             </a:endParaRPr>
@@ -5095,12 +5118,12 @@
           <a:p>
             <a:pPr algn="l"/>
             <a:r>
-              <a:rPr lang="it-IT" sz="1400" b="0" i="0">
+              <a:rPr lang="it-IT" sz="1400" b="0" i="0" dirty="0">
                 <a:effectLst/>
               </a:rPr>
               <a:t>Ogni quiz in un determinato gioco può avere il suo tempo massimo di risposta, e questo tempo dipende solo dal quiz e dal gioco.</a:t>
             </a:r>
-            <a:endParaRPr lang="it-IT" sz="1400" b="0" i="0">
+            <a:endParaRPr lang="it-IT" sz="1400" b="0" i="0" dirty="0">
               <a:effectLst/>
               <a:cs typeface="Calibri"/>
             </a:endParaRPr>
@@ -5108,12 +5131,12 @@
           <a:p>
             <a:pPr algn="l"/>
             <a:r>
-              <a:rPr lang="it-IT" sz="1400" b="0" i="0">
+              <a:rPr lang="it-IT" sz="1400" b="0" i="0" dirty="0">
                 <a:effectLst/>
               </a:rPr>
               <a:t>L' entità "risposte utente" serve a salvare le consegne che ogni utente fa ad ogni turno (che contiene o le risposte ai quiz o il file di risposta al task).</a:t>
             </a:r>
-            <a:endParaRPr lang="it-IT" sz="1400" b="0" i="0">
+            <a:endParaRPr lang="it-IT" sz="1400" b="0" i="0" dirty="0">
               <a:effectLst/>
               <a:cs typeface="Calibri"/>
             </a:endParaRPr>
@@ -5121,19 +5144,19 @@
           <a:p>
             <a:pPr algn="l"/>
             <a:r>
-              <a:rPr lang="it-IT" sz="1400" b="0" i="0">
+              <a:rPr lang="it-IT" sz="1400" b="0" i="0" dirty="0">
                 <a:effectLst/>
               </a:rPr>
               <a:t>Le risposte finali delle squadre a ogni turno sono selezionate dalle istanze di risposte utenti tramite l'associazione Scelta.</a:t>
             </a:r>
-            <a:endParaRPr lang="it-IT" sz="1400" b="0" i="0">
+            <a:endParaRPr lang="it-IT" sz="1400" b="0" i="0" dirty="0">
               <a:effectLst/>
               <a:cs typeface="Calibri"/>
             </a:endParaRPr>
           </a:p>
           <a:p>
             <a:r>
-              <a:rPr lang="it-IT" sz="1400">
+              <a:rPr lang="it-IT" sz="1400" dirty="0">
                 <a:solidFill>
                   <a:srgbClr val="000000"/>
                 </a:solidFill>
@@ -5143,7 +5166,26 @@
             </a:r>
           </a:p>
           <a:p>
-            <a:endParaRPr lang="it-IT" sz="1000" b="1" u="sng">
+            <a:endParaRPr lang="it-IT" sz="1400" dirty="0">
+              <a:solidFill>
+                <a:srgbClr val="000000"/>
+              </a:solidFill>
+              <a:cs typeface="Calibri"/>
+            </a:endParaRPr>
+          </a:p>
+          <a:p>
+            <a:r>
+              <a:rPr lang="it-IT" sz="1400" dirty="0">
+                <a:solidFill>
+                  <a:srgbClr val="000000"/>
+                </a:solidFill>
+                <a:cs typeface="Calibri"/>
+              </a:rPr>
+              <a:t>COSS</a:t>
+            </a:r>
+          </a:p>
+          <a:p>
+            <a:endParaRPr lang="it-IT" sz="1000" b="1" u="sng" dirty="0">
               <a:solidFill>
                 <a:srgbClr val="FF0000"/>
               </a:solidFill>
@@ -11174,8 +11216,8 @@
           </a:p>
         </p:txBody>
       </p:sp>
-      <mc:AlternateContent xmlns:mc="http://schemas.openxmlformats.org/markup-compatibility/2006">
-        <mc:Choice xmlns:p14="http://schemas.microsoft.com/office/powerpoint/2010/main" Requires="p14">
+      <mc:AlternateContent xmlns:mc="http://schemas.openxmlformats.org/markup-compatibility/2006" xmlns:p14="http://schemas.microsoft.com/office/powerpoint/2010/main">
+        <mc:Choice Requires="p14">
           <p:contentPart p14:bwMode="auto" r:id="rId3">
             <p14:nvContentPartPr>
               <p14:cNvPr id="3" name="Input penna 2">
@@ -11194,7 +11236,7 @@
             </p14:xfrm>
           </p:contentPart>
         </mc:Choice>
-        <mc:Fallback>
+        <mc:Fallback xmlns="">
           <p:pic>
             <p:nvPicPr>
               <p:cNvPr id="3" name="Input penna 2">
@@ -14237,21 +14279,6 @@
 </file>
 
 <file path=customXml/item1.xml><?xml version="1.0" encoding="utf-8"?>
-<?mso-contentType ?>
-<FormTemplates xmlns="http://schemas.microsoft.com/sharepoint/v3/contenttype/forms">
-  <Display>DocumentLibraryForm</Display>
-  <Edit>DocumentLibraryForm</Edit>
-  <New>DocumentLibraryForm</New>
-</FormTemplates>
-</file>
-
-<file path=customXml/item2.xml><?xml version="1.0" encoding="utf-8"?>
-<p:properties xmlns:p="http://schemas.microsoft.com/office/2006/metadata/properties" xmlns:xsi="http://www.w3.org/2001/XMLSchema-instance" xmlns:pc="http://schemas.microsoft.com/office/infopath/2007/PartnerControls">
-  <documentManagement/>
-</p:properties>
-</file>
-
-<file path=customXml/item3.xml><?xml version="1.0" encoding="utf-8"?>
 <ct:contentTypeSchema xmlns:ct="http://schemas.microsoft.com/office/2006/metadata/contentType" xmlns:ma="http://schemas.microsoft.com/office/2006/metadata/properties/metaAttributes" ct:_="" ma:_="" ma:contentTypeName="Documento" ma:contentTypeID="0x010100AEBE38543F56564797CEAB42D2598402" ma:contentTypeVersion="6" ma:contentTypeDescription="Creare un nuovo documento." ma:contentTypeScope="" ma:versionID="984681a764e813e6264aed6ad1022f06">
   <xsd:schema xmlns:xsd="http://www.w3.org/2001/XMLSchema" xmlns:xs="http://www.w3.org/2001/XMLSchema" xmlns:p="http://schemas.microsoft.com/office/2006/metadata/properties" xmlns:ns2="fb74fa05-7ee4-424e-b3ac-307f73e6e18a" targetNamespace="http://schemas.microsoft.com/office/2006/metadata/properties" ma:root="true" ma:fieldsID="6fc9f65ce991a5178c5a1a1622f78cd7" ns2:_="">
     <xsd:import namespace="fb74fa05-7ee4-424e-b3ac-307f73e6e18a"/>
@@ -14409,24 +14436,22 @@
 </ct:contentTypeSchema>
 </file>
 
-<file path=customXml/itemProps1.xml><?xml version="1.0" encoding="utf-8"?>
-<ds:datastoreItem xmlns:ds="http://schemas.openxmlformats.org/officeDocument/2006/customXml" ds:itemID="{C47ABCB7-85EF-493B-8321-D8A55F15655B}">
-  <ds:schemaRefs>
-    <ds:schemaRef ds:uri="http://schemas.microsoft.com/sharepoint/v3/contenttype/forms"/>
-  </ds:schemaRefs>
-</ds:datastoreItem>
+<file path=customXml/item2.xml><?xml version="1.0" encoding="utf-8"?>
+<p:properties xmlns:p="http://schemas.microsoft.com/office/2006/metadata/properties" xmlns:xsi="http://www.w3.org/2001/XMLSchema-instance" xmlns:pc="http://schemas.microsoft.com/office/infopath/2007/PartnerControls">
+  <documentManagement/>
+</p:properties>
 </file>
 
-<file path=customXml/itemProps2.xml><?xml version="1.0" encoding="utf-8"?>
-<ds:datastoreItem xmlns:ds="http://schemas.openxmlformats.org/officeDocument/2006/customXml" ds:itemID="{7575C697-13A4-46B4-B8EB-0C93BC1286A6}">
-  <ds:schemaRefs>
-    <ds:schemaRef ds:uri="http://schemas.microsoft.com/office/2006/metadata/properties"/>
-    <ds:schemaRef ds:uri="http://schemas.microsoft.com/office/infopath/2007/PartnerControls"/>
-  </ds:schemaRefs>
-</ds:datastoreItem>
+<file path=customXml/item3.xml><?xml version="1.0" encoding="utf-8"?>
+<?mso-contentType ?>
+<FormTemplates xmlns="http://schemas.microsoft.com/sharepoint/v3/contenttype/forms">
+  <Display>DocumentLibraryForm</Display>
+  <Edit>DocumentLibraryForm</Edit>
+  <New>DocumentLibraryForm</New>
+</FormTemplates>
 </file>
 
-<file path=customXml/itemProps3.xml><?xml version="1.0" encoding="utf-8"?>
+<file path=customXml/itemProps1.xml><?xml version="1.0" encoding="utf-8"?>
 <ds:datastoreItem xmlns:ds="http://schemas.openxmlformats.org/officeDocument/2006/customXml" ds:itemID="{F03F83A8-DBAD-4273-A8F9-2D15F71A9F06}">
   <ds:schemaRefs>
     <ds:schemaRef ds:uri="fb74fa05-7ee4-424e-b3ac-307f73e6e18a"/>
@@ -14442,4 +14467,21 @@
     <ds:schemaRef ds:uri="http://www.w3.org/2001/XMLSchema"/>
   </ds:schemaRefs>
 </ds:datastoreItem>
+</file>
+
+<file path=customXml/itemProps2.xml><?xml version="1.0" encoding="utf-8"?>
+<ds:datastoreItem xmlns:ds="http://schemas.openxmlformats.org/officeDocument/2006/customXml" ds:itemID="{7575C697-13A4-46B4-B8EB-0C93BC1286A6}">
+  <ds:schemaRefs>
+    <ds:schemaRef ds:uri="http://schemas.microsoft.com/office/2006/metadata/properties"/>
+    <ds:schemaRef ds:uri="http://schemas.microsoft.com/office/infopath/2007/PartnerControls"/>
+  </ds:schemaRefs>
+</ds:datastoreItem>
+</file>
+
+<file path=customXml/itemProps3.xml><?xml version="1.0" encoding="utf-8"?>
+<ds:datastoreItem xmlns:ds="http://schemas.openxmlformats.org/officeDocument/2006/customXml" ds:itemID="{C47ABCB7-85EF-493B-8321-D8A55F15655B}">
+  <ds:schemaRefs>
+    <ds:schemaRef ds:uri="http://schemas.microsoft.com/sharepoint/v3/contenttype/forms"/>
+  </ds:schemaRefs>
+</ds:datastoreItem>
 </file>
--- a/Vincoli_Domini_BDProgetto_finale.pptx
+++ b/Vincoli_Domini_BDProgetto_finale.pptx
@@ -310,100 +310,6 @@
     </pc:docChg>
   </pc:docChgLst>
   <pc:docChgLst>
-    <pc:chgData name="Davide Romano" userId="c3ac3c10d9ce9e2a" providerId="LiveId" clId="{6211C885-34CD-4DA2-A60D-6B878C61B1E6}"/>
-    <pc:docChg chg="modSld">
-      <pc:chgData name="Davide Romano" userId="c3ac3c10d9ce9e2a" providerId="LiveId" clId="{6211C885-34CD-4DA2-A60D-6B878C61B1E6}" dt="2021-06-02T17:38:57.333" v="5" actId="20577"/>
-      <pc:docMkLst>
-        <pc:docMk/>
-      </pc:docMkLst>
-      <pc:sldChg chg="modSp mod">
-        <pc:chgData name="Davide Romano" userId="c3ac3c10d9ce9e2a" providerId="LiveId" clId="{6211C885-34CD-4DA2-A60D-6B878C61B1E6}" dt="2021-06-02T17:38:57.333" v="5" actId="20577"/>
-        <pc:sldMkLst>
-          <pc:docMk/>
-          <pc:sldMk cId="3727552200" sldId="259"/>
-        </pc:sldMkLst>
-        <pc:spChg chg="mod">
-          <ac:chgData name="Davide Romano" userId="c3ac3c10d9ce9e2a" providerId="LiveId" clId="{6211C885-34CD-4DA2-A60D-6B878C61B1E6}" dt="2021-06-02T17:38:57.333" v="5" actId="20577"/>
-          <ac:spMkLst>
-            <pc:docMk/>
-            <pc:sldMk cId="3727552200" sldId="259"/>
-            <ac:spMk id="4" creationId="{EB866CC2-B024-4565-9E57-DDA3BCD9066A}"/>
-          </ac:spMkLst>
-        </pc:spChg>
-      </pc:sldChg>
-    </pc:docChg>
-  </pc:docChgLst>
-  <pc:docChgLst>
-    <pc:chgData name="Matte Mannai" userId="f9f1d15fa8820bad" providerId="Windows Live" clId="Web-{C7256D88-6842-4158-802D-67661F249B24}"/>
-    <pc:docChg chg="addSld modSld sldOrd">
-      <pc:chgData name="Matte Mannai" userId="f9f1d15fa8820bad" providerId="Windows Live" clId="Web-{C7256D88-6842-4158-802D-67661F249B24}" dt="2021-05-30T14:17:36.498" v="293" actId="20577"/>
-      <pc:docMkLst>
-        <pc:docMk/>
-      </pc:docMkLst>
-      <pc:sldChg chg="addSp delSp">
-        <pc:chgData name="Matte Mannai" userId="f9f1d15fa8820bad" providerId="Windows Live" clId="Web-{C7256D88-6842-4158-802D-67661F249B24}" dt="2021-05-30T13:04:23.383" v="1"/>
-        <pc:sldMkLst>
-          <pc:docMk/>
-          <pc:sldMk cId="2726428701" sldId="258"/>
-        </pc:sldMkLst>
-        <pc:picChg chg="add del">
-          <ac:chgData name="Matte Mannai" userId="f9f1d15fa8820bad" providerId="Windows Live" clId="Web-{C7256D88-6842-4158-802D-67661F249B24}" dt="2021-05-30T13:04:23.383" v="1"/>
-          <ac:picMkLst>
-            <pc:docMk/>
-            <pc:sldMk cId="2726428701" sldId="258"/>
-            <ac:picMk id="4" creationId="{5C4B816E-72DE-4A9C-BF49-BA03B85DD57F}"/>
-          </ac:picMkLst>
-        </pc:picChg>
-      </pc:sldChg>
-      <pc:sldChg chg="modSp">
-        <pc:chgData name="Matte Mannai" userId="f9f1d15fa8820bad" providerId="Windows Live" clId="Web-{C7256D88-6842-4158-802D-67661F249B24}" dt="2021-05-30T14:17:36.498" v="293" actId="20577"/>
-        <pc:sldMkLst>
-          <pc:docMk/>
-          <pc:sldMk cId="454804502" sldId="261"/>
-        </pc:sldMkLst>
-        <pc:spChg chg="mod">
-          <ac:chgData name="Matte Mannai" userId="f9f1d15fa8820bad" providerId="Windows Live" clId="Web-{C7256D88-6842-4158-802D-67661F249B24}" dt="2021-05-30T14:17:36.498" v="293" actId="20577"/>
-          <ac:spMkLst>
-            <pc:docMk/>
-            <pc:sldMk cId="454804502" sldId="261"/>
-            <ac:spMk id="3" creationId="{8CDEC847-E9FA-49FF-BAD9-93C23970BB6B}"/>
-          </ac:spMkLst>
-        </pc:spChg>
-      </pc:sldChg>
-      <pc:sldChg chg="addSp modSp new ord">
-        <pc:chgData name="Matte Mannai" userId="f9f1d15fa8820bad" providerId="Windows Live" clId="Web-{C7256D88-6842-4158-802D-67661F249B24}" dt="2021-05-30T14:07:44.372" v="253" actId="1076"/>
-        <pc:sldMkLst>
-          <pc:docMk/>
-          <pc:sldMk cId="18532425" sldId="263"/>
-        </pc:sldMkLst>
-        <pc:spChg chg="mod">
-          <ac:chgData name="Matte Mannai" userId="f9f1d15fa8820bad" providerId="Windows Live" clId="Web-{C7256D88-6842-4158-802D-67661F249B24}" dt="2021-05-30T13:51:49.657" v="45" actId="14100"/>
-          <ac:spMkLst>
-            <pc:docMk/>
-            <pc:sldMk cId="18532425" sldId="263"/>
-            <ac:spMk id="2" creationId="{2CF25644-C6BB-454A-B883-E4591B91425F}"/>
-          </ac:spMkLst>
-        </pc:spChg>
-        <pc:spChg chg="add mod">
-          <ac:chgData name="Matte Mannai" userId="f9f1d15fa8820bad" providerId="Windows Live" clId="Web-{C7256D88-6842-4158-802D-67661F249B24}" dt="2021-05-30T13:52:53.550" v="58" actId="1076"/>
-          <ac:spMkLst>
-            <pc:docMk/>
-            <pc:sldMk cId="18532425" sldId="263"/>
-            <ac:spMk id="4" creationId="{2CA354D7-6021-4DBA-8FF2-1581A1AC43D7}"/>
-          </ac:spMkLst>
-        </pc:spChg>
-        <pc:spChg chg="add mod">
-          <ac:chgData name="Matte Mannai" userId="f9f1d15fa8820bad" providerId="Windows Live" clId="Web-{C7256D88-6842-4158-802D-67661F249B24}" dt="2021-05-30T14:07:44.372" v="253" actId="1076"/>
-          <ac:spMkLst>
-            <pc:docMk/>
-            <pc:sldMk cId="18532425" sldId="263"/>
-            <ac:spMk id="5" creationId="{A6D97257-32F1-46B3-9260-6D61D40AE718}"/>
-          </ac:spMkLst>
-        </pc:spChg>
-      </pc:sldChg>
-    </pc:docChg>
-  </pc:docChgLst>
-  <pc:docChgLst>
     <pc:chgData name="Utente guest" providerId="Windows Live" clId="Web-{51DCA8CF-D795-4A4F-9967-BAB967FB6AC1}"/>
     <pc:docChg chg="addSld modSld modSection">
       <pc:chgData name="Utente guest" userId="" providerId="Windows Live" clId="Web-{51DCA8CF-D795-4A4F-9967-BAB967FB6AC1}" dt="2021-06-02T14:28:02.065" v="294" actId="20577"/>
@@ -483,6 +389,76 @@
             <pc:docMk/>
             <pc:sldMk cId="59111166" sldId="271"/>
             <ac:spMk id="4" creationId="{1D36DC5B-B01E-4C45-91E7-9FA12A0A2750}"/>
+          </ac:spMkLst>
+        </pc:spChg>
+      </pc:sldChg>
+    </pc:docChg>
+  </pc:docChgLst>
+  <pc:docChgLst>
+    <pc:chgData name="Matte Mannai" userId="f9f1d15fa8820bad" providerId="Windows Live" clId="Web-{C7256D88-6842-4158-802D-67661F249B24}"/>
+    <pc:docChg chg="addSld modSld sldOrd">
+      <pc:chgData name="Matte Mannai" userId="f9f1d15fa8820bad" providerId="Windows Live" clId="Web-{C7256D88-6842-4158-802D-67661F249B24}" dt="2021-05-30T14:17:36.498" v="293" actId="20577"/>
+      <pc:docMkLst>
+        <pc:docMk/>
+      </pc:docMkLst>
+      <pc:sldChg chg="addSp delSp">
+        <pc:chgData name="Matte Mannai" userId="f9f1d15fa8820bad" providerId="Windows Live" clId="Web-{C7256D88-6842-4158-802D-67661F249B24}" dt="2021-05-30T13:04:23.383" v="1"/>
+        <pc:sldMkLst>
+          <pc:docMk/>
+          <pc:sldMk cId="2726428701" sldId="258"/>
+        </pc:sldMkLst>
+        <pc:picChg chg="add del">
+          <ac:chgData name="Matte Mannai" userId="f9f1d15fa8820bad" providerId="Windows Live" clId="Web-{C7256D88-6842-4158-802D-67661F249B24}" dt="2021-05-30T13:04:23.383" v="1"/>
+          <ac:picMkLst>
+            <pc:docMk/>
+            <pc:sldMk cId="2726428701" sldId="258"/>
+            <ac:picMk id="4" creationId="{5C4B816E-72DE-4A9C-BF49-BA03B85DD57F}"/>
+          </ac:picMkLst>
+        </pc:picChg>
+      </pc:sldChg>
+      <pc:sldChg chg="modSp">
+        <pc:chgData name="Matte Mannai" userId="f9f1d15fa8820bad" providerId="Windows Live" clId="Web-{C7256D88-6842-4158-802D-67661F249B24}" dt="2021-05-30T14:17:36.498" v="293" actId="20577"/>
+        <pc:sldMkLst>
+          <pc:docMk/>
+          <pc:sldMk cId="454804502" sldId="261"/>
+        </pc:sldMkLst>
+        <pc:spChg chg="mod">
+          <ac:chgData name="Matte Mannai" userId="f9f1d15fa8820bad" providerId="Windows Live" clId="Web-{C7256D88-6842-4158-802D-67661F249B24}" dt="2021-05-30T14:17:36.498" v="293" actId="20577"/>
+          <ac:spMkLst>
+            <pc:docMk/>
+            <pc:sldMk cId="454804502" sldId="261"/>
+            <ac:spMk id="3" creationId="{8CDEC847-E9FA-49FF-BAD9-93C23970BB6B}"/>
+          </ac:spMkLst>
+        </pc:spChg>
+      </pc:sldChg>
+      <pc:sldChg chg="addSp modSp new ord">
+        <pc:chgData name="Matte Mannai" userId="f9f1d15fa8820bad" providerId="Windows Live" clId="Web-{C7256D88-6842-4158-802D-67661F249B24}" dt="2021-05-30T14:07:44.372" v="253" actId="1076"/>
+        <pc:sldMkLst>
+          <pc:docMk/>
+          <pc:sldMk cId="18532425" sldId="263"/>
+        </pc:sldMkLst>
+        <pc:spChg chg="mod">
+          <ac:chgData name="Matte Mannai" userId="f9f1d15fa8820bad" providerId="Windows Live" clId="Web-{C7256D88-6842-4158-802D-67661F249B24}" dt="2021-05-30T13:51:49.657" v="45" actId="14100"/>
+          <ac:spMkLst>
+            <pc:docMk/>
+            <pc:sldMk cId="18532425" sldId="263"/>
+            <ac:spMk id="2" creationId="{2CF25644-C6BB-454A-B883-E4591B91425F}"/>
+          </ac:spMkLst>
+        </pc:spChg>
+        <pc:spChg chg="add mod">
+          <ac:chgData name="Matte Mannai" userId="f9f1d15fa8820bad" providerId="Windows Live" clId="Web-{C7256D88-6842-4158-802D-67661F249B24}" dt="2021-05-30T13:52:53.550" v="58" actId="1076"/>
+          <ac:spMkLst>
+            <pc:docMk/>
+            <pc:sldMk cId="18532425" sldId="263"/>
+            <ac:spMk id="4" creationId="{2CA354D7-6021-4DBA-8FF2-1581A1AC43D7}"/>
+          </ac:spMkLst>
+        </pc:spChg>
+        <pc:spChg chg="add mod">
+          <ac:chgData name="Matte Mannai" userId="f9f1d15fa8820bad" providerId="Windows Live" clId="Web-{C7256D88-6842-4158-802D-67661F249B24}" dt="2021-05-30T14:07:44.372" v="253" actId="1076"/>
+          <ac:spMkLst>
+            <pc:docMk/>
+            <pc:sldMk cId="18532425" sldId="263"/>
+            <ac:spMk id="5" creationId="{A6D97257-32F1-46B3-9260-6D61D40AE718}"/>
           </ac:spMkLst>
         </pc:spChg>
       </pc:sldChg>
@@ -731,7 +707,7 @@
   <pc:docChgLst>
     <pc:chgData name="Davide Romano" userId="c3ac3c10d9ce9e2a" providerId="LiveId" clId="{B14B8130-7782-43EB-987D-49D23A567CB4}"/>
     <pc:docChg chg="undo redo custSel addSld delSld modSld sldOrd addSection delSection modSection">
-      <pc:chgData name="Davide Romano" userId="c3ac3c10d9ce9e2a" providerId="LiveId" clId="{B14B8130-7782-43EB-987D-49D23A567CB4}" dt="2021-06-02T14:48:12.838" v="6767" actId="20577"/>
+      <pc:chgData name="Davide Romano" userId="c3ac3c10d9ce9e2a" providerId="LiveId" clId="{B14B8130-7782-43EB-987D-49D23A567CB4}" dt="2021-06-02T17:40:27.315" v="6774" actId="20577"/>
       <pc:docMkLst>
         <pc:docMk/>
       </pc:docMkLst>
@@ -1381,7 +1357,7 @@
         </pc:spChg>
       </pc:sldChg>
       <pc:sldChg chg="addSp modSp new mod">
-        <pc:chgData name="Davide Romano" userId="c3ac3c10d9ce9e2a" providerId="LiveId" clId="{B14B8130-7782-43EB-987D-49D23A567CB4}" dt="2021-06-02T14:26:45.420" v="6744" actId="20577"/>
+        <pc:chgData name="Davide Romano" userId="c3ac3c10d9ce9e2a" providerId="LiveId" clId="{B14B8130-7782-43EB-987D-49D23A567CB4}" dt="2021-06-02T17:40:27.315" v="6774" actId="20577"/>
         <pc:sldMkLst>
           <pc:docMk/>
           <pc:sldMk cId="759608758" sldId="273"/>
@@ -1403,7 +1379,7 @@
           </ac:spMkLst>
         </pc:spChg>
         <pc:spChg chg="add mod">
-          <ac:chgData name="Davide Romano" userId="c3ac3c10d9ce9e2a" providerId="LiveId" clId="{B14B8130-7782-43EB-987D-49D23A567CB4}" dt="2021-06-02T13:43:10.020" v="6628" actId="1076"/>
+          <ac:chgData name="Davide Romano" userId="c3ac3c10d9ce9e2a" providerId="LiveId" clId="{B14B8130-7782-43EB-987D-49D23A567CB4}" dt="2021-06-02T17:40:27.315" v="6774" actId="20577"/>
           <ac:spMkLst>
             <pc:docMk/>
             <pc:sldMk cId="759608758" sldId="273"/>
@@ -5021,7 +4997,7 @@
         <p:spPr>
           <a:xfrm>
             <a:off x="390732" y="335845"/>
-            <a:ext cx="7754722" cy="4555093"/>
+            <a:ext cx="7754722" cy="4124206"/>
           </a:xfrm>
           <a:prstGeom prst="rect">
             <a:avLst/>
@@ -5035,7 +5011,7 @@
           <a:lstStyle/>
           <a:p>
             <a:r>
-              <a:rPr lang="it-IT" b="1" u="sng" dirty="0">
+              <a:rPr lang="it-IT" b="1" u="sng">
                 <a:solidFill>
                   <a:srgbClr val="FF0000"/>
                 </a:solidFill>
@@ -5044,7 +5020,7 @@
             </a:r>
           </a:p>
           <a:p>
-            <a:endParaRPr lang="it-IT" sz="1000" b="1" u="sng" dirty="0">
+            <a:endParaRPr lang="it-IT" sz="1000" b="1" u="sng">
               <a:solidFill>
                 <a:srgbClr val="FF0000"/>
               </a:solidFill>
@@ -5053,12 +5029,12 @@
           <a:p>
             <a:pPr algn="l"/>
             <a:r>
-              <a:rPr lang="it-IT" sz="1400" b="0" i="0" dirty="0">
+              <a:rPr lang="it-IT" sz="1400" b="0" i="0">
                 <a:effectLst/>
               </a:rPr>
               <a:t>Noi abbiamo implementato la base di dati in modo tale che ogni casella di ogni gioco diverso può avere un tempo massimo di risposta diverso.</a:t>
             </a:r>
-            <a:endParaRPr lang="it-IT" sz="1400" b="0" i="0" dirty="0">
+            <a:endParaRPr lang="it-IT" sz="1400" b="0" i="0">
               <a:effectLst/>
               <a:cs typeface="Calibri"/>
             </a:endParaRPr>
@@ -5066,12 +5042,12 @@
           <a:p>
             <a:pPr algn="l"/>
             <a:r>
-              <a:rPr lang="it-IT" sz="1400" b="0" i="0" dirty="0">
+              <a:rPr lang="it-IT" sz="1400" b="0" i="0">
                 <a:effectLst/>
               </a:rPr>
               <a:t>I set di icone sono i gruppi di icone che vengono poi utilizzate dalle squadre nelle partite. Quindi un'icona di una squadra fa parte di un set di icone</a:t>
             </a:r>
-            <a:endParaRPr lang="it-IT" sz="1400" b="0" i="0" dirty="0">
+            <a:endParaRPr lang="it-IT" sz="1400" b="0" i="0">
               <a:effectLst/>
               <a:cs typeface="Calibri"/>
             </a:endParaRPr>
@@ -5079,12 +5055,12 @@
           <a:p>
             <a:pPr algn="l"/>
             <a:r>
-              <a:rPr lang="it-IT" sz="1400" b="0" i="0" dirty="0">
+              <a:rPr lang="it-IT" sz="1400" b="0" i="0">
                 <a:effectLst/>
               </a:rPr>
               <a:t>Le icone delle squadre sono le pedine delle squadre sulle caselle.</a:t>
             </a:r>
-            <a:endParaRPr lang="it-IT" sz="1400" b="0" i="0" dirty="0">
+            <a:endParaRPr lang="it-IT" sz="1400" b="0" i="0">
               <a:effectLst/>
               <a:cs typeface="Calibri"/>
             </a:endParaRPr>
@@ -5092,12 +5068,12 @@
           <a:p>
             <a:pPr algn="l"/>
             <a:r>
-              <a:rPr lang="it-IT" sz="1400" b="0" i="0" dirty="0">
+              <a:rPr lang="it-IT" sz="1400" b="0" i="0">
                 <a:effectLst/>
               </a:rPr>
               <a:t>Noi teniamo traccia solo della somma dei lanci di dadi ad ogni turno. Non salviamo i risultati specifici di ogni dado.</a:t>
             </a:r>
-            <a:endParaRPr lang="it-IT" sz="1400" b="0" i="0" dirty="0">
+            <a:endParaRPr lang="it-IT" sz="1400" b="0" i="0">
               <a:effectLst/>
               <a:cs typeface="Calibri"/>
             </a:endParaRPr>
@@ -5105,12 +5081,12 @@
           <a:p>
             <a:pPr algn="l"/>
             <a:r>
-              <a:rPr lang="it-IT" sz="1400" b="0" i="0" dirty="0">
+              <a:rPr lang="it-IT" sz="1400" b="0" i="0">
                 <a:effectLst/>
               </a:rPr>
               <a:t>Turno è identificato con numero turno e l'identificatore di squadra. Ogni istanza corrisponde al turno di una specifica squadra.</a:t>
             </a:r>
-            <a:endParaRPr lang="it-IT" sz="1400" b="0" i="0" dirty="0">
+            <a:endParaRPr lang="it-IT" sz="1400" b="0" i="0">
               <a:effectLst/>
               <a:cs typeface="Calibri"/>
             </a:endParaRPr>
@@ -5118,12 +5094,12 @@
           <a:p>
             <a:pPr algn="l"/>
             <a:r>
-              <a:rPr lang="it-IT" sz="1400" b="0" i="0" dirty="0">
+              <a:rPr lang="it-IT" sz="1400" b="0" i="0">
                 <a:effectLst/>
               </a:rPr>
               <a:t>Ogni quiz in un determinato gioco può avere il suo tempo massimo di risposta, e questo tempo dipende solo dal quiz e dal gioco.</a:t>
             </a:r>
-            <a:endParaRPr lang="it-IT" sz="1400" b="0" i="0" dirty="0">
+            <a:endParaRPr lang="it-IT" sz="1400" b="0" i="0">
               <a:effectLst/>
               <a:cs typeface="Calibri"/>
             </a:endParaRPr>
@@ -5131,12 +5107,12 @@
           <a:p>
             <a:pPr algn="l"/>
             <a:r>
-              <a:rPr lang="it-IT" sz="1400" b="0" i="0" dirty="0">
+              <a:rPr lang="it-IT" sz="1400" b="0" i="0">
                 <a:effectLst/>
               </a:rPr>
               <a:t>L' entità "risposte utente" serve a salvare le consegne che ogni utente fa ad ogni turno (che contiene o le risposte ai quiz o il file di risposta al task).</a:t>
             </a:r>
-            <a:endParaRPr lang="it-IT" sz="1400" b="0" i="0" dirty="0">
+            <a:endParaRPr lang="it-IT" sz="1400" b="0" i="0">
               <a:effectLst/>
               <a:cs typeface="Calibri"/>
             </a:endParaRPr>
@@ -5144,19 +5120,19 @@
           <a:p>
             <a:pPr algn="l"/>
             <a:r>
-              <a:rPr lang="it-IT" sz="1400" b="0" i="0" dirty="0">
+              <a:rPr lang="it-IT" sz="1400" b="0" i="0">
                 <a:effectLst/>
               </a:rPr>
               <a:t>Le risposte finali delle squadre a ogni turno sono selezionate dalle istanze di risposte utenti tramite l'associazione Scelta.</a:t>
             </a:r>
-            <a:endParaRPr lang="it-IT" sz="1400" b="0" i="0" dirty="0">
+            <a:endParaRPr lang="it-IT" sz="1400" b="0" i="0">
               <a:effectLst/>
               <a:cs typeface="Calibri"/>
             </a:endParaRPr>
           </a:p>
           <a:p>
             <a:r>
-              <a:rPr lang="it-IT" sz="1400" dirty="0">
+              <a:rPr lang="it-IT" sz="1400">
                 <a:solidFill>
                   <a:srgbClr val="000000"/>
                 </a:solidFill>
@@ -5166,26 +5142,7 @@
             </a:r>
           </a:p>
           <a:p>
-            <a:endParaRPr lang="it-IT" sz="1400" dirty="0">
-              <a:solidFill>
-                <a:srgbClr val="000000"/>
-              </a:solidFill>
-              <a:cs typeface="Calibri"/>
-            </a:endParaRPr>
-          </a:p>
-          <a:p>
-            <a:r>
-              <a:rPr lang="it-IT" sz="1400" dirty="0">
-                <a:solidFill>
-                  <a:srgbClr val="000000"/>
-                </a:solidFill>
-                <a:cs typeface="Calibri"/>
-              </a:rPr>
-              <a:t>COSS</a:t>
-            </a:r>
-          </a:p>
-          <a:p>
-            <a:endParaRPr lang="it-IT" sz="1000" b="1" u="sng" dirty="0">
+            <a:endParaRPr lang="it-IT" sz="1000" b="1" u="sng">
               <a:solidFill>
                 <a:srgbClr val="FF0000"/>
               </a:solidFill>
@@ -8619,7 +8576,7 @@
         <p:spPr>
           <a:xfrm>
             <a:off x="762000" y="4371975"/>
-            <a:ext cx="9277350" cy="2308324"/>
+            <a:ext cx="9277350" cy="2800767"/>
           </a:xfrm>
           <a:prstGeom prst="rect">
             <a:avLst/>
@@ -8633,26 +8590,35 @@
           <a:lstStyle/>
           <a:p>
             <a:r>
-              <a:rPr lang="it-IT" sz="1600"/>
+              <a:rPr lang="it-IT" sz="1600" dirty="0"/>
               <a:t>Nel gioco può essere presente un elemento aleatorio, in particolare si possono associare al gioco un certo numero di dadi (anche zero) ognuno dei quali ha un punteggio minimo e un punteggio massimo (non superiore a sei)</a:t>
             </a:r>
           </a:p>
           <a:p>
-            <a:endParaRPr lang="it-IT" sz="1600"/>
-          </a:p>
-          <a:p>
-            <a:r>
-              <a:rPr lang="it-IT" sz="1600"/>
+            <a:endParaRPr lang="it-IT" sz="1600" dirty="0"/>
+          </a:p>
+          <a:p>
+            <a:r>
+              <a:rPr lang="it-IT" sz="1600" dirty="0"/>
               <a:t>il punteggio che si ottiene rispondendo alle domande/al task posti sulla casella può modificare il numero di dadi a disposizione della squadra</a:t>
             </a:r>
           </a:p>
           <a:p>
-            <a:endParaRPr lang="it-IT" sz="1600"/>
-          </a:p>
-          <a:p>
-            <a:r>
-              <a:rPr lang="it-IT" sz="1600"/>
+            <a:endParaRPr lang="it-IT" sz="1600" dirty="0"/>
+          </a:p>
+          <a:p>
+            <a:r>
+              <a:rPr lang="it-IT" sz="1600" dirty="0"/>
               <a:t>Ogni squadra inizia infatti il gioco con un certo numero di dadi a disposizione e questo può essere modificato nel corso della partita</a:t>
+            </a:r>
+          </a:p>
+          <a:p>
+            <a:endParaRPr lang="it-IT" sz="1600" dirty="0"/>
+          </a:p>
+          <a:p>
+            <a:r>
+              <a:rPr lang="it-IT" sz="1600" dirty="0"/>
+              <a:t>PROVA</a:t>
             </a:r>
           </a:p>
         </p:txBody>

--- a/Vincoli_Domini_BDProgetto_finale.pptx
+++ b/Vincoli_Domini_BDProgetto_finale.pptx
@@ -5,7 +5,7 @@
     <p:sldMasterId id="2147483648" r:id="rId4"/>
   </p:sldMasterIdLst>
   <p:notesMasterIdLst>
-    <p:notesMasterId r:id="rId25"/>
+    <p:notesMasterId r:id="rId26"/>
   </p:notesMasterIdLst>
   <p:sldIdLst>
     <p:sldId id="259" r:id="rId5"/>
@@ -26,8 +26,9 @@
     <p:sldId id="275" r:id="rId20"/>
     <p:sldId id="267" r:id="rId21"/>
     <p:sldId id="271" r:id="rId22"/>
-    <p:sldId id="268" r:id="rId23"/>
-    <p:sldId id="273" r:id="rId24"/>
+    <p:sldId id="277" r:id="rId23"/>
+    <p:sldId id="268" r:id="rId24"/>
+    <p:sldId id="273" r:id="rId25"/>
   </p:sldIdLst>
   <p:sldSz cx="12192000" cy="6858000"/>
   <p:notesSz cx="6858000" cy="9144000"/>
@@ -149,6 +150,7 @@
             <p14:sldId id="275"/>
             <p14:sldId id="267"/>
             <p14:sldId id="271"/>
+            <p14:sldId id="277"/>
             <p14:sldId id="268"/>
             <p14:sldId id="273"/>
           </p14:sldIdLst>
@@ -165,10 +167,8 @@
 <file path=ppt/revisionInfo.xml><?xml version="1.0" encoding="utf-8"?>
 <p1510:revInfo xmlns:a="http://schemas.openxmlformats.org/drawingml/2006/main" xmlns:r="http://schemas.openxmlformats.org/officeDocument/2006/relationships" xmlns:p1510="http://schemas.microsoft.com/office/powerpoint/2015/10/main">
   <p1510:revLst>
-    <p1510:client id="{4ED11C23-41F6-495B-A105-47BF96129674}" v="7" dt="2021-06-04T21:04:25.338"/>
-    <p1510:client id="{B14B8130-7782-43EB-987D-49D23A567CB4}" v="7964" dt="2021-06-05T17:32:37.798"/>
-    <p1510:client id="{C16BD6C9-0F11-4065-AB88-4CCDBED70ECD}" v="3454" vWet="3455" dt="2021-06-05T16:28:16.656"/>
-    <p1510:client id="{FCB13962-E94F-4C9F-A5AE-7EF162A81138}" v="141" dt="2021-06-05T16:00:17.611"/>
+    <p1510:client id="{5FB54FDE-C2EE-474A-88C0-C199BCDBCB76}" v="91" vWet="92" dt="2021-06-06T15:29:12.715"/>
+    <p1510:client id="{B14B8130-7782-43EB-987D-49D23A567CB4}" v="8036" dt="2021-06-06T15:29:20.950"/>
   </p1510:revLst>
 </p1510:revInfo>
 </file>
@@ -247,6 +247,68 @@
     </pc:docChg>
   </pc:docChgLst>
   <pc:docChgLst>
+    <pc:chgData name="Utente guest" providerId="Windows Live" clId="Web-{5FB54FDE-C2EE-474A-88C0-C199BCDBCB76}"/>
+    <pc:docChg chg="modSld">
+      <pc:chgData name="Utente guest" userId="" providerId="Windows Live" clId="Web-{5FB54FDE-C2EE-474A-88C0-C199BCDBCB76}" dt="2021-06-06T15:29:11.699" v="72" actId="20577"/>
+      <pc:docMkLst>
+        <pc:docMk/>
+      </pc:docMkLst>
+      <pc:sldChg chg="modSp">
+        <pc:chgData name="Utente guest" userId="" providerId="Windows Live" clId="Web-{5FB54FDE-C2EE-474A-88C0-C199BCDBCB76}" dt="2021-06-06T15:29:11.699" v="72" actId="20577"/>
+        <pc:sldMkLst>
+          <pc:docMk/>
+          <pc:sldMk cId="454804502" sldId="261"/>
+        </pc:sldMkLst>
+        <pc:spChg chg="mod">
+          <ac:chgData name="Utente guest" userId="" providerId="Windows Live" clId="Web-{5FB54FDE-C2EE-474A-88C0-C199BCDBCB76}" dt="2021-06-06T15:29:11.699" v="72" actId="20577"/>
+          <ac:spMkLst>
+            <pc:docMk/>
+            <pc:sldMk cId="454804502" sldId="261"/>
+            <ac:spMk id="3" creationId="{8CDEC847-E9FA-49FF-BAD9-93C23970BB6B}"/>
+          </ac:spMkLst>
+        </pc:spChg>
+      </pc:sldChg>
+      <pc:sldChg chg="modSp">
+        <pc:chgData name="Utente guest" userId="" providerId="Windows Live" clId="Web-{5FB54FDE-C2EE-474A-88C0-C199BCDBCB76}" dt="2021-06-06T15:13:32.164" v="24" actId="20577"/>
+        <pc:sldMkLst>
+          <pc:docMk/>
+          <pc:sldMk cId="1520066137" sldId="264"/>
+        </pc:sldMkLst>
+        <pc:spChg chg="mod">
+          <ac:chgData name="Utente guest" userId="" providerId="Windows Live" clId="Web-{5FB54FDE-C2EE-474A-88C0-C199BCDBCB76}" dt="2021-06-06T15:13:32.164" v="24" actId="20577"/>
+          <ac:spMkLst>
+            <pc:docMk/>
+            <pc:sldMk cId="1520066137" sldId="264"/>
+            <ac:spMk id="2" creationId="{D56CAC12-04E7-47E8-906E-814DB0BA81EA}"/>
+          </ac:spMkLst>
+        </pc:spChg>
+      </pc:sldChg>
+      <pc:sldChg chg="delSp modSp">
+        <pc:chgData name="Utente guest" userId="" providerId="Windows Live" clId="Web-{5FB54FDE-C2EE-474A-88C0-C199BCDBCB76}" dt="2021-06-06T14:52:28.042" v="9" actId="20577"/>
+        <pc:sldMkLst>
+          <pc:docMk/>
+          <pc:sldMk cId="3559874528" sldId="274"/>
+        </pc:sldMkLst>
+        <pc:spChg chg="mod">
+          <ac:chgData name="Utente guest" userId="" providerId="Windows Live" clId="Web-{5FB54FDE-C2EE-474A-88C0-C199BCDBCB76}" dt="2021-06-06T14:52:28.042" v="9" actId="20577"/>
+          <ac:spMkLst>
+            <pc:docMk/>
+            <pc:sldMk cId="3559874528" sldId="274"/>
+            <ac:spMk id="2" creationId="{84FBF444-9288-4579-8734-36339035B881}"/>
+          </ac:spMkLst>
+        </pc:spChg>
+        <pc:spChg chg="del">
+          <ac:chgData name="Utente guest" userId="" providerId="Windows Live" clId="Web-{5FB54FDE-C2EE-474A-88C0-C199BCDBCB76}" dt="2021-06-06T14:52:01.089" v="0"/>
+          <ac:spMkLst>
+            <pc:docMk/>
+            <pc:sldMk cId="3559874528" sldId="274"/>
+            <ac:spMk id="3" creationId="{B06C8377-F20C-4B56-B80E-1BE3084BBF90}"/>
+          </ac:spMkLst>
+        </pc:spChg>
+      </pc:sldChg>
+    </pc:docChg>
+  </pc:docChgLst>
+  <pc:docChgLst>
     <pc:chgData name="Utente guest" providerId="Windows Live" clId="Web-{58F7BD0A-CE2B-464F-A994-EA57534DED22}"/>
     <pc:docChg chg="addSld modSld modSection">
       <pc:chgData name="Utente guest" userId="" providerId="Windows Live" clId="Web-{58F7BD0A-CE2B-464F-A994-EA57534DED22}" dt="2021-05-30T15:03:11.161" v="984" actId="20577"/>
@@ -789,18 +851,18 @@
   <pc:docChgLst>
     <pc:chgData name="Davide Romano" userId="c3ac3c10d9ce9e2a" providerId="LiveId" clId="{B14B8130-7782-43EB-987D-49D23A567CB4}"/>
     <pc:docChg chg="undo redo custSel addSld delSld modSld sldOrd addSection delSection modSection">
-      <pc:chgData name="Davide Romano" userId="c3ac3c10d9ce9e2a" providerId="LiveId" clId="{B14B8130-7782-43EB-987D-49D23A567CB4}" dt="2021-06-05T17:34:26.361" v="11861" actId="1076"/>
+      <pc:chgData name="Davide Romano" userId="c3ac3c10d9ce9e2a" providerId="LiveId" clId="{B14B8130-7782-43EB-987D-49D23A567CB4}" dt="2021-06-06T17:26:31.842" v="12182" actId="20577"/>
       <pc:docMkLst>
         <pc:docMk/>
       </pc:docMkLst>
       <pc:sldChg chg="modSp mod">
-        <pc:chgData name="Davide Romano" userId="c3ac3c10d9ce9e2a" providerId="LiveId" clId="{B14B8130-7782-43EB-987D-49D23A567CB4}" dt="2021-06-05T17:18:41.359" v="11712" actId="20577"/>
+        <pc:chgData name="Davide Romano" userId="c3ac3c10d9ce9e2a" providerId="LiveId" clId="{B14B8130-7782-43EB-987D-49D23A567CB4}" dt="2021-06-06T15:27:26.255" v="11910" actId="207"/>
         <pc:sldMkLst>
           <pc:docMk/>
           <pc:sldMk cId="3539450417" sldId="256"/>
         </pc:sldMkLst>
         <pc:spChg chg="mod">
-          <ac:chgData name="Davide Romano" userId="c3ac3c10d9ce9e2a" providerId="LiveId" clId="{B14B8130-7782-43EB-987D-49D23A567CB4}" dt="2021-06-05T17:18:41.359" v="11712" actId="20577"/>
+          <ac:chgData name="Davide Romano" userId="c3ac3c10d9ce9e2a" providerId="LiveId" clId="{B14B8130-7782-43EB-987D-49D23A567CB4}" dt="2021-06-06T15:27:26.255" v="11910" actId="207"/>
           <ac:spMkLst>
             <pc:docMk/>
             <pc:sldMk cId="3539450417" sldId="256"/>
@@ -808,7 +870,7 @@
           </ac:spMkLst>
         </pc:spChg>
         <pc:spChg chg="mod">
-          <ac:chgData name="Davide Romano" userId="c3ac3c10d9ce9e2a" providerId="LiveId" clId="{B14B8130-7782-43EB-987D-49D23A567CB4}" dt="2021-06-05T17:18:32.061" v="11710" actId="404"/>
+          <ac:chgData name="Davide Romano" userId="c3ac3c10d9ce9e2a" providerId="LiveId" clId="{B14B8130-7782-43EB-987D-49D23A567CB4}" dt="2021-06-06T15:26:32.367" v="11905" actId="207"/>
           <ac:spMkLst>
             <pc:docMk/>
             <pc:sldMk cId="3539450417" sldId="256"/>
@@ -816,7 +878,7 @@
           </ac:spMkLst>
         </pc:spChg>
         <pc:spChg chg="mod">
-          <ac:chgData name="Davide Romano" userId="c3ac3c10d9ce9e2a" providerId="LiveId" clId="{B14B8130-7782-43EB-987D-49D23A567CB4}" dt="2021-06-05T17:17:58.209" v="11698" actId="1076"/>
+          <ac:chgData name="Davide Romano" userId="c3ac3c10d9ce9e2a" providerId="LiveId" clId="{B14B8130-7782-43EB-987D-49D23A567CB4}" dt="2021-06-06T15:26:28.653" v="11904" actId="207"/>
           <ac:spMkLst>
             <pc:docMk/>
             <pc:sldMk cId="3539450417" sldId="256"/>
@@ -825,7 +887,7 @@
         </pc:spChg>
       </pc:sldChg>
       <pc:sldChg chg="addSp delSp modSp mod">
-        <pc:chgData name="Davide Romano" userId="c3ac3c10d9ce9e2a" providerId="LiveId" clId="{B14B8130-7782-43EB-987D-49D23A567CB4}" dt="2021-06-05T17:34:26.361" v="11861" actId="1076"/>
+        <pc:chgData name="Davide Romano" userId="c3ac3c10d9ce9e2a" providerId="LiveId" clId="{B14B8130-7782-43EB-987D-49D23A567CB4}" dt="2021-06-06T15:26:19.520" v="11898" actId="20577"/>
         <pc:sldMkLst>
           <pc:docMk/>
           <pc:sldMk cId="4183486380" sldId="257"/>
@@ -879,7 +941,7 @@
           </ac:spMkLst>
         </pc:spChg>
         <pc:spChg chg="add mod">
-          <ac:chgData name="Davide Romano" userId="c3ac3c10d9ce9e2a" providerId="LiveId" clId="{B14B8130-7782-43EB-987D-49D23A567CB4}" dt="2021-06-05T17:27:29.589" v="11802" actId="207"/>
+          <ac:chgData name="Davide Romano" userId="c3ac3c10d9ce9e2a" providerId="LiveId" clId="{B14B8130-7782-43EB-987D-49D23A567CB4}" dt="2021-06-06T15:26:19.520" v="11898" actId="20577"/>
           <ac:spMkLst>
             <pc:docMk/>
             <pc:sldMk cId="4183486380" sldId="257"/>
@@ -919,7 +981,7 @@
           </ac:spMkLst>
         </pc:spChg>
         <pc:spChg chg="add mod">
-          <ac:chgData name="Davide Romano" userId="c3ac3c10d9ce9e2a" providerId="LiveId" clId="{B14B8130-7782-43EB-987D-49D23A567CB4}" dt="2021-06-05T17:26:44.409" v="11801" actId="207"/>
+          <ac:chgData name="Davide Romano" userId="c3ac3c10d9ce9e2a" providerId="LiveId" clId="{B14B8130-7782-43EB-987D-49D23A567CB4}" dt="2021-06-06T15:26:16.280" v="11897" actId="207"/>
           <ac:spMkLst>
             <pc:docMk/>
             <pc:sldMk cId="4183486380" sldId="257"/>
@@ -1053,7 +1115,7 @@
         </pc:spChg>
       </pc:sldChg>
       <pc:sldChg chg="addSp modSp new mod">
-        <pc:chgData name="Davide Romano" userId="c3ac3c10d9ce9e2a" providerId="LiveId" clId="{B14B8130-7782-43EB-987D-49D23A567CB4}" dt="2021-06-05T16:51:46.955" v="11623" actId="207"/>
+        <pc:chgData name="Davide Romano" userId="c3ac3c10d9ce9e2a" providerId="LiveId" clId="{B14B8130-7782-43EB-987D-49D23A567CB4}" dt="2021-06-06T15:29:20.950" v="11933" actId="20577"/>
         <pc:sldMkLst>
           <pc:docMk/>
           <pc:sldMk cId="454804502" sldId="261"/>
@@ -1067,7 +1129,7 @@
           </ac:spMkLst>
         </pc:spChg>
         <pc:spChg chg="mod">
-          <ac:chgData name="Davide Romano" userId="c3ac3c10d9ce9e2a" providerId="LiveId" clId="{B14B8130-7782-43EB-987D-49D23A567CB4}" dt="2021-06-05T16:51:46.955" v="11623" actId="207"/>
+          <ac:chgData name="Davide Romano" userId="c3ac3c10d9ce9e2a" providerId="LiveId" clId="{B14B8130-7782-43EB-987D-49D23A567CB4}" dt="2021-06-06T15:29:20.950" v="11933" actId="20577"/>
           <ac:spMkLst>
             <pc:docMk/>
             <pc:sldMk cId="454804502" sldId="261"/>
@@ -2735,7 +2797,7 @@
         </pc:spChg>
       </pc:sldChg>
       <pc:sldChg chg="addSp modSp new mod">
-        <pc:chgData name="Davide Romano" userId="c3ac3c10d9ce9e2a" providerId="LiveId" clId="{B14B8130-7782-43EB-987D-49D23A567CB4}" dt="2021-06-05T16:15:15.321" v="11423" actId="20577"/>
+        <pc:chgData name="Davide Romano" userId="c3ac3c10d9ce9e2a" providerId="LiveId" clId="{B14B8130-7782-43EB-987D-49D23A567CB4}" dt="2021-06-06T15:23:45.204" v="11896" actId="20577"/>
         <pc:sldMkLst>
           <pc:docMk/>
           <pc:sldMk cId="759608758" sldId="273"/>
@@ -2749,7 +2811,7 @@
           </ac:spMkLst>
         </pc:spChg>
         <pc:spChg chg="mod">
-          <ac:chgData name="Davide Romano" userId="c3ac3c10d9ce9e2a" providerId="LiveId" clId="{B14B8130-7782-43EB-987D-49D23A567CB4}" dt="2021-06-05T16:15:15.321" v="11423" actId="20577"/>
+          <ac:chgData name="Davide Romano" userId="c3ac3c10d9ce9e2a" providerId="LiveId" clId="{B14B8130-7782-43EB-987D-49D23A567CB4}" dt="2021-06-06T15:23:45.204" v="11896" actId="20577"/>
           <ac:spMkLst>
             <pc:docMk/>
             <pc:sldMk cId="759608758" sldId="273"/>
@@ -2804,7 +2866,7 @@
         </pc:spChg>
       </pc:sldChg>
       <pc:sldChg chg="delSp modSp mod">
-        <pc:chgData name="Davide Romano" userId="c3ac3c10d9ce9e2a" providerId="LiveId" clId="{B14B8130-7782-43EB-987D-49D23A567CB4}" dt="2021-06-05T17:33:23.438" v="11857" actId="1076"/>
+        <pc:chgData name="Davide Romano" userId="c3ac3c10d9ce9e2a" providerId="LiveId" clId="{B14B8130-7782-43EB-987D-49D23A567CB4}" dt="2021-06-06T15:27:37.520" v="11919" actId="403"/>
         <pc:sldMkLst>
           <pc:docMk/>
           <pc:sldMk cId="481757856" sldId="276"/>
@@ -2818,7 +2880,7 @@
           </ac:spMkLst>
         </pc:spChg>
         <pc:spChg chg="mod">
-          <ac:chgData name="Davide Romano" userId="c3ac3c10d9ce9e2a" providerId="LiveId" clId="{B14B8130-7782-43EB-987D-49D23A567CB4}" dt="2021-06-05T17:33:04.218" v="11816" actId="1076"/>
+          <ac:chgData name="Davide Romano" userId="c3ac3c10d9ce9e2a" providerId="LiveId" clId="{B14B8130-7782-43EB-987D-49D23A567CB4}" dt="2021-06-06T15:27:37.520" v="11919" actId="403"/>
           <ac:spMkLst>
             <pc:docMk/>
             <pc:sldMk cId="481757856" sldId="276"/>
@@ -2918,6 +2980,29 @@
             <pc:docMk/>
             <pc:sldMk cId="3739782397" sldId="276"/>
             <ac:spMk id="3" creationId="{14472FB9-642A-498A-A189-B94F0C1B6181}"/>
+          </ac:spMkLst>
+        </pc:spChg>
+      </pc:sldChg>
+      <pc:sldChg chg="modSp new mod">
+        <pc:chgData name="Davide Romano" userId="c3ac3c10d9ce9e2a" providerId="LiveId" clId="{B14B8130-7782-43EB-987D-49D23A567CB4}" dt="2021-06-06T17:26:31.842" v="12182" actId="20577"/>
+        <pc:sldMkLst>
+          <pc:docMk/>
+          <pc:sldMk cId="3546326302" sldId="277"/>
+        </pc:sldMkLst>
+        <pc:spChg chg="mod">
+          <ac:chgData name="Davide Romano" userId="c3ac3c10d9ce9e2a" providerId="LiveId" clId="{B14B8130-7782-43EB-987D-49D23A567CB4}" dt="2021-06-06T16:37:32.566" v="11946" actId="20577"/>
+          <ac:spMkLst>
+            <pc:docMk/>
+            <pc:sldMk cId="3546326302" sldId="277"/>
+            <ac:spMk id="2" creationId="{1706A7DC-0D5B-4B29-868A-2F591C74EE8D}"/>
+          </ac:spMkLst>
+        </pc:spChg>
+        <pc:spChg chg="mod">
+          <ac:chgData name="Davide Romano" userId="c3ac3c10d9ce9e2a" providerId="LiveId" clId="{B14B8130-7782-43EB-987D-49D23A567CB4}" dt="2021-06-06T17:26:31.842" v="12182" actId="20577"/>
+          <ac:spMkLst>
+            <pc:docMk/>
+            <pc:sldMk cId="3546326302" sldId="277"/>
+            <ac:spMk id="3" creationId="{AEB66FC2-C8C8-444C-881F-77F0B81C3594}"/>
           </ac:spMkLst>
         </pc:spChg>
       </pc:sldChg>
@@ -3325,7 +3410,7 @@
           <a:p>
             <a:fld id="{EB7AD923-636F-4703-A154-2F0997394AE5}" type="datetimeFigureOut">
               <a:rPr lang="it-IT" smtClean="0"/>
-              <a:t>05/06/2021</a:t>
+              <a:t>06/06/2021</a:t>
             </a:fld>
             <a:endParaRPr lang="it-IT" dirty="0"/>
           </a:p>
@@ -3657,7 +3742,7 @@
           <a:p>
             <a:fld id="{D1783AC9-ADD0-4178-8AD1-257600409AB3}" type="slidenum">
               <a:rPr lang="it-IT" smtClean="0"/>
-              <a:t>20</a:t>
+              <a:t>21</a:t>
             </a:fld>
             <a:endParaRPr lang="it-IT" dirty="0"/>
           </a:p>
@@ -3823,7 +3908,7 @@
           <a:p>
             <a:fld id="{B488E95D-51D5-41A0-ADCD-58492DE6F203}" type="datetimeFigureOut">
               <a:rPr lang="it-IT" smtClean="0"/>
-              <a:t>05/06/2021</a:t>
+              <a:t>06/06/2021</a:t>
             </a:fld>
             <a:endParaRPr lang="it-IT" dirty="0"/>
           </a:p>
@@ -4021,7 +4106,7 @@
           <a:p>
             <a:fld id="{B488E95D-51D5-41A0-ADCD-58492DE6F203}" type="datetimeFigureOut">
               <a:rPr lang="it-IT" smtClean="0"/>
-              <a:t>05/06/2021</a:t>
+              <a:t>06/06/2021</a:t>
             </a:fld>
             <a:endParaRPr lang="it-IT" dirty="0"/>
           </a:p>
@@ -4229,7 +4314,7 @@
           <a:p>
             <a:fld id="{B488E95D-51D5-41A0-ADCD-58492DE6F203}" type="datetimeFigureOut">
               <a:rPr lang="it-IT" smtClean="0"/>
-              <a:t>05/06/2021</a:t>
+              <a:t>06/06/2021</a:t>
             </a:fld>
             <a:endParaRPr lang="it-IT" dirty="0"/>
           </a:p>
@@ -4427,7 +4512,7 @@
           <a:p>
             <a:fld id="{B488E95D-51D5-41A0-ADCD-58492DE6F203}" type="datetimeFigureOut">
               <a:rPr lang="it-IT" smtClean="0"/>
-              <a:t>05/06/2021</a:t>
+              <a:t>06/06/2021</a:t>
             </a:fld>
             <a:endParaRPr lang="it-IT" dirty="0"/>
           </a:p>
@@ -4702,7 +4787,7 @@
           <a:p>
             <a:fld id="{B488E95D-51D5-41A0-ADCD-58492DE6F203}" type="datetimeFigureOut">
               <a:rPr lang="it-IT" smtClean="0"/>
-              <a:t>05/06/2021</a:t>
+              <a:t>06/06/2021</a:t>
             </a:fld>
             <a:endParaRPr lang="it-IT" dirty="0"/>
           </a:p>
@@ -4967,7 +5052,7 @@
           <a:p>
             <a:fld id="{B488E95D-51D5-41A0-ADCD-58492DE6F203}" type="datetimeFigureOut">
               <a:rPr lang="it-IT" smtClean="0"/>
-              <a:t>05/06/2021</a:t>
+              <a:t>06/06/2021</a:t>
             </a:fld>
             <a:endParaRPr lang="it-IT" dirty="0"/>
           </a:p>
@@ -5379,7 +5464,7 @@
           <a:p>
             <a:fld id="{B488E95D-51D5-41A0-ADCD-58492DE6F203}" type="datetimeFigureOut">
               <a:rPr lang="it-IT" smtClean="0"/>
-              <a:t>05/06/2021</a:t>
+              <a:t>06/06/2021</a:t>
             </a:fld>
             <a:endParaRPr lang="it-IT" dirty="0"/>
           </a:p>
@@ -5520,7 +5605,7 @@
           <a:p>
             <a:fld id="{B488E95D-51D5-41A0-ADCD-58492DE6F203}" type="datetimeFigureOut">
               <a:rPr lang="it-IT" smtClean="0"/>
-              <a:t>05/06/2021</a:t>
+              <a:t>06/06/2021</a:t>
             </a:fld>
             <a:endParaRPr lang="it-IT" dirty="0"/>
           </a:p>
@@ -5633,7 +5718,7 @@
           <a:p>
             <a:fld id="{B488E95D-51D5-41A0-ADCD-58492DE6F203}" type="datetimeFigureOut">
               <a:rPr lang="it-IT" smtClean="0"/>
-              <a:t>05/06/2021</a:t>
+              <a:t>06/06/2021</a:t>
             </a:fld>
             <a:endParaRPr lang="it-IT" dirty="0"/>
           </a:p>
@@ -5944,7 +6029,7 @@
           <a:p>
             <a:fld id="{B488E95D-51D5-41A0-ADCD-58492DE6F203}" type="datetimeFigureOut">
               <a:rPr lang="it-IT" smtClean="0"/>
-              <a:t>05/06/2021</a:t>
+              <a:t>06/06/2021</a:t>
             </a:fld>
             <a:endParaRPr lang="it-IT" dirty="0"/>
           </a:p>
@@ -6232,7 +6317,7 @@
           <a:p>
             <a:fld id="{B488E95D-51D5-41A0-ADCD-58492DE6F203}" type="datetimeFigureOut">
               <a:rPr lang="it-IT" smtClean="0"/>
-              <a:t>05/06/2021</a:t>
+              <a:t>06/06/2021</a:t>
             </a:fld>
             <a:endParaRPr lang="it-IT" dirty="0"/>
           </a:p>
@@ -6473,7 +6558,7 @@
           <a:p>
             <a:fld id="{B488E95D-51D5-41A0-ADCD-58492DE6F203}" type="datetimeFigureOut">
               <a:rPr lang="it-IT" smtClean="0"/>
-              <a:t>05/06/2021</a:t>
+              <a:t>06/06/2021</a:t>
             </a:fld>
             <a:endParaRPr lang="it-IT" dirty="0"/>
           </a:p>
@@ -7251,7 +7336,13 @@
               <a:rPr lang="it-IT" sz="1600" dirty="0">
                 <a:cs typeface="Calibri"/>
               </a:rPr>
-              <a:t>ID -&gt; MIN</a:t>
+              <a:t>ID -&gt; </a:t>
+            </a:r>
+            <a:r>
+              <a:rPr lang="it-IT" sz="1600">
+                <a:cs typeface="Calibri"/>
+              </a:rPr>
+              <a:t>MINIMO</a:t>
             </a:r>
           </a:p>
           <a:p>
@@ -7260,8 +7351,17 @@
               <a:rPr lang="it-IT" sz="1600" dirty="0">
                 <a:cs typeface="Calibri"/>
               </a:rPr>
-              <a:t>ID-&gt; MAX</a:t>
-            </a:r>
+              <a:t>ID-&gt; </a:t>
+            </a:r>
+            <a:r>
+              <a:rPr lang="it-IT" sz="1600">
+                <a:cs typeface="Calibri"/>
+              </a:rPr>
+              <a:t>MASSIMO</a:t>
+            </a:r>
+            <a:endParaRPr lang="it-IT" sz="1600" dirty="0">
+              <a:cs typeface="Calibri"/>
+            </a:endParaRPr>
           </a:p>
           <a:p>
             <a:pPr algn="l"/>
@@ -7970,32 +8070,32 @@
             </a:r>
           </a:p>
           <a:p>
+            <a:r>
+              <a:rPr lang="it-IT" dirty="0">
+                <a:cs typeface="Calibri" panose="020F0502020204030204"/>
+              </a:rPr>
+              <a:t>Forse potrebbe essere MONTH TO SECOND. FORSE</a:t>
+            </a:r>
+          </a:p>
+          <a:p>
             <a:endParaRPr lang="it-IT" dirty="0">
               <a:cs typeface="Calibri" panose="020F0502020204030204"/>
             </a:endParaRPr>
           </a:p>
           <a:p>
-            <a:r>
-              <a:rPr lang="it-IT" dirty="0">
-                <a:cs typeface="Calibri" panose="020F0502020204030204"/>
-              </a:rPr>
-              <a:t>Forse potrebbe essere MONTH TO SECOND. FORSE</a:t>
-            </a:r>
-          </a:p>
-          <a:p>
-            <a:r>
-              <a:rPr lang="it-IT" dirty="0">
-                <a:cs typeface="Calibri" panose="020F0502020204030204"/>
-              </a:rPr>
-              <a:t>No perché quelli credo siano predefiniti</a:t>
-            </a:r>
-          </a:p>
-          <a:p>
             <a:endParaRPr lang="it-IT" dirty="0">
               <a:cs typeface="Calibri" panose="020F0502020204030204"/>
             </a:endParaRPr>
           </a:p>
           <a:p>
+            <a:r>
+              <a:rPr lang="it-IT" dirty="0">
+                <a:cs typeface="Calibri" panose="020F0502020204030204"/>
+              </a:rPr>
+              <a:t>READY.</a:t>
+            </a:r>
+          </a:p>
+          <a:p>
             <a:endParaRPr lang="it-IT" dirty="0">
               <a:cs typeface="Calibri" panose="020F0502020204030204"/>
             </a:endParaRPr>
@@ -8008,146 +8108,6 @@
           <a:p>
             <a:endParaRPr lang="it-IT" dirty="0">
               <a:cs typeface="Calibri" panose="020F0502020204030204"/>
-            </a:endParaRPr>
-          </a:p>
-          <a:p>
-            <a:endParaRPr lang="it-IT" dirty="0">
-              <a:cs typeface="Calibri" panose="020F0502020204030204"/>
-            </a:endParaRPr>
-          </a:p>
-        </p:txBody>
-      </p:sp>
-      <p:sp>
-        <p:nvSpPr>
-          <p:cNvPr id="3" name="CasellaDiTesto 1">
-            <a:extLst>
-              <a:ext uri="{FF2B5EF4-FFF2-40B4-BE49-F238E27FC236}">
-                <a16:creationId xmlns:a16="http://schemas.microsoft.com/office/drawing/2014/main" id="{B06C8377-F20C-4B56-B80E-1BE3084BBF90}"/>
-              </a:ext>
-            </a:extLst>
-          </p:cNvPr>
-          <p:cNvSpPr txBox="1"/>
-          <p:nvPr/>
-        </p:nvSpPr>
-        <p:spPr>
-          <a:xfrm>
-            <a:off x="8727929" y="330260"/>
-            <a:ext cx="2743200" cy="369332"/>
-          </a:xfrm>
-          <a:prstGeom prst="rect">
-            <a:avLst/>
-          </a:prstGeom>
-          <a:noFill/>
-        </p:spPr>
-        <p:txBody>
-          <a:bodyPr rot="0" spcFirstLastPara="0" vert="horz" wrap="square" lIns="91440" tIns="45720" rIns="91440" bIns="45720" numCol="1" spcCol="0" rtlCol="0" fromWordArt="0" anchor="t" anchorCtr="0" forceAA="0" compatLnSpc="1">
-            <a:prstTxWarp prst="textNoShape">
-              <a:avLst/>
-            </a:prstTxWarp>
-            <a:spAutoFit/>
-          </a:bodyPr>
-          <a:lstStyle>
-            <a:defPPr>
-              <a:defRPr lang="it-IT"/>
-            </a:defPPr>
-            <a:lvl1pPr marL="0" algn="l" defTabSz="914400" rtl="0" eaLnBrk="1" latinLnBrk="0" hangingPunct="1">
-              <a:defRPr sz="1800" kern="1200">
-                <a:solidFill>
-                  <a:schemeClr val="tx1"/>
-                </a:solidFill>
-                <a:latin typeface="+mn-lt"/>
-                <a:ea typeface="+mn-ea"/>
-                <a:cs typeface="+mn-cs"/>
-              </a:defRPr>
-            </a:lvl1pPr>
-            <a:lvl2pPr marL="457200" algn="l" defTabSz="914400" rtl="0" eaLnBrk="1" latinLnBrk="0" hangingPunct="1">
-              <a:defRPr sz="1800" kern="1200">
-                <a:solidFill>
-                  <a:schemeClr val="tx1"/>
-                </a:solidFill>
-                <a:latin typeface="+mn-lt"/>
-                <a:ea typeface="+mn-ea"/>
-                <a:cs typeface="+mn-cs"/>
-              </a:defRPr>
-            </a:lvl2pPr>
-            <a:lvl3pPr marL="914400" algn="l" defTabSz="914400" rtl="0" eaLnBrk="1" latinLnBrk="0" hangingPunct="1">
-              <a:defRPr sz="1800" kern="1200">
-                <a:solidFill>
-                  <a:schemeClr val="tx1"/>
-                </a:solidFill>
-                <a:latin typeface="+mn-lt"/>
-                <a:ea typeface="+mn-ea"/>
-                <a:cs typeface="+mn-cs"/>
-              </a:defRPr>
-            </a:lvl3pPr>
-            <a:lvl4pPr marL="1371600" algn="l" defTabSz="914400" rtl="0" eaLnBrk="1" latinLnBrk="0" hangingPunct="1">
-              <a:defRPr sz="1800" kern="1200">
-                <a:solidFill>
-                  <a:schemeClr val="tx1"/>
-                </a:solidFill>
-                <a:latin typeface="+mn-lt"/>
-                <a:ea typeface="+mn-ea"/>
-                <a:cs typeface="+mn-cs"/>
-              </a:defRPr>
-            </a:lvl4pPr>
-            <a:lvl5pPr marL="1828800" algn="l" defTabSz="914400" rtl="0" eaLnBrk="1" latinLnBrk="0" hangingPunct="1">
-              <a:defRPr sz="1800" kern="1200">
-                <a:solidFill>
-                  <a:schemeClr val="tx1"/>
-                </a:solidFill>
-                <a:latin typeface="+mn-lt"/>
-                <a:ea typeface="+mn-ea"/>
-                <a:cs typeface="+mn-cs"/>
-              </a:defRPr>
-            </a:lvl5pPr>
-            <a:lvl6pPr marL="2286000" algn="l" defTabSz="914400" rtl="0" eaLnBrk="1" latinLnBrk="0" hangingPunct="1">
-              <a:defRPr sz="1800" kern="1200">
-                <a:solidFill>
-                  <a:schemeClr val="tx1"/>
-                </a:solidFill>
-                <a:latin typeface="+mn-lt"/>
-                <a:ea typeface="+mn-ea"/>
-                <a:cs typeface="+mn-cs"/>
-              </a:defRPr>
-            </a:lvl6pPr>
-            <a:lvl7pPr marL="2743200" algn="l" defTabSz="914400" rtl="0" eaLnBrk="1" latinLnBrk="0" hangingPunct="1">
-              <a:defRPr sz="1800" kern="1200">
-                <a:solidFill>
-                  <a:schemeClr val="tx1"/>
-                </a:solidFill>
-                <a:latin typeface="+mn-lt"/>
-                <a:ea typeface="+mn-ea"/>
-                <a:cs typeface="+mn-cs"/>
-              </a:defRPr>
-            </a:lvl7pPr>
-            <a:lvl8pPr marL="3200400" algn="l" defTabSz="914400" rtl="0" eaLnBrk="1" latinLnBrk="0" hangingPunct="1">
-              <a:defRPr sz="1800" kern="1200">
-                <a:solidFill>
-                  <a:schemeClr val="tx1"/>
-                </a:solidFill>
-                <a:latin typeface="+mn-lt"/>
-                <a:ea typeface="+mn-ea"/>
-                <a:cs typeface="+mn-cs"/>
-              </a:defRPr>
-            </a:lvl8pPr>
-            <a:lvl9pPr marL="3657600" algn="l" defTabSz="914400" rtl="0" eaLnBrk="1" latinLnBrk="0" hangingPunct="1">
-              <a:defRPr sz="1800" kern="1200">
-                <a:solidFill>
-                  <a:schemeClr val="tx1"/>
-                </a:solidFill>
-                <a:latin typeface="+mn-lt"/>
-                <a:ea typeface="+mn-ea"/>
-                <a:cs typeface="+mn-cs"/>
-              </a:defRPr>
-            </a:lvl9pPr>
-          </a:lstStyle>
-          <a:p>
-            <a:r>
-              <a:rPr lang="it-IT" dirty="0"/>
-              <a:t>interesting</a:t>
-            </a:r>
-            <a:endParaRPr lang="it-IT" dirty="0">
-              <a:cs typeface="Calibri"/>
             </a:endParaRPr>
           </a:p>
         </p:txBody>
@@ -10788,10 +10748,38 @@
       </p:grpSpPr>
       <p:sp>
         <p:nvSpPr>
+          <p:cNvPr id="2" name="Titolo 1">
+            <a:extLst>
+              <a:ext uri="{FF2B5EF4-FFF2-40B4-BE49-F238E27FC236}">
+                <a16:creationId xmlns:a16="http://schemas.microsoft.com/office/drawing/2014/main" id="{1706A7DC-0D5B-4B29-868A-2F591C74EE8D}"/>
+              </a:ext>
+            </a:extLst>
+          </p:cNvPr>
+          <p:cNvSpPr>
+            <a:spLocks noGrp="1"/>
+          </p:cNvSpPr>
+          <p:nvPr>
+            <p:ph type="title"/>
+          </p:nvPr>
+        </p:nvSpPr>
+        <p:spPr/>
+        <p:txBody>
+          <a:bodyPr/>
+          <a:lstStyle/>
+          <a:p>
+            <a:r>
+              <a:rPr lang="it-IT" dirty="0"/>
+              <a:t>POPOLAMENTO </a:t>
+            </a:r>
+          </a:p>
+        </p:txBody>
+      </p:sp>
+      <p:sp>
+        <p:nvSpPr>
           <p:cNvPr id="3" name="Segnaposto contenuto 2">
             <a:extLst>
               <a:ext uri="{FF2B5EF4-FFF2-40B4-BE49-F238E27FC236}">
-                <a16:creationId xmlns:a16="http://schemas.microsoft.com/office/drawing/2014/main" id="{CF7F9D15-2369-4008-ABB1-46B3311707CC}"/>
+                <a16:creationId xmlns:a16="http://schemas.microsoft.com/office/drawing/2014/main" id="{AEB66FC2-C8C8-444C-881F-77F0B81C3594}"/>
               </a:ext>
             </a:extLst>
           </p:cNvPr>
@@ -10802,104 +10790,181 @@
             <p:ph idx="1"/>
           </p:nvPr>
         </p:nvSpPr>
-        <p:spPr>
-          <a:xfrm>
-            <a:off x="304800" y="212725"/>
-            <a:ext cx="10515600" cy="6432550"/>
-          </a:xfrm>
-        </p:spPr>
+        <p:spPr/>
         <p:txBody>
           <a:bodyPr>
-            <a:normAutofit/>
+            <a:normAutofit lnSpcReduction="10000"/>
           </a:bodyPr>
           <a:lstStyle/>
           <a:p>
-            <a:r>
-              <a:rPr lang="it-IT" sz="3200" dirty="0"/>
-              <a:t>FUNZIONI</a:t>
-            </a:r>
-          </a:p>
-          <a:p>
-            <a:pPr marL="514350" indent="-514350">
-              <a:buAutoNum type="arabicPeriod"/>
-            </a:pPr>
-            <a:r>
-              <a:rPr lang="it-IT" sz="1400" dirty="0"/>
-              <a:t>Funzione che realizza l’interrogazione 2b in maniera parametrica rispetto all’ID del gioco;</a:t>
-            </a:r>
-          </a:p>
-          <a:p>
-            <a:pPr marL="514350" indent="-514350">
-              <a:buAutoNum type="arabicPeriod"/>
-            </a:pPr>
-            <a:endParaRPr lang="it-IT" sz="1400" dirty="0"/>
-          </a:p>
-          <a:p>
             <a:pPr marL="0" indent="0">
               <a:buNone/>
             </a:pPr>
             <a:r>
-              <a:rPr lang="it-IT" sz="1400" dirty="0"/>
-              <a:t> </a:t>
-            </a:r>
+              <a:rPr lang="it-IT" dirty="0"/>
+              <a:t>SELECT </a:t>
+            </a:r>
+            <a:r>
+              <a:rPr lang="it-IT" dirty="0" err="1"/>
+              <a:t>relname</a:t>
+            </a:r>
+            <a:r>
+              <a:rPr lang="it-IT" dirty="0"/>
+              <a:t>, </a:t>
+            </a:r>
+            <a:r>
+              <a:rPr lang="it-IT" dirty="0" err="1"/>
+              <a:t>relfilenode</a:t>
+            </a:r>
+            <a:r>
+              <a:rPr lang="it-IT" dirty="0"/>
+              <a:t>, </a:t>
+            </a:r>
+            <a:r>
+              <a:rPr lang="it-IT" dirty="0" err="1"/>
+              <a:t>relpages</a:t>
+            </a:r>
+            <a:r>
+              <a:rPr lang="it-IT" dirty="0"/>
+              <a:t>, </a:t>
+            </a:r>
+            <a:r>
+              <a:rPr lang="it-IT" dirty="0" err="1"/>
+              <a:t>reltuples</a:t>
+            </a:r>
+            <a:r>
+              <a:rPr lang="it-IT" dirty="0"/>
+              <a:t>, </a:t>
+            </a:r>
+            <a:r>
+              <a:rPr lang="it-IT" dirty="0" err="1"/>
+              <a:t>relkind</a:t>
+            </a:r>
+            <a:endParaRPr lang="it-IT" dirty="0"/>
           </a:p>
           <a:p>
             <a:pPr marL="0" indent="0">
               <a:buNone/>
             </a:pPr>
             <a:r>
-              <a:rPr lang="it-IT" sz="1400" dirty="0"/>
-              <a:t>2. Funzione di scelta dell’icona da parte di una squadra in una sfida: possono essere scelte solo le icone corrispondenti al gioco cui si riferisce la sfida che non siano già state scelte da altre squadre</a:t>
-            </a:r>
+              <a:rPr lang="it-IT" dirty="0"/>
+              <a:t>FROM </a:t>
+            </a:r>
+            <a:r>
+              <a:rPr lang="it-IT" dirty="0" err="1"/>
+              <a:t>pg_class</a:t>
+            </a:r>
+            <a:endParaRPr lang="it-IT" dirty="0"/>
           </a:p>
           <a:p>
             <a:pPr marL="0" indent="0">
               <a:buNone/>
             </a:pPr>
-            <a:endParaRPr lang="it-IT" sz="1400" dirty="0"/>
+            <a:r>
+              <a:rPr lang="it-IT" dirty="0"/>
+              <a:t>WHERE </a:t>
+            </a:r>
+            <a:r>
+              <a:rPr lang="it-IT" dirty="0" err="1"/>
+              <a:t>relnamespace</a:t>
+            </a:r>
+            <a:r>
+              <a:rPr lang="it-IT" dirty="0"/>
+              <a:t> = (	SELECT </a:t>
+            </a:r>
+            <a:r>
+              <a:rPr lang="it-IT" dirty="0" err="1"/>
+              <a:t>oid</a:t>
+            </a:r>
+            <a:r>
+              <a:rPr lang="it-IT" dirty="0"/>
+              <a:t>	FROM </a:t>
+            </a:r>
+            <a:r>
+              <a:rPr lang="it-IT" dirty="0" err="1"/>
+              <a:t>pg_namespace</a:t>
+            </a:r>
+            <a:r>
+              <a:rPr lang="it-IT" dirty="0"/>
+              <a:t>	WHERE </a:t>
+            </a:r>
+            <a:r>
+              <a:rPr lang="it-IT" dirty="0" err="1"/>
+              <a:t>nspname</a:t>
+            </a:r>
+            <a:r>
+              <a:rPr lang="it-IT" dirty="0"/>
+              <a:t> = '</a:t>
+            </a:r>
+            <a:r>
+              <a:rPr lang="it-IT" dirty="0" err="1"/>
+              <a:t>online_challenge_activity</a:t>
+            </a:r>
+            <a:r>
+              <a:rPr lang="it-IT" dirty="0"/>
+              <a:t>') AND </a:t>
+            </a:r>
+            <a:r>
+              <a:rPr lang="it-IT" dirty="0" err="1"/>
+              <a:t>relkind</a:t>
+            </a:r>
+            <a:r>
+              <a:rPr lang="it-IT" dirty="0"/>
+              <a:t>='r’;</a:t>
+            </a:r>
           </a:p>
           <a:p>
             <a:pPr marL="0" indent="0">
               <a:buNone/>
             </a:pPr>
-            <a:endParaRPr lang="it-IT" sz="1400" dirty="0"/>
-          </a:p>
-          <a:p>
-            <a:r>
-              <a:rPr lang="it-IT" sz="3600" dirty="0"/>
-              <a:t>TRIGGER</a:t>
-            </a:r>
-          </a:p>
-          <a:p>
-            <a:pPr marL="342900" indent="-342900">
-              <a:buAutoNum type="alphaLcPeriod"/>
-            </a:pPr>
-            <a:r>
-              <a:rPr lang="it-IT" sz="1400" dirty="0"/>
-              <a:t>Verifica del vincolo che nessun utente possa partecipare a sfide contemporanee;</a:t>
-            </a:r>
-          </a:p>
-          <a:p>
-            <a:pPr marL="342900" indent="-342900">
-              <a:buAutoNum type="alphaLcPeriod"/>
-            </a:pPr>
-            <a:r>
-              <a:rPr lang="it-IT" sz="1400" dirty="0"/>
-              <a:t>Mantenimento del punteggio corrente di ciascuna squadra in ogni sfida e inserimento delle icone opportune nella casella podio.</a:t>
-            </a:r>
+            <a:endParaRPr lang="it-IT" dirty="0"/>
           </a:p>
           <a:p>
             <a:pPr marL="0" indent="0">
               <a:buNone/>
             </a:pPr>
-            <a:endParaRPr lang="it-IT" sz="1400" dirty="0"/>
+            <a:r>
+              <a:rPr lang="it-IT" dirty="0"/>
+              <a:t>Ho inserito </a:t>
+            </a:r>
+            <a:r>
+              <a:rPr lang="it-IT" dirty="0" err="1"/>
+              <a:t>tuple</a:t>
+            </a:r>
+            <a:r>
+              <a:rPr lang="it-IT" dirty="0"/>
+              <a:t> per giochi, sfide e le tabelle senza chiavi esterne: utenti, task, set icone, quiz</a:t>
+            </a:r>
+          </a:p>
+          <a:p>
+            <a:pPr marL="0" indent="0">
+              <a:buNone/>
+            </a:pPr>
+            <a:endParaRPr lang="it-IT" dirty="0"/>
+          </a:p>
+          <a:p>
+            <a:pPr marL="0" indent="0">
+              <a:buNone/>
+            </a:pPr>
+            <a:r>
+              <a:rPr lang="it-IT" dirty="0"/>
+              <a:t>Abbiamo 12 vincoli check da controllare in </a:t>
+            </a:r>
+            <a:r>
+              <a:rPr lang="it-IT" dirty="0" err="1"/>
+              <a:t>GiocaIn</a:t>
+            </a:r>
+            <a:r>
+              <a:rPr lang="it-IT" dirty="0"/>
+              <a:t> , Podio, Caselle e dadi</a:t>
+            </a:r>
           </a:p>
         </p:txBody>
       </p:sp>
     </p:spTree>
     <p:extLst>
       <p:ext uri="{BB962C8B-B14F-4D97-AF65-F5344CB8AC3E}">
-        <p14:creationId xmlns:p14="http://schemas.microsoft.com/office/powerpoint/2010/main" val="2290920864"/>
+        <p14:creationId xmlns:p14="http://schemas.microsoft.com/office/powerpoint/2010/main" val="3546326302"/>
       </p:ext>
     </p:extLst>
   </p:cSld>
@@ -11301,6 +11366,146 @@
       </p:grpSpPr>
       <p:sp>
         <p:nvSpPr>
+          <p:cNvPr id="3" name="Segnaposto contenuto 2">
+            <a:extLst>
+              <a:ext uri="{FF2B5EF4-FFF2-40B4-BE49-F238E27FC236}">
+                <a16:creationId xmlns:a16="http://schemas.microsoft.com/office/drawing/2014/main" id="{CF7F9D15-2369-4008-ABB1-46B3311707CC}"/>
+              </a:ext>
+            </a:extLst>
+          </p:cNvPr>
+          <p:cNvSpPr>
+            <a:spLocks noGrp="1"/>
+          </p:cNvSpPr>
+          <p:nvPr>
+            <p:ph idx="1"/>
+          </p:nvPr>
+        </p:nvSpPr>
+        <p:spPr>
+          <a:xfrm>
+            <a:off x="304800" y="212725"/>
+            <a:ext cx="10515600" cy="6432550"/>
+          </a:xfrm>
+        </p:spPr>
+        <p:txBody>
+          <a:bodyPr>
+            <a:normAutofit/>
+          </a:bodyPr>
+          <a:lstStyle/>
+          <a:p>
+            <a:r>
+              <a:rPr lang="it-IT" sz="3200" dirty="0"/>
+              <a:t>FUNZIONI</a:t>
+            </a:r>
+          </a:p>
+          <a:p>
+            <a:pPr marL="514350" indent="-514350">
+              <a:buAutoNum type="arabicPeriod"/>
+            </a:pPr>
+            <a:r>
+              <a:rPr lang="it-IT" sz="1400" dirty="0"/>
+              <a:t>Funzione che realizza l’interrogazione 2b in maniera parametrica rispetto all’ID del gioco;</a:t>
+            </a:r>
+          </a:p>
+          <a:p>
+            <a:pPr marL="514350" indent="-514350">
+              <a:buAutoNum type="arabicPeriod"/>
+            </a:pPr>
+            <a:endParaRPr lang="it-IT" sz="1400" dirty="0"/>
+          </a:p>
+          <a:p>
+            <a:pPr marL="0" indent="0">
+              <a:buNone/>
+            </a:pPr>
+            <a:r>
+              <a:rPr lang="it-IT" sz="1400" dirty="0"/>
+              <a:t> </a:t>
+            </a:r>
+          </a:p>
+          <a:p>
+            <a:pPr marL="0" indent="0">
+              <a:buNone/>
+            </a:pPr>
+            <a:r>
+              <a:rPr lang="it-IT" sz="1400" dirty="0"/>
+              <a:t>2. Funzione di scelta dell’icona da parte di una squadra in una sfida: possono essere scelte solo le icone corrispondenti al gioco cui si riferisce la sfida che non siano già state scelte da altre squadre</a:t>
+            </a:r>
+          </a:p>
+          <a:p>
+            <a:pPr marL="0" indent="0">
+              <a:buNone/>
+            </a:pPr>
+            <a:endParaRPr lang="it-IT" sz="1400" dirty="0"/>
+          </a:p>
+          <a:p>
+            <a:pPr marL="0" indent="0">
+              <a:buNone/>
+            </a:pPr>
+            <a:endParaRPr lang="it-IT" sz="1400" dirty="0"/>
+          </a:p>
+          <a:p>
+            <a:r>
+              <a:rPr lang="it-IT" sz="3600" dirty="0"/>
+              <a:t>TRIGGER</a:t>
+            </a:r>
+          </a:p>
+          <a:p>
+            <a:pPr marL="342900" indent="-342900">
+              <a:buAutoNum type="alphaLcPeriod"/>
+            </a:pPr>
+            <a:r>
+              <a:rPr lang="it-IT" sz="1400" dirty="0"/>
+              <a:t>Verifica del vincolo che nessun utente possa partecipare a sfide contemporanee;</a:t>
+            </a:r>
+          </a:p>
+          <a:p>
+            <a:pPr marL="342900" indent="-342900">
+              <a:buAutoNum type="alphaLcPeriod"/>
+            </a:pPr>
+            <a:r>
+              <a:rPr lang="it-IT" sz="1400" dirty="0"/>
+              <a:t>Mantenimento del punteggio corrente di ciascuna squadra in ogni sfida e inserimento delle icone opportune nella casella podio.</a:t>
+            </a:r>
+          </a:p>
+          <a:p>
+            <a:pPr marL="0" indent="0">
+              <a:buNone/>
+            </a:pPr>
+            <a:endParaRPr lang="it-IT" sz="1400" dirty="0"/>
+          </a:p>
+        </p:txBody>
+      </p:sp>
+    </p:spTree>
+    <p:extLst>
+      <p:ext uri="{BB962C8B-B14F-4D97-AF65-F5344CB8AC3E}">
+        <p14:creationId xmlns:p14="http://schemas.microsoft.com/office/powerpoint/2010/main" val="2290920864"/>
+      </p:ext>
+    </p:extLst>
+  </p:cSld>
+  <p:clrMapOvr>
+    <a:masterClrMapping/>
+  </p:clrMapOvr>
+</p:sld>
+</file>
+
+<file path=ppt/slides/slide21.xml><?xml version="1.0" encoding="utf-8"?>
+<p:sld xmlns:a="http://schemas.openxmlformats.org/drawingml/2006/main" xmlns:r="http://schemas.openxmlformats.org/officeDocument/2006/relationships" xmlns:p="http://schemas.openxmlformats.org/presentationml/2006/main">
+  <p:cSld>
+    <p:spTree>
+      <p:nvGrpSpPr>
+        <p:cNvPr id="1" name=""/>
+        <p:cNvGrpSpPr/>
+        <p:nvPr/>
+      </p:nvGrpSpPr>
+      <p:grpSpPr>
+        <a:xfrm>
+          <a:off x="0" y="0"/>
+          <a:ext cx="0" cy="0"/>
+          <a:chOff x="0" y="0"/>
+          <a:chExt cx="0" cy="0"/>
+        </a:xfrm>
+      </p:grpSpPr>
+      <p:sp>
+        <p:nvSpPr>
           <p:cNvPr id="2" name="Titolo 1">
             <a:extLst>
               <a:ext uri="{FF2B5EF4-FFF2-40B4-BE49-F238E27FC236}">
@@ -11361,7 +11566,7 @@
         </p:spPr>
         <p:txBody>
           <a:bodyPr>
-            <a:normAutofit fontScale="92500" lnSpcReduction="10000"/>
+            <a:normAutofit fontScale="85000" lnSpcReduction="20000"/>
           </a:bodyPr>
           <a:lstStyle/>
           <a:p>
@@ -11439,6 +11644,12 @@
             <a:r>
               <a:rPr lang="it-IT" dirty="0"/>
               <a:t>Lancio dadi diventa facoltativo!!!</a:t>
+            </a:r>
+          </a:p>
+          <a:p>
+            <a:r>
+              <a:rPr lang="it-IT" dirty="0"/>
+              <a:t>Cambiare nome a min e max in DADI</a:t>
             </a:r>
           </a:p>
         </p:txBody>
@@ -11591,12 +11802,106 @@
               <a:t>	</a:t>
             </a:r>
             <a:r>
-              <a:rPr lang="it-IT" sz="1200" dirty="0">
-                <a:solidFill>
-                  <a:srgbClr val="CC66FF"/>
-                </a:solidFill>
-              </a:rPr>
+              <a:rPr lang="it-IT" sz="1200" dirty="0"/>
               <a:t>-Coordinate.X = int</a:t>
+            </a:r>
+          </a:p>
+          <a:p>
+            <a:r>
+              <a:rPr lang="it-IT" sz="1200" b="1" dirty="0"/>
+              <a:t>	</a:t>
+            </a:r>
+            <a:r>
+              <a:rPr lang="it-IT" sz="1200" dirty="0"/>
+              <a:t>-Coordinate.Y = int </a:t>
+            </a:r>
+          </a:p>
+          <a:p>
+            <a:r>
+              <a:rPr lang="it-IT" sz="1200" b="1" dirty="0"/>
+              <a:t>	-</a:t>
+            </a:r>
+            <a:r>
+              <a:rPr lang="it-IT" sz="1200" dirty="0"/>
+              <a:t>N_Ordine = int (progressivo)</a:t>
+            </a:r>
+          </a:p>
+          <a:p>
+            <a:r>
+              <a:rPr lang="it-IT" sz="1200" dirty="0"/>
+              <a:t>	-Video = String (è un pathname)</a:t>
+            </a:r>
+          </a:p>
+          <a:p>
+            <a:r>
+              <a:rPr lang="it-IT" sz="1200" dirty="0"/>
+              <a:t>	-Tipo = String</a:t>
+            </a:r>
+            <a:r>
+              <a:rPr lang="it-IT" sz="1200" b="1" dirty="0"/>
+              <a:t>		</a:t>
+            </a:r>
+          </a:p>
+          <a:p>
+            <a:r>
+              <a:rPr lang="it-IT" sz="1200" b="1" dirty="0"/>
+              <a:t>-Caselle Destinazione</a:t>
+            </a:r>
+          </a:p>
+          <a:p>
+            <a:r>
+              <a:rPr lang="it-IT" sz="1200" b="1" dirty="0"/>
+              <a:t>	</a:t>
+            </a:r>
+            <a:r>
+              <a:rPr lang="it-IT" sz="1200" dirty="0"/>
+              <a:t>-Destinazione = int </a:t>
+            </a:r>
+          </a:p>
+          <a:p>
+            <a:r>
+              <a:rPr lang="it-IT" sz="1200" b="1" dirty="0"/>
+              <a:t>-Caselle Normali</a:t>
+            </a:r>
+          </a:p>
+          <a:p>
+            <a:r>
+              <a:rPr lang="it-IT" sz="1200" dirty="0"/>
+              <a:t>	-Dadi = bool (ridondante)</a:t>
+            </a:r>
+          </a:p>
+          <a:p>
+            <a:r>
+              <a:rPr lang="it-IT" sz="1200" b="1" dirty="0"/>
+              <a:t>-Dadi</a:t>
+            </a:r>
+          </a:p>
+          <a:p>
+            <a:r>
+              <a:rPr lang="it-IT" sz="1200" b="1" dirty="0"/>
+              <a:t>	-</a:t>
+            </a:r>
+            <a:r>
+              <a:rPr lang="it-IT" sz="1200" dirty="0"/>
+              <a:t>ID = int</a:t>
+            </a:r>
+          </a:p>
+          <a:p>
+            <a:r>
+              <a:rPr lang="it-IT" sz="1200" b="1" dirty="0"/>
+              <a:t>	</a:t>
+            </a:r>
+            <a:r>
+              <a:rPr lang="it-IT" sz="1200" dirty="0"/>
+              <a:t>-Min = </a:t>
+            </a:r>
+            <a:r>
+              <a:rPr lang="it-IT" sz="1200" dirty="0" err="1"/>
+              <a:t>int</a:t>
+            </a:r>
+            <a:r>
+              <a:rPr lang="it-IT" sz="1200" dirty="0"/>
+              <a:t> (da 0 a 6)</a:t>
             </a:r>
           </a:p>
           <a:p>
@@ -11609,118 +11914,20 @@
               <a:t>	</a:t>
             </a:r>
             <a:r>
-              <a:rPr lang="it-IT" sz="1200" dirty="0">
-                <a:solidFill>
-                  <a:srgbClr val="CC66FF"/>
-                </a:solidFill>
-              </a:rPr>
-              <a:t>-Coordinate.Y = int </a:t>
-            </a:r>
-          </a:p>
-          <a:p>
-            <a:r>
               <a:rPr lang="it-IT" sz="1200" b="1" dirty="0"/>
-              <a:t>	-</a:t>
+              <a:t>-</a:t>
             </a:r>
             <a:r>
               <a:rPr lang="it-IT" sz="1200" dirty="0"/>
-              <a:t>N_Ordine = int (progressivo)</a:t>
-            </a:r>
-          </a:p>
-          <a:p>
+              <a:t>Max = </a:t>
+            </a:r>
+            <a:r>
+              <a:rPr lang="it-IT" sz="1200" dirty="0" err="1"/>
+              <a:t>int</a:t>
+            </a:r>
             <a:r>
               <a:rPr lang="it-IT" sz="1200" dirty="0"/>
-              <a:t>	-Video = String (è un pathname)</a:t>
-            </a:r>
-          </a:p>
-          <a:p>
-            <a:r>
-              <a:rPr lang="it-IT" sz="1200" dirty="0"/>
-              <a:t>	-Tipo = String</a:t>
-            </a:r>
-            <a:r>
-              <a:rPr lang="it-IT" sz="1200" b="1" dirty="0"/>
-              <a:t>		</a:t>
-            </a:r>
-          </a:p>
-          <a:p>
-            <a:r>
-              <a:rPr lang="it-IT" sz="1200" b="1" dirty="0"/>
-              <a:t>-Caselle Destinazione</a:t>
-            </a:r>
-          </a:p>
-          <a:p>
-            <a:r>
-              <a:rPr lang="it-IT" sz="1200" b="1" dirty="0"/>
-              <a:t>	</a:t>
-            </a:r>
-            <a:r>
-              <a:rPr lang="it-IT" sz="1200" dirty="0"/>
-              <a:t>-Destinazione = int </a:t>
-            </a:r>
-          </a:p>
-          <a:p>
-            <a:r>
-              <a:rPr lang="it-IT" sz="1200" b="1" dirty="0"/>
-              <a:t>-Caselle Normali</a:t>
-            </a:r>
-          </a:p>
-          <a:p>
-            <a:r>
-              <a:rPr lang="it-IT" sz="1200" dirty="0"/>
-              <a:t>	-Dadi = bool (ridondante)</a:t>
-            </a:r>
-          </a:p>
-          <a:p>
-            <a:r>
-              <a:rPr lang="it-IT" sz="1200" b="1" dirty="0"/>
-              <a:t>-Dadi</a:t>
-            </a:r>
-          </a:p>
-          <a:p>
-            <a:r>
-              <a:rPr lang="it-IT" sz="1200" b="1" dirty="0"/>
-              <a:t>	-</a:t>
-            </a:r>
-            <a:r>
-              <a:rPr lang="it-IT" sz="1200" dirty="0"/>
-              <a:t>ID = int</a:t>
-            </a:r>
-          </a:p>
-          <a:p>
-            <a:r>
-              <a:rPr lang="it-IT" sz="1200" b="1" dirty="0"/>
-              <a:t>	</a:t>
-            </a:r>
-            <a:r>
-              <a:rPr lang="it-IT" sz="1200" dirty="0"/>
-              <a:t>-</a:t>
-            </a:r>
-            <a:r>
-              <a:rPr lang="it-IT" sz="1200" dirty="0">
-                <a:solidFill>
-                  <a:srgbClr val="CC66FF"/>
-                </a:solidFill>
-              </a:rPr>
-              <a:t>Min = int (da 0 a 6)</a:t>
-            </a:r>
-          </a:p>
-          <a:p>
-            <a:r>
-              <a:rPr lang="it-IT" sz="1200" b="1" dirty="0">
-                <a:solidFill>
-                  <a:srgbClr val="CC66FF"/>
-                </a:solidFill>
-              </a:rPr>
-              <a:t>	-</a:t>
-            </a:r>
-            <a:r>
-              <a:rPr lang="it-IT" sz="1200" dirty="0">
-                <a:solidFill>
-                  <a:srgbClr val="CC66FF"/>
-                </a:solidFill>
-              </a:rPr>
-              <a:t>Max = int (da 0 a 6)</a:t>
+              <a:t> (da 0 a 6)</a:t>
             </a:r>
           </a:p>
           <a:p>
@@ -12060,21 +12267,9 @@
             </a:r>
             <a:r>
               <a:rPr lang="it-IT" sz="1200" dirty="0"/>
-              <a:t>-</a:t>
-            </a:r>
-            <a:r>
-              <a:rPr lang="it-IT" sz="1200" dirty="0">
-                <a:solidFill>
-                  <a:srgbClr val="CC66FF"/>
-                </a:solidFill>
-              </a:rPr>
-              <a:t>Posizione = {1, 2, 3}</a:t>
-            </a:r>
-            <a:endParaRPr lang="it-IT" sz="1200" b="1" dirty="0">
-              <a:solidFill>
-                <a:srgbClr val="CC66FF"/>
-              </a:solidFill>
-            </a:endParaRPr>
+              <a:t>-Posizione = {1, 2, 3}</a:t>
+            </a:r>
+            <a:endParaRPr lang="it-IT" sz="1200" b="1" dirty="0"/>
           </a:p>
           <a:p>
             <a:r>
@@ -12237,11 +12432,7 @@
           </a:p>
           <a:p>
             <a:r>
-              <a:rPr lang="it-IT" sz="1000" dirty="0">
-                <a:solidFill>
-                  <a:srgbClr val="CC66FF"/>
-                </a:solidFill>
-              </a:rPr>
+              <a:rPr lang="it-IT" sz="1000" dirty="0"/>
               <a:t>-Il dominio dell’attributo ‘Ruolo’ dell’associazione ‘Gioca in’ che va da ‘Utente’ a ‘Squadra’ è {‘Coach’, ‘Caposquadra’,  ‘Giocatore’}.</a:t>
             </a:r>
           </a:p>
@@ -12537,7 +12728,7 @@
         <p:spPr>
           <a:xfrm>
             <a:off x="4292754" y="3864057"/>
-            <a:ext cx="2885561" cy="2954655"/>
+            <a:ext cx="2885561" cy="2400657"/>
           </a:xfrm>
           <a:prstGeom prst="rect">
             <a:avLst/>
@@ -12573,20 +12764,6 @@
             <a:r>
               <a:rPr lang="it-IT" sz="1200" dirty="0"/>
               <a:t>Nel caso di sfida non moderata la consegna della squadra conterrà la consegna con le risposte più comuni degli utenti OPPURE la prima risposta sottomessa se associato alla casella è presente un task. </a:t>
-            </a:r>
-          </a:p>
-          <a:p>
-            <a:pPr marL="285750" indent="-285750">
-              <a:buFont typeface="Arial" panose="020B0604020202020204" pitchFamily="34" charset="0"/>
-              <a:buChar char="•"/>
-            </a:pPr>
-            <a:r>
-              <a:rPr lang="it-IT" sz="1200" dirty="0">
-                <a:solidFill>
-                  <a:srgbClr val="FF0000"/>
-                </a:solidFill>
-              </a:rPr>
-              <a:t>Nel caso di sfida moderata la consegna della squadra conterrà la consegna selezionata dal moderatore.</a:t>
             </a:r>
           </a:p>
         </p:txBody>
@@ -12852,17 +13029,10 @@
               <a:buChar char="•"/>
             </a:pPr>
             <a:r>
-              <a:rPr lang="it-IT" sz="1200" dirty="0">
-                <a:solidFill>
-                  <a:srgbClr val="CC66FF"/>
-                </a:solidFill>
-              </a:rPr>
+              <a:rPr lang="it-IT" sz="1200" dirty="0"/>
               <a:t>L’attributo MIN del Dado deve essere minore o uguale a MAX</a:t>
             </a:r>
             <a:endParaRPr lang="it-IT" sz="1200" dirty="0">
-              <a:solidFill>
-                <a:srgbClr val="CC66FF"/>
-              </a:solidFill>
               <a:cs typeface="Calibri" panose="020F0502020204030204"/>
             </a:endParaRPr>
           </a:p>
@@ -13488,8 +13658,8 @@
             <a:chExt cx="180000" cy="134280"/>
           </a:xfrm>
         </p:grpSpPr>
-        <mc:AlternateContent xmlns:mc="http://schemas.openxmlformats.org/markup-compatibility/2006">
-          <mc:Choice xmlns:p14="http://schemas.microsoft.com/office/powerpoint/2010/main" Requires="p14">
+        <mc:AlternateContent xmlns:mc="http://schemas.openxmlformats.org/markup-compatibility/2006" xmlns:p14="http://schemas.microsoft.com/office/powerpoint/2010/main">
+          <mc:Choice Requires="p14">
             <p:contentPart p14:bwMode="auto" r:id="rId3">
               <p14:nvContentPartPr>
                 <p14:cNvPr id="127" name="Input penna 126">
@@ -13508,7 +13678,7 @@
               </p14:xfrm>
             </p:contentPart>
           </mc:Choice>
-          <mc:Fallback>
+          <mc:Fallback xmlns="">
             <p:pic>
               <p:nvPicPr>
                 <p:cNvPr id="127" name="Input penna 126">
@@ -13539,8 +13709,8 @@
             </p:pic>
           </mc:Fallback>
         </mc:AlternateContent>
-        <mc:AlternateContent xmlns:mc="http://schemas.openxmlformats.org/markup-compatibility/2006">
-          <mc:Choice xmlns:p14="http://schemas.microsoft.com/office/powerpoint/2010/main" Requires="p14">
+        <mc:AlternateContent xmlns:mc="http://schemas.openxmlformats.org/markup-compatibility/2006" xmlns:p14="http://schemas.microsoft.com/office/powerpoint/2010/main">
+          <mc:Choice Requires="p14">
             <p:contentPart p14:bwMode="auto" r:id="rId5">
               <p14:nvContentPartPr>
                 <p14:cNvPr id="128" name="Input penna 127">
@@ -13559,7 +13729,7 @@
               </p14:xfrm>
             </p:contentPart>
           </mc:Choice>
-          <mc:Fallback>
+          <mc:Fallback xmlns="">
             <p:pic>
               <p:nvPicPr>
                 <p:cNvPr id="128" name="Input penna 127">
@@ -13590,8 +13760,8 @@
             </p:pic>
           </mc:Fallback>
         </mc:AlternateContent>
-        <mc:AlternateContent xmlns:mc="http://schemas.openxmlformats.org/markup-compatibility/2006">
-          <mc:Choice xmlns:p14="http://schemas.microsoft.com/office/powerpoint/2010/main" Requires="p14">
+        <mc:AlternateContent xmlns:mc="http://schemas.openxmlformats.org/markup-compatibility/2006" xmlns:p14="http://schemas.microsoft.com/office/powerpoint/2010/main">
+          <mc:Choice Requires="p14">
             <p:contentPart p14:bwMode="auto" r:id="rId7">
               <p14:nvContentPartPr>
                 <p14:cNvPr id="129" name="Input penna 128">
@@ -13610,7 +13780,7 @@
               </p14:xfrm>
             </p:contentPart>
           </mc:Choice>
-          <mc:Fallback>
+          <mc:Fallback xmlns="">
             <p:pic>
               <p:nvPicPr>
                 <p:cNvPr id="129" name="Input penna 128">
@@ -13641,8 +13811,8 @@
             </p:pic>
           </mc:Fallback>
         </mc:AlternateContent>
-        <mc:AlternateContent xmlns:mc="http://schemas.openxmlformats.org/markup-compatibility/2006">
-          <mc:Choice xmlns:p14="http://schemas.microsoft.com/office/powerpoint/2010/main" Requires="p14">
+        <mc:AlternateContent xmlns:mc="http://schemas.openxmlformats.org/markup-compatibility/2006" xmlns:p14="http://schemas.microsoft.com/office/powerpoint/2010/main">
+          <mc:Choice Requires="p14">
             <p:contentPart p14:bwMode="auto" r:id="rId9">
               <p14:nvContentPartPr>
                 <p14:cNvPr id="130" name="Input penna 129">
@@ -13661,7 +13831,7 @@
               </p14:xfrm>
             </p:contentPart>
           </mc:Choice>
-          <mc:Fallback>
+          <mc:Fallback xmlns="">
             <p:pic>
               <p:nvPicPr>
                 <p:cNvPr id="130" name="Input penna 129">
@@ -13692,8 +13862,8 @@
             </p:pic>
           </mc:Fallback>
         </mc:AlternateContent>
-        <mc:AlternateContent xmlns:mc="http://schemas.openxmlformats.org/markup-compatibility/2006">
-          <mc:Choice xmlns:p14="http://schemas.microsoft.com/office/powerpoint/2010/main" Requires="p14">
+        <mc:AlternateContent xmlns:mc="http://schemas.openxmlformats.org/markup-compatibility/2006" xmlns:p14="http://schemas.microsoft.com/office/powerpoint/2010/main">
+          <mc:Choice Requires="p14">
             <p:contentPart p14:bwMode="auto" r:id="rId11">
               <p14:nvContentPartPr>
                 <p14:cNvPr id="131" name="Input penna 130">
@@ -13712,7 +13882,7 @@
               </p14:xfrm>
             </p:contentPart>
           </mc:Choice>
-          <mc:Fallback>
+          <mc:Fallback xmlns="">
             <p:pic>
               <p:nvPicPr>
                 <p:cNvPr id="131" name="Input penna 130">
@@ -13743,8 +13913,8 @@
             </p:pic>
           </mc:Fallback>
         </mc:AlternateContent>
-        <mc:AlternateContent xmlns:mc="http://schemas.openxmlformats.org/markup-compatibility/2006">
-          <mc:Choice xmlns:p14="http://schemas.microsoft.com/office/powerpoint/2010/main" Requires="p14">
+        <mc:AlternateContent xmlns:mc="http://schemas.openxmlformats.org/markup-compatibility/2006" xmlns:p14="http://schemas.microsoft.com/office/powerpoint/2010/main">
+          <mc:Choice Requires="p14">
             <p:contentPart p14:bwMode="auto" r:id="rId13">
               <p14:nvContentPartPr>
                 <p14:cNvPr id="133" name="Input penna 132">
@@ -13763,7 +13933,7 @@
               </p14:xfrm>
             </p:contentPart>
           </mc:Choice>
-          <mc:Fallback>
+          <mc:Fallback xmlns="">
             <p:pic>
               <p:nvPicPr>
                 <p:cNvPr id="133" name="Input penna 132">
@@ -13951,8 +14121,8 @@
         </p:nvSpPr>
         <p:spPr>
           <a:xfrm>
-            <a:off x="255334" y="727228"/>
-            <a:ext cx="3268843" cy="1785104"/>
+            <a:off x="374088" y="1095363"/>
+            <a:ext cx="4506671" cy="2400657"/>
           </a:xfrm>
           <a:prstGeom prst="rect">
             <a:avLst/>
@@ -13983,7 +14153,7 @@
               <a:defRPr/>
             </a:pPr>
             <a:r>
-              <a:rPr kumimoji="0" lang="it-IT" sz="1800" b="0" i="0" u="none" strike="noStrike" kern="1200" cap="none" spc="0" normalizeH="0" baseline="0" noProof="0" dirty="0">
+              <a:rPr kumimoji="0" lang="it-IT" sz="2800" b="0" i="0" u="none" strike="noStrike" kern="1200" cap="none" spc="0" normalizeH="0" baseline="0" noProof="0" dirty="0">
                 <a:ln>
                   <a:noFill/>
                 </a:ln>
@@ -13999,6 +14169,20 @@
               </a:rPr>
               <a:t>CASELLE</a:t>
             </a:r>
+            <a:endParaRPr kumimoji="0" lang="it-IT" sz="1800" b="0" i="0" u="none" strike="noStrike" kern="1200" cap="none" spc="0" normalizeH="0" baseline="0" noProof="0" dirty="0">
+              <a:ln>
+                <a:noFill/>
+              </a:ln>
+              <a:solidFill>
+                <a:prstClr val="black"/>
+              </a:solidFill>
+              <a:effectLst/>
+              <a:uLnTx/>
+              <a:uFillTx/>
+              <a:latin typeface="Calibri" panose="020F0502020204030204"/>
+              <a:ea typeface="+mn-ea"/>
+              <a:cs typeface="+mn-cs"/>
+            </a:endParaRPr>
           </a:p>
           <a:p>
             <a:pPr marL="285750" marR="0" lvl="0" indent="-285750" algn="l" defTabSz="914400" rtl="0" eaLnBrk="1" fontAlgn="auto" latinLnBrk="0" hangingPunct="1">
@@ -14019,13 +14203,10 @@
               <a:defRPr/>
             </a:pPr>
             <a:r>
-              <a:rPr kumimoji="0" lang="it-IT" sz="1200" b="0" i="0" u="none" strike="noStrike" kern="1200" cap="none" spc="0" normalizeH="0" baseline="0" noProof="0" dirty="0">
+              <a:rPr kumimoji="0" lang="it-IT" b="0" i="0" u="none" strike="noStrike" kern="1200" cap="none" spc="0" normalizeH="0" baseline="0" noProof="0" dirty="0">
                 <a:ln>
                   <a:noFill/>
                 </a:ln>
-                <a:solidFill>
-                  <a:srgbClr val="CC66FF"/>
-                </a:solidFill>
                 <a:effectLst/>
                 <a:uLnTx/>
                 <a:uFillTx/>
@@ -14255,19 +14436,12 @@
                 <a:ea typeface="+mn-lt"/>
                 <a:cs typeface="+mn-lt"/>
               </a:rPr>
-              <a:t>)   </a:t>
-            </a:r>
-            <a:r>
-              <a:rPr lang="it-IT" sz="1150" dirty="0">
-                <a:solidFill>
-                  <a:srgbClr val="FF0000"/>
-                </a:solidFill>
-                <a:ea typeface="+mn-lt"/>
-                <a:cs typeface="+mn-lt"/>
-              </a:rPr>
-              <a:t>FATTO</a:t>
+              <a:t>)  </a:t>
             </a:r>
             <a:endParaRPr lang="it-IT" sz="1150" dirty="0">
+              <a:solidFill>
+                <a:srgbClr val="FF0000"/>
+              </a:solidFill>
               <a:cs typeface="Calibri" panose="020F0502020204030204"/>
             </a:endParaRPr>
           </a:p>
@@ -14299,17 +14473,12 @@
             </a:r>
             <a:r>
               <a:rPr lang="it-IT" sz="1150" dirty="0"/>
-              <a:t>, N_SQUADRE, DATA, ORARIO, DURATAMAX, MODERATA)   </a:t>
-            </a:r>
-            <a:r>
-              <a:rPr lang="it-IT" sz="1150" dirty="0">
-                <a:solidFill>
-                  <a:srgbClr val="FF0000"/>
-                </a:solidFill>
-              </a:rPr>
-              <a:t>FATTO</a:t>
+              <a:t>, N_SQUADRE, DATA, ORARIO, DURATAMAX, MODERATA)  </a:t>
             </a:r>
             <a:endParaRPr lang="it-IT" sz="1150" dirty="0">
+              <a:solidFill>
+                <a:srgbClr val="FF0000"/>
+              </a:solidFill>
               <a:cs typeface="Calibri" panose="020F0502020204030204"/>
             </a:endParaRPr>
           </a:p>
@@ -14377,19 +14546,12 @@
                 <a:ea typeface="+mn-lt"/>
                 <a:cs typeface="+mn-lt"/>
               </a:rPr>
-              <a:t>,PUNTEGGIO_TOTALE)  </a:t>
-            </a:r>
-            <a:r>
-              <a:rPr lang="it-IT" sz="1150" dirty="0">
-                <a:solidFill>
-                  <a:srgbClr val="FF0000"/>
-                </a:solidFill>
-                <a:ea typeface="+mn-lt"/>
-                <a:cs typeface="+mn-lt"/>
-              </a:rPr>
-              <a:t>FATTO</a:t>
+              <a:t>,PUNTEGGIO_TOTALE) </a:t>
             </a:r>
             <a:endParaRPr lang="it-IT" sz="1150" dirty="0">
+              <a:solidFill>
+                <a:srgbClr val="FF0000"/>
+              </a:solidFill>
               <a:cs typeface="Calibri" panose="020F0502020204030204"/>
             </a:endParaRPr>
           </a:p>
@@ -14465,25 +14627,24 @@
             </a:r>
             <a:r>
               <a:rPr lang="it-IT" sz="1150" dirty="0"/>
-              <a:t>, N_Ordine</a:t>
-            </a:r>
-            <a:r>
-              <a:rPr lang="it-IT" sz="1150" baseline="30000" dirty="0"/>
+              <a:t>, </a:t>
+            </a:r>
+            <a:r>
+              <a:rPr lang="it-IT" sz="1150" dirty="0" err="1"/>
+              <a:t>N_Ordine</a:t>
+            </a:r>
+            <a:r>
+              <a:rPr lang="it-IT" sz="1150" baseline="30000" dirty="0" err="1"/>
               <a:t>CASELLE</a:t>
             </a:r>
             <a:r>
               <a:rPr lang="it-IT" sz="1150" dirty="0"/>
               <a:t>)  </a:t>
             </a:r>
-            <a:r>
-              <a:rPr lang="it-IT" sz="1150" dirty="0">
-                <a:solidFill>
-                  <a:srgbClr val="FF0000"/>
-                </a:solidFill>
-              </a:rPr>
-              <a:t>FATTO</a:t>
-            </a:r>
             <a:endParaRPr lang="it-IT" sz="1150" dirty="0">
+              <a:solidFill>
+                <a:srgbClr val="FF0000"/>
+              </a:solidFill>
               <a:cs typeface="Calibri"/>
             </a:endParaRPr>
           </a:p>
@@ -14560,16 +14721,13 @@
               </a:rPr>
               <a:t>)    </a:t>
             </a:r>
-            <a:r>
-              <a:rPr lang="it-IT" sz="1150" dirty="0">
-                <a:solidFill>
-                  <a:srgbClr val="FF0000"/>
-                </a:solidFill>
-                <a:ea typeface="+mn-lt"/>
-                <a:cs typeface="+mn-lt"/>
-              </a:rPr>
-              <a:t>FATTO</a:t>
-            </a:r>
+            <a:endParaRPr lang="it-IT" sz="1150" dirty="0">
+              <a:solidFill>
+                <a:srgbClr val="FF0000"/>
+              </a:solidFill>
+              <a:ea typeface="+mn-lt"/>
+              <a:cs typeface="+mn-lt"/>
+            </a:endParaRPr>
           </a:p>
           <a:p>
             <a:pPr marL="0" indent="0">
@@ -14626,17 +14784,10 @@
               </a:rPr>
               <a:t>   </a:t>
             </a:r>
-            <a:r>
-              <a:rPr lang="it-IT" sz="1150" dirty="0">
-                <a:solidFill>
-                  <a:srgbClr val="FF0000"/>
-                </a:solidFill>
-                <a:ea typeface="+mn-lt"/>
-                <a:cs typeface="+mn-lt"/>
-              </a:rPr>
-              <a:t>FATTO</a:t>
-            </a:r>
             <a:endParaRPr lang="it-IT" sz="1150" dirty="0">
+              <a:solidFill>
+                <a:srgbClr val="FF0000"/>
+              </a:solidFill>
               <a:ea typeface="+mn-lt"/>
               <a:cs typeface="+mn-lt"/>
             </a:endParaRPr>
@@ -14653,10 +14804,20 @@
             </a:pPr>
             <a:r>
               <a:rPr lang="it-IT" sz="1150" dirty="0">
+                <a:solidFill>
+                  <a:srgbClr val="000000"/>
+                </a:solidFill>
                 <a:ea typeface="+mn-lt"/>
                 <a:cs typeface="+mn-lt"/>
               </a:rPr>
-              <a:t>SET_ICONE (DIM, </a:t>
+              <a:t>SET</a:t>
+            </a:r>
+            <a:r>
+              <a:rPr lang="it-IT" sz="1150" dirty="0">
+                <a:ea typeface="+mn-lt"/>
+                <a:cs typeface="+mn-lt"/>
+              </a:rPr>
+              <a:t>_ICONE (DIM, </a:t>
             </a:r>
             <a:r>
               <a:rPr lang="it-IT" sz="1150" u="sng" dirty="0">
@@ -14672,16 +14833,13 @@
               </a:rPr>
               <a:t>)   </a:t>
             </a:r>
-            <a:r>
-              <a:rPr lang="it-IT" sz="1150" dirty="0">
-                <a:solidFill>
-                  <a:srgbClr val="FF0000"/>
-                </a:solidFill>
-                <a:ea typeface="+mn-lt"/>
-                <a:cs typeface="+mn-lt"/>
-              </a:rPr>
-              <a:t>FATTO</a:t>
-            </a:r>
+            <a:endParaRPr lang="it-IT" sz="1150" dirty="0">
+              <a:solidFill>
+                <a:srgbClr val="FF0000"/>
+              </a:solidFill>
+              <a:ea typeface="+mn-lt"/>
+              <a:cs typeface="+mn-lt"/>
+            </a:endParaRPr>
           </a:p>
           <a:p>
             <a:pPr marL="0" indent="0">
@@ -14695,7 +14853,7 @@
             </a:pPr>
             <a:r>
               <a:rPr lang="it-IT" sz="1150" dirty="0"/>
-              <a:t>DADI(MAX, MIN, </a:t>
+              <a:t>DADI(MASSIMO, MINIMO, </a:t>
             </a:r>
             <a:r>
               <a:rPr lang="it-IT" sz="1150" u="sng" dirty="0"/>
@@ -14723,15 +14881,10 @@
               <a:rPr lang="it-IT" sz="1150" dirty="0"/>
               <a:t>)  </a:t>
             </a:r>
-            <a:r>
-              <a:rPr lang="it-IT" sz="1150" dirty="0">
-                <a:solidFill>
-                  <a:srgbClr val="FF0000"/>
-                </a:solidFill>
-              </a:rPr>
-              <a:t>FATTO</a:t>
-            </a:r>
             <a:endParaRPr lang="it-IT" sz="1150" dirty="0">
+              <a:solidFill>
+                <a:srgbClr val="FF0000"/>
+              </a:solidFill>
               <a:cs typeface="Calibri"/>
             </a:endParaRPr>
           </a:p>
@@ -14878,17 +15031,10 @@
               </a:rPr>
               <a:t>)  </a:t>
             </a:r>
-            <a:r>
-              <a:rPr lang="it-IT" sz="1150" dirty="0">
-                <a:solidFill>
-                  <a:srgbClr val="FF0000"/>
-                </a:solidFill>
-                <a:ea typeface="+mn-lt"/>
-                <a:cs typeface="+mn-lt"/>
-              </a:rPr>
-              <a:t>FATTO</a:t>
-            </a:r>
             <a:endParaRPr lang="it-IT" sz="1150" dirty="0">
+              <a:solidFill>
+                <a:srgbClr val="FF0000"/>
+              </a:solidFill>
               <a:cs typeface="Calibri" panose="020F0502020204030204"/>
             </a:endParaRPr>
           </a:p>
@@ -14922,17 +15068,10 @@
               <a:rPr lang="it-IT" sz="1150" dirty="0"/>
               <a:t>, TESTO)   </a:t>
             </a:r>
-            <a:r>
-              <a:rPr lang="it-IT" sz="1150" dirty="0">
-                <a:solidFill>
-                  <a:srgbClr val="FF0000"/>
-                </a:solidFill>
-                <a:ea typeface="+mn-lt"/>
-                <a:cs typeface="+mn-lt"/>
-              </a:rPr>
-              <a:t>FATTO</a:t>
-            </a:r>
             <a:endParaRPr lang="it-IT" sz="1150" dirty="0">
+              <a:solidFill>
+                <a:srgbClr val="FF0000"/>
+              </a:solidFill>
               <a:cs typeface="Calibri" panose="020F0502020204030204"/>
             </a:endParaRPr>
           </a:p>
@@ -14973,14 +15112,6 @@
               </a:rPr>
               <a:t>  </a:t>
             </a:r>
-            <a:r>
-              <a:rPr lang="it-IT" sz="1150" dirty="0">
-                <a:solidFill>
-                  <a:srgbClr val="FF0000"/>
-                </a:solidFill>
-              </a:rPr>
-              <a:t>FATTO</a:t>
-            </a:r>
             <a:endParaRPr lang="it-IT" sz="1150" dirty="0">
               <a:solidFill>
                 <a:srgbClr val="FF0000"/>
@@ -15026,15 +15157,10 @@
               <a:rPr lang="it-IT" sz="1150" dirty="0"/>
               <a:t>)  </a:t>
             </a:r>
-            <a:r>
-              <a:rPr lang="it-IT" sz="1150" dirty="0">
-                <a:solidFill>
-                  <a:srgbClr val="FF0000"/>
-                </a:solidFill>
-              </a:rPr>
-              <a:t>FATTO</a:t>
-            </a:r>
             <a:endParaRPr lang="it-IT" sz="1150" dirty="0">
+              <a:solidFill>
+                <a:srgbClr val="FF0000"/>
+              </a:solidFill>
               <a:cs typeface="Calibri" panose="020F0502020204030204"/>
             </a:endParaRPr>
           </a:p>
@@ -15118,16 +15244,13 @@
               </a:rPr>
               <a:t>)  </a:t>
             </a:r>
-            <a:r>
-              <a:rPr lang="it-IT" sz="1150" dirty="0">
-                <a:solidFill>
-                  <a:srgbClr val="FF0000"/>
-                </a:solidFill>
-                <a:ea typeface="+mn-lt"/>
-                <a:cs typeface="+mn-lt"/>
-              </a:rPr>
-              <a:t>FATTO</a:t>
-            </a:r>
+            <a:endParaRPr lang="it-IT" sz="1150" dirty="0">
+              <a:solidFill>
+                <a:srgbClr val="FF0000"/>
+              </a:solidFill>
+              <a:ea typeface="+mn-lt"/>
+              <a:cs typeface="+mn-lt"/>
+            </a:endParaRPr>
           </a:p>
           <a:p>
             <a:pPr marL="0" indent="0">
@@ -15195,16 +15318,13 @@
               </a:rPr>
               <a:t>, PUNTEGGIO)  </a:t>
             </a:r>
-            <a:r>
-              <a:rPr lang="it-IT" sz="1150" dirty="0">
-                <a:solidFill>
-                  <a:srgbClr val="FF0000"/>
-                </a:solidFill>
-                <a:ea typeface="+mn-lt"/>
-                <a:cs typeface="+mn-lt"/>
-              </a:rPr>
-              <a:t>FATTO</a:t>
-            </a:r>
+            <a:endParaRPr lang="it-IT" sz="1150" dirty="0">
+              <a:solidFill>
+                <a:srgbClr val="FF0000"/>
+              </a:solidFill>
+              <a:ea typeface="+mn-lt"/>
+              <a:cs typeface="+mn-lt"/>
+            </a:endParaRPr>
           </a:p>
           <a:p>
             <a:pPr marL="0" indent="0">
@@ -15303,17 +15423,10 @@
               </a:rPr>
               <a:t>  </a:t>
             </a:r>
-            <a:r>
-              <a:rPr lang="it-IT" sz="1150" dirty="0">
-                <a:solidFill>
-                  <a:srgbClr val="FF0000"/>
-                </a:solidFill>
-                <a:ea typeface="+mn-lt"/>
-                <a:cs typeface="+mn-lt"/>
-              </a:rPr>
-              <a:t>FATTO</a:t>
-            </a:r>
             <a:endParaRPr lang="it-IT" sz="1150" dirty="0">
+              <a:solidFill>
+                <a:srgbClr val="FF0000"/>
+              </a:solidFill>
               <a:ea typeface="+mn-lt"/>
               <a:cs typeface="+mn-lt"/>
             </a:endParaRPr>
@@ -15425,16 +15538,13 @@
               </a:rPr>
               <a:t>  </a:t>
             </a:r>
-            <a:r>
-              <a:rPr lang="it-IT" sz="1150" dirty="0">
-                <a:solidFill>
-                  <a:srgbClr val="FF0000"/>
-                </a:solidFill>
-                <a:ea typeface="+mn-lt"/>
-                <a:cs typeface="+mn-lt"/>
-              </a:rPr>
-              <a:t>FATTO</a:t>
-            </a:r>
+            <a:endParaRPr lang="it-IT" sz="1150" dirty="0">
+              <a:solidFill>
+                <a:srgbClr val="FF0000"/>
+              </a:solidFill>
+              <a:ea typeface="+mn-lt"/>
+              <a:cs typeface="+mn-lt"/>
+            </a:endParaRPr>
           </a:p>
           <a:p>
             <a:pPr marL="0" indent="0">
@@ -15474,13 +15584,40 @@
               <a:t>, </a:t>
             </a:r>
             <a:r>
+              <a:rPr lang="it-IT" sz="1150" u="sng" dirty="0" err="1">
+                <a:solidFill>
+                  <a:srgbClr val="7030A0"/>
+                </a:solidFill>
+                <a:cs typeface="Calibri"/>
+              </a:rPr>
+              <a:t>N_Ordine</a:t>
+            </a:r>
+            <a:r>
+              <a:rPr lang="it-IT" sz="1150" baseline="30000" dirty="0" err="1">
+                <a:solidFill>
+                  <a:srgbClr val="7030A0"/>
+                </a:solidFill>
+                <a:cs typeface="Calibri"/>
+              </a:rPr>
+              <a:t>CASELLE</a:t>
+            </a:r>
+            <a:r>
+              <a:rPr lang="it-IT" sz="1150" dirty="0">
+                <a:solidFill>
+                  <a:srgbClr val="7030A0"/>
+                </a:solidFill>
+                <a:cs typeface="Calibri"/>
+              </a:rPr>
+              <a:t>, </a:t>
+            </a:r>
+            <a:r>
               <a:rPr lang="it-IT" sz="1150" u="sng" dirty="0">
                 <a:solidFill>
                   <a:srgbClr val="7030A0"/>
                 </a:solidFill>
                 <a:cs typeface="Calibri"/>
               </a:rPr>
-              <a:t>N_Ordine</a:t>
+              <a:t>QUIZ</a:t>
             </a:r>
             <a:r>
               <a:rPr lang="it-IT" sz="1150" baseline="30000" dirty="0">
@@ -15489,33 +15626,6 @@
                 </a:solidFill>
                 <a:cs typeface="Calibri"/>
               </a:rPr>
-              <a:t>CASELLE</a:t>
-            </a:r>
-            <a:r>
-              <a:rPr lang="it-IT" sz="1150" dirty="0">
-                <a:solidFill>
-                  <a:srgbClr val="7030A0"/>
-                </a:solidFill>
-                <a:cs typeface="Calibri"/>
-              </a:rPr>
-              <a:t>, </a:t>
-            </a:r>
-            <a:r>
-              <a:rPr lang="it-IT" sz="1150" u="sng" dirty="0">
-                <a:solidFill>
-                  <a:srgbClr val="7030A0"/>
-                </a:solidFill>
-                <a:cs typeface="Calibri"/>
-              </a:rPr>
-              <a:t>QUIZ</a:t>
-            </a:r>
-            <a:r>
-              <a:rPr lang="it-IT" sz="1150" baseline="30000" dirty="0">
-                <a:solidFill>
-                  <a:srgbClr val="7030A0"/>
-                </a:solidFill>
-                <a:cs typeface="Calibri"/>
-              </a:rPr>
               <a:t>QUIZ</a:t>
             </a:r>
             <a:r>
@@ -15542,15 +15652,12 @@
               </a:rPr>
               <a:t>  </a:t>
             </a:r>
-            <a:r>
-              <a:rPr lang="it-IT" sz="1150" dirty="0">
-                <a:solidFill>
-                  <a:srgbClr val="FF0000"/>
-                </a:solidFill>
-                <a:cs typeface="Calibri" panose="020F0502020204030204"/>
-              </a:rPr>
-              <a:t>FATTO</a:t>
-            </a:r>
+            <a:endParaRPr lang="it-IT" sz="1150" dirty="0">
+              <a:solidFill>
+                <a:srgbClr val="FF0000"/>
+              </a:solidFill>
+              <a:cs typeface="Calibri" panose="020F0502020204030204"/>
+            </a:endParaRPr>
           </a:p>
           <a:p>
             <a:pPr marL="0" indent="0">

--- a/Vincoli_Domini_BDProgetto_finale.pptx
+++ b/Vincoli_Domini_BDProgetto_finale.pptx
@@ -167,8 +167,8 @@
 <file path=ppt/revisionInfo.xml><?xml version="1.0" encoding="utf-8"?>
 <p1510:revInfo xmlns:a="http://schemas.openxmlformats.org/drawingml/2006/main" xmlns:r="http://schemas.openxmlformats.org/officeDocument/2006/relationships" xmlns:p1510="http://schemas.microsoft.com/office/powerpoint/2015/10/main">
   <p1510:revLst>
-    <p1510:client id="{5FB54FDE-C2EE-474A-88C0-C199BCDBCB76}" v="91" vWet="92" dt="2021-06-06T15:29:12.715"/>
-    <p1510:client id="{B14B8130-7782-43EB-987D-49D23A567CB4}" v="8036" dt="2021-06-06T15:29:20.950"/>
+    <p1510:client id="{B14B8130-7782-43EB-987D-49D23A567CB4}" v="8398" dt="2021-06-08T15:08:05.978"/>
+    <p1510:client id="{FE125A0A-C988-411F-9275-940B4693E9CC}" v="1750" dt="2021-06-08T10:44:09.731"/>
   </p1510:revLst>
 </p1510:revInfo>
 </file>
@@ -176,28 +176,143 @@
 <file path=ppt/changesInfos/changesInfo1.xml><?xml version="1.0" encoding="utf-8"?>
 <pc:chgInfo xmlns:a="http://schemas.openxmlformats.org/drawingml/2006/main" xmlns:r="http://schemas.openxmlformats.org/officeDocument/2006/relationships" xmlns:ac="http://schemas.microsoft.com/office/drawing/2013/main/command" xmlns:pc="http://schemas.microsoft.com/office/powerpoint/2013/main/command">
   <pc:docChgLst>
-    <pc:chgData name="Utente guest" providerId="Windows Live" clId="Web-{FCB13962-E94F-4C9F-A5AE-7EF162A81138}"/>
+    <pc:chgData name="Utente guest" providerId="Windows Live" clId="Web-{F09AC808-F22B-4C5F-95A4-CB6BA11B035E}"/>
     <pc:docChg chg="modSld">
-      <pc:chgData name="Utente guest" userId="" providerId="Windows Live" clId="Web-{FCB13962-E94F-4C9F-A5AE-7EF162A81138}" dt="2021-06-05T16:00:10.923" v="73" actId="20577"/>
+      <pc:chgData name="Utente guest" userId="" providerId="Windows Live" clId="Web-{F09AC808-F22B-4C5F-95A4-CB6BA11B035E}" dt="2021-06-03T15:54:07.117" v="146" actId="20577"/>
       <pc:docMkLst>
         <pc:docMk/>
       </pc:docMkLst>
-      <pc:sldChg chg="addSp modSp">
-        <pc:chgData name="Utente guest" userId="" providerId="Windows Live" clId="Web-{FCB13962-E94F-4C9F-A5AE-7EF162A81138}" dt="2021-06-05T16:00:10.923" v="73" actId="20577"/>
+      <pc:sldChg chg="modSp">
+        <pc:chgData name="Utente guest" userId="" providerId="Windows Live" clId="Web-{F09AC808-F22B-4C5F-95A4-CB6BA11B035E}" dt="2021-06-03T13:32:41.378" v="102" actId="20577"/>
+        <pc:sldMkLst>
+          <pc:docMk/>
+          <pc:sldMk cId="4183486380" sldId="257"/>
+        </pc:sldMkLst>
+        <pc:spChg chg="mod">
+          <ac:chgData name="Utente guest" userId="" providerId="Windows Live" clId="Web-{F09AC808-F22B-4C5F-95A4-CB6BA11B035E}" dt="2021-06-03T13:32:41.378" v="102" actId="20577"/>
+          <ac:spMkLst>
+            <pc:docMk/>
+            <pc:sldMk cId="4183486380" sldId="257"/>
+            <ac:spMk id="3" creationId="{40C0C029-AB8E-43C0-81D8-D5AC3A2A764E}"/>
+          </ac:spMkLst>
+        </pc:spChg>
+      </pc:sldChg>
+      <pc:sldChg chg="modSp">
+        <pc:chgData name="Utente guest" userId="" providerId="Windows Live" clId="Web-{F09AC808-F22B-4C5F-95A4-CB6BA11B035E}" dt="2021-06-03T15:54:07.117" v="146" actId="20577"/>
+        <pc:sldMkLst>
+          <pc:docMk/>
+          <pc:sldMk cId="454804502" sldId="261"/>
+        </pc:sldMkLst>
+        <pc:spChg chg="mod">
+          <ac:chgData name="Utente guest" userId="" providerId="Windows Live" clId="Web-{F09AC808-F22B-4C5F-95A4-CB6BA11B035E}" dt="2021-06-03T15:54:07.117" v="146" actId="20577"/>
+          <ac:spMkLst>
+            <pc:docMk/>
+            <pc:sldMk cId="454804502" sldId="261"/>
+            <ac:spMk id="3" creationId="{8CDEC847-E9FA-49FF-BAD9-93C23970BB6B}"/>
+          </ac:spMkLst>
+        </pc:spChg>
+      </pc:sldChg>
+    </pc:docChg>
+  </pc:docChgLst>
+  <pc:docChgLst>
+    <pc:chgData name="Utente guest" providerId="Windows Live" clId="Web-{C16BD6C9-0F11-4065-AB88-4CCDBED70ECD}"/>
+    <pc:docChg chg="addSld delSld modSld modSection">
+      <pc:chgData name="Utente guest" userId="" providerId="Windows Live" clId="Web-{C16BD6C9-0F11-4065-AB88-4CCDBED70ECD}" dt="2021-06-05T16:26:58.451" v="1821" actId="20577"/>
+      <pc:docMkLst>
+        <pc:docMk/>
+      </pc:docMkLst>
+      <pc:sldChg chg="modSp">
+        <pc:chgData name="Utente guest" userId="" providerId="Windows Live" clId="Web-{C16BD6C9-0F11-4065-AB88-4CCDBED70ECD}" dt="2021-06-05T16:16:27.824" v="1535" actId="20577"/>
+        <pc:sldMkLst>
+          <pc:docMk/>
+          <pc:sldMk cId="454804502" sldId="261"/>
+        </pc:sldMkLst>
+        <pc:spChg chg="mod">
+          <ac:chgData name="Utente guest" userId="" providerId="Windows Live" clId="Web-{C16BD6C9-0F11-4065-AB88-4CCDBED70ECD}" dt="2021-06-05T16:16:27.824" v="1535" actId="20577"/>
+          <ac:spMkLst>
+            <pc:docMk/>
+            <pc:sldMk cId="454804502" sldId="261"/>
+            <ac:spMk id="3" creationId="{8CDEC847-E9FA-49FF-BAD9-93C23970BB6B}"/>
+          </ac:spMkLst>
+        </pc:spChg>
+      </pc:sldChg>
+      <pc:sldChg chg="modSp">
+        <pc:chgData name="Utente guest" userId="" providerId="Windows Live" clId="Web-{C16BD6C9-0F11-4065-AB88-4CCDBED70ECD}" dt="2021-06-05T14:04:15.018" v="145" actId="20577"/>
+        <pc:sldMkLst>
+          <pc:docMk/>
+          <pc:sldMk cId="1014551272" sldId="263"/>
+        </pc:sldMkLst>
+        <pc:spChg chg="mod">
+          <ac:chgData name="Utente guest" userId="" providerId="Windows Live" clId="Web-{C16BD6C9-0F11-4065-AB88-4CCDBED70ECD}" dt="2021-06-05T14:04:15.018" v="145" actId="20577"/>
+          <ac:spMkLst>
+            <pc:docMk/>
+            <pc:sldMk cId="1014551272" sldId="263"/>
+            <ac:spMk id="5" creationId="{24A7ACBE-DC98-415E-AFB1-964D20E9B782}"/>
+          </ac:spMkLst>
+        </pc:spChg>
+        <pc:spChg chg="mod">
+          <ac:chgData name="Utente guest" userId="" providerId="Windows Live" clId="Web-{C16BD6C9-0F11-4065-AB88-4CCDBED70ECD}" dt="2021-06-05T14:04:02.986" v="138" actId="20577"/>
+          <ac:spMkLst>
+            <pc:docMk/>
+            <pc:sldMk cId="1014551272" sldId="263"/>
+            <ac:spMk id="9" creationId="{B7B398FD-11D8-4B66-8CD5-300A1871C868}"/>
+          </ac:spMkLst>
+        </pc:spChg>
+      </pc:sldChg>
+      <pc:sldChg chg="modSp">
+        <pc:chgData name="Utente guest" userId="" providerId="Windows Live" clId="Web-{C16BD6C9-0F11-4065-AB88-4CCDBED70ECD}" dt="2021-06-05T14:40:32.651" v="436" actId="20577"/>
+        <pc:sldMkLst>
+          <pc:docMk/>
+          <pc:sldMk cId="1520066137" sldId="264"/>
+        </pc:sldMkLst>
+        <pc:spChg chg="mod">
+          <ac:chgData name="Utente guest" userId="" providerId="Windows Live" clId="Web-{C16BD6C9-0F11-4065-AB88-4CCDBED70ECD}" dt="2021-06-05T14:07:09.177" v="163" actId="20577"/>
+          <ac:spMkLst>
+            <pc:docMk/>
+            <pc:sldMk cId="1520066137" sldId="264"/>
+            <ac:spMk id="2" creationId="{D56CAC12-04E7-47E8-906E-814DB0BA81EA}"/>
+          </ac:spMkLst>
+        </pc:spChg>
+        <pc:spChg chg="mod">
+          <ac:chgData name="Utente guest" userId="" providerId="Windows Live" clId="Web-{C16BD6C9-0F11-4065-AB88-4CCDBED70ECD}" dt="2021-06-05T14:40:32.651" v="436" actId="20577"/>
+          <ac:spMkLst>
+            <pc:docMk/>
+            <pc:sldMk cId="1520066137" sldId="264"/>
+            <ac:spMk id="4" creationId="{E890DFDA-43FF-47F3-A640-D6FBD834B9B1}"/>
+          </ac:spMkLst>
+        </pc:spChg>
+      </pc:sldChg>
+      <pc:sldChg chg="modSp">
+        <pc:chgData name="Utente guest" userId="" providerId="Windows Live" clId="Web-{C16BD6C9-0F11-4065-AB88-4CCDBED70ECD}" dt="2021-06-05T14:21:27.458" v="308" actId="20577"/>
+        <pc:sldMkLst>
+          <pc:docMk/>
+          <pc:sldMk cId="2904629529" sldId="265"/>
+        </pc:sldMkLst>
+        <pc:spChg chg="mod">
+          <ac:chgData name="Utente guest" userId="" providerId="Windows Live" clId="Web-{C16BD6C9-0F11-4065-AB88-4CCDBED70ECD}" dt="2021-06-05T14:21:27.458" v="308" actId="20577"/>
+          <ac:spMkLst>
+            <pc:docMk/>
+            <pc:sldMk cId="2904629529" sldId="265"/>
+            <ac:spMk id="5" creationId="{547B7B68-8863-4F09-B4D7-676839A090CB}"/>
+          </ac:spMkLst>
+        </pc:spChg>
+      </pc:sldChg>
+      <pc:sldChg chg="modSp">
+        <pc:chgData name="Utente guest" userId="" providerId="Windows Live" clId="Web-{C16BD6C9-0F11-4065-AB88-4CCDBED70ECD}" dt="2021-06-05T16:26:58.451" v="1821" actId="20577"/>
         <pc:sldMkLst>
           <pc:docMk/>
           <pc:sldMk cId="3559874528" sldId="274"/>
         </pc:sldMkLst>
         <pc:spChg chg="mod">
-          <ac:chgData name="Utente guest" userId="" providerId="Windows Live" clId="Web-{FCB13962-E94F-4C9F-A5AE-7EF162A81138}" dt="2021-06-05T16:00:10.923" v="73" actId="20577"/>
+          <ac:chgData name="Utente guest" userId="" providerId="Windows Live" clId="Web-{C16BD6C9-0F11-4065-AB88-4CCDBED70ECD}" dt="2021-06-05T16:26:58.451" v="1821" actId="20577"/>
           <ac:spMkLst>
             <pc:docMk/>
             <pc:sldMk cId="3559874528" sldId="274"/>
             <ac:spMk id="2" creationId="{84FBF444-9288-4579-8734-36339035B881}"/>
           </ac:spMkLst>
         </pc:spChg>
-        <pc:spChg chg="add mod">
-          <ac:chgData name="Utente guest" userId="" providerId="Windows Live" clId="Web-{FCB13962-E94F-4C9F-A5AE-7EF162A81138}" dt="2021-06-05T15:49:31.363" v="69" actId="20577"/>
+        <pc:spChg chg="mod">
+          <ac:chgData name="Utente guest" userId="" providerId="Windows Live" clId="Web-{C16BD6C9-0F11-4065-AB88-4CCDBED70ECD}" dt="2021-06-05T15:51:34.851" v="1169" actId="1076"/>
           <ac:spMkLst>
             <pc:docMk/>
             <pc:sldMk cId="3559874528" sldId="274"/>
@@ -205,14 +320,14 @@
           </ac:spMkLst>
         </pc:spChg>
       </pc:sldChg>
-      <pc:sldChg chg="delSp modSp">
-        <pc:chgData name="Utente guest" userId="" providerId="Windows Live" clId="Web-{FCB13962-E94F-4C9F-A5AE-7EF162A81138}" dt="2021-06-05T15:48:55.534" v="45"/>
+      <pc:sldChg chg="addSp modSp new del">
+        <pc:chgData name="Utente guest" userId="" providerId="Windows Live" clId="Web-{C16BD6C9-0F11-4065-AB88-4CCDBED70ECD}" dt="2021-06-05T15:49:47.271" v="1113"/>
         <pc:sldMkLst>
           <pc:docMk/>
           <pc:sldMk cId="4203622781" sldId="276"/>
         </pc:sldMkLst>
-        <pc:spChg chg="del mod">
-          <ac:chgData name="Utente guest" userId="" providerId="Windows Live" clId="Web-{FCB13962-E94F-4C9F-A5AE-7EF162A81138}" dt="2021-06-05T15:48:55.534" v="45"/>
+        <pc:spChg chg="add mod">
+          <ac:chgData name="Utente guest" userId="" providerId="Windows Live" clId="Web-{C16BD6C9-0F11-4065-AB88-4CCDBED70ECD}" dt="2021-06-05T15:45:55.828" v="978" actId="20577"/>
           <ac:spMkLst>
             <pc:docMk/>
             <pc:sldMk cId="4203622781" sldId="276"/>
@@ -223,24 +338,2510 @@
     </pc:docChg>
   </pc:docChgLst>
   <pc:docChgLst>
-    <pc:chgData name="Utente guest" providerId="Windows Live" clId="Web-{4ED11C23-41F6-495B-A105-47BF96129674}"/>
+    <pc:chgData name="Utente guest" providerId="Windows Live" clId="Web-{FE125A0A-C988-411F-9275-940B4693E9CC}"/>
     <pc:docChg chg="modSld">
-      <pc:chgData name="Utente guest" userId="" providerId="Windows Live" clId="Web-{4ED11C23-41F6-495B-A105-47BF96129674}" dt="2021-06-04T21:04:25.338" v="6" actId="20577"/>
+      <pc:chgData name="Utente guest" userId="" providerId="Windows Live" clId="Web-{FE125A0A-C988-411F-9275-940B4693E9CC}" dt="2021-06-08T10:44:09.715" v="967" actId="20577"/>
       <pc:docMkLst>
         <pc:docMk/>
       </pc:docMkLst>
       <pc:sldChg chg="modSp">
-        <pc:chgData name="Utente guest" userId="" providerId="Windows Live" clId="Web-{4ED11C23-41F6-495B-A105-47BF96129674}" dt="2021-06-04T21:04:25.338" v="6" actId="20577"/>
+        <pc:chgData name="Utente guest" userId="" providerId="Windows Live" clId="Web-{FE125A0A-C988-411F-9275-940B4693E9CC}" dt="2021-06-08T09:33:09.632" v="335" actId="20577"/>
+        <pc:sldMkLst>
+          <pc:docMk/>
+          <pc:sldMk cId="3776714482" sldId="266"/>
+        </pc:sldMkLst>
+        <pc:spChg chg="mod">
+          <ac:chgData name="Utente guest" userId="" providerId="Windows Live" clId="Web-{FE125A0A-C988-411F-9275-940B4693E9CC}" dt="2021-06-08T09:33:09.632" v="335" actId="20577"/>
+          <ac:spMkLst>
+            <pc:docMk/>
+            <pc:sldMk cId="3776714482" sldId="266"/>
+            <ac:spMk id="3" creationId="{06AC63E7-FD21-494C-9BCC-923FE382CF68}"/>
+          </ac:spMkLst>
+        </pc:spChg>
+      </pc:sldChg>
+      <pc:sldChg chg="modSp">
+        <pc:chgData name="Utente guest" userId="" providerId="Windows Live" clId="Web-{FE125A0A-C988-411F-9275-940B4693E9CC}" dt="2021-06-08T10:04:52.433" v="546" actId="20577"/>
+        <pc:sldMkLst>
+          <pc:docMk/>
+          <pc:sldMk cId="2512718786" sldId="267"/>
+        </pc:sldMkLst>
+        <pc:spChg chg="mod">
+          <ac:chgData name="Utente guest" userId="" providerId="Windows Live" clId="Web-{FE125A0A-C988-411F-9275-940B4693E9CC}" dt="2021-06-08T10:04:52.433" v="546" actId="20577"/>
+          <ac:spMkLst>
+            <pc:docMk/>
+            <pc:sldMk cId="2512718786" sldId="267"/>
+            <ac:spMk id="3" creationId="{208110D2-D72A-4954-A9E7-B3348AD41880}"/>
+          </ac:spMkLst>
+        </pc:spChg>
+      </pc:sldChg>
+      <pc:sldChg chg="modSp">
+        <pc:chgData name="Utente guest" userId="" providerId="Windows Live" clId="Web-{FE125A0A-C988-411F-9275-940B4693E9CC}" dt="2021-06-08T10:44:09.715" v="967" actId="20577"/>
+        <pc:sldMkLst>
+          <pc:docMk/>
+          <pc:sldMk cId="59111166" sldId="271"/>
+        </pc:sldMkLst>
+        <pc:spChg chg="mod">
+          <ac:chgData name="Utente guest" userId="" providerId="Windows Live" clId="Web-{FE125A0A-C988-411F-9275-940B4693E9CC}" dt="2021-06-08T10:44:09.715" v="967" actId="20577"/>
+          <ac:spMkLst>
+            <pc:docMk/>
+            <pc:sldMk cId="59111166" sldId="271"/>
+            <ac:spMk id="3" creationId="{43207D95-BE19-48A2-9AC7-26D59EA281A1}"/>
+          </ac:spMkLst>
+        </pc:spChg>
+        <pc:spChg chg="mod">
+          <ac:chgData name="Utente guest" userId="" providerId="Windows Live" clId="Web-{FE125A0A-C988-411F-9275-940B4693E9CC}" dt="2021-06-08T10:35:33.358" v="890" actId="1076"/>
+          <ac:spMkLst>
+            <pc:docMk/>
+            <pc:sldMk cId="59111166" sldId="271"/>
+            <ac:spMk id="5" creationId="{08CE9197-F09D-4608-9BB3-46D24FFBDCF3}"/>
+          </ac:spMkLst>
+        </pc:spChg>
+      </pc:sldChg>
+    </pc:docChg>
+  </pc:docChgLst>
+  <pc:docChgLst>
+    <pc:chgData name="Matte Mannai" userId="f9f1d15fa8820bad" providerId="Windows Live" clId="Web-{C7256D88-6842-4158-802D-67661F249B24}"/>
+    <pc:docChg chg="addSld modSld sldOrd">
+      <pc:chgData name="Matte Mannai" userId="f9f1d15fa8820bad" providerId="Windows Live" clId="Web-{C7256D88-6842-4158-802D-67661F249B24}" dt="2021-05-30T14:17:36.498" v="293" actId="20577"/>
+      <pc:docMkLst>
+        <pc:docMk/>
+      </pc:docMkLst>
+      <pc:sldChg chg="addSp delSp">
+        <pc:chgData name="Matte Mannai" userId="f9f1d15fa8820bad" providerId="Windows Live" clId="Web-{C7256D88-6842-4158-802D-67661F249B24}" dt="2021-05-30T13:04:23.383" v="1"/>
+        <pc:sldMkLst>
+          <pc:docMk/>
+          <pc:sldMk cId="2726428701" sldId="258"/>
+        </pc:sldMkLst>
+        <pc:picChg chg="add del">
+          <ac:chgData name="Matte Mannai" userId="f9f1d15fa8820bad" providerId="Windows Live" clId="Web-{C7256D88-6842-4158-802D-67661F249B24}" dt="2021-05-30T13:04:23.383" v="1"/>
+          <ac:picMkLst>
+            <pc:docMk/>
+            <pc:sldMk cId="2726428701" sldId="258"/>
+            <ac:picMk id="4" creationId="{5C4B816E-72DE-4A9C-BF49-BA03B85DD57F}"/>
+          </ac:picMkLst>
+        </pc:picChg>
+      </pc:sldChg>
+      <pc:sldChg chg="modSp">
+        <pc:chgData name="Matte Mannai" userId="f9f1d15fa8820bad" providerId="Windows Live" clId="Web-{C7256D88-6842-4158-802D-67661F249B24}" dt="2021-05-30T14:17:36.498" v="293" actId="20577"/>
         <pc:sldMkLst>
           <pc:docMk/>
           <pc:sldMk cId="454804502" sldId="261"/>
         </pc:sldMkLst>
         <pc:spChg chg="mod">
-          <ac:chgData name="Utente guest" userId="" providerId="Windows Live" clId="Web-{4ED11C23-41F6-495B-A105-47BF96129674}" dt="2021-06-04T21:04:25.338" v="6" actId="20577"/>
+          <ac:chgData name="Matte Mannai" userId="f9f1d15fa8820bad" providerId="Windows Live" clId="Web-{C7256D88-6842-4158-802D-67661F249B24}" dt="2021-05-30T14:17:36.498" v="293" actId="20577"/>
           <ac:spMkLst>
             <pc:docMk/>
             <pc:sldMk cId="454804502" sldId="261"/>
             <ac:spMk id="3" creationId="{8CDEC847-E9FA-49FF-BAD9-93C23970BB6B}"/>
+          </ac:spMkLst>
+        </pc:spChg>
+      </pc:sldChg>
+      <pc:sldChg chg="addSp modSp new ord">
+        <pc:chgData name="Matte Mannai" userId="f9f1d15fa8820bad" providerId="Windows Live" clId="Web-{C7256D88-6842-4158-802D-67661F249B24}" dt="2021-05-30T14:07:44.372" v="253" actId="1076"/>
+        <pc:sldMkLst>
+          <pc:docMk/>
+          <pc:sldMk cId="18532425" sldId="263"/>
+        </pc:sldMkLst>
+        <pc:spChg chg="mod">
+          <ac:chgData name="Matte Mannai" userId="f9f1d15fa8820bad" providerId="Windows Live" clId="Web-{C7256D88-6842-4158-802D-67661F249B24}" dt="2021-05-30T13:51:49.657" v="45" actId="14100"/>
+          <ac:spMkLst>
+            <pc:docMk/>
+            <pc:sldMk cId="18532425" sldId="263"/>
+            <ac:spMk id="2" creationId="{2CF25644-C6BB-454A-B883-E4591B91425F}"/>
+          </ac:spMkLst>
+        </pc:spChg>
+        <pc:spChg chg="add mod">
+          <ac:chgData name="Matte Mannai" userId="f9f1d15fa8820bad" providerId="Windows Live" clId="Web-{C7256D88-6842-4158-802D-67661F249B24}" dt="2021-05-30T13:52:53.550" v="58" actId="1076"/>
+          <ac:spMkLst>
+            <pc:docMk/>
+            <pc:sldMk cId="18532425" sldId="263"/>
+            <ac:spMk id="4" creationId="{2CA354D7-6021-4DBA-8FF2-1581A1AC43D7}"/>
+          </ac:spMkLst>
+        </pc:spChg>
+        <pc:spChg chg="add mod">
+          <ac:chgData name="Matte Mannai" userId="f9f1d15fa8820bad" providerId="Windows Live" clId="Web-{C7256D88-6842-4158-802D-67661F249B24}" dt="2021-05-30T14:07:44.372" v="253" actId="1076"/>
+          <ac:spMkLst>
+            <pc:docMk/>
+            <pc:sldMk cId="18532425" sldId="263"/>
+            <ac:spMk id="5" creationId="{A6D97257-32F1-46B3-9260-6D61D40AE718}"/>
+          </ac:spMkLst>
+        </pc:spChg>
+      </pc:sldChg>
+    </pc:docChg>
+  </pc:docChgLst>
+  <pc:docChgLst>
+    <pc:chgData name="Utente guest" providerId="Windows Live" clId="Web-{FB68D5EE-263A-4381-AA0D-BD68277D8F93}"/>
+    <pc:docChg chg="addSld modSld sldOrd modSection">
+      <pc:chgData name="Utente guest" userId="" providerId="Windows Live" clId="Web-{FB68D5EE-263A-4381-AA0D-BD68277D8F93}" dt="2021-06-01T15:22:15.705" v="565" actId="20577"/>
+      <pc:docMkLst>
+        <pc:docMk/>
+      </pc:docMkLst>
+      <pc:sldChg chg="modSp">
+        <pc:chgData name="Utente guest" userId="" providerId="Windows Live" clId="Web-{FB68D5EE-263A-4381-AA0D-BD68277D8F93}" dt="2021-06-01T14:18:10.470" v="292" actId="20577"/>
+        <pc:sldMkLst>
+          <pc:docMk/>
+          <pc:sldMk cId="3727552200" sldId="259"/>
+        </pc:sldMkLst>
+        <pc:spChg chg="mod">
+          <ac:chgData name="Utente guest" userId="" providerId="Windows Live" clId="Web-{FB68D5EE-263A-4381-AA0D-BD68277D8F93}" dt="2021-06-01T14:18:10.470" v="292" actId="20577"/>
+          <ac:spMkLst>
+            <pc:docMk/>
+            <pc:sldMk cId="3727552200" sldId="259"/>
+            <ac:spMk id="4" creationId="{EB866CC2-B024-4565-9E57-DDA3BCD9066A}"/>
+          </ac:spMkLst>
+        </pc:spChg>
+      </pc:sldChg>
+      <pc:sldChg chg="modSp">
+        <pc:chgData name="Utente guest" userId="" providerId="Windows Live" clId="Web-{FB68D5EE-263A-4381-AA0D-BD68277D8F93}" dt="2021-06-01T13:52:33.758" v="142" actId="20577"/>
+        <pc:sldMkLst>
+          <pc:docMk/>
+          <pc:sldMk cId="454804502" sldId="261"/>
+        </pc:sldMkLst>
+        <pc:spChg chg="mod">
+          <ac:chgData name="Utente guest" userId="" providerId="Windows Live" clId="Web-{FB68D5EE-263A-4381-AA0D-BD68277D8F93}" dt="2021-06-01T13:52:33.758" v="142" actId="20577"/>
+          <ac:spMkLst>
+            <pc:docMk/>
+            <pc:sldMk cId="454804502" sldId="261"/>
+            <ac:spMk id="3" creationId="{8CDEC847-E9FA-49FF-BAD9-93C23970BB6B}"/>
+          </ac:spMkLst>
+        </pc:spChg>
+      </pc:sldChg>
+      <pc:sldChg chg="addSp delSp modSp">
+        <pc:chgData name="Utente guest" userId="" providerId="Windows Live" clId="Web-{FB68D5EE-263A-4381-AA0D-BD68277D8F93}" dt="2021-06-01T14:38:11.974" v="329" actId="20577"/>
+        <pc:sldMkLst>
+          <pc:docMk/>
+          <pc:sldMk cId="1014551272" sldId="263"/>
+        </pc:sldMkLst>
+        <pc:spChg chg="add mod">
+          <ac:chgData name="Utente guest" userId="" providerId="Windows Live" clId="Web-{FB68D5EE-263A-4381-AA0D-BD68277D8F93}" dt="2021-06-01T13:37:17.102" v="8" actId="20577"/>
+          <ac:spMkLst>
+            <pc:docMk/>
+            <pc:sldMk cId="1014551272" sldId="263"/>
+            <ac:spMk id="3" creationId="{8D8290E7-C1DC-4CAA-9084-0E5B74284351}"/>
+          </ac:spMkLst>
+        </pc:spChg>
+        <pc:spChg chg="add del">
+          <ac:chgData name="Utente guest" userId="" providerId="Windows Live" clId="Web-{FB68D5EE-263A-4381-AA0D-BD68277D8F93}" dt="2021-06-01T13:44:38.890" v="10"/>
+          <ac:spMkLst>
+            <pc:docMk/>
+            <pc:sldMk cId="1014551272" sldId="263"/>
+            <ac:spMk id="4" creationId="{C4AE567D-9545-46D9-9D30-BBCB8408A62C}"/>
+          </ac:spMkLst>
+        </pc:spChg>
+        <pc:spChg chg="add del mod">
+          <ac:chgData name="Utente guest" userId="" providerId="Windows Live" clId="Web-{FB68D5EE-263A-4381-AA0D-BD68277D8F93}" dt="2021-06-01T13:49:39.505" v="110"/>
+          <ac:spMkLst>
+            <pc:docMk/>
+            <pc:sldMk cId="1014551272" sldId="263"/>
+            <ac:spMk id="6" creationId="{B0993B7C-A53A-4820-B262-B952CD8835AA}"/>
+          </ac:spMkLst>
+        </pc:spChg>
+        <pc:spChg chg="add del mod">
+          <ac:chgData name="Utente guest" userId="" providerId="Windows Live" clId="Web-{FB68D5EE-263A-4381-AA0D-BD68277D8F93}" dt="2021-06-01T13:50:00.443" v="114"/>
+          <ac:spMkLst>
+            <pc:docMk/>
+            <pc:sldMk cId="1014551272" sldId="263"/>
+            <ac:spMk id="7" creationId="{4A3C6DAC-6667-4EBB-9178-41A5EFF58DDB}"/>
+          </ac:spMkLst>
+        </pc:spChg>
+        <pc:spChg chg="add mod">
+          <ac:chgData name="Utente guest" userId="" providerId="Windows Live" clId="Web-{FB68D5EE-263A-4381-AA0D-BD68277D8F93}" dt="2021-06-01T14:38:11.974" v="329" actId="20577"/>
+          <ac:spMkLst>
+            <pc:docMk/>
+            <pc:sldMk cId="1014551272" sldId="263"/>
+            <ac:spMk id="9" creationId="{B7B398FD-11D8-4B66-8CD5-300A1871C868}"/>
+          </ac:spMkLst>
+        </pc:spChg>
+      </pc:sldChg>
+      <pc:sldChg chg="modSp">
+        <pc:chgData name="Utente guest" userId="" providerId="Windows Live" clId="Web-{FB68D5EE-263A-4381-AA0D-BD68277D8F93}" dt="2021-06-01T15:13:38.275" v="477" actId="20577"/>
+        <pc:sldMkLst>
+          <pc:docMk/>
+          <pc:sldMk cId="1520066137" sldId="264"/>
+        </pc:sldMkLst>
+        <pc:spChg chg="mod">
+          <ac:chgData name="Utente guest" userId="" providerId="Windows Live" clId="Web-{FB68D5EE-263A-4381-AA0D-BD68277D8F93}" dt="2021-06-01T15:13:38.275" v="477" actId="20577"/>
+          <ac:spMkLst>
+            <pc:docMk/>
+            <pc:sldMk cId="1520066137" sldId="264"/>
+            <ac:spMk id="2" creationId="{D56CAC12-04E7-47E8-906E-814DB0BA81EA}"/>
+          </ac:spMkLst>
+        </pc:spChg>
+      </pc:sldChg>
+      <pc:sldChg chg="addSp delSp modSp new ord">
+        <pc:chgData name="Utente guest" userId="" providerId="Windows Live" clId="Web-{FB68D5EE-263A-4381-AA0D-BD68277D8F93}" dt="2021-06-01T15:22:15.705" v="565" actId="20577"/>
+        <pc:sldMkLst>
+          <pc:docMk/>
+          <pc:sldMk cId="2904629529" sldId="265"/>
+        </pc:sldMkLst>
+        <pc:spChg chg="del">
+          <ac:chgData name="Utente guest" userId="" providerId="Windows Live" clId="Web-{FB68D5EE-263A-4381-AA0D-BD68277D8F93}" dt="2021-06-01T14:47:43.484" v="333"/>
+          <ac:spMkLst>
+            <pc:docMk/>
+            <pc:sldMk cId="2904629529" sldId="265"/>
+            <ac:spMk id="2" creationId="{C3FB585D-20C3-44BA-8732-85D06DE10DC8}"/>
+          </ac:spMkLst>
+        </pc:spChg>
+        <pc:spChg chg="del">
+          <ac:chgData name="Utente guest" userId="" providerId="Windows Live" clId="Web-{FB68D5EE-263A-4381-AA0D-BD68277D8F93}" dt="2021-06-01T14:47:43.484" v="332"/>
+          <ac:spMkLst>
+            <pc:docMk/>
+            <pc:sldMk cId="2904629529" sldId="265"/>
+            <ac:spMk id="3" creationId="{E17F44DE-267A-4AD9-B924-C9E7CE0E68F1}"/>
+          </ac:spMkLst>
+        </pc:spChg>
+        <pc:spChg chg="add mod">
+          <ac:chgData name="Utente guest" userId="" providerId="Windows Live" clId="Web-{FB68D5EE-263A-4381-AA0D-BD68277D8F93}" dt="2021-06-01T15:22:15.705" v="565" actId="20577"/>
+          <ac:spMkLst>
+            <pc:docMk/>
+            <pc:sldMk cId="2904629529" sldId="265"/>
+            <ac:spMk id="5" creationId="{547B7B68-8863-4F09-B4D7-676839A090CB}"/>
+          </ac:spMkLst>
+        </pc:spChg>
+      </pc:sldChg>
+    </pc:docChg>
+  </pc:docChgLst>
+  <pc:docChgLst>
+    <pc:chgData name="Davide Romano" userId="c3ac3c10d9ce9e2a" providerId="LiveId" clId="{B14B8130-7782-43EB-987D-49D23A567CB4}"/>
+    <pc:docChg chg="undo redo custSel addSld delSld modSld sldOrd addSection delSection modSection">
+      <pc:chgData name="Davide Romano" userId="c3ac3c10d9ce9e2a" providerId="LiveId" clId="{B14B8130-7782-43EB-987D-49D23A567CB4}" dt="2021-06-08T16:39:39.205" v="12809" actId="1076"/>
+      <pc:docMkLst>
+        <pc:docMk/>
+      </pc:docMkLst>
+      <pc:sldChg chg="modSp mod">
+        <pc:chgData name="Davide Romano" userId="c3ac3c10d9ce9e2a" providerId="LiveId" clId="{B14B8130-7782-43EB-987D-49D23A567CB4}" dt="2021-06-08T09:47:55.043" v="12261" actId="113"/>
+        <pc:sldMkLst>
+          <pc:docMk/>
+          <pc:sldMk cId="3539450417" sldId="256"/>
+        </pc:sldMkLst>
+        <pc:spChg chg="mod">
+          <ac:chgData name="Davide Romano" userId="c3ac3c10d9ce9e2a" providerId="LiveId" clId="{B14B8130-7782-43EB-987D-49D23A567CB4}" dt="2021-06-06T15:27:26.255" v="11910" actId="207"/>
+          <ac:spMkLst>
+            <pc:docMk/>
+            <pc:sldMk cId="3539450417" sldId="256"/>
+            <ac:spMk id="4" creationId="{68FFAE1F-DCC3-44F6-B9A0-2F2ABD36CEF3}"/>
+          </ac:spMkLst>
+        </pc:spChg>
+        <pc:spChg chg="mod">
+          <ac:chgData name="Davide Romano" userId="c3ac3c10d9ce9e2a" providerId="LiveId" clId="{B14B8130-7782-43EB-987D-49D23A567CB4}" dt="2021-06-08T09:47:55.043" v="12261" actId="113"/>
+          <ac:spMkLst>
+            <pc:docMk/>
+            <pc:sldMk cId="3539450417" sldId="256"/>
+            <ac:spMk id="5" creationId="{34FBF581-0D37-4C99-A911-DC18F3791DE8}"/>
+          </ac:spMkLst>
+        </pc:spChg>
+        <pc:spChg chg="mod">
+          <ac:chgData name="Davide Romano" userId="c3ac3c10d9ce9e2a" providerId="LiveId" clId="{B14B8130-7782-43EB-987D-49D23A567CB4}" dt="2021-06-06T15:26:28.653" v="11904" actId="207"/>
+          <ac:spMkLst>
+            <pc:docMk/>
+            <pc:sldMk cId="3539450417" sldId="256"/>
+            <ac:spMk id="6" creationId="{EA6752B8-AD50-4805-B443-4C0A56A5767A}"/>
+          </ac:spMkLst>
+        </pc:spChg>
+      </pc:sldChg>
+      <pc:sldChg chg="addSp delSp modSp mod">
+        <pc:chgData name="Davide Romano" userId="c3ac3c10d9ce9e2a" providerId="LiveId" clId="{B14B8130-7782-43EB-987D-49D23A567CB4}" dt="2021-06-06T15:26:19.520" v="11898" actId="20577"/>
+        <pc:sldMkLst>
+          <pc:docMk/>
+          <pc:sldMk cId="4183486380" sldId="257"/>
+        </pc:sldMkLst>
+        <pc:spChg chg="add mod">
+          <ac:chgData name="Davide Romano" userId="c3ac3c10d9ce9e2a" providerId="LiveId" clId="{B14B8130-7782-43EB-987D-49D23A567CB4}" dt="2021-06-03T14:47:16.969" v="7765" actId="1076"/>
+          <ac:spMkLst>
+            <pc:docMk/>
+            <pc:sldMk cId="4183486380" sldId="257"/>
+            <ac:spMk id="2" creationId="{CCC478D7-A4BF-4F10-AD4C-7478E9C4EAD1}"/>
+          </ac:spMkLst>
+        </pc:spChg>
+        <pc:spChg chg="del mod">
+          <ac:chgData name="Davide Romano" userId="c3ac3c10d9ce9e2a" providerId="LiveId" clId="{B14B8130-7782-43EB-987D-49D23A567CB4}" dt="2021-06-05T16:30:54.712" v="11487" actId="478"/>
+          <ac:spMkLst>
+            <pc:docMk/>
+            <pc:sldMk cId="4183486380" sldId="257"/>
+            <ac:spMk id="3" creationId="{40C0C029-AB8E-43C0-81D8-D5AC3A2A764E}"/>
+          </ac:spMkLst>
+        </pc:spChg>
+        <pc:spChg chg="del mod">
+          <ac:chgData name="Davide Romano" userId="c3ac3c10d9ce9e2a" providerId="LiveId" clId="{B14B8130-7782-43EB-987D-49D23A567CB4}" dt="2021-06-03T13:31:00.206" v="6777"/>
+          <ac:spMkLst>
+            <pc:docMk/>
+            <pc:sldMk cId="4183486380" sldId="257"/>
+            <ac:spMk id="4" creationId="{DA05A9BE-CE3C-4E17-AF46-ADFA0246EF26}"/>
+          </ac:spMkLst>
+        </pc:spChg>
+        <pc:spChg chg="add mod">
+          <ac:chgData name="Davide Romano" userId="c3ac3c10d9ce9e2a" providerId="LiveId" clId="{B14B8130-7782-43EB-987D-49D23A567CB4}" dt="2021-06-05T17:33:38.077" v="11860" actId="20577"/>
+          <ac:spMkLst>
+            <pc:docMk/>
+            <pc:sldMk cId="4183486380" sldId="257"/>
+            <ac:spMk id="5" creationId="{9B5E12BC-4A19-4D6D-9F7C-0E6EA85A9B0F}"/>
+          </ac:spMkLst>
+        </pc:spChg>
+        <pc:spChg chg="mod">
+          <ac:chgData name="Davide Romano" userId="c3ac3c10d9ce9e2a" providerId="LiveId" clId="{B14B8130-7782-43EB-987D-49D23A567CB4}" dt="2021-06-03T14:57:45.638" v="7901" actId="255"/>
+          <ac:spMkLst>
+            <pc:docMk/>
+            <pc:sldMk cId="4183486380" sldId="257"/>
+            <ac:spMk id="6" creationId="{AF724172-295E-46FF-B497-74462AA6CF2A}"/>
+          </ac:spMkLst>
+        </pc:spChg>
+        <pc:spChg chg="add mod">
+          <ac:chgData name="Davide Romano" userId="c3ac3c10d9ce9e2a" providerId="LiveId" clId="{B14B8130-7782-43EB-987D-49D23A567CB4}" dt="2021-06-05T17:34:26.361" v="11861" actId="1076"/>
+          <ac:spMkLst>
+            <pc:docMk/>
+            <pc:sldMk cId="4183486380" sldId="257"/>
+            <ac:spMk id="7" creationId="{3255F5B4-723B-415F-BD72-C616395BA102}"/>
+          </ac:spMkLst>
+        </pc:spChg>
+        <pc:spChg chg="add mod">
+          <ac:chgData name="Davide Romano" userId="c3ac3c10d9ce9e2a" providerId="LiveId" clId="{B14B8130-7782-43EB-987D-49D23A567CB4}" dt="2021-06-06T15:26:19.520" v="11898" actId="20577"/>
+          <ac:spMkLst>
+            <pc:docMk/>
+            <pc:sldMk cId="4183486380" sldId="257"/>
+            <ac:spMk id="8" creationId="{0FFF603D-C33B-42AF-9A91-BCA1C662274B}"/>
+          </ac:spMkLst>
+        </pc:spChg>
+        <pc:spChg chg="add mod">
+          <ac:chgData name="Davide Romano" userId="c3ac3c10d9ce9e2a" providerId="LiveId" clId="{B14B8130-7782-43EB-987D-49D23A567CB4}" dt="2021-06-03T15:06:57.080" v="8187" actId="1076"/>
+          <ac:spMkLst>
+            <pc:docMk/>
+            <pc:sldMk cId="4183486380" sldId="257"/>
+            <ac:spMk id="9" creationId="{94E5A92D-84F2-4CC6-B4C0-4F03652DF892}"/>
+          </ac:spMkLst>
+        </pc:spChg>
+        <pc:spChg chg="add mod">
+          <ac:chgData name="Davide Romano" userId="c3ac3c10d9ce9e2a" providerId="LiveId" clId="{B14B8130-7782-43EB-987D-49D23A567CB4}" dt="2021-06-03T15:06:59.522" v="8188" actId="1076"/>
+          <ac:spMkLst>
+            <pc:docMk/>
+            <pc:sldMk cId="4183486380" sldId="257"/>
+            <ac:spMk id="10" creationId="{A0179B4B-D30E-4233-988B-83A42B69A715}"/>
+          </ac:spMkLst>
+        </pc:spChg>
+        <pc:spChg chg="add mod">
+          <ac:chgData name="Davide Romano" userId="c3ac3c10d9ce9e2a" providerId="LiveId" clId="{B14B8130-7782-43EB-987D-49D23A567CB4}" dt="2021-06-03T15:06:53.941" v="8186" actId="404"/>
+          <ac:spMkLst>
+            <pc:docMk/>
+            <pc:sldMk cId="4183486380" sldId="257"/>
+            <ac:spMk id="11" creationId="{523B4FBB-3B63-44B9-94FF-4F7925E557BC}"/>
+          </ac:spMkLst>
+        </pc:spChg>
+        <pc:spChg chg="add mod">
+          <ac:chgData name="Davide Romano" userId="c3ac3c10d9ce9e2a" providerId="LiveId" clId="{B14B8130-7782-43EB-987D-49D23A567CB4}" dt="2021-06-05T16:41:07.498" v="11596" actId="20577"/>
+          <ac:spMkLst>
+            <pc:docMk/>
+            <pc:sldMk cId="4183486380" sldId="257"/>
+            <ac:spMk id="12" creationId="{1BCA5EC5-79BD-453B-B030-9A68B4EA7CA0}"/>
+          </ac:spMkLst>
+        </pc:spChg>
+        <pc:spChg chg="add mod">
+          <ac:chgData name="Davide Romano" userId="c3ac3c10d9ce9e2a" providerId="LiveId" clId="{B14B8130-7782-43EB-987D-49D23A567CB4}" dt="2021-06-06T15:26:16.280" v="11897" actId="207"/>
+          <ac:spMkLst>
+            <pc:docMk/>
+            <pc:sldMk cId="4183486380" sldId="257"/>
+            <ac:spMk id="13" creationId="{DD80EDEF-DF2C-40F2-9471-73653433E605}"/>
+          </ac:spMkLst>
+        </pc:spChg>
+        <pc:spChg chg="add mod">
+          <ac:chgData name="Davide Romano" userId="c3ac3c10d9ce9e2a" providerId="LiveId" clId="{B14B8130-7782-43EB-987D-49D23A567CB4}" dt="2021-06-05T16:31:02.160" v="11488" actId="1076"/>
+          <ac:spMkLst>
+            <pc:docMk/>
+            <pc:sldMk cId="4183486380" sldId="257"/>
+            <ac:spMk id="14" creationId="{8AE3BF7C-451E-46A8-96E1-E962A3FAA25D}"/>
+          </ac:spMkLst>
+        </pc:spChg>
+      </pc:sldChg>
+      <pc:sldChg chg="addSp delSp modSp mod setBg">
+        <pc:chgData name="Davide Romano" userId="c3ac3c10d9ce9e2a" providerId="LiveId" clId="{B14B8130-7782-43EB-987D-49D23A567CB4}" dt="2021-06-05T14:44:06.545" v="11195" actId="931"/>
+        <pc:sldMkLst>
+          <pc:docMk/>
+          <pc:sldMk cId="2726428701" sldId="258"/>
+        </pc:sldMkLst>
+        <pc:spChg chg="add">
+          <ac:chgData name="Davide Romano" userId="c3ac3c10d9ce9e2a" providerId="LiveId" clId="{B14B8130-7782-43EB-987D-49D23A567CB4}" dt="2021-05-30T13:49:05.981" v="1056" actId="26606"/>
+          <ac:spMkLst>
+            <pc:docMk/>
+            <pc:sldMk cId="2726428701" sldId="258"/>
+            <ac:spMk id="9" creationId="{AB8C311F-7253-4AED-9701-7FC0708C41C7}"/>
+          </ac:spMkLst>
+        </pc:spChg>
+        <pc:spChg chg="add">
+          <ac:chgData name="Davide Romano" userId="c3ac3c10d9ce9e2a" providerId="LiveId" clId="{B14B8130-7782-43EB-987D-49D23A567CB4}" dt="2021-05-30T13:49:05.981" v="1056" actId="26606"/>
+          <ac:spMkLst>
+            <pc:docMk/>
+            <pc:sldMk cId="2726428701" sldId="258"/>
+            <ac:spMk id="11" creationId="{E2384209-CB15-4CDF-9D31-C44FD9A3F20D}"/>
+          </ac:spMkLst>
+        </pc:spChg>
+        <pc:spChg chg="add">
+          <ac:chgData name="Davide Romano" userId="c3ac3c10d9ce9e2a" providerId="LiveId" clId="{B14B8130-7782-43EB-987D-49D23A567CB4}" dt="2021-05-30T13:49:05.981" v="1056" actId="26606"/>
+          <ac:spMkLst>
+            <pc:docMk/>
+            <pc:sldMk cId="2726428701" sldId="258"/>
+            <ac:spMk id="13" creationId="{2633B3B5-CC90-43F0-8714-D31D1F3F0209}"/>
+          </ac:spMkLst>
+        </pc:spChg>
+        <pc:spChg chg="add">
+          <ac:chgData name="Davide Romano" userId="c3ac3c10d9ce9e2a" providerId="LiveId" clId="{B14B8130-7782-43EB-987D-49D23A567CB4}" dt="2021-05-30T13:49:05.981" v="1056" actId="26606"/>
+          <ac:spMkLst>
+            <pc:docMk/>
+            <pc:sldMk cId="2726428701" sldId="258"/>
+            <ac:spMk id="15" creationId="{A8D57A06-A426-446D-B02C-A2DC6B62E45E}"/>
+          </ac:spMkLst>
+        </pc:spChg>
+        <pc:picChg chg="del">
+          <ac:chgData name="Davide Romano" userId="c3ac3c10d9ce9e2a" providerId="LiveId" clId="{B14B8130-7782-43EB-987D-49D23A567CB4}" dt="2021-05-30T12:55:08.362" v="3" actId="478"/>
+          <ac:picMkLst>
+            <pc:docMk/>
+            <pc:sldMk cId="2726428701" sldId="258"/>
+            <ac:picMk id="3" creationId="{83FB1919-9DDE-4105-9650-12F432A43906}"/>
+          </ac:picMkLst>
+        </pc:picChg>
+        <pc:picChg chg="add mod">
+          <ac:chgData name="Davide Romano" userId="c3ac3c10d9ce9e2a" providerId="LiveId" clId="{B14B8130-7782-43EB-987D-49D23A567CB4}" dt="2021-06-05T14:44:06.545" v="11195" actId="931"/>
+          <ac:picMkLst>
+            <pc:docMk/>
+            <pc:sldMk cId="2726428701" sldId="258"/>
+            <ac:picMk id="3" creationId="{BFE4FD36-8400-46BD-A857-665D9CB7EB47}"/>
+          </ac:picMkLst>
+        </pc:picChg>
+        <pc:picChg chg="add del mod">
+          <ac:chgData name="Davide Romano" userId="c3ac3c10d9ce9e2a" providerId="LiveId" clId="{B14B8130-7782-43EB-987D-49D23A567CB4}" dt="2021-06-05T14:44:01.192" v="11194" actId="478"/>
+          <ac:picMkLst>
+            <pc:docMk/>
+            <pc:sldMk cId="2726428701" sldId="258"/>
+            <ac:picMk id="4" creationId="{5C4B816E-72DE-4A9C-BF49-BA03B85DD57F}"/>
+          </ac:picMkLst>
+        </pc:picChg>
+      </pc:sldChg>
+      <pc:sldChg chg="modSp mod">
+        <pc:chgData name="Davide Romano" userId="c3ac3c10d9ce9e2a" providerId="LiveId" clId="{B14B8130-7782-43EB-987D-49D23A567CB4}" dt="2021-06-03T15:55:20.758" v="9466" actId="20577"/>
+        <pc:sldMkLst>
+          <pc:docMk/>
+          <pc:sldMk cId="3727552200" sldId="259"/>
+        </pc:sldMkLst>
+        <pc:spChg chg="mod">
+          <ac:chgData name="Davide Romano" userId="c3ac3c10d9ce9e2a" providerId="LiveId" clId="{B14B8130-7782-43EB-987D-49D23A567CB4}" dt="2021-06-03T15:55:20.758" v="9466" actId="20577"/>
+          <ac:spMkLst>
+            <pc:docMk/>
+            <pc:sldMk cId="3727552200" sldId="259"/>
+            <ac:spMk id="4" creationId="{EB866CC2-B024-4565-9E57-DDA3BCD9066A}"/>
+          </ac:spMkLst>
+        </pc:spChg>
+      </pc:sldChg>
+      <pc:sldChg chg="addSp delSp modSp new mod">
+        <pc:chgData name="Davide Romano" userId="c3ac3c10d9ce9e2a" providerId="LiveId" clId="{B14B8130-7782-43EB-987D-49D23A567CB4}" dt="2021-06-05T16:41:19.703" v="11598" actId="2"/>
+        <pc:sldMkLst>
+          <pc:docMk/>
+          <pc:sldMk cId="3833303443" sldId="260"/>
+        </pc:sldMkLst>
+        <pc:spChg chg="del">
+          <ac:chgData name="Davide Romano" userId="c3ac3c10d9ce9e2a" providerId="LiveId" clId="{B14B8130-7782-43EB-987D-49D23A567CB4}" dt="2021-05-30T13:03:01.944" v="61" actId="478"/>
+          <ac:spMkLst>
+            <pc:docMk/>
+            <pc:sldMk cId="3833303443" sldId="260"/>
+            <ac:spMk id="2" creationId="{B1E6ED70-16C0-4E15-9963-86DE6A0273FE}"/>
+          </ac:spMkLst>
+        </pc:spChg>
+        <pc:spChg chg="del">
+          <ac:chgData name="Davide Romano" userId="c3ac3c10d9ce9e2a" providerId="LiveId" clId="{B14B8130-7782-43EB-987D-49D23A567CB4}" dt="2021-05-30T13:03:08.701" v="62" actId="478"/>
+          <ac:spMkLst>
+            <pc:docMk/>
+            <pc:sldMk cId="3833303443" sldId="260"/>
+            <ac:spMk id="3" creationId="{1200E35A-3CF2-4EB2-97A9-213167462203}"/>
+          </ac:spMkLst>
+        </pc:spChg>
+        <pc:spChg chg="add mod">
+          <ac:chgData name="Davide Romano" userId="c3ac3c10d9ce9e2a" providerId="LiveId" clId="{B14B8130-7782-43EB-987D-49D23A567CB4}" dt="2021-06-05T16:41:19.703" v="11598" actId="2"/>
+          <ac:spMkLst>
+            <pc:docMk/>
+            <pc:sldMk cId="3833303443" sldId="260"/>
+            <ac:spMk id="4" creationId="{A9C541D1-00EC-4469-9C23-DFB772363D95}"/>
+          </ac:spMkLst>
+        </pc:spChg>
+        <pc:spChg chg="add mod">
+          <ac:chgData name="Davide Romano" userId="c3ac3c10d9ce9e2a" providerId="LiveId" clId="{B14B8130-7782-43EB-987D-49D23A567CB4}" dt="2021-05-30T13:22:37.555" v="510" actId="1076"/>
+          <ac:spMkLst>
+            <pc:docMk/>
+            <pc:sldMk cId="3833303443" sldId="260"/>
+            <ac:spMk id="5" creationId="{CA0CC497-A9E1-48CD-A560-F717975D53F5}"/>
+          </ac:spMkLst>
+        </pc:spChg>
+      </pc:sldChg>
+      <pc:sldChg chg="addSp modSp new mod">
+        <pc:chgData name="Davide Romano" userId="c3ac3c10d9ce9e2a" providerId="LiveId" clId="{B14B8130-7782-43EB-987D-49D23A567CB4}" dt="2021-06-08T09:46:43.346" v="12192" actId="115"/>
+        <pc:sldMkLst>
+          <pc:docMk/>
+          <pc:sldMk cId="454804502" sldId="261"/>
+        </pc:sldMkLst>
+        <pc:spChg chg="mod">
+          <ac:chgData name="Davide Romano" userId="c3ac3c10d9ce9e2a" providerId="LiveId" clId="{B14B8130-7782-43EB-987D-49D23A567CB4}" dt="2021-05-30T15:03:23.387" v="1793" actId="1076"/>
+          <ac:spMkLst>
+            <pc:docMk/>
+            <pc:sldMk cId="454804502" sldId="261"/>
+            <ac:spMk id="2" creationId="{B12B455F-CC9C-4839-BD75-0D4670EDF7B8}"/>
+          </ac:spMkLst>
+        </pc:spChg>
+        <pc:spChg chg="mod">
+          <ac:chgData name="Davide Romano" userId="c3ac3c10d9ce9e2a" providerId="LiveId" clId="{B14B8130-7782-43EB-987D-49D23A567CB4}" dt="2021-06-08T09:46:43.346" v="12192" actId="115"/>
+          <ac:spMkLst>
+            <pc:docMk/>
+            <pc:sldMk cId="454804502" sldId="261"/>
+            <ac:spMk id="3" creationId="{8CDEC847-E9FA-49FF-BAD9-93C23970BB6B}"/>
+          </ac:spMkLst>
+        </pc:spChg>
+        <pc:spChg chg="add mod">
+          <ac:chgData name="Davide Romano" userId="c3ac3c10d9ce9e2a" providerId="LiveId" clId="{B14B8130-7782-43EB-987D-49D23A567CB4}" dt="2021-06-02T08:42:47.360" v="3754" actId="20577"/>
+          <ac:spMkLst>
+            <pc:docMk/>
+            <pc:sldMk cId="454804502" sldId="261"/>
+            <ac:spMk id="4" creationId="{CD058A57-BF0A-4C61-A0D5-C46DB6977323}"/>
+          </ac:spMkLst>
+        </pc:spChg>
+      </pc:sldChg>
+      <pc:sldChg chg="addSp delSp modSp new mod setBg setClrOvrMap">
+        <pc:chgData name="Davide Romano" userId="c3ac3c10d9ce9e2a" providerId="LiveId" clId="{B14B8130-7782-43EB-987D-49D23A567CB4}" dt="2021-06-05T16:16:02.978" v="11431"/>
+        <pc:sldMkLst>
+          <pc:docMk/>
+          <pc:sldMk cId="2262558534" sldId="262"/>
+        </pc:sldMkLst>
+        <pc:spChg chg="del">
+          <ac:chgData name="Davide Romano" userId="c3ac3c10d9ce9e2a" providerId="LiveId" clId="{B14B8130-7782-43EB-987D-49D23A567CB4}" dt="2021-05-30T13:48:05.616" v="1044" actId="478"/>
+          <ac:spMkLst>
+            <pc:docMk/>
+            <pc:sldMk cId="2262558534" sldId="262"/>
+            <ac:spMk id="2" creationId="{911D5A8E-C8FB-4F03-A2D6-CE61F59D9167}"/>
+          </ac:spMkLst>
+        </pc:spChg>
+        <pc:spChg chg="add del mod">
+          <ac:chgData name="Davide Romano" userId="c3ac3c10d9ce9e2a" providerId="LiveId" clId="{B14B8130-7782-43EB-987D-49D23A567CB4}" dt="2021-06-05T13:29:25.483" v="11160" actId="478"/>
+          <ac:spMkLst>
+            <pc:docMk/>
+            <pc:sldMk cId="2262558534" sldId="262"/>
+            <ac:spMk id="2" creationId="{C8B5106E-9AE1-4557-AFD5-09A6E56AF0E1}"/>
+          </ac:spMkLst>
+        </pc:spChg>
+        <pc:spChg chg="del">
+          <ac:chgData name="Davide Romano" userId="c3ac3c10d9ce9e2a" providerId="LiveId" clId="{B14B8130-7782-43EB-987D-49D23A567CB4}" dt="2021-05-30T13:48:07.316" v="1045" actId="478"/>
+          <ac:spMkLst>
+            <pc:docMk/>
+            <pc:sldMk cId="2262558534" sldId="262"/>
+            <ac:spMk id="3" creationId="{E60DF268-E7C2-4C6F-AD91-1674026AF2F9}"/>
+          </ac:spMkLst>
+        </pc:spChg>
+        <pc:spChg chg="add del">
+          <ac:chgData name="Davide Romano" userId="c3ac3c10d9ce9e2a" providerId="LiveId" clId="{B14B8130-7782-43EB-987D-49D23A567CB4}" dt="2021-05-30T13:48:37.614" v="1054" actId="26606"/>
+          <ac:spMkLst>
+            <pc:docMk/>
+            <pc:sldMk cId="2262558534" sldId="262"/>
+            <ac:spMk id="7" creationId="{32BC26D8-82FB-445E-AA49-62A77D7C1EE0}"/>
+          </ac:spMkLst>
+        </pc:spChg>
+        <pc:spChg chg="add del">
+          <ac:chgData name="Davide Romano" userId="c3ac3c10d9ce9e2a" providerId="LiveId" clId="{B14B8130-7782-43EB-987D-49D23A567CB4}" dt="2021-05-30T13:48:37.614" v="1054" actId="26606"/>
+          <ac:spMkLst>
+            <pc:docMk/>
+            <pc:sldMk cId="2262558534" sldId="262"/>
+            <ac:spMk id="8" creationId="{CB44330D-EA18-4254-AA95-EB49948539B8}"/>
+          </ac:spMkLst>
+        </pc:spChg>
+        <pc:spChg chg="add del">
+          <ac:chgData name="Davide Romano" userId="c3ac3c10d9ce9e2a" providerId="LiveId" clId="{B14B8130-7782-43EB-987D-49D23A567CB4}" dt="2021-05-30T13:48:26.661" v="1048" actId="26606"/>
+          <ac:spMkLst>
+            <pc:docMk/>
+            <pc:sldMk cId="2262558534" sldId="262"/>
+            <ac:spMk id="10" creationId="{AB8C311F-7253-4AED-9701-7FC0708C41C7}"/>
+          </ac:spMkLst>
+        </pc:spChg>
+        <pc:spChg chg="add">
+          <ac:chgData name="Davide Romano" userId="c3ac3c10d9ce9e2a" providerId="LiveId" clId="{B14B8130-7782-43EB-987D-49D23A567CB4}" dt="2021-05-30T13:48:37.629" v="1055" actId="26606"/>
+          <ac:spMkLst>
+            <pc:docMk/>
+            <pc:sldMk cId="2262558534" sldId="262"/>
+            <ac:spMk id="11" creationId="{AB8C311F-7253-4AED-9701-7FC0708C41C7}"/>
+          </ac:spMkLst>
+        </pc:spChg>
+        <pc:spChg chg="add del">
+          <ac:chgData name="Davide Romano" userId="c3ac3c10d9ce9e2a" providerId="LiveId" clId="{B14B8130-7782-43EB-987D-49D23A567CB4}" dt="2021-05-30T13:48:26.661" v="1048" actId="26606"/>
+          <ac:spMkLst>
+            <pc:docMk/>
+            <pc:sldMk cId="2262558534" sldId="262"/>
+            <ac:spMk id="12" creationId="{E2384209-CB15-4CDF-9D31-C44FD9A3F20D}"/>
+          </ac:spMkLst>
+        </pc:spChg>
+        <pc:spChg chg="add">
+          <ac:chgData name="Davide Romano" userId="c3ac3c10d9ce9e2a" providerId="LiveId" clId="{B14B8130-7782-43EB-987D-49D23A567CB4}" dt="2021-05-30T13:48:37.629" v="1055" actId="26606"/>
+          <ac:spMkLst>
+            <pc:docMk/>
+            <pc:sldMk cId="2262558534" sldId="262"/>
+            <ac:spMk id="13" creationId="{E2384209-CB15-4CDF-9D31-C44FD9A3F20D}"/>
+          </ac:spMkLst>
+        </pc:spChg>
+        <pc:spChg chg="add del">
+          <ac:chgData name="Davide Romano" userId="c3ac3c10d9ce9e2a" providerId="LiveId" clId="{B14B8130-7782-43EB-987D-49D23A567CB4}" dt="2021-05-30T13:48:26.661" v="1048" actId="26606"/>
+          <ac:spMkLst>
+            <pc:docMk/>
+            <pc:sldMk cId="2262558534" sldId="262"/>
+            <ac:spMk id="14" creationId="{2633B3B5-CC90-43F0-8714-D31D1F3F0209}"/>
+          </ac:spMkLst>
+        </pc:spChg>
+        <pc:spChg chg="add">
+          <ac:chgData name="Davide Romano" userId="c3ac3c10d9ce9e2a" providerId="LiveId" clId="{B14B8130-7782-43EB-987D-49D23A567CB4}" dt="2021-05-30T13:48:37.629" v="1055" actId="26606"/>
+          <ac:spMkLst>
+            <pc:docMk/>
+            <pc:sldMk cId="2262558534" sldId="262"/>
+            <ac:spMk id="15" creationId="{2633B3B5-CC90-43F0-8714-D31D1F3F0209}"/>
+          </ac:spMkLst>
+        </pc:spChg>
+        <pc:spChg chg="add del">
+          <ac:chgData name="Davide Romano" userId="c3ac3c10d9ce9e2a" providerId="LiveId" clId="{B14B8130-7782-43EB-987D-49D23A567CB4}" dt="2021-05-30T13:48:26.661" v="1048" actId="26606"/>
+          <ac:spMkLst>
+            <pc:docMk/>
+            <pc:sldMk cId="2262558534" sldId="262"/>
+            <ac:spMk id="16" creationId="{A8D57A06-A426-446D-B02C-A2DC6B62E45E}"/>
+          </ac:spMkLst>
+        </pc:spChg>
+        <pc:spChg chg="add">
+          <ac:chgData name="Davide Romano" userId="c3ac3c10d9ce9e2a" providerId="LiveId" clId="{B14B8130-7782-43EB-987D-49D23A567CB4}" dt="2021-05-30T13:48:37.629" v="1055" actId="26606"/>
+          <ac:spMkLst>
+            <pc:docMk/>
+            <pc:sldMk cId="2262558534" sldId="262"/>
+            <ac:spMk id="17" creationId="{A8D57A06-A426-446D-B02C-A2DC6B62E45E}"/>
+          </ac:spMkLst>
+        </pc:spChg>
+        <pc:spChg chg="add del">
+          <ac:chgData name="Davide Romano" userId="c3ac3c10d9ce9e2a" providerId="LiveId" clId="{B14B8130-7782-43EB-987D-49D23A567CB4}" dt="2021-05-30T13:48:29.975" v="1050" actId="26606"/>
+          <ac:spMkLst>
+            <pc:docMk/>
+            <pc:sldMk cId="2262558534" sldId="262"/>
+            <ac:spMk id="18" creationId="{01D0AF59-99C3-4251-AB9A-C966C6AD4400}"/>
+          </ac:spMkLst>
+        </pc:spChg>
+        <pc:spChg chg="add del">
+          <ac:chgData name="Davide Romano" userId="c3ac3c10d9ce9e2a" providerId="LiveId" clId="{B14B8130-7782-43EB-987D-49D23A567CB4}" dt="2021-05-30T13:48:29.975" v="1050" actId="26606"/>
+          <ac:spMkLst>
+            <pc:docMk/>
+            <pc:sldMk cId="2262558534" sldId="262"/>
+            <ac:spMk id="19" creationId="{1855405F-37A2-4869-9154-F8BE3BECE6C3}"/>
+          </ac:spMkLst>
+        </pc:spChg>
+        <pc:spChg chg="add del">
+          <ac:chgData name="Davide Romano" userId="c3ac3c10d9ce9e2a" providerId="LiveId" clId="{B14B8130-7782-43EB-987D-49D23A567CB4}" dt="2021-06-02T08:46:29.235" v="3834" actId="34122"/>
+          <ac:spMkLst>
+            <pc:docMk/>
+            <pc:sldMk cId="2262558534" sldId="262"/>
+            <ac:spMk id="19" creationId="{D88C4956-6706-4AD7-9649-A9BB7E23F437}"/>
+          </ac:spMkLst>
+        </pc:spChg>
+        <pc:grpChg chg="del mod">
+          <ac:chgData name="Davide Romano" userId="c3ac3c10d9ce9e2a" providerId="LiveId" clId="{B14B8130-7782-43EB-987D-49D23A567CB4}" dt="2021-06-03T13:47:50.633" v="6789"/>
+          <ac:grpSpMkLst>
+            <pc:docMk/>
+            <pc:sldMk cId="2262558534" sldId="262"/>
+            <ac:grpSpMk id="12" creationId="{D009309F-F3EA-42A3-9E5C-DAE18FDB7407}"/>
+          </ac:grpSpMkLst>
+        </pc:grpChg>
+        <pc:grpChg chg="del mod">
+          <ac:chgData name="Davide Romano" userId="c3ac3c10d9ce9e2a" providerId="LiveId" clId="{B14B8130-7782-43EB-987D-49D23A567CB4}" dt="2021-06-05T14:07:34.869" v="11172" actId="478"/>
+          <ac:grpSpMkLst>
+            <pc:docMk/>
+            <pc:sldMk cId="2262558534" sldId="262"/>
+            <ac:grpSpMk id="14" creationId="{D7C1863B-8920-4E66-AAF6-945762BDE539}"/>
+          </ac:grpSpMkLst>
+        </pc:grpChg>
+        <pc:grpChg chg="del mod">
+          <ac:chgData name="Davide Romano" userId="c3ac3c10d9ce9e2a" providerId="LiveId" clId="{B14B8130-7782-43EB-987D-49D23A567CB4}" dt="2021-06-03T13:51:23.981" v="6828"/>
+          <ac:grpSpMkLst>
+            <pc:docMk/>
+            <pc:sldMk cId="2262558534" sldId="262"/>
+            <ac:grpSpMk id="22" creationId="{6A7C3F8C-7298-4860-9671-9836238BDC33}"/>
+          </ac:grpSpMkLst>
+        </pc:grpChg>
+        <pc:grpChg chg="del mod">
+          <ac:chgData name="Davide Romano" userId="c3ac3c10d9ce9e2a" providerId="LiveId" clId="{B14B8130-7782-43EB-987D-49D23A567CB4}" dt="2021-06-05T14:07:34.869" v="11172" actId="478"/>
+          <ac:grpSpMkLst>
+            <pc:docMk/>
+            <pc:sldMk cId="2262558534" sldId="262"/>
+            <ac:grpSpMk id="25" creationId="{4AA40901-9CA1-4E4C-9C68-A905AEB0CF87}"/>
+          </ac:grpSpMkLst>
+        </pc:grpChg>
+        <pc:grpChg chg="del mod">
+          <ac:chgData name="Davide Romano" userId="c3ac3c10d9ce9e2a" providerId="LiveId" clId="{B14B8130-7782-43EB-987D-49D23A567CB4}" dt="2021-06-03T13:49:53.227" v="6821"/>
+          <ac:grpSpMkLst>
+            <pc:docMk/>
+            <pc:sldMk cId="2262558534" sldId="262"/>
+            <ac:grpSpMk id="25" creationId="{73860EB8-B4DE-40E7-80BB-969789164DBA}"/>
+          </ac:grpSpMkLst>
+        </pc:grpChg>
+        <pc:grpChg chg="del mod">
+          <ac:chgData name="Davide Romano" userId="c3ac3c10d9ce9e2a" providerId="LiveId" clId="{B14B8130-7782-43EB-987D-49D23A567CB4}" dt="2021-06-05T14:07:34.869" v="11172" actId="478"/>
+          <ac:grpSpMkLst>
+            <pc:docMk/>
+            <pc:sldMk cId="2262558534" sldId="262"/>
+            <ac:grpSpMk id="46" creationId="{74DEFA75-2554-4ABE-B9F9-9761DFF87A21}"/>
+          </ac:grpSpMkLst>
+        </pc:grpChg>
+        <pc:grpChg chg="del mod">
+          <ac:chgData name="Davide Romano" userId="c3ac3c10d9ce9e2a" providerId="LiveId" clId="{B14B8130-7782-43EB-987D-49D23A567CB4}" dt="2021-06-03T13:51:35.167" v="6839"/>
+          <ac:grpSpMkLst>
+            <pc:docMk/>
+            <pc:sldMk cId="2262558534" sldId="262"/>
+            <ac:grpSpMk id="55" creationId="{F918699E-0273-4C13-B167-366B4A37D8D2}"/>
+          </ac:grpSpMkLst>
+        </pc:grpChg>
+        <pc:grpChg chg="del mod">
+          <ac:chgData name="Davide Romano" userId="c3ac3c10d9ce9e2a" providerId="LiveId" clId="{B14B8130-7782-43EB-987D-49D23A567CB4}" dt="2021-06-03T13:52:28.784" v="6886"/>
+          <ac:grpSpMkLst>
+            <pc:docMk/>
+            <pc:sldMk cId="2262558534" sldId="262"/>
+            <ac:grpSpMk id="57" creationId="{1159C3F4-6872-4E53-9038-152963EC8C0B}"/>
+          </ac:grpSpMkLst>
+        </pc:grpChg>
+        <pc:grpChg chg="del mod">
+          <ac:chgData name="Davide Romano" userId="c3ac3c10d9ce9e2a" providerId="LiveId" clId="{B14B8130-7782-43EB-987D-49D23A567CB4}" dt="2021-06-05T13:27:48.432" v="11155"/>
+          <ac:grpSpMkLst>
+            <pc:docMk/>
+            <pc:sldMk cId="2262558534" sldId="262"/>
+            <ac:grpSpMk id="57" creationId="{2013C064-442B-4CD1-8532-D8C88C465A32}"/>
+          </ac:grpSpMkLst>
+        </pc:grpChg>
+        <pc:grpChg chg="del mod">
+          <ac:chgData name="Davide Romano" userId="c3ac3c10d9ce9e2a" providerId="LiveId" clId="{B14B8130-7782-43EB-987D-49D23A567CB4}" dt="2021-06-03T13:52:28.784" v="6886"/>
+          <ac:grpSpMkLst>
+            <pc:docMk/>
+            <pc:sldMk cId="2262558534" sldId="262"/>
+            <ac:grpSpMk id="68" creationId="{F0AF1481-A7FD-49E0-9CE7-2AAE4FF6A684}"/>
+          </ac:grpSpMkLst>
+        </pc:grpChg>
+        <pc:grpChg chg="del mod">
+          <ac:chgData name="Davide Romano" userId="c3ac3c10d9ce9e2a" providerId="LiveId" clId="{B14B8130-7782-43EB-987D-49D23A567CB4}" dt="2021-06-03T13:52:28.784" v="6886"/>
+          <ac:grpSpMkLst>
+            <pc:docMk/>
+            <pc:sldMk cId="2262558534" sldId="262"/>
+            <ac:grpSpMk id="76" creationId="{71D0159C-FCFE-4983-876A-0581E970770F}"/>
+          </ac:grpSpMkLst>
+        </pc:grpChg>
+        <pc:grpChg chg="del mod">
+          <ac:chgData name="Davide Romano" userId="c3ac3c10d9ce9e2a" providerId="LiveId" clId="{B14B8130-7782-43EB-987D-49D23A567CB4}" dt="2021-06-03T13:52:28.784" v="6886"/>
+          <ac:grpSpMkLst>
+            <pc:docMk/>
+            <pc:sldMk cId="2262558534" sldId="262"/>
+            <ac:grpSpMk id="82" creationId="{EEEF5E3E-B082-4CC3-9A42-7F9FE42BBE6D}"/>
+          </ac:grpSpMkLst>
+        </pc:grpChg>
+        <pc:grpChg chg="del mod">
+          <ac:chgData name="Davide Romano" userId="c3ac3c10d9ce9e2a" providerId="LiveId" clId="{B14B8130-7782-43EB-987D-49D23A567CB4}" dt="2021-06-05T13:27:07.317" v="11149"/>
+          <ac:grpSpMkLst>
+            <pc:docMk/>
+            <pc:sldMk cId="2262558534" sldId="262"/>
+            <ac:grpSpMk id="88" creationId="{6E167C97-B7AC-4B82-A035-EB776FCFF630}"/>
+          </ac:grpSpMkLst>
+        </pc:grpChg>
+        <pc:grpChg chg="del mod">
+          <ac:chgData name="Davide Romano" userId="c3ac3c10d9ce9e2a" providerId="LiveId" clId="{B14B8130-7782-43EB-987D-49D23A567CB4}" dt="2021-06-03T13:52:28.784" v="6886"/>
+          <ac:grpSpMkLst>
+            <pc:docMk/>
+            <pc:sldMk cId="2262558534" sldId="262"/>
+            <ac:grpSpMk id="88" creationId="{E669D160-72F7-49A0-9974-68F90448A0D6}"/>
+          </ac:grpSpMkLst>
+        </pc:grpChg>
+        <pc:grpChg chg="del mod">
+          <ac:chgData name="Davide Romano" userId="c3ac3c10d9ce9e2a" providerId="LiveId" clId="{B14B8130-7782-43EB-987D-49D23A567CB4}" dt="2021-06-05T14:07:34.869" v="11172" actId="478"/>
+          <ac:grpSpMkLst>
+            <pc:docMk/>
+            <pc:sldMk cId="2262558534" sldId="262"/>
+            <ac:grpSpMk id="104" creationId="{DD1DF7A1-E967-4974-9BB7-62CE8ACBF950}"/>
+          </ac:grpSpMkLst>
+        </pc:grpChg>
+        <pc:grpChg chg="del mod">
+          <ac:chgData name="Davide Romano" userId="c3ac3c10d9ce9e2a" providerId="LiveId" clId="{B14B8130-7782-43EB-987D-49D23A567CB4}" dt="2021-06-05T14:07:34.869" v="11172" actId="478"/>
+          <ac:grpSpMkLst>
+            <pc:docMk/>
+            <pc:sldMk cId="2262558534" sldId="262"/>
+            <ac:grpSpMk id="111" creationId="{E4D29982-2C3E-4C2B-9A51-251752FE6F88}"/>
+          </ac:grpSpMkLst>
+        </pc:grpChg>
+        <pc:grpChg chg="del mod">
+          <ac:chgData name="Davide Romano" userId="c3ac3c10d9ce9e2a" providerId="LiveId" clId="{B14B8130-7782-43EB-987D-49D23A567CB4}" dt="2021-06-05T13:27:11.701" v="11152"/>
+          <ac:grpSpMkLst>
+            <pc:docMk/>
+            <pc:sldMk cId="2262558534" sldId="262"/>
+            <ac:grpSpMk id="114" creationId="{63884DDD-A697-4569-B4BC-F692C7552CAA}"/>
+          </ac:grpSpMkLst>
+        </pc:grpChg>
+        <pc:grpChg chg="del mod">
+          <ac:chgData name="Davide Romano" userId="c3ac3c10d9ce9e2a" providerId="LiveId" clId="{B14B8130-7782-43EB-987D-49D23A567CB4}" dt="2021-06-05T14:07:34.869" v="11172" actId="478"/>
+          <ac:grpSpMkLst>
+            <pc:docMk/>
+            <pc:sldMk cId="2262558534" sldId="262"/>
+            <ac:grpSpMk id="117" creationId="{68A1B12C-8FA2-4199-80FC-34940ECC7BD0}"/>
+          </ac:grpSpMkLst>
+        </pc:grpChg>
+        <pc:grpChg chg="del mod">
+          <ac:chgData name="Davide Romano" userId="c3ac3c10d9ce9e2a" providerId="LiveId" clId="{B14B8130-7782-43EB-987D-49D23A567CB4}" dt="2021-06-05T14:07:34.869" v="11172" actId="478"/>
+          <ac:grpSpMkLst>
+            <pc:docMk/>
+            <pc:sldMk cId="2262558534" sldId="262"/>
+            <ac:grpSpMk id="120" creationId="{F69BB428-3851-4EAC-A038-BB2F7E3EAE37}"/>
+          </ac:grpSpMkLst>
+        </pc:grpChg>
+        <pc:grpChg chg="del mod">
+          <ac:chgData name="Davide Romano" userId="c3ac3c10d9ce9e2a" providerId="LiveId" clId="{B14B8130-7782-43EB-987D-49D23A567CB4}" dt="2021-06-05T16:16:02.978" v="11431"/>
+          <ac:grpSpMkLst>
+            <pc:docMk/>
+            <pc:sldMk cId="2262558534" sldId="262"/>
+            <ac:grpSpMk id="132" creationId="{B25E3E31-764B-4504-B990-073C88C2AE6D}"/>
+          </ac:grpSpMkLst>
+        </pc:grpChg>
+        <pc:grpChg chg="mod">
+          <ac:chgData name="Davide Romano" userId="c3ac3c10d9ce9e2a" providerId="LiveId" clId="{B14B8130-7782-43EB-987D-49D23A567CB4}" dt="2021-06-05T16:16:02.978" v="11431"/>
+          <ac:grpSpMkLst>
+            <pc:docMk/>
+            <pc:sldMk cId="2262558534" sldId="262"/>
+            <ac:grpSpMk id="134" creationId="{7AEAA6B3-8545-46EE-B469-B5D912E5E75F}"/>
+          </ac:grpSpMkLst>
+        </pc:grpChg>
+        <pc:picChg chg="add del mod">
+          <ac:chgData name="Davide Romano" userId="c3ac3c10d9ce9e2a" providerId="LiveId" clId="{B14B8130-7782-43EB-987D-49D23A567CB4}" dt="2021-06-05T14:07:28.387" v="11171" actId="478"/>
+          <ac:picMkLst>
+            <pc:docMk/>
+            <pc:sldMk cId="2262558534" sldId="262"/>
+            <ac:picMk id="5" creationId="{FDB0C1CB-E2CD-475C-9A50-1ACB3DC44BC3}"/>
+          </ac:picMkLst>
+        </pc:picChg>
+        <pc:picChg chg="add del mod">
+          <ac:chgData name="Davide Romano" userId="c3ac3c10d9ce9e2a" providerId="LiveId" clId="{B14B8130-7782-43EB-987D-49D23A567CB4}" dt="2021-06-05T14:43:52.387" v="11192" actId="478"/>
+          <ac:picMkLst>
+            <pc:docMk/>
+            <pc:sldMk cId="2262558534" sldId="262"/>
+            <ac:picMk id="124" creationId="{B1125D9B-B85E-4877-A20C-9F11620601DF}"/>
+          </ac:picMkLst>
+        </pc:picChg>
+        <pc:picChg chg="add mod">
+          <ac:chgData name="Davide Romano" userId="c3ac3c10d9ce9e2a" providerId="LiveId" clId="{B14B8130-7782-43EB-987D-49D23A567CB4}" dt="2021-06-05T14:43:57.549" v="11193" actId="931"/>
+          <ac:picMkLst>
+            <pc:docMk/>
+            <pc:sldMk cId="2262558534" sldId="262"/>
+            <ac:picMk id="126" creationId="{DC7E326C-8ECF-400E-B1ED-93C36A651397}"/>
+          </ac:picMkLst>
+        </pc:picChg>
+        <pc:inkChg chg="add mod">
+          <ac:chgData name="Davide Romano" userId="c3ac3c10d9ce9e2a" providerId="LiveId" clId="{B14B8130-7782-43EB-987D-49D23A567CB4}" dt="2021-06-05T16:16:02.978" v="11431"/>
+          <ac:inkMkLst>
+            <pc:docMk/>
+            <pc:sldMk cId="2262558534" sldId="262"/>
+            <ac:inkMk id="2" creationId="{E7F66158-F044-4910-A94F-2BB94C7CFD9B}"/>
+          </ac:inkMkLst>
+        </pc:inkChg>
+        <pc:inkChg chg="add del mod">
+          <ac:chgData name="Davide Romano" userId="c3ac3c10d9ce9e2a" providerId="LiveId" clId="{B14B8130-7782-43EB-987D-49D23A567CB4}" dt="2021-06-04T09:26:25.084" v="9623"/>
+          <ac:inkMkLst>
+            <pc:docMk/>
+            <pc:sldMk cId="2262558534" sldId="262"/>
+            <ac:inkMk id="3" creationId="{7D74B016-F14A-4067-A99D-C791B66C5B37}"/>
+          </ac:inkMkLst>
+        </pc:inkChg>
+        <pc:inkChg chg="add mod">
+          <ac:chgData name="Davide Romano" userId="c3ac3c10d9ce9e2a" providerId="LiveId" clId="{B14B8130-7782-43EB-987D-49D23A567CB4}" dt="2021-06-05T16:16:02.978" v="11431"/>
+          <ac:inkMkLst>
+            <pc:docMk/>
+            <pc:sldMk cId="2262558534" sldId="262"/>
+            <ac:inkMk id="3" creationId="{A11C5A1F-FDA6-41AC-8AFC-57119C8FF5B3}"/>
+          </ac:inkMkLst>
+        </pc:inkChg>
+        <pc:inkChg chg="add del">
+          <ac:chgData name="Davide Romano" userId="c3ac3c10d9ce9e2a" providerId="LiveId" clId="{B14B8130-7782-43EB-987D-49D23A567CB4}" dt="2021-06-05T13:25:32.241" v="11138" actId="9405"/>
+          <ac:inkMkLst>
+            <pc:docMk/>
+            <pc:sldMk cId="2262558534" sldId="262"/>
+            <ac:inkMk id="3" creationId="{D6F96A66-399C-4870-ADE9-7766EA62B341}"/>
+          </ac:inkMkLst>
+        </pc:inkChg>
+        <pc:inkChg chg="add mod">
+          <ac:chgData name="Davide Romano" userId="c3ac3c10d9ce9e2a" providerId="LiveId" clId="{B14B8130-7782-43EB-987D-49D23A567CB4}" dt="2021-06-05T16:16:02.978" v="11431"/>
+          <ac:inkMkLst>
+            <pc:docMk/>
+            <pc:sldMk cId="2262558534" sldId="262"/>
+            <ac:inkMk id="4" creationId="{2B18AA44-AC57-4648-AAB0-892F927B9E9E}"/>
+          </ac:inkMkLst>
+        </pc:inkChg>
+        <pc:inkChg chg="add del">
+          <ac:chgData name="Davide Romano" userId="c3ac3c10d9ce9e2a" providerId="LiveId" clId="{B14B8130-7782-43EB-987D-49D23A567CB4}" dt="2021-06-04T09:26:29.331" v="9625"/>
+          <ac:inkMkLst>
+            <pc:docMk/>
+            <pc:sldMk cId="2262558534" sldId="262"/>
+            <ac:inkMk id="4" creationId="{3BEE31C5-6CA7-40E1-BDC0-111DB1B225D9}"/>
+          </ac:inkMkLst>
+        </pc:inkChg>
+        <pc:inkChg chg="add del">
+          <ac:chgData name="Davide Romano" userId="c3ac3c10d9ce9e2a" providerId="LiveId" clId="{B14B8130-7782-43EB-987D-49D23A567CB4}" dt="2021-06-05T14:07:34.869" v="11172" actId="478"/>
+          <ac:inkMkLst>
+            <pc:docMk/>
+            <pc:sldMk cId="2262558534" sldId="262"/>
+            <ac:inkMk id="4" creationId="{43A704D9-7A87-422C-A293-8146975E9D64}"/>
+          </ac:inkMkLst>
+        </pc:inkChg>
+        <pc:inkChg chg="add del mod">
+          <ac:chgData name="Davide Romano" userId="c3ac3c10d9ce9e2a" providerId="LiveId" clId="{B14B8130-7782-43EB-987D-49D23A567CB4}" dt="2021-06-03T13:47:50.633" v="6787"/>
+          <ac:inkMkLst>
+            <pc:docMk/>
+            <pc:sldMk cId="2262558534" sldId="262"/>
+            <ac:inkMk id="4" creationId="{A52EE7C5-62FF-4886-9FBA-769D8FDAA409}"/>
+          </ac:inkMkLst>
+        </pc:inkChg>
+        <pc:inkChg chg="add mod">
+          <ac:chgData name="Davide Romano" userId="c3ac3c10d9ce9e2a" providerId="LiveId" clId="{B14B8130-7782-43EB-987D-49D23A567CB4}" dt="2021-06-05T16:16:02.978" v="11431"/>
+          <ac:inkMkLst>
+            <pc:docMk/>
+            <pc:sldMk cId="2262558534" sldId="262"/>
+            <ac:inkMk id="5" creationId="{6E82E659-31A5-4D17-AA95-0AEF8B1CDEEA}"/>
+          </ac:inkMkLst>
+        </pc:inkChg>
+        <pc:inkChg chg="add mod">
+          <ac:chgData name="Davide Romano" userId="c3ac3c10d9ce9e2a" providerId="LiveId" clId="{B14B8130-7782-43EB-987D-49D23A567CB4}" dt="2021-06-04T09:26:35.521" v="9632"/>
+          <ac:inkMkLst>
+            <pc:docMk/>
+            <pc:sldMk cId="2262558534" sldId="262"/>
+            <ac:inkMk id="6" creationId="{583630D0-9E48-4C4E-8150-F3AA6D469176}"/>
+          </ac:inkMkLst>
+        </pc:inkChg>
+        <pc:inkChg chg="add mod">
+          <ac:chgData name="Davide Romano" userId="c3ac3c10d9ce9e2a" providerId="LiveId" clId="{B14B8130-7782-43EB-987D-49D23A567CB4}" dt="2021-06-05T16:16:02.978" v="11431"/>
+          <ac:inkMkLst>
+            <pc:docMk/>
+            <pc:sldMk cId="2262558534" sldId="262"/>
+            <ac:inkMk id="6" creationId="{A9C41466-2D36-4448-80DD-7778775A79A2}"/>
+          </ac:inkMkLst>
+        </pc:inkChg>
+        <pc:inkChg chg="add del mod">
+          <ac:chgData name="Davide Romano" userId="c3ac3c10d9ce9e2a" providerId="LiveId" clId="{B14B8130-7782-43EB-987D-49D23A567CB4}" dt="2021-06-03T13:47:50.633" v="6786"/>
+          <ac:inkMkLst>
+            <pc:docMk/>
+            <pc:sldMk cId="2262558534" sldId="262"/>
+            <ac:inkMk id="6" creationId="{FDF3C7EA-02BB-4EFB-8D5F-7A58BDA80C5A}"/>
+          </ac:inkMkLst>
+        </pc:inkChg>
+        <pc:inkChg chg="add mod">
+          <ac:chgData name="Davide Romano" userId="c3ac3c10d9ce9e2a" providerId="LiveId" clId="{B14B8130-7782-43EB-987D-49D23A567CB4}" dt="2021-06-05T16:16:02.978" v="11431"/>
+          <ac:inkMkLst>
+            <pc:docMk/>
+            <pc:sldMk cId="2262558534" sldId="262"/>
+            <ac:inkMk id="7" creationId="{8EE07071-7677-40BA-95F9-439416A90AA0}"/>
+          </ac:inkMkLst>
+        </pc:inkChg>
+        <pc:inkChg chg="add mod">
+          <ac:chgData name="Davide Romano" userId="c3ac3c10d9ce9e2a" providerId="LiveId" clId="{B14B8130-7782-43EB-987D-49D23A567CB4}" dt="2021-06-04T09:26:35.521" v="9632"/>
+          <ac:inkMkLst>
+            <pc:docMk/>
+            <pc:sldMk cId="2262558534" sldId="262"/>
+            <ac:inkMk id="7" creationId="{E8AD6FAB-4C6A-4784-9FDB-7344C145F868}"/>
+          </ac:inkMkLst>
+        </pc:inkChg>
+        <pc:inkChg chg="add del mod">
+          <ac:chgData name="Davide Romano" userId="c3ac3c10d9ce9e2a" providerId="LiveId" clId="{B14B8130-7782-43EB-987D-49D23A567CB4}" dt="2021-06-03T13:47:50.633" v="6785"/>
+          <ac:inkMkLst>
+            <pc:docMk/>
+            <pc:sldMk cId="2262558534" sldId="262"/>
+            <ac:inkMk id="7" creationId="{EE954C53-187E-4197-8BBF-264228E7EFD3}"/>
+          </ac:inkMkLst>
+        </pc:inkChg>
+        <pc:inkChg chg="add mod">
+          <ac:chgData name="Davide Romano" userId="c3ac3c10d9ce9e2a" providerId="LiveId" clId="{B14B8130-7782-43EB-987D-49D23A567CB4}" dt="2021-06-04T09:26:35.521" v="9632"/>
+          <ac:inkMkLst>
+            <pc:docMk/>
+            <pc:sldMk cId="2262558534" sldId="262"/>
+            <ac:inkMk id="8" creationId="{41DEED64-1D8D-416A-964F-BFF6809D8A38}"/>
+          </ac:inkMkLst>
+        </pc:inkChg>
+        <pc:inkChg chg="add del mod">
+          <ac:chgData name="Davide Romano" userId="c3ac3c10d9ce9e2a" providerId="LiveId" clId="{B14B8130-7782-43EB-987D-49D23A567CB4}" dt="2021-06-03T13:47:50.633" v="6790"/>
+          <ac:inkMkLst>
+            <pc:docMk/>
+            <pc:sldMk cId="2262558534" sldId="262"/>
+            <ac:inkMk id="8" creationId="{761328F8-183C-4BB4-B5B0-28825274E22A}"/>
+          </ac:inkMkLst>
+        </pc:inkChg>
+        <pc:inkChg chg="add mod">
+          <ac:chgData name="Davide Romano" userId="c3ac3c10d9ce9e2a" providerId="LiveId" clId="{B14B8130-7782-43EB-987D-49D23A567CB4}" dt="2021-06-04T09:26:35.521" v="9632"/>
+          <ac:inkMkLst>
+            <pc:docMk/>
+            <pc:sldMk cId="2262558534" sldId="262"/>
+            <ac:inkMk id="9" creationId="{13CD668C-9EC4-4EB3-9235-EE9E58AE38AC}"/>
+          </ac:inkMkLst>
+        </pc:inkChg>
+        <pc:inkChg chg="add del mod">
+          <ac:chgData name="Davide Romano" userId="c3ac3c10d9ce9e2a" providerId="LiveId" clId="{B14B8130-7782-43EB-987D-49D23A567CB4}" dt="2021-06-03T13:47:50.633" v="6789"/>
+          <ac:inkMkLst>
+            <pc:docMk/>
+            <pc:sldMk cId="2262558534" sldId="262"/>
+            <ac:inkMk id="9" creationId="{4FB02338-A048-4D08-B09D-E5DD36CE6C42}"/>
+          </ac:inkMkLst>
+        </pc:inkChg>
+        <pc:inkChg chg="add mod">
+          <ac:chgData name="Davide Romano" userId="c3ac3c10d9ce9e2a" providerId="LiveId" clId="{B14B8130-7782-43EB-987D-49D23A567CB4}" dt="2021-06-04T09:26:35.521" v="9632"/>
+          <ac:inkMkLst>
+            <pc:docMk/>
+            <pc:sldMk cId="2262558534" sldId="262"/>
+            <ac:inkMk id="10" creationId="{0E2EC2A5-547C-4EEB-A0D2-BEDE10A7500B}"/>
+          </ac:inkMkLst>
+        </pc:inkChg>
+        <pc:inkChg chg="add del mod">
+          <ac:chgData name="Davide Romano" userId="c3ac3c10d9ce9e2a" providerId="LiveId" clId="{B14B8130-7782-43EB-987D-49D23A567CB4}" dt="2021-06-03T13:47:50.633" v="6788"/>
+          <ac:inkMkLst>
+            <pc:docMk/>
+            <pc:sldMk cId="2262558534" sldId="262"/>
+            <ac:inkMk id="10" creationId="{AC9ED8B1-213A-482E-8FF2-893FBF58AE3A}"/>
+          </ac:inkMkLst>
+        </pc:inkChg>
+        <pc:inkChg chg="add mod">
+          <ac:chgData name="Davide Romano" userId="c3ac3c10d9ce9e2a" providerId="LiveId" clId="{B14B8130-7782-43EB-987D-49D23A567CB4}" dt="2021-06-04T09:26:35.521" v="9632"/>
+          <ac:inkMkLst>
+            <pc:docMk/>
+            <pc:sldMk cId="2262558534" sldId="262"/>
+            <ac:inkMk id="12" creationId="{B3612AB4-3315-4188-8173-5643A4FBA5F3}"/>
+          </ac:inkMkLst>
+        </pc:inkChg>
+        <pc:inkChg chg="add del mod">
+          <ac:chgData name="Davide Romano" userId="c3ac3c10d9ce9e2a" providerId="LiveId" clId="{B14B8130-7782-43EB-987D-49D23A567CB4}" dt="2021-06-03T13:51:23.981" v="6824"/>
+          <ac:inkMkLst>
+            <pc:docMk/>
+            <pc:sldMk cId="2262558534" sldId="262"/>
+            <ac:inkMk id="14" creationId="{4D05CD17-CC5B-4D1C-8C48-26B2D5C9B541}"/>
+          </ac:inkMkLst>
+        </pc:inkChg>
+        <pc:inkChg chg="add mod">
+          <ac:chgData name="Davide Romano" userId="c3ac3c10d9ce9e2a" providerId="LiveId" clId="{B14B8130-7782-43EB-987D-49D23A567CB4}" dt="2021-06-04T09:26:39.242" v="9639"/>
+          <ac:inkMkLst>
+            <pc:docMk/>
+            <pc:sldMk cId="2262558534" sldId="262"/>
+            <ac:inkMk id="16" creationId="{48A07B02-8EED-48E9-B504-9B74812B2D53}"/>
+          </ac:inkMkLst>
+        </pc:inkChg>
+        <pc:inkChg chg="add del mod">
+          <ac:chgData name="Davide Romano" userId="c3ac3c10d9ce9e2a" providerId="LiveId" clId="{B14B8130-7782-43EB-987D-49D23A567CB4}" dt="2021-06-03T13:51:23.981" v="6826"/>
+          <ac:inkMkLst>
+            <pc:docMk/>
+            <pc:sldMk cId="2262558534" sldId="262"/>
+            <ac:inkMk id="16" creationId="{4D4E74BA-AFC5-490E-95F7-688CAFEF7DDF}"/>
+          </ac:inkMkLst>
+        </pc:inkChg>
+        <pc:inkChg chg="add del mod">
+          <ac:chgData name="Davide Romano" userId="c3ac3c10d9ce9e2a" providerId="LiveId" clId="{B14B8130-7782-43EB-987D-49D23A567CB4}" dt="2021-06-03T13:51:23.981" v="6827"/>
+          <ac:inkMkLst>
+            <pc:docMk/>
+            <pc:sldMk cId="2262558534" sldId="262"/>
+            <ac:inkMk id="18" creationId="{402605F2-2521-4830-BFD0-41D5CE910888}"/>
+          </ac:inkMkLst>
+        </pc:inkChg>
+        <pc:inkChg chg="add mod">
+          <ac:chgData name="Davide Romano" userId="c3ac3c10d9ce9e2a" providerId="LiveId" clId="{B14B8130-7782-43EB-987D-49D23A567CB4}" dt="2021-06-04T09:26:39.242" v="9639"/>
+          <ac:inkMkLst>
+            <pc:docMk/>
+            <pc:sldMk cId="2262558534" sldId="262"/>
+            <ac:inkMk id="18" creationId="{84089628-AA57-4B10-9069-36B0A227DA2B}"/>
+          </ac:inkMkLst>
+        </pc:inkChg>
+        <pc:inkChg chg="add mod">
+          <ac:chgData name="Davide Romano" userId="c3ac3c10d9ce9e2a" providerId="LiveId" clId="{B14B8130-7782-43EB-987D-49D23A567CB4}" dt="2021-06-04T09:26:39.242" v="9639"/>
+          <ac:inkMkLst>
+            <pc:docMk/>
+            <pc:sldMk cId="2262558534" sldId="262"/>
+            <ac:inkMk id="19" creationId="{38D7A2B9-A7FC-45A4-A853-883888B5904F}"/>
+          </ac:inkMkLst>
+        </pc:inkChg>
+        <pc:inkChg chg="add del mod">
+          <ac:chgData name="Davide Romano" userId="c3ac3c10d9ce9e2a" providerId="LiveId" clId="{B14B8130-7782-43EB-987D-49D23A567CB4}" dt="2021-06-03T13:51:23.981" v="6828"/>
+          <ac:inkMkLst>
+            <pc:docMk/>
+            <pc:sldMk cId="2262558534" sldId="262"/>
+            <ac:inkMk id="19" creationId="{5181728A-C18F-49FE-A1C6-1C8F44C7BDC1}"/>
+          </ac:inkMkLst>
+        </pc:inkChg>
+        <pc:inkChg chg="add del mod">
+          <ac:chgData name="Davide Romano" userId="c3ac3c10d9ce9e2a" providerId="LiveId" clId="{B14B8130-7782-43EB-987D-49D23A567CB4}" dt="2021-06-03T13:51:24.446" v="6829"/>
+          <ac:inkMkLst>
+            <pc:docMk/>
+            <pc:sldMk cId="2262558534" sldId="262"/>
+            <ac:inkMk id="20" creationId="{89E5F416-7BEB-4186-B3D7-C25263063AA9}"/>
+          </ac:inkMkLst>
+        </pc:inkChg>
+        <pc:inkChg chg="add mod">
+          <ac:chgData name="Davide Romano" userId="c3ac3c10d9ce9e2a" providerId="LiveId" clId="{B14B8130-7782-43EB-987D-49D23A567CB4}" dt="2021-06-04T09:26:39.242" v="9639"/>
+          <ac:inkMkLst>
+            <pc:docMk/>
+            <pc:sldMk cId="2262558534" sldId="262"/>
+            <ac:inkMk id="20" creationId="{DE941BD6-1A24-4589-B66B-89A75DB1A4CA}"/>
+          </ac:inkMkLst>
+        </pc:inkChg>
+        <pc:inkChg chg="add mod">
+          <ac:chgData name="Davide Romano" userId="c3ac3c10d9ce9e2a" providerId="LiveId" clId="{B14B8130-7782-43EB-987D-49D23A567CB4}" dt="2021-06-04T09:26:39.242" v="9639"/>
+          <ac:inkMkLst>
+            <pc:docMk/>
+            <pc:sldMk cId="2262558534" sldId="262"/>
+            <ac:inkMk id="21" creationId="{07BCB6CE-1285-4075-A8F5-2184E4FFBFD6}"/>
+          </ac:inkMkLst>
+        </pc:inkChg>
+        <pc:inkChg chg="add del mod">
+          <ac:chgData name="Davide Romano" userId="c3ac3c10d9ce9e2a" providerId="LiveId" clId="{B14B8130-7782-43EB-987D-49D23A567CB4}" dt="2021-06-03T13:51:23.981" v="6825"/>
+          <ac:inkMkLst>
+            <pc:docMk/>
+            <pc:sldMk cId="2262558534" sldId="262"/>
+            <ac:inkMk id="21" creationId="{EBE0683A-46BF-4DCA-967E-F0DACD4DE98B}"/>
+          </ac:inkMkLst>
+        </pc:inkChg>
+        <pc:inkChg chg="add mod">
+          <ac:chgData name="Davide Romano" userId="c3ac3c10d9ce9e2a" providerId="LiveId" clId="{B14B8130-7782-43EB-987D-49D23A567CB4}" dt="2021-06-04T09:26:39.242" v="9639"/>
+          <ac:inkMkLst>
+            <pc:docMk/>
+            <pc:sldMk cId="2262558534" sldId="262"/>
+            <ac:inkMk id="22" creationId="{50E3D7BA-CED2-468A-8435-BBCAA3EF0851}"/>
+          </ac:inkMkLst>
+        </pc:inkChg>
+        <pc:inkChg chg="add mod">
+          <ac:chgData name="Davide Romano" userId="c3ac3c10d9ce9e2a" providerId="LiveId" clId="{B14B8130-7782-43EB-987D-49D23A567CB4}" dt="2021-06-03T13:49:53.227" v="6821"/>
+          <ac:inkMkLst>
+            <pc:docMk/>
+            <pc:sldMk cId="2262558534" sldId="262"/>
+            <ac:inkMk id="23" creationId="{11F8F969-C68F-48FF-BA5E-862DC3056BBA}"/>
+          </ac:inkMkLst>
+        </pc:inkChg>
+        <pc:inkChg chg="add mod">
+          <ac:chgData name="Davide Romano" userId="c3ac3c10d9ce9e2a" providerId="LiveId" clId="{B14B8130-7782-43EB-987D-49D23A567CB4}" dt="2021-06-03T13:49:53.227" v="6821"/>
+          <ac:inkMkLst>
+            <pc:docMk/>
+            <pc:sldMk cId="2262558534" sldId="262"/>
+            <ac:inkMk id="24" creationId="{60C0FB4B-BDAD-4223-A2A9-578DC456798C}"/>
+          </ac:inkMkLst>
+        </pc:inkChg>
+        <pc:inkChg chg="add mod">
+          <ac:chgData name="Davide Romano" userId="c3ac3c10d9ce9e2a" providerId="LiveId" clId="{B14B8130-7782-43EB-987D-49D23A567CB4}" dt="2021-06-03T13:49:53.227" v="6821"/>
+          <ac:inkMkLst>
+            <pc:docMk/>
+            <pc:sldMk cId="2262558534" sldId="262"/>
+            <ac:inkMk id="26" creationId="{4058ED46-51A1-4DC7-B99E-8A31CCB1579C}"/>
+          </ac:inkMkLst>
+        </pc:inkChg>
+        <pc:inkChg chg="add mod">
+          <ac:chgData name="Davide Romano" userId="c3ac3c10d9ce9e2a" providerId="LiveId" clId="{B14B8130-7782-43EB-987D-49D23A567CB4}" dt="2021-06-03T13:49:53.227" v="6821"/>
+          <ac:inkMkLst>
+            <pc:docMk/>
+            <pc:sldMk cId="2262558534" sldId="262"/>
+            <ac:inkMk id="27" creationId="{98BAEF45-8047-4005-87CB-0CA4610ACF0E}"/>
+          </ac:inkMkLst>
+        </pc:inkChg>
+        <pc:inkChg chg="add mod">
+          <ac:chgData name="Davide Romano" userId="c3ac3c10d9ce9e2a" providerId="LiveId" clId="{B14B8130-7782-43EB-987D-49D23A567CB4}" dt="2021-06-03T13:49:53.227" v="6821"/>
+          <ac:inkMkLst>
+            <pc:docMk/>
+            <pc:sldMk cId="2262558534" sldId="262"/>
+            <ac:inkMk id="28" creationId="{8162045E-6F33-4744-9993-EA543D9213E0}"/>
+          </ac:inkMkLst>
+        </pc:inkChg>
+        <pc:inkChg chg="add mod">
+          <ac:chgData name="Davide Romano" userId="c3ac3c10d9ce9e2a" providerId="LiveId" clId="{B14B8130-7782-43EB-987D-49D23A567CB4}" dt="2021-06-03T13:49:53.227" v="6821"/>
+          <ac:inkMkLst>
+            <pc:docMk/>
+            <pc:sldMk cId="2262558534" sldId="262"/>
+            <ac:inkMk id="29" creationId="{6B1F79DF-DF6E-46C5-B3BE-B9BC96686BC7}"/>
+          </ac:inkMkLst>
+        </pc:inkChg>
+        <pc:inkChg chg="add mod">
+          <ac:chgData name="Davide Romano" userId="c3ac3c10d9ce9e2a" providerId="LiveId" clId="{B14B8130-7782-43EB-987D-49D23A567CB4}" dt="2021-06-03T13:49:53.227" v="6821"/>
+          <ac:inkMkLst>
+            <pc:docMk/>
+            <pc:sldMk cId="2262558534" sldId="262"/>
+            <ac:inkMk id="30" creationId="{5E937F81-27E9-41F0-B834-9E0588E8407A}"/>
+          </ac:inkMkLst>
+        </pc:inkChg>
+        <pc:inkChg chg="add mod">
+          <ac:chgData name="Davide Romano" userId="c3ac3c10d9ce9e2a" providerId="LiveId" clId="{B14B8130-7782-43EB-987D-49D23A567CB4}" dt="2021-06-03T13:49:53.227" v="6821"/>
+          <ac:inkMkLst>
+            <pc:docMk/>
+            <pc:sldMk cId="2262558534" sldId="262"/>
+            <ac:inkMk id="31" creationId="{6563F60C-DB99-4B37-ABEA-7A41C7DD48E3}"/>
+          </ac:inkMkLst>
+        </pc:inkChg>
+        <pc:inkChg chg="add mod">
+          <ac:chgData name="Davide Romano" userId="c3ac3c10d9ce9e2a" providerId="LiveId" clId="{B14B8130-7782-43EB-987D-49D23A567CB4}" dt="2021-06-03T13:49:53.227" v="6821"/>
+          <ac:inkMkLst>
+            <pc:docMk/>
+            <pc:sldMk cId="2262558534" sldId="262"/>
+            <ac:inkMk id="32" creationId="{9CC28940-534B-4B47-AF4D-5097574B7F7E}"/>
+          </ac:inkMkLst>
+        </pc:inkChg>
+        <pc:inkChg chg="add mod">
+          <ac:chgData name="Davide Romano" userId="c3ac3c10d9ce9e2a" providerId="LiveId" clId="{B14B8130-7782-43EB-987D-49D23A567CB4}" dt="2021-06-03T13:49:53.227" v="6821"/>
+          <ac:inkMkLst>
+            <pc:docMk/>
+            <pc:sldMk cId="2262558534" sldId="262"/>
+            <ac:inkMk id="33" creationId="{259E6AAD-C9C3-483C-B0D5-3B57AE3B762E}"/>
+          </ac:inkMkLst>
+        </pc:inkChg>
+        <pc:inkChg chg="add mod">
+          <ac:chgData name="Davide Romano" userId="c3ac3c10d9ce9e2a" providerId="LiveId" clId="{B14B8130-7782-43EB-987D-49D23A567CB4}" dt="2021-06-03T13:49:53.227" v="6821"/>
+          <ac:inkMkLst>
+            <pc:docMk/>
+            <pc:sldMk cId="2262558534" sldId="262"/>
+            <ac:inkMk id="34" creationId="{E658DC46-43AB-4A92-A84E-F4E050CA866D}"/>
+          </ac:inkMkLst>
+        </pc:inkChg>
+        <pc:inkChg chg="add mod">
+          <ac:chgData name="Davide Romano" userId="c3ac3c10d9ce9e2a" providerId="LiveId" clId="{B14B8130-7782-43EB-987D-49D23A567CB4}" dt="2021-06-03T13:49:53.227" v="6821"/>
+          <ac:inkMkLst>
+            <pc:docMk/>
+            <pc:sldMk cId="2262558534" sldId="262"/>
+            <ac:inkMk id="35" creationId="{A25E6155-1EBD-48AA-8C82-58B496BCB73B}"/>
+          </ac:inkMkLst>
+        </pc:inkChg>
+        <pc:inkChg chg="add mod">
+          <ac:chgData name="Davide Romano" userId="c3ac3c10d9ce9e2a" providerId="LiveId" clId="{B14B8130-7782-43EB-987D-49D23A567CB4}" dt="2021-06-03T13:49:53.227" v="6821"/>
+          <ac:inkMkLst>
+            <pc:docMk/>
+            <pc:sldMk cId="2262558534" sldId="262"/>
+            <ac:inkMk id="36" creationId="{B8F55339-75CE-4D21-BD93-14B807AD31B5}"/>
+          </ac:inkMkLst>
+        </pc:inkChg>
+        <pc:inkChg chg="add mod">
+          <ac:chgData name="Davide Romano" userId="c3ac3c10d9ce9e2a" providerId="LiveId" clId="{B14B8130-7782-43EB-987D-49D23A567CB4}" dt="2021-06-03T13:49:53.227" v="6821"/>
+          <ac:inkMkLst>
+            <pc:docMk/>
+            <pc:sldMk cId="2262558534" sldId="262"/>
+            <ac:inkMk id="37" creationId="{338CD486-9589-485F-85DF-259CF4837E7A}"/>
+          </ac:inkMkLst>
+        </pc:inkChg>
+        <pc:inkChg chg="add mod">
+          <ac:chgData name="Davide Romano" userId="c3ac3c10d9ce9e2a" providerId="LiveId" clId="{B14B8130-7782-43EB-987D-49D23A567CB4}" dt="2021-06-03T13:49:53.227" v="6821"/>
+          <ac:inkMkLst>
+            <pc:docMk/>
+            <pc:sldMk cId="2262558534" sldId="262"/>
+            <ac:inkMk id="38" creationId="{20773AFD-C075-4E8A-A5C4-2F895D830663}"/>
+          </ac:inkMkLst>
+        </pc:inkChg>
+        <pc:inkChg chg="add mod">
+          <ac:chgData name="Davide Romano" userId="c3ac3c10d9ce9e2a" providerId="LiveId" clId="{B14B8130-7782-43EB-987D-49D23A567CB4}" dt="2021-06-03T13:49:53.227" v="6821"/>
+          <ac:inkMkLst>
+            <pc:docMk/>
+            <pc:sldMk cId="2262558534" sldId="262"/>
+            <ac:inkMk id="39" creationId="{228AF9D3-E32C-487F-A180-4EDCBA63FAEF}"/>
+          </ac:inkMkLst>
+        </pc:inkChg>
+        <pc:inkChg chg="add mod">
+          <ac:chgData name="Davide Romano" userId="c3ac3c10d9ce9e2a" providerId="LiveId" clId="{B14B8130-7782-43EB-987D-49D23A567CB4}" dt="2021-06-03T13:49:53.227" v="6821"/>
+          <ac:inkMkLst>
+            <pc:docMk/>
+            <pc:sldMk cId="2262558534" sldId="262"/>
+            <ac:inkMk id="40" creationId="{75E6EE04-7FD9-4E8D-AD94-19758D742536}"/>
+          </ac:inkMkLst>
+        </pc:inkChg>
+        <pc:inkChg chg="add mod">
+          <ac:chgData name="Davide Romano" userId="c3ac3c10d9ce9e2a" providerId="LiveId" clId="{B14B8130-7782-43EB-987D-49D23A567CB4}" dt="2021-06-03T13:49:53.227" v="6821"/>
+          <ac:inkMkLst>
+            <pc:docMk/>
+            <pc:sldMk cId="2262558534" sldId="262"/>
+            <ac:inkMk id="41" creationId="{FEF7EDC3-631E-4BC7-8A05-B2FC7AE0CE42}"/>
+          </ac:inkMkLst>
+        </pc:inkChg>
+        <pc:inkChg chg="add mod">
+          <ac:chgData name="Davide Romano" userId="c3ac3c10d9ce9e2a" providerId="LiveId" clId="{B14B8130-7782-43EB-987D-49D23A567CB4}" dt="2021-06-03T13:49:53.227" v="6821"/>
+          <ac:inkMkLst>
+            <pc:docMk/>
+            <pc:sldMk cId="2262558534" sldId="262"/>
+            <ac:inkMk id="42" creationId="{BB642592-D728-466A-819A-E5DD752F9626}"/>
+          </ac:inkMkLst>
+        </pc:inkChg>
+        <pc:inkChg chg="add mod">
+          <ac:chgData name="Davide Romano" userId="c3ac3c10d9ce9e2a" providerId="LiveId" clId="{B14B8130-7782-43EB-987D-49D23A567CB4}" dt="2021-06-03T13:49:53.227" v="6821"/>
+          <ac:inkMkLst>
+            <pc:docMk/>
+            <pc:sldMk cId="2262558534" sldId="262"/>
+            <ac:inkMk id="43" creationId="{5B4CFFA6-0368-4B18-85F4-98A964093779}"/>
+          </ac:inkMkLst>
+        </pc:inkChg>
+        <pc:inkChg chg="add mod">
+          <ac:chgData name="Davide Romano" userId="c3ac3c10d9ce9e2a" providerId="LiveId" clId="{B14B8130-7782-43EB-987D-49D23A567CB4}" dt="2021-06-03T13:49:53.227" v="6821"/>
+          <ac:inkMkLst>
+            <pc:docMk/>
+            <pc:sldMk cId="2262558534" sldId="262"/>
+            <ac:inkMk id="44" creationId="{3ADA40E1-953F-4719-B995-E99D327E7D20}"/>
+          </ac:inkMkLst>
+        </pc:inkChg>
+        <pc:inkChg chg="add del">
+          <ac:chgData name="Davide Romano" userId="c3ac3c10d9ce9e2a" providerId="LiveId" clId="{B14B8130-7782-43EB-987D-49D23A567CB4}" dt="2021-06-05T14:07:34.869" v="11172" actId="478"/>
+          <ac:inkMkLst>
+            <pc:docMk/>
+            <pc:sldMk cId="2262558534" sldId="262"/>
+            <ac:inkMk id="45" creationId="{5B7D8FE6-99F8-40E5-9B47-99BE6307A438}"/>
+          </ac:inkMkLst>
+        </pc:inkChg>
+        <pc:inkChg chg="add del">
+          <ac:chgData name="Davide Romano" userId="c3ac3c10d9ce9e2a" providerId="LiveId" clId="{B14B8130-7782-43EB-987D-49D23A567CB4}" dt="2021-06-05T14:07:34.869" v="11172" actId="478"/>
+          <ac:inkMkLst>
+            <pc:docMk/>
+            <pc:sldMk cId="2262558534" sldId="262"/>
+            <ac:inkMk id="47" creationId="{B1219DAF-5902-444E-85BC-67F24F404761}"/>
+          </ac:inkMkLst>
+        </pc:inkChg>
+        <pc:inkChg chg="add del">
+          <ac:chgData name="Davide Romano" userId="c3ac3c10d9ce9e2a" providerId="LiveId" clId="{B14B8130-7782-43EB-987D-49D23A567CB4}" dt="2021-06-05T14:07:34.869" v="11172" actId="478"/>
+          <ac:inkMkLst>
+            <pc:docMk/>
+            <pc:sldMk cId="2262558534" sldId="262"/>
+            <ac:inkMk id="48" creationId="{6B217105-6130-4FDE-BC76-7F3C3F484BAB}"/>
+          </ac:inkMkLst>
+        </pc:inkChg>
+        <pc:inkChg chg="add mod">
+          <ac:chgData name="Davide Romano" userId="c3ac3c10d9ce9e2a" providerId="LiveId" clId="{B14B8130-7782-43EB-987D-49D23A567CB4}" dt="2021-06-03T13:52:28.784" v="6886"/>
+          <ac:inkMkLst>
+            <pc:docMk/>
+            <pc:sldMk cId="2262558534" sldId="262"/>
+            <ac:inkMk id="49" creationId="{388DE13E-AD08-44C7-894E-DB4183B4BFB8}"/>
+          </ac:inkMkLst>
+        </pc:inkChg>
+        <pc:inkChg chg="add mod">
+          <ac:chgData name="Davide Romano" userId="c3ac3c10d9ce9e2a" providerId="LiveId" clId="{B14B8130-7782-43EB-987D-49D23A567CB4}" dt="2021-06-03T13:52:28.784" v="6886"/>
+          <ac:inkMkLst>
+            <pc:docMk/>
+            <pc:sldMk cId="2262558534" sldId="262"/>
+            <ac:inkMk id="50" creationId="{F07B8B74-70D7-4CC4-BCEF-3EC095D775CC}"/>
+          </ac:inkMkLst>
+        </pc:inkChg>
+        <pc:inkChg chg="add mod">
+          <ac:chgData name="Davide Romano" userId="c3ac3c10d9ce9e2a" providerId="LiveId" clId="{B14B8130-7782-43EB-987D-49D23A567CB4}" dt="2021-06-03T13:52:28.784" v="6886"/>
+          <ac:inkMkLst>
+            <pc:docMk/>
+            <pc:sldMk cId="2262558534" sldId="262"/>
+            <ac:inkMk id="51" creationId="{698B8AE1-4518-4894-876B-0348E1807C9F}"/>
+          </ac:inkMkLst>
+        </pc:inkChg>
+        <pc:inkChg chg="add mod">
+          <ac:chgData name="Davide Romano" userId="c3ac3c10d9ce9e2a" providerId="LiveId" clId="{B14B8130-7782-43EB-987D-49D23A567CB4}" dt="2021-06-03T13:52:28.784" v="6886"/>
+          <ac:inkMkLst>
+            <pc:docMk/>
+            <pc:sldMk cId="2262558534" sldId="262"/>
+            <ac:inkMk id="52" creationId="{298F7526-212F-4C76-866C-27D55E5BF855}"/>
+          </ac:inkMkLst>
+        </pc:inkChg>
+        <pc:inkChg chg="add mod">
+          <ac:chgData name="Davide Romano" userId="c3ac3c10d9ce9e2a" providerId="LiveId" clId="{B14B8130-7782-43EB-987D-49D23A567CB4}" dt="2021-06-03T13:52:28.784" v="6886"/>
+          <ac:inkMkLst>
+            <pc:docMk/>
+            <pc:sldMk cId="2262558534" sldId="262"/>
+            <ac:inkMk id="53" creationId="{D3DC5D10-B8A1-4975-9385-CD535E3347EA}"/>
+          </ac:inkMkLst>
+        </pc:inkChg>
+        <pc:inkChg chg="add mod">
+          <ac:chgData name="Davide Romano" userId="c3ac3c10d9ce9e2a" providerId="LiveId" clId="{B14B8130-7782-43EB-987D-49D23A567CB4}" dt="2021-06-05T13:27:48.432" v="11155"/>
+          <ac:inkMkLst>
+            <pc:docMk/>
+            <pc:sldMk cId="2262558534" sldId="262"/>
+            <ac:inkMk id="54" creationId="{5454D560-525A-4421-AB8C-98BA596DCF81}"/>
+          </ac:inkMkLst>
+        </pc:inkChg>
+        <pc:inkChg chg="add del mod">
+          <ac:chgData name="Davide Romano" userId="c3ac3c10d9ce9e2a" providerId="LiveId" clId="{B14B8130-7782-43EB-987D-49D23A567CB4}" dt="2021-06-03T13:51:31.999" v="6837"/>
+          <ac:inkMkLst>
+            <pc:docMk/>
+            <pc:sldMk cId="2262558534" sldId="262"/>
+            <ac:inkMk id="54" creationId="{A395913B-75A6-4BF8-BD65-63BBC3B0AE58}"/>
+          </ac:inkMkLst>
+        </pc:inkChg>
+        <pc:inkChg chg="add mod">
+          <ac:chgData name="Davide Romano" userId="c3ac3c10d9ce9e2a" providerId="LiveId" clId="{B14B8130-7782-43EB-987D-49D23A567CB4}" dt="2021-06-05T13:27:48.432" v="11155"/>
+          <ac:inkMkLst>
+            <pc:docMk/>
+            <pc:sldMk cId="2262558534" sldId="262"/>
+            <ac:inkMk id="55" creationId="{6F2D22E6-7BEE-4399-9337-69339A5A1997}"/>
+          </ac:inkMkLst>
+        </pc:inkChg>
+        <pc:inkChg chg="add del mod">
+          <ac:chgData name="Davide Romano" userId="c3ac3c10d9ce9e2a" providerId="LiveId" clId="{B14B8130-7782-43EB-987D-49D23A567CB4}" dt="2021-06-05T14:07:34.869" v="11172" actId="478"/>
+          <ac:inkMkLst>
+            <pc:docMk/>
+            <pc:sldMk cId="2262558534" sldId="262"/>
+            <ac:inkMk id="56" creationId="{C7799861-E138-4830-B341-3221F75E4FE9}"/>
+          </ac:inkMkLst>
+        </pc:inkChg>
+        <pc:inkChg chg="add mod">
+          <ac:chgData name="Davide Romano" userId="c3ac3c10d9ce9e2a" providerId="LiveId" clId="{B14B8130-7782-43EB-987D-49D23A567CB4}" dt="2021-06-03T13:52:28.784" v="6886"/>
+          <ac:inkMkLst>
+            <pc:docMk/>
+            <pc:sldMk cId="2262558534" sldId="262"/>
+            <ac:inkMk id="58" creationId="{9AC4A25C-D992-43F8-819F-A5A3B8822CEC}"/>
+          </ac:inkMkLst>
+        </pc:inkChg>
+        <pc:inkChg chg="add mod">
+          <ac:chgData name="Davide Romano" userId="c3ac3c10d9ce9e2a" providerId="LiveId" clId="{B14B8130-7782-43EB-987D-49D23A567CB4}" dt="2021-06-03T13:52:28.784" v="6886"/>
+          <ac:inkMkLst>
+            <pc:docMk/>
+            <pc:sldMk cId="2262558534" sldId="262"/>
+            <ac:inkMk id="59" creationId="{20148B88-92F7-43CA-B957-434DB9B4F8E8}"/>
+          </ac:inkMkLst>
+        </pc:inkChg>
+        <pc:inkChg chg="add mod">
+          <ac:chgData name="Davide Romano" userId="c3ac3c10d9ce9e2a" providerId="LiveId" clId="{B14B8130-7782-43EB-987D-49D23A567CB4}" dt="2021-06-03T13:52:28.784" v="6886"/>
+          <ac:inkMkLst>
+            <pc:docMk/>
+            <pc:sldMk cId="2262558534" sldId="262"/>
+            <ac:inkMk id="60" creationId="{40870A46-4EBF-4F3A-9EF6-B5F72DEAEF7B}"/>
+          </ac:inkMkLst>
+        </pc:inkChg>
+        <pc:inkChg chg="add mod">
+          <ac:chgData name="Davide Romano" userId="c3ac3c10d9ce9e2a" providerId="LiveId" clId="{B14B8130-7782-43EB-987D-49D23A567CB4}" dt="2021-06-03T13:52:28.784" v="6886"/>
+          <ac:inkMkLst>
+            <pc:docMk/>
+            <pc:sldMk cId="2262558534" sldId="262"/>
+            <ac:inkMk id="61" creationId="{BD63DFF0-176A-434C-9F2F-D0E0393C29D9}"/>
+          </ac:inkMkLst>
+        </pc:inkChg>
+        <pc:inkChg chg="add mod">
+          <ac:chgData name="Davide Romano" userId="c3ac3c10d9ce9e2a" providerId="LiveId" clId="{B14B8130-7782-43EB-987D-49D23A567CB4}" dt="2021-06-03T13:52:28.784" v="6886"/>
+          <ac:inkMkLst>
+            <pc:docMk/>
+            <pc:sldMk cId="2262558534" sldId="262"/>
+            <ac:inkMk id="62" creationId="{0710A9F0-741B-4CC8-8B86-564C874C60BD}"/>
+          </ac:inkMkLst>
+        </pc:inkChg>
+        <pc:inkChg chg="add mod">
+          <ac:chgData name="Davide Romano" userId="c3ac3c10d9ce9e2a" providerId="LiveId" clId="{B14B8130-7782-43EB-987D-49D23A567CB4}" dt="2021-06-03T13:52:28.784" v="6886"/>
+          <ac:inkMkLst>
+            <pc:docMk/>
+            <pc:sldMk cId="2262558534" sldId="262"/>
+            <ac:inkMk id="63" creationId="{441CD603-3B47-49DA-BBBF-EBF7A2710C09}"/>
+          </ac:inkMkLst>
+        </pc:inkChg>
+        <pc:inkChg chg="add mod">
+          <ac:chgData name="Davide Romano" userId="c3ac3c10d9ce9e2a" providerId="LiveId" clId="{B14B8130-7782-43EB-987D-49D23A567CB4}" dt="2021-06-03T13:52:28.784" v="6886"/>
+          <ac:inkMkLst>
+            <pc:docMk/>
+            <pc:sldMk cId="2262558534" sldId="262"/>
+            <ac:inkMk id="64" creationId="{9769FC73-68BB-4175-A2C2-D06AC58F5EF4}"/>
+          </ac:inkMkLst>
+        </pc:inkChg>
+        <pc:inkChg chg="add mod">
+          <ac:chgData name="Davide Romano" userId="c3ac3c10d9ce9e2a" providerId="LiveId" clId="{B14B8130-7782-43EB-987D-49D23A567CB4}" dt="2021-06-03T13:52:28.784" v="6886"/>
+          <ac:inkMkLst>
+            <pc:docMk/>
+            <pc:sldMk cId="2262558534" sldId="262"/>
+            <ac:inkMk id="65" creationId="{C68EAE4D-BCF6-4A5D-94F1-7B9B450B427E}"/>
+          </ac:inkMkLst>
+        </pc:inkChg>
+        <pc:inkChg chg="add mod">
+          <ac:chgData name="Davide Romano" userId="c3ac3c10d9ce9e2a" providerId="LiveId" clId="{B14B8130-7782-43EB-987D-49D23A567CB4}" dt="2021-06-03T13:52:28.784" v="6886"/>
+          <ac:inkMkLst>
+            <pc:docMk/>
+            <pc:sldMk cId="2262558534" sldId="262"/>
+            <ac:inkMk id="66" creationId="{DB9A8E8E-33E6-428D-84C0-D797D1C0E998}"/>
+          </ac:inkMkLst>
+        </pc:inkChg>
+        <pc:inkChg chg="add mod">
+          <ac:chgData name="Davide Romano" userId="c3ac3c10d9ce9e2a" providerId="LiveId" clId="{B14B8130-7782-43EB-987D-49D23A567CB4}" dt="2021-06-03T13:52:28.784" v="6886"/>
+          <ac:inkMkLst>
+            <pc:docMk/>
+            <pc:sldMk cId="2262558534" sldId="262"/>
+            <ac:inkMk id="67" creationId="{F700C103-34DC-49EE-9CF8-91395E7D83E8}"/>
+          </ac:inkMkLst>
+        </pc:inkChg>
+        <pc:inkChg chg="add mod">
+          <ac:chgData name="Davide Romano" userId="c3ac3c10d9ce9e2a" providerId="LiveId" clId="{B14B8130-7782-43EB-987D-49D23A567CB4}" dt="2021-06-05T13:27:11.701" v="11152"/>
+          <ac:inkMkLst>
+            <pc:docMk/>
+            <pc:sldMk cId="2262558534" sldId="262"/>
+            <ac:inkMk id="68" creationId="{D3A3FEEA-9959-472F-A50F-F5059ABE01DF}"/>
+          </ac:inkMkLst>
+        </pc:inkChg>
+        <pc:inkChg chg="add mod">
+          <ac:chgData name="Davide Romano" userId="c3ac3c10d9ce9e2a" providerId="LiveId" clId="{B14B8130-7782-43EB-987D-49D23A567CB4}" dt="2021-06-03T13:52:28.784" v="6886"/>
+          <ac:inkMkLst>
+            <pc:docMk/>
+            <pc:sldMk cId="2262558534" sldId="262"/>
+            <ac:inkMk id="69" creationId="{FE30AD96-DFC8-4822-89ED-290F241DD3F4}"/>
+          </ac:inkMkLst>
+        </pc:inkChg>
+        <pc:inkChg chg="add mod">
+          <ac:chgData name="Davide Romano" userId="c3ac3c10d9ce9e2a" providerId="LiveId" clId="{B14B8130-7782-43EB-987D-49D23A567CB4}" dt="2021-06-03T13:52:28.784" v="6886"/>
+          <ac:inkMkLst>
+            <pc:docMk/>
+            <pc:sldMk cId="2262558534" sldId="262"/>
+            <ac:inkMk id="70" creationId="{0848F1DC-8BF1-460C-AFBC-FE0B9477C184}"/>
+          </ac:inkMkLst>
+        </pc:inkChg>
+        <pc:inkChg chg="add mod">
+          <ac:chgData name="Davide Romano" userId="c3ac3c10d9ce9e2a" providerId="LiveId" clId="{B14B8130-7782-43EB-987D-49D23A567CB4}" dt="2021-06-03T13:52:28.784" v="6886"/>
+          <ac:inkMkLst>
+            <pc:docMk/>
+            <pc:sldMk cId="2262558534" sldId="262"/>
+            <ac:inkMk id="71" creationId="{F32ABAE6-44C6-4583-AFCE-D8D729F45F57}"/>
+          </ac:inkMkLst>
+        </pc:inkChg>
+        <pc:inkChg chg="add mod">
+          <ac:chgData name="Davide Romano" userId="c3ac3c10d9ce9e2a" providerId="LiveId" clId="{B14B8130-7782-43EB-987D-49D23A567CB4}" dt="2021-06-03T13:52:28.784" v="6886"/>
+          <ac:inkMkLst>
+            <pc:docMk/>
+            <pc:sldMk cId="2262558534" sldId="262"/>
+            <ac:inkMk id="72" creationId="{5B9AF9BC-A876-4E9C-BDFB-4247ECC0D5E8}"/>
+          </ac:inkMkLst>
+        </pc:inkChg>
+        <pc:inkChg chg="add mod">
+          <ac:chgData name="Davide Romano" userId="c3ac3c10d9ce9e2a" providerId="LiveId" clId="{B14B8130-7782-43EB-987D-49D23A567CB4}" dt="2021-06-03T13:52:28.784" v="6886"/>
+          <ac:inkMkLst>
+            <pc:docMk/>
+            <pc:sldMk cId="2262558534" sldId="262"/>
+            <ac:inkMk id="73" creationId="{F60F0319-E295-45A1-80FE-9AE86B81C4A0}"/>
+          </ac:inkMkLst>
+        </pc:inkChg>
+        <pc:inkChg chg="add mod">
+          <ac:chgData name="Davide Romano" userId="c3ac3c10d9ce9e2a" providerId="LiveId" clId="{B14B8130-7782-43EB-987D-49D23A567CB4}" dt="2021-06-03T13:52:28.784" v="6886"/>
+          <ac:inkMkLst>
+            <pc:docMk/>
+            <pc:sldMk cId="2262558534" sldId="262"/>
+            <ac:inkMk id="74" creationId="{040A11B8-3602-4F58-AB61-F232E9963480}"/>
+          </ac:inkMkLst>
+        </pc:inkChg>
+        <pc:inkChg chg="add mod">
+          <ac:chgData name="Davide Romano" userId="c3ac3c10d9ce9e2a" providerId="LiveId" clId="{B14B8130-7782-43EB-987D-49D23A567CB4}" dt="2021-06-03T13:52:28.784" v="6886"/>
+          <ac:inkMkLst>
+            <pc:docMk/>
+            <pc:sldMk cId="2262558534" sldId="262"/>
+            <ac:inkMk id="75" creationId="{A61A2533-A9A6-431D-923D-73591E173900}"/>
+          </ac:inkMkLst>
+        </pc:inkChg>
+        <pc:inkChg chg="add mod">
+          <ac:chgData name="Davide Romano" userId="c3ac3c10d9ce9e2a" providerId="LiveId" clId="{B14B8130-7782-43EB-987D-49D23A567CB4}" dt="2021-06-05T13:27:11.701" v="11152"/>
+          <ac:inkMkLst>
+            <pc:docMk/>
+            <pc:sldMk cId="2262558534" sldId="262"/>
+            <ac:inkMk id="76" creationId="{593BB6A7-01C5-49A9-9082-F364689FD977}"/>
+          </ac:inkMkLst>
+        </pc:inkChg>
+        <pc:inkChg chg="add mod">
+          <ac:chgData name="Davide Romano" userId="c3ac3c10d9ce9e2a" providerId="LiveId" clId="{B14B8130-7782-43EB-987D-49D23A567CB4}" dt="2021-06-03T13:52:28.784" v="6886"/>
+          <ac:inkMkLst>
+            <pc:docMk/>
+            <pc:sldMk cId="2262558534" sldId="262"/>
+            <ac:inkMk id="77" creationId="{5F7182C3-1C3D-4574-90FD-EE148BB3F55F}"/>
+          </ac:inkMkLst>
+        </pc:inkChg>
+        <pc:inkChg chg="add mod">
+          <ac:chgData name="Davide Romano" userId="c3ac3c10d9ce9e2a" providerId="LiveId" clId="{B14B8130-7782-43EB-987D-49D23A567CB4}" dt="2021-06-03T13:52:28.784" v="6886"/>
+          <ac:inkMkLst>
+            <pc:docMk/>
+            <pc:sldMk cId="2262558534" sldId="262"/>
+            <ac:inkMk id="78" creationId="{F3B4A0B7-E518-410B-99D0-998BBA3A778D}"/>
+          </ac:inkMkLst>
+        </pc:inkChg>
+        <pc:inkChg chg="add mod">
+          <ac:chgData name="Davide Romano" userId="c3ac3c10d9ce9e2a" providerId="LiveId" clId="{B14B8130-7782-43EB-987D-49D23A567CB4}" dt="2021-06-03T13:52:28.784" v="6886"/>
+          <ac:inkMkLst>
+            <pc:docMk/>
+            <pc:sldMk cId="2262558534" sldId="262"/>
+            <ac:inkMk id="79" creationId="{67BCDDD4-2E3F-4F4D-BBCC-B8CFCA26EB49}"/>
+          </ac:inkMkLst>
+        </pc:inkChg>
+        <pc:inkChg chg="add mod">
+          <ac:chgData name="Davide Romano" userId="c3ac3c10d9ce9e2a" providerId="LiveId" clId="{B14B8130-7782-43EB-987D-49D23A567CB4}" dt="2021-06-03T13:52:28.784" v="6886"/>
+          <ac:inkMkLst>
+            <pc:docMk/>
+            <pc:sldMk cId="2262558534" sldId="262"/>
+            <ac:inkMk id="80" creationId="{65403A05-70DF-4088-AAC8-B8A606EC4B6E}"/>
+          </ac:inkMkLst>
+        </pc:inkChg>
+        <pc:inkChg chg="add mod">
+          <ac:chgData name="Davide Romano" userId="c3ac3c10d9ce9e2a" providerId="LiveId" clId="{B14B8130-7782-43EB-987D-49D23A567CB4}" dt="2021-06-03T13:52:28.784" v="6886"/>
+          <ac:inkMkLst>
+            <pc:docMk/>
+            <pc:sldMk cId="2262558534" sldId="262"/>
+            <ac:inkMk id="81" creationId="{3EE26BAA-3F6F-43BB-853A-30B3781E35D7}"/>
+          </ac:inkMkLst>
+        </pc:inkChg>
+        <pc:inkChg chg="add mod">
+          <ac:chgData name="Davide Romano" userId="c3ac3c10d9ce9e2a" providerId="LiveId" clId="{B14B8130-7782-43EB-987D-49D23A567CB4}" dt="2021-06-05T13:27:11.701" v="11152"/>
+          <ac:inkMkLst>
+            <pc:docMk/>
+            <pc:sldMk cId="2262558534" sldId="262"/>
+            <ac:inkMk id="82" creationId="{472D2ED8-5BB6-4379-8301-7712B5373105}"/>
+          </ac:inkMkLst>
+        </pc:inkChg>
+        <pc:inkChg chg="add mod">
+          <ac:chgData name="Davide Romano" userId="c3ac3c10d9ce9e2a" providerId="LiveId" clId="{B14B8130-7782-43EB-987D-49D23A567CB4}" dt="2021-06-03T13:52:28.784" v="6886"/>
+          <ac:inkMkLst>
+            <pc:docMk/>
+            <pc:sldMk cId="2262558534" sldId="262"/>
+            <ac:inkMk id="83" creationId="{41D18411-FB86-4155-9242-E8A7EBB006FE}"/>
+          </ac:inkMkLst>
+        </pc:inkChg>
+        <pc:inkChg chg="add mod">
+          <ac:chgData name="Davide Romano" userId="c3ac3c10d9ce9e2a" providerId="LiveId" clId="{B14B8130-7782-43EB-987D-49D23A567CB4}" dt="2021-06-03T13:52:28.784" v="6886"/>
+          <ac:inkMkLst>
+            <pc:docMk/>
+            <pc:sldMk cId="2262558534" sldId="262"/>
+            <ac:inkMk id="84" creationId="{00496AFA-CAA8-49E0-B21F-EFE63B78F813}"/>
+          </ac:inkMkLst>
+        </pc:inkChg>
+        <pc:inkChg chg="add mod">
+          <ac:chgData name="Davide Romano" userId="c3ac3c10d9ce9e2a" providerId="LiveId" clId="{B14B8130-7782-43EB-987D-49D23A567CB4}" dt="2021-06-03T13:52:28.784" v="6886"/>
+          <ac:inkMkLst>
+            <pc:docMk/>
+            <pc:sldMk cId="2262558534" sldId="262"/>
+            <ac:inkMk id="85" creationId="{7F60742C-F82B-4705-B3C5-030910232B72}"/>
+          </ac:inkMkLst>
+        </pc:inkChg>
+        <pc:inkChg chg="add mod">
+          <ac:chgData name="Davide Romano" userId="c3ac3c10d9ce9e2a" providerId="LiveId" clId="{B14B8130-7782-43EB-987D-49D23A567CB4}" dt="2021-06-03T13:52:28.784" v="6886"/>
+          <ac:inkMkLst>
+            <pc:docMk/>
+            <pc:sldMk cId="2262558534" sldId="262"/>
+            <ac:inkMk id="86" creationId="{C2538966-70F2-43AE-870A-B0EB49F6C438}"/>
+          </ac:inkMkLst>
+        </pc:inkChg>
+        <pc:inkChg chg="add mod">
+          <ac:chgData name="Davide Romano" userId="c3ac3c10d9ce9e2a" providerId="LiveId" clId="{B14B8130-7782-43EB-987D-49D23A567CB4}" dt="2021-06-03T13:52:28.784" v="6886"/>
+          <ac:inkMkLst>
+            <pc:docMk/>
+            <pc:sldMk cId="2262558534" sldId="262"/>
+            <ac:inkMk id="87" creationId="{20D16A06-EC8B-49FE-AA12-4B8EF950D2A2}"/>
+          </ac:inkMkLst>
+        </pc:inkChg>
+        <pc:inkChg chg="add mod">
+          <ac:chgData name="Davide Romano" userId="c3ac3c10d9ce9e2a" providerId="LiveId" clId="{B14B8130-7782-43EB-987D-49D23A567CB4}" dt="2021-06-03T13:52:28.784" v="6886"/>
+          <ac:inkMkLst>
+            <pc:docMk/>
+            <pc:sldMk cId="2262558534" sldId="262"/>
+            <ac:inkMk id="89" creationId="{A735A501-FECA-422D-9C68-AE66BF72D8B8}"/>
+          </ac:inkMkLst>
+        </pc:inkChg>
+        <pc:inkChg chg="add mod">
+          <ac:chgData name="Davide Romano" userId="c3ac3c10d9ce9e2a" providerId="LiveId" clId="{B14B8130-7782-43EB-987D-49D23A567CB4}" dt="2021-06-03T13:52:28.784" v="6886"/>
+          <ac:inkMkLst>
+            <pc:docMk/>
+            <pc:sldMk cId="2262558534" sldId="262"/>
+            <ac:inkMk id="90" creationId="{6DDEFB0E-BAF1-4417-B36B-AC9B8489F838}"/>
+          </ac:inkMkLst>
+        </pc:inkChg>
+        <pc:inkChg chg="add mod">
+          <ac:chgData name="Davide Romano" userId="c3ac3c10d9ce9e2a" providerId="LiveId" clId="{B14B8130-7782-43EB-987D-49D23A567CB4}" dt="2021-06-03T13:52:28.784" v="6886"/>
+          <ac:inkMkLst>
+            <pc:docMk/>
+            <pc:sldMk cId="2262558534" sldId="262"/>
+            <ac:inkMk id="91" creationId="{15D3949D-2F4E-435F-AB33-C7FFE2886798}"/>
+          </ac:inkMkLst>
+        </pc:inkChg>
+        <pc:inkChg chg="add mod">
+          <ac:chgData name="Davide Romano" userId="c3ac3c10d9ce9e2a" providerId="LiveId" clId="{B14B8130-7782-43EB-987D-49D23A567CB4}" dt="2021-06-03T13:52:28.784" v="6886"/>
+          <ac:inkMkLst>
+            <pc:docMk/>
+            <pc:sldMk cId="2262558534" sldId="262"/>
+            <ac:inkMk id="92" creationId="{A9642D89-3128-47C7-817F-662A0316C5C8}"/>
+          </ac:inkMkLst>
+        </pc:inkChg>
+        <pc:inkChg chg="add mod">
+          <ac:chgData name="Davide Romano" userId="c3ac3c10d9ce9e2a" providerId="LiveId" clId="{B14B8130-7782-43EB-987D-49D23A567CB4}" dt="2021-06-03T13:52:28.784" v="6886"/>
+          <ac:inkMkLst>
+            <pc:docMk/>
+            <pc:sldMk cId="2262558534" sldId="262"/>
+            <ac:inkMk id="93" creationId="{79D42BFA-132E-46BE-8674-734F55C4950C}"/>
+          </ac:inkMkLst>
+        </pc:inkChg>
+        <pc:inkChg chg="add mod">
+          <ac:chgData name="Davide Romano" userId="c3ac3c10d9ce9e2a" providerId="LiveId" clId="{B14B8130-7782-43EB-987D-49D23A567CB4}" dt="2021-06-03T13:52:28.784" v="6886"/>
+          <ac:inkMkLst>
+            <pc:docMk/>
+            <pc:sldMk cId="2262558534" sldId="262"/>
+            <ac:inkMk id="94" creationId="{91EB8BB7-C26F-415E-8236-2254963B2E54}"/>
+          </ac:inkMkLst>
+        </pc:inkChg>
+        <pc:inkChg chg="add mod">
+          <ac:chgData name="Davide Romano" userId="c3ac3c10d9ce9e2a" providerId="LiveId" clId="{B14B8130-7782-43EB-987D-49D23A567CB4}" dt="2021-06-03T13:52:28.784" v="6886"/>
+          <ac:inkMkLst>
+            <pc:docMk/>
+            <pc:sldMk cId="2262558534" sldId="262"/>
+            <ac:inkMk id="95" creationId="{C000AAF3-2911-457D-8720-54C5E77D0D20}"/>
+          </ac:inkMkLst>
+        </pc:inkChg>
+        <pc:inkChg chg="add mod">
+          <ac:chgData name="Davide Romano" userId="c3ac3c10d9ce9e2a" providerId="LiveId" clId="{B14B8130-7782-43EB-987D-49D23A567CB4}" dt="2021-06-03T13:52:28.784" v="6886"/>
+          <ac:inkMkLst>
+            <pc:docMk/>
+            <pc:sldMk cId="2262558534" sldId="262"/>
+            <ac:inkMk id="96" creationId="{878E8747-AD07-4271-AC5B-C8ACCB976681}"/>
+          </ac:inkMkLst>
+        </pc:inkChg>
+        <pc:inkChg chg="add mod">
+          <ac:chgData name="Davide Romano" userId="c3ac3c10d9ce9e2a" providerId="LiveId" clId="{B14B8130-7782-43EB-987D-49D23A567CB4}" dt="2021-06-03T13:52:28.784" v="6886"/>
+          <ac:inkMkLst>
+            <pc:docMk/>
+            <pc:sldMk cId="2262558534" sldId="262"/>
+            <ac:inkMk id="97" creationId="{601541F3-FB74-4DA4-B68B-F67F39FEB1A3}"/>
+          </ac:inkMkLst>
+        </pc:inkChg>
+        <pc:inkChg chg="add mod">
+          <ac:chgData name="Davide Romano" userId="c3ac3c10d9ce9e2a" providerId="LiveId" clId="{B14B8130-7782-43EB-987D-49D23A567CB4}" dt="2021-06-03T13:52:28.784" v="6886"/>
+          <ac:inkMkLst>
+            <pc:docMk/>
+            <pc:sldMk cId="2262558534" sldId="262"/>
+            <ac:inkMk id="98" creationId="{59DC9F2A-152E-4121-8F56-8FEA83D3DBE1}"/>
+          </ac:inkMkLst>
+        </pc:inkChg>
+        <pc:inkChg chg="add mod">
+          <ac:chgData name="Davide Romano" userId="c3ac3c10d9ce9e2a" providerId="LiveId" clId="{B14B8130-7782-43EB-987D-49D23A567CB4}" dt="2021-06-03T13:52:28.784" v="6886"/>
+          <ac:inkMkLst>
+            <pc:docMk/>
+            <pc:sldMk cId="2262558534" sldId="262"/>
+            <ac:inkMk id="99" creationId="{99551118-A15C-4908-9198-F925486157B2}"/>
+          </ac:inkMkLst>
+        </pc:inkChg>
+        <pc:inkChg chg="add mod">
+          <ac:chgData name="Davide Romano" userId="c3ac3c10d9ce9e2a" providerId="LiveId" clId="{B14B8130-7782-43EB-987D-49D23A567CB4}" dt="2021-06-03T13:52:28.784" v="6886"/>
+          <ac:inkMkLst>
+            <pc:docMk/>
+            <pc:sldMk cId="2262558534" sldId="262"/>
+            <ac:inkMk id="100" creationId="{058441B3-E892-4A68-94B1-5E75BD00046F}"/>
+          </ac:inkMkLst>
+        </pc:inkChg>
+        <pc:inkChg chg="add mod">
+          <ac:chgData name="Davide Romano" userId="c3ac3c10d9ce9e2a" providerId="LiveId" clId="{B14B8130-7782-43EB-987D-49D23A567CB4}" dt="2021-06-03T13:52:28.784" v="6886"/>
+          <ac:inkMkLst>
+            <pc:docMk/>
+            <pc:sldMk cId="2262558534" sldId="262"/>
+            <ac:inkMk id="101" creationId="{32A24340-D8CC-40B8-AE72-741E8B148979}"/>
+          </ac:inkMkLst>
+        </pc:inkChg>
+        <pc:inkChg chg="add mod">
+          <ac:chgData name="Davide Romano" userId="c3ac3c10d9ce9e2a" providerId="LiveId" clId="{B14B8130-7782-43EB-987D-49D23A567CB4}" dt="2021-06-03T13:52:28.784" v="6886"/>
+          <ac:inkMkLst>
+            <pc:docMk/>
+            <pc:sldMk cId="2262558534" sldId="262"/>
+            <ac:inkMk id="102" creationId="{E09E3F91-68E2-44FB-AEFD-C126E35A554C}"/>
+          </ac:inkMkLst>
+        </pc:inkChg>
+        <pc:inkChg chg="add mod">
+          <ac:chgData name="Davide Romano" userId="c3ac3c10d9ce9e2a" providerId="LiveId" clId="{B14B8130-7782-43EB-987D-49D23A567CB4}" dt="2021-06-03T13:52:28.784" v="6886"/>
+          <ac:inkMkLst>
+            <pc:docMk/>
+            <pc:sldMk cId="2262558534" sldId="262"/>
+            <ac:inkMk id="103" creationId="{11EDC0B8-989A-4778-82DF-08B18E024ACD}"/>
+          </ac:inkMkLst>
+        </pc:inkChg>
+        <pc:inkChg chg="add del">
+          <ac:chgData name="Davide Romano" userId="c3ac3c10d9ce9e2a" providerId="LiveId" clId="{B14B8130-7782-43EB-987D-49D23A567CB4}" dt="2021-06-05T14:07:34.869" v="11172" actId="478"/>
+          <ac:inkMkLst>
+            <pc:docMk/>
+            <pc:sldMk cId="2262558534" sldId="262"/>
+            <ac:inkMk id="105" creationId="{C05F2884-C962-44B8-95A3-1066653709F6}"/>
+          </ac:inkMkLst>
+        </pc:inkChg>
+        <pc:inkChg chg="add mod">
+          <ac:chgData name="Davide Romano" userId="c3ac3c10d9ce9e2a" providerId="LiveId" clId="{B14B8130-7782-43EB-987D-49D23A567CB4}" dt="2021-06-03T15:36:59.957" v="8501"/>
+          <ac:inkMkLst>
+            <pc:docMk/>
+            <pc:sldMk cId="2262558534" sldId="262"/>
+            <ac:inkMk id="106" creationId="{C8D5A541-60BE-454D-8564-D172E0C9BA72}"/>
+          </ac:inkMkLst>
+        </pc:inkChg>
+        <pc:inkChg chg="add mod">
+          <ac:chgData name="Davide Romano" userId="c3ac3c10d9ce9e2a" providerId="LiveId" clId="{B14B8130-7782-43EB-987D-49D23A567CB4}" dt="2021-06-03T15:36:59.957" v="8501"/>
+          <ac:inkMkLst>
+            <pc:docMk/>
+            <pc:sldMk cId="2262558534" sldId="262"/>
+            <ac:inkMk id="107" creationId="{B195DA09-CE1E-4B6B-973F-325E54FA976B}"/>
+          </ac:inkMkLst>
+        </pc:inkChg>
+        <pc:inkChg chg="add mod">
+          <ac:chgData name="Davide Romano" userId="c3ac3c10d9ce9e2a" providerId="LiveId" clId="{B14B8130-7782-43EB-987D-49D23A567CB4}" dt="2021-06-03T15:36:59.957" v="8501"/>
+          <ac:inkMkLst>
+            <pc:docMk/>
+            <pc:sldMk cId="2262558534" sldId="262"/>
+            <ac:inkMk id="108" creationId="{7B901D36-E076-4E44-B30B-D5B53F36586D}"/>
+          </ac:inkMkLst>
+        </pc:inkChg>
+        <pc:inkChg chg="add mod">
+          <ac:chgData name="Davide Romano" userId="c3ac3c10d9ce9e2a" providerId="LiveId" clId="{B14B8130-7782-43EB-987D-49D23A567CB4}" dt="2021-06-03T15:36:59.957" v="8501"/>
+          <ac:inkMkLst>
+            <pc:docMk/>
+            <pc:sldMk cId="2262558534" sldId="262"/>
+            <ac:inkMk id="109" creationId="{A5B0E802-0949-4FF9-BF35-032682D86818}"/>
+          </ac:inkMkLst>
+        </pc:inkChg>
+        <pc:inkChg chg="add mod">
+          <ac:chgData name="Davide Romano" userId="c3ac3c10d9ce9e2a" providerId="LiveId" clId="{B14B8130-7782-43EB-987D-49D23A567CB4}" dt="2021-06-03T15:36:59.957" v="8501"/>
+          <ac:inkMkLst>
+            <pc:docMk/>
+            <pc:sldMk cId="2262558534" sldId="262"/>
+            <ac:inkMk id="110" creationId="{91941776-8368-47FF-9AE8-4EBF989DA61B}"/>
+          </ac:inkMkLst>
+        </pc:inkChg>
+        <pc:inkChg chg="add mod">
+          <ac:chgData name="Davide Romano" userId="c3ac3c10d9ce9e2a" providerId="LiveId" clId="{B14B8130-7782-43EB-987D-49D23A567CB4}" dt="2021-06-05T13:27:11.701" v="11152"/>
+          <ac:inkMkLst>
+            <pc:docMk/>
+            <pc:sldMk cId="2262558534" sldId="262"/>
+            <ac:inkMk id="112" creationId="{E8A9618B-0019-4322-B9D0-4E67797A3912}"/>
+          </ac:inkMkLst>
+        </pc:inkChg>
+        <pc:inkChg chg="add mod">
+          <ac:chgData name="Davide Romano" userId="c3ac3c10d9ce9e2a" providerId="LiveId" clId="{B14B8130-7782-43EB-987D-49D23A567CB4}" dt="2021-06-05T13:27:11.701" v="11152"/>
+          <ac:inkMkLst>
+            <pc:docMk/>
+            <pc:sldMk cId="2262558534" sldId="262"/>
+            <ac:inkMk id="113" creationId="{A732A963-4A4F-427B-9D29-C21C48979812}"/>
+          </ac:inkMkLst>
+        </pc:inkChg>
+        <pc:inkChg chg="add mod">
+          <ac:chgData name="Davide Romano" userId="c3ac3c10d9ce9e2a" providerId="LiveId" clId="{B14B8130-7782-43EB-987D-49D23A567CB4}" dt="2021-06-05T13:27:11.701" v="11152"/>
+          <ac:inkMkLst>
+            <pc:docMk/>
+            <pc:sldMk cId="2262558534" sldId="262"/>
+            <ac:inkMk id="115" creationId="{8276623B-D51A-4D00-8342-4FB8BE574608}"/>
+          </ac:inkMkLst>
+        </pc:inkChg>
+        <pc:inkChg chg="add mod">
+          <ac:chgData name="Davide Romano" userId="c3ac3c10d9ce9e2a" providerId="LiveId" clId="{B14B8130-7782-43EB-987D-49D23A567CB4}" dt="2021-06-05T13:27:11.701" v="11152"/>
+          <ac:inkMkLst>
+            <pc:docMk/>
+            <pc:sldMk cId="2262558534" sldId="262"/>
+            <ac:inkMk id="116" creationId="{F9632EC4-C975-4C8B-BB88-0EAC3BA43746}"/>
+          </ac:inkMkLst>
+        </pc:inkChg>
+        <pc:inkChg chg="add mod">
+          <ac:chgData name="Davide Romano" userId="c3ac3c10d9ce9e2a" providerId="LiveId" clId="{B14B8130-7782-43EB-987D-49D23A567CB4}" dt="2021-06-05T13:27:48.432" v="11155"/>
+          <ac:inkMkLst>
+            <pc:docMk/>
+            <pc:sldMk cId="2262558534" sldId="262"/>
+            <ac:inkMk id="118" creationId="{62D37503-24AC-44A5-A074-77E2AEC9F068}"/>
+          </ac:inkMkLst>
+        </pc:inkChg>
+        <pc:inkChg chg="add mod">
+          <ac:chgData name="Davide Romano" userId="c3ac3c10d9ce9e2a" providerId="LiveId" clId="{B14B8130-7782-43EB-987D-49D23A567CB4}" dt="2021-06-05T13:27:48.432" v="11155"/>
+          <ac:inkMkLst>
+            <pc:docMk/>
+            <pc:sldMk cId="2262558534" sldId="262"/>
+            <ac:inkMk id="119" creationId="{88AC2199-F3A7-422A-9C3E-27D4DEFA9101}"/>
+          </ac:inkMkLst>
+        </pc:inkChg>
+        <pc:inkChg chg="add del">
+          <ac:chgData name="Davide Romano" userId="c3ac3c10d9ce9e2a" providerId="LiveId" clId="{B14B8130-7782-43EB-987D-49D23A567CB4}" dt="2021-06-05T13:29:19.869" v="11159" actId="9405"/>
+          <ac:inkMkLst>
+            <pc:docMk/>
+            <pc:sldMk cId="2262558534" sldId="262"/>
+            <ac:inkMk id="121" creationId="{98FE28D0-480A-400F-ABAF-49208AD41452}"/>
+          </ac:inkMkLst>
+        </pc:inkChg>
+        <pc:inkChg chg="add del">
+          <ac:chgData name="Davide Romano" userId="c3ac3c10d9ce9e2a" providerId="LiveId" clId="{B14B8130-7782-43EB-987D-49D23A567CB4}" dt="2021-06-05T13:29:19.527" v="11158" actId="9405"/>
+          <ac:inkMkLst>
+            <pc:docMk/>
+            <pc:sldMk cId="2262558534" sldId="262"/>
+            <ac:inkMk id="122" creationId="{3EA04D12-96CD-4AE0-8711-5F353D09D834}"/>
+          </ac:inkMkLst>
+        </pc:inkChg>
+      </pc:sldChg>
+      <pc:sldChg chg="delSp modSp del mod">
+        <pc:chgData name="Davide Romano" userId="c3ac3c10d9ce9e2a" providerId="LiveId" clId="{B14B8130-7782-43EB-987D-49D23A567CB4}" dt="2021-05-30T15:04:25.805" v="1798" actId="2696"/>
+        <pc:sldMkLst>
+          <pc:docMk/>
+          <pc:sldMk cId="18532425" sldId="263"/>
+        </pc:sldMkLst>
+        <pc:spChg chg="del">
+          <ac:chgData name="Davide Romano" userId="c3ac3c10d9ce9e2a" providerId="LiveId" clId="{B14B8130-7782-43EB-987D-49D23A567CB4}" dt="2021-05-30T13:52:01.072" v="1147" actId="478"/>
+          <ac:spMkLst>
+            <pc:docMk/>
+            <pc:sldMk cId="18532425" sldId="263"/>
+            <ac:spMk id="2" creationId="{2CF25644-C6BB-454A-B883-E4591B91425F}"/>
+          </ac:spMkLst>
+        </pc:spChg>
+        <pc:spChg chg="del">
+          <ac:chgData name="Davide Romano" userId="c3ac3c10d9ce9e2a" providerId="LiveId" clId="{B14B8130-7782-43EB-987D-49D23A567CB4}" dt="2021-05-30T13:52:02.299" v="1148" actId="478"/>
+          <ac:spMkLst>
+            <pc:docMk/>
+            <pc:sldMk cId="18532425" sldId="263"/>
+            <ac:spMk id="3" creationId="{8373F00F-EF17-46D6-A3B2-D9C82D9D5FDE}"/>
+          </ac:spMkLst>
+        </pc:spChg>
+        <pc:spChg chg="mod">
+          <ac:chgData name="Davide Romano" userId="c3ac3c10d9ce9e2a" providerId="LiveId" clId="{B14B8130-7782-43EB-987D-49D23A567CB4}" dt="2021-05-30T14:01:48.068" v="1492" actId="20577"/>
+          <ac:spMkLst>
+            <pc:docMk/>
+            <pc:sldMk cId="18532425" sldId="263"/>
+            <ac:spMk id="5" creationId="{A6D97257-32F1-46B3-9260-6D61D40AE718}"/>
+          </ac:spMkLst>
+        </pc:spChg>
+      </pc:sldChg>
+      <pc:sldChg chg="modSp mod">
+        <pc:chgData name="Davide Romano" userId="c3ac3c10d9ce9e2a" providerId="LiveId" clId="{B14B8130-7782-43EB-987D-49D23A567CB4}" dt="2021-06-08T09:47:00.434" v="12209" actId="20577"/>
+        <pc:sldMkLst>
+          <pc:docMk/>
+          <pc:sldMk cId="1014551272" sldId="263"/>
+        </pc:sldMkLst>
+        <pc:spChg chg="mod">
+          <ac:chgData name="Davide Romano" userId="c3ac3c10d9ce9e2a" providerId="LiveId" clId="{B14B8130-7782-43EB-987D-49D23A567CB4}" dt="2021-06-02T09:18:01.984" v="4918" actId="14100"/>
+          <ac:spMkLst>
+            <pc:docMk/>
+            <pc:sldMk cId="1014551272" sldId="263"/>
+            <ac:spMk id="2" creationId="{F2EEFCDA-3B7B-460F-B7FF-25C4A73268AB}"/>
+          </ac:spMkLst>
+        </pc:spChg>
+        <pc:spChg chg="mod">
+          <ac:chgData name="Davide Romano" userId="c3ac3c10d9ce9e2a" providerId="LiveId" clId="{B14B8130-7782-43EB-987D-49D23A567CB4}" dt="2021-06-08T09:47:00.434" v="12209" actId="20577"/>
+          <ac:spMkLst>
+            <pc:docMk/>
+            <pc:sldMk cId="1014551272" sldId="263"/>
+            <ac:spMk id="5" creationId="{24A7ACBE-DC98-415E-AFB1-964D20E9B782}"/>
+          </ac:spMkLst>
+        </pc:spChg>
+        <pc:spChg chg="mod">
+          <ac:chgData name="Davide Romano" userId="c3ac3c10d9ce9e2a" providerId="LiveId" clId="{B14B8130-7782-43EB-987D-49D23A567CB4}" dt="2021-06-04T09:21:30.358" v="9553" actId="20577"/>
+          <ac:spMkLst>
+            <pc:docMk/>
+            <pc:sldMk cId="1014551272" sldId="263"/>
+            <ac:spMk id="9" creationId="{B7B398FD-11D8-4B66-8CD5-300A1871C868}"/>
+          </ac:spMkLst>
+        </pc:spChg>
+      </pc:sldChg>
+      <pc:sldChg chg="addSp delSp modSp mod">
+        <pc:chgData name="Davide Romano" userId="c3ac3c10d9ce9e2a" providerId="LiveId" clId="{B14B8130-7782-43EB-987D-49D23A567CB4}" dt="2021-06-04T09:27:10.351" v="9652" actId="20577"/>
+        <pc:sldMkLst>
+          <pc:docMk/>
+          <pc:sldMk cId="1520066137" sldId="264"/>
+        </pc:sldMkLst>
+        <pc:spChg chg="add del mod">
+          <ac:chgData name="Davide Romano" userId="c3ac3c10d9ce9e2a" providerId="LiveId" clId="{B14B8130-7782-43EB-987D-49D23A567CB4}" dt="2021-06-04T09:26:56.509" v="9645" actId="20577"/>
+          <ac:spMkLst>
+            <pc:docMk/>
+            <pc:sldMk cId="1520066137" sldId="264"/>
+            <ac:spMk id="2" creationId="{D56CAC12-04E7-47E8-906E-814DB0BA81EA}"/>
+          </ac:spMkLst>
+        </pc:spChg>
+        <pc:spChg chg="add del mod">
+          <ac:chgData name="Davide Romano" userId="c3ac3c10d9ce9e2a" providerId="LiveId" clId="{B14B8130-7782-43EB-987D-49D23A567CB4}" dt="2021-06-01T15:07:00.042" v="2434"/>
+          <ac:spMkLst>
+            <pc:docMk/>
+            <pc:sldMk cId="1520066137" sldId="264"/>
+            <ac:spMk id="3" creationId="{22A5A06A-320F-44F5-B11E-82869A49420F}"/>
+          </ac:spMkLst>
+        </pc:spChg>
+        <pc:spChg chg="add mod">
+          <ac:chgData name="Davide Romano" userId="c3ac3c10d9ce9e2a" providerId="LiveId" clId="{B14B8130-7782-43EB-987D-49D23A567CB4}" dt="2021-06-04T09:27:10.351" v="9652" actId="20577"/>
+          <ac:spMkLst>
+            <pc:docMk/>
+            <pc:sldMk cId="1520066137" sldId="264"/>
+            <ac:spMk id="4" creationId="{E890DFDA-43FF-47F3-A640-D6FBD834B9B1}"/>
+          </ac:spMkLst>
+        </pc:spChg>
+      </pc:sldChg>
+      <pc:sldChg chg="del">
+        <pc:chgData name="Davide Romano" userId="c3ac3c10d9ce9e2a" providerId="LiveId" clId="{B14B8130-7782-43EB-987D-49D23A567CB4}" dt="2021-05-30T15:04:28.226" v="1799" actId="2696"/>
+        <pc:sldMkLst>
+          <pc:docMk/>
+          <pc:sldMk cId="2996220520" sldId="264"/>
+        </pc:sldMkLst>
+      </pc:sldChg>
+      <pc:sldChg chg="modSp mod">
+        <pc:chgData name="Davide Romano" userId="c3ac3c10d9ce9e2a" providerId="LiveId" clId="{B14B8130-7782-43EB-987D-49D23A567CB4}" dt="2021-06-04T09:29:20.116" v="9672" actId="20577"/>
+        <pc:sldMkLst>
+          <pc:docMk/>
+          <pc:sldMk cId="2904629529" sldId="265"/>
+        </pc:sldMkLst>
+        <pc:spChg chg="mod">
+          <ac:chgData name="Davide Romano" userId="c3ac3c10d9ce9e2a" providerId="LiveId" clId="{B14B8130-7782-43EB-987D-49D23A567CB4}" dt="2021-06-04T09:29:20.116" v="9672" actId="20577"/>
+          <ac:spMkLst>
+            <pc:docMk/>
+            <pc:sldMk cId="2904629529" sldId="265"/>
+            <ac:spMk id="5" creationId="{547B7B68-8863-4F09-B4D7-676839A090CB}"/>
+          </ac:spMkLst>
+        </pc:spChg>
+      </pc:sldChg>
+      <pc:sldChg chg="addSp delSp modSp new mod">
+        <pc:chgData name="Davide Romano" userId="c3ac3c10d9ce9e2a" providerId="LiveId" clId="{B14B8130-7782-43EB-987D-49D23A567CB4}" dt="2021-06-08T14:22:44.860" v="12523" actId="20577"/>
+        <pc:sldMkLst>
+          <pc:docMk/>
+          <pc:sldMk cId="3776714482" sldId="266"/>
+        </pc:sldMkLst>
+        <pc:spChg chg="del">
+          <ac:chgData name="Davide Romano" userId="c3ac3c10d9ce9e2a" providerId="LiveId" clId="{B14B8130-7782-43EB-987D-49D23A567CB4}" dt="2021-06-01T15:59:52.315" v="2769" actId="478"/>
+          <ac:spMkLst>
+            <pc:docMk/>
+            <pc:sldMk cId="3776714482" sldId="266"/>
+            <ac:spMk id="2" creationId="{2D914C88-EAA7-4AB4-9A03-2BD3E44088CB}"/>
+          </ac:spMkLst>
+        </pc:spChg>
+        <pc:spChg chg="add mod">
+          <ac:chgData name="Davide Romano" userId="c3ac3c10d9ce9e2a" providerId="LiveId" clId="{B14B8130-7782-43EB-987D-49D23A567CB4}" dt="2021-06-02T10:00:32.476" v="5125" actId="1076"/>
+          <ac:spMkLst>
+            <pc:docMk/>
+            <pc:sldMk cId="3776714482" sldId="266"/>
+            <ac:spMk id="2" creationId="{6F25B206-F411-40D8-93AD-862A3BE2F09E}"/>
+          </ac:spMkLst>
+        </pc:spChg>
+        <pc:spChg chg="mod">
+          <ac:chgData name="Davide Romano" userId="c3ac3c10d9ce9e2a" providerId="LiveId" clId="{B14B8130-7782-43EB-987D-49D23A567CB4}" dt="2021-06-08T14:22:44.860" v="12523" actId="20577"/>
+          <ac:spMkLst>
+            <pc:docMk/>
+            <pc:sldMk cId="3776714482" sldId="266"/>
+            <ac:spMk id="3" creationId="{06AC63E7-FD21-494C-9BCC-923FE382CF68}"/>
+          </ac:spMkLst>
+        </pc:spChg>
+      </pc:sldChg>
+      <pc:sldChg chg="addSp delSp modSp new mod">
+        <pc:chgData name="Davide Romano" userId="c3ac3c10d9ce9e2a" providerId="LiveId" clId="{B14B8130-7782-43EB-987D-49D23A567CB4}" dt="2021-06-08T15:08:05.978" v="12665" actId="20577"/>
+        <pc:sldMkLst>
+          <pc:docMk/>
+          <pc:sldMk cId="2512718786" sldId="267"/>
+        </pc:sldMkLst>
+        <pc:spChg chg="add mod">
+          <ac:chgData name="Davide Romano" userId="c3ac3c10d9ce9e2a" providerId="LiveId" clId="{B14B8130-7782-43EB-987D-49D23A567CB4}" dt="2021-06-02T10:37:06.068" v="5360" actId="255"/>
+          <ac:spMkLst>
+            <pc:docMk/>
+            <pc:sldMk cId="2512718786" sldId="267"/>
+            <ac:spMk id="2" creationId="{21CA935D-93E7-44F7-9BE2-C29BEAD33742}"/>
+          </ac:spMkLst>
+        </pc:spChg>
+        <pc:spChg chg="del">
+          <ac:chgData name="Davide Romano" userId="c3ac3c10d9ce9e2a" providerId="LiveId" clId="{B14B8130-7782-43EB-987D-49D23A567CB4}" dt="2021-06-01T16:12:48.783" v="3137" actId="478"/>
+          <ac:spMkLst>
+            <pc:docMk/>
+            <pc:sldMk cId="2512718786" sldId="267"/>
+            <ac:spMk id="2" creationId="{279F17C4-37E9-4C6A-AB44-4272462F0538}"/>
+          </ac:spMkLst>
+        </pc:spChg>
+        <pc:spChg chg="mod">
+          <ac:chgData name="Davide Romano" userId="c3ac3c10d9ce9e2a" providerId="LiveId" clId="{B14B8130-7782-43EB-987D-49D23A567CB4}" dt="2021-06-08T14:52:48.694" v="12633" actId="14100"/>
+          <ac:spMkLst>
+            <pc:docMk/>
+            <pc:sldMk cId="2512718786" sldId="267"/>
+            <ac:spMk id="3" creationId="{208110D2-D72A-4954-A9E7-B3348AD41880}"/>
+          </ac:spMkLst>
+        </pc:spChg>
+        <pc:spChg chg="add mod">
+          <ac:chgData name="Davide Romano" userId="c3ac3c10d9ce9e2a" providerId="LiveId" clId="{B14B8130-7782-43EB-987D-49D23A567CB4}" dt="2021-06-08T14:52:26.482" v="12628" actId="1076"/>
+          <ac:spMkLst>
+            <pc:docMk/>
+            <pc:sldMk cId="2512718786" sldId="267"/>
+            <ac:spMk id="4" creationId="{107EDE46-AF87-45A7-9778-D4883757B92A}"/>
+          </ac:spMkLst>
+        </pc:spChg>
+        <pc:spChg chg="add mod">
+          <ac:chgData name="Davide Romano" userId="c3ac3c10d9ce9e2a" providerId="LiveId" clId="{B14B8130-7782-43EB-987D-49D23A567CB4}" dt="2021-06-08T15:08:05.978" v="12665" actId="20577"/>
+          <ac:spMkLst>
+            <pc:docMk/>
+            <pc:sldMk cId="2512718786" sldId="267"/>
+            <ac:spMk id="5" creationId="{169655A4-590E-4733-B5DB-C477CFDCC119}"/>
+          </ac:spMkLst>
+        </pc:spChg>
+      </pc:sldChg>
+      <pc:sldChg chg="delSp modSp new mod">
+        <pc:chgData name="Davide Romano" userId="c3ac3c10d9ce9e2a" providerId="LiveId" clId="{B14B8130-7782-43EB-987D-49D23A567CB4}" dt="2021-06-02T10:37:50.012" v="5381" actId="403"/>
+        <pc:sldMkLst>
+          <pc:docMk/>
+          <pc:sldMk cId="2290920864" sldId="268"/>
+        </pc:sldMkLst>
+        <pc:spChg chg="del">
+          <ac:chgData name="Davide Romano" userId="c3ac3c10d9ce9e2a" providerId="LiveId" clId="{B14B8130-7782-43EB-987D-49D23A567CB4}" dt="2021-06-01T16:47:46.458" v="3430" actId="478"/>
+          <ac:spMkLst>
+            <pc:docMk/>
+            <pc:sldMk cId="2290920864" sldId="268"/>
+            <ac:spMk id="2" creationId="{5D610225-8808-41EF-A69E-CDECD9EC12FF}"/>
+          </ac:spMkLst>
+        </pc:spChg>
+        <pc:spChg chg="mod">
+          <ac:chgData name="Davide Romano" userId="c3ac3c10d9ce9e2a" providerId="LiveId" clId="{B14B8130-7782-43EB-987D-49D23A567CB4}" dt="2021-06-02T10:37:50.012" v="5381" actId="403"/>
+          <ac:spMkLst>
+            <pc:docMk/>
+            <pc:sldMk cId="2290920864" sldId="268"/>
+            <ac:spMk id="3" creationId="{CF7F9D15-2369-4008-ABB1-46B3311707CC}"/>
+          </ac:spMkLst>
+        </pc:spChg>
+      </pc:sldChg>
+      <pc:sldChg chg="addSp modSp new mod">
+        <pc:chgData name="Davide Romano" userId="c3ac3c10d9ce9e2a" providerId="LiveId" clId="{B14B8130-7782-43EB-987D-49D23A567CB4}" dt="2021-06-05T17:21:11.401" v="11770" actId="207"/>
+        <pc:sldMkLst>
+          <pc:docMk/>
+          <pc:sldMk cId="1622650760" sldId="269"/>
+        </pc:sldMkLst>
+        <pc:spChg chg="mod">
+          <ac:chgData name="Davide Romano" userId="c3ac3c10d9ce9e2a" providerId="LiveId" clId="{B14B8130-7782-43EB-987D-49D23A567CB4}" dt="2021-06-02T09:03:20.696" v="3961" actId="1076"/>
+          <ac:spMkLst>
+            <pc:docMk/>
+            <pc:sldMk cId="1622650760" sldId="269"/>
+            <ac:spMk id="2" creationId="{9BB75058-DCFD-4B3B-A72B-86EBC87B12A5}"/>
+          </ac:spMkLst>
+        </pc:spChg>
+        <pc:spChg chg="mod">
+          <ac:chgData name="Davide Romano" userId="c3ac3c10d9ce9e2a" providerId="LiveId" clId="{B14B8130-7782-43EB-987D-49D23A567CB4}" dt="2021-06-05T17:20:18.055" v="11749" actId="14100"/>
+          <ac:spMkLst>
+            <pc:docMk/>
+            <pc:sldMk cId="1622650760" sldId="269"/>
+            <ac:spMk id="3" creationId="{0ED52FF0-FEB1-4FF2-92D3-1945BCC0794B}"/>
+          </ac:spMkLst>
+        </pc:spChg>
+        <pc:spChg chg="add mod">
+          <ac:chgData name="Davide Romano" userId="c3ac3c10d9ce9e2a" providerId="LiveId" clId="{B14B8130-7782-43EB-987D-49D23A567CB4}" dt="2021-06-05T17:21:11.401" v="11770" actId="207"/>
+          <ac:spMkLst>
+            <pc:docMk/>
+            <pc:sldMk cId="1622650760" sldId="269"/>
+            <ac:spMk id="4" creationId="{40BFD8B9-EF8C-4C4C-8E5E-AFBF1FE0955F}"/>
+          </ac:spMkLst>
+        </pc:spChg>
+      </pc:sldChg>
+      <pc:sldChg chg="addSp delSp modSp new del mod">
+        <pc:chgData name="Davide Romano" userId="c3ac3c10d9ce9e2a" providerId="LiveId" clId="{B14B8130-7782-43EB-987D-49D23A567CB4}" dt="2021-06-02T13:29:02.020" v="6607" actId="2696"/>
+        <pc:sldMkLst>
+          <pc:docMk/>
+          <pc:sldMk cId="410689081" sldId="270"/>
+        </pc:sldMkLst>
+        <pc:spChg chg="mod">
+          <ac:chgData name="Davide Romano" userId="c3ac3c10d9ce9e2a" providerId="LiveId" clId="{B14B8130-7782-43EB-987D-49D23A567CB4}" dt="2021-06-02T10:39:45.518" v="5393" actId="122"/>
+          <ac:spMkLst>
+            <pc:docMk/>
+            <pc:sldMk cId="410689081" sldId="270"/>
+            <ac:spMk id="2" creationId="{FE881D5C-55E0-4533-9DD4-2858625731CD}"/>
+          </ac:spMkLst>
+        </pc:spChg>
+        <pc:spChg chg="mod">
+          <ac:chgData name="Davide Romano" userId="c3ac3c10d9ce9e2a" providerId="LiveId" clId="{B14B8130-7782-43EB-987D-49D23A567CB4}" dt="2021-06-02T13:28:57.685" v="6606" actId="20577"/>
+          <ac:spMkLst>
+            <pc:docMk/>
+            <pc:sldMk cId="410689081" sldId="270"/>
+            <ac:spMk id="3" creationId="{9D58A5D8-0298-40CC-AA20-DC08B129649B}"/>
+          </ac:spMkLst>
+        </pc:spChg>
+        <pc:spChg chg="add del mod">
+          <ac:chgData name="Davide Romano" userId="c3ac3c10d9ce9e2a" providerId="LiveId" clId="{B14B8130-7782-43EB-987D-49D23A567CB4}" dt="2021-06-02T13:28:23.477" v="6603" actId="21"/>
+          <ac:spMkLst>
+            <pc:docMk/>
+            <pc:sldMk cId="410689081" sldId="270"/>
+            <ac:spMk id="4" creationId="{B8E5808A-A4AB-4DEF-9504-9C88FF66BBDD}"/>
+          </ac:spMkLst>
+        </pc:spChg>
+      </pc:sldChg>
+      <pc:sldChg chg="addSp delSp modSp mod">
+        <pc:chgData name="Davide Romano" userId="c3ac3c10d9ce9e2a" providerId="LiveId" clId="{B14B8130-7782-43EB-987D-49D23A567CB4}" dt="2021-06-08T13:45:54.857" v="12390" actId="478"/>
+        <pc:sldMkLst>
+          <pc:docMk/>
+          <pc:sldMk cId="59111166" sldId="271"/>
+        </pc:sldMkLst>
+        <pc:spChg chg="mod">
+          <ac:chgData name="Davide Romano" userId="c3ac3c10d9ce9e2a" providerId="LiveId" clId="{B14B8130-7782-43EB-987D-49D23A567CB4}" dt="2021-06-02T14:48:12.838" v="6767" actId="20577"/>
+          <ac:spMkLst>
+            <pc:docMk/>
+            <pc:sldMk cId="59111166" sldId="271"/>
+            <ac:spMk id="3" creationId="{43207D95-BE19-48A2-9AC7-26D59EA281A1}"/>
+          </ac:spMkLst>
+        </pc:spChg>
+        <pc:spChg chg="add del mod">
+          <ac:chgData name="Davide Romano" userId="c3ac3c10d9ce9e2a" providerId="LiveId" clId="{B14B8130-7782-43EB-987D-49D23A567CB4}" dt="2021-06-08T13:45:54.857" v="12390" actId="478"/>
+          <ac:spMkLst>
+            <pc:docMk/>
+            <pc:sldMk cId="59111166" sldId="271"/>
+            <ac:spMk id="5" creationId="{08CE9197-F09D-4608-9BB3-46D24FFBDCF3}"/>
+          </ac:spMkLst>
+        </pc:spChg>
+      </pc:sldChg>
+      <pc:sldChg chg="addSp delSp modSp new mod ord">
+        <pc:chgData name="Davide Romano" userId="c3ac3c10d9ce9e2a" providerId="LiveId" clId="{B14B8130-7782-43EB-987D-49D23A567CB4}" dt="2021-06-08T13:13:29.665" v="12382"/>
+        <pc:sldMkLst>
+          <pc:docMk/>
+          <pc:sldMk cId="4002604732" sldId="272"/>
+        </pc:sldMkLst>
+        <pc:spChg chg="mod">
+          <ac:chgData name="Davide Romano" userId="c3ac3c10d9ce9e2a" providerId="LiveId" clId="{B14B8130-7782-43EB-987D-49D23A567CB4}" dt="2021-06-04T10:30:25.082" v="10541" actId="1076"/>
+          <ac:spMkLst>
+            <pc:docMk/>
+            <pc:sldMk cId="4002604732" sldId="272"/>
+            <ac:spMk id="2" creationId="{36E5CEDA-850E-4CB0-8FE4-4517A5FEEF25}"/>
+          </ac:spMkLst>
+        </pc:spChg>
+        <pc:spChg chg="del mod">
+          <ac:chgData name="Davide Romano" userId="c3ac3c10d9ce9e2a" providerId="LiveId" clId="{B14B8130-7782-43EB-987D-49D23A567CB4}" dt="2021-06-04T10:18:37.498" v="10003" actId="478"/>
+          <ac:spMkLst>
+            <pc:docMk/>
+            <pc:sldMk cId="4002604732" sldId="272"/>
+            <ac:spMk id="3" creationId="{337D7462-2DAC-4D99-89DA-74E7991B4067}"/>
+          </ac:spMkLst>
+        </pc:spChg>
+        <pc:spChg chg="add mod">
+          <ac:chgData name="Davide Romano" userId="c3ac3c10d9ce9e2a" providerId="LiveId" clId="{B14B8130-7782-43EB-987D-49D23A567CB4}" dt="2021-06-08T13:13:29.665" v="12382"/>
+          <ac:spMkLst>
+            <pc:docMk/>
+            <pc:sldMk cId="4002604732" sldId="272"/>
+            <ac:spMk id="4" creationId="{602FA3EC-2A86-4AD1-B355-294B7FE53763}"/>
+          </ac:spMkLst>
+        </pc:spChg>
+        <pc:picChg chg="add del">
+          <ac:chgData name="Davide Romano" userId="c3ac3c10d9ce9e2a" providerId="LiveId" clId="{B14B8130-7782-43EB-987D-49D23A567CB4}" dt="2021-06-08T13:13:16.924" v="12373" actId="22"/>
+          <ac:picMkLst>
+            <pc:docMk/>
+            <pc:sldMk cId="4002604732" sldId="272"/>
+            <ac:picMk id="5" creationId="{0245A1A4-F676-4D37-9B45-F97F126BB541}"/>
+          </ac:picMkLst>
+        </pc:picChg>
+        <pc:picChg chg="add del">
+          <ac:chgData name="Davide Romano" userId="c3ac3c10d9ce9e2a" providerId="LiveId" clId="{B14B8130-7782-43EB-987D-49D23A567CB4}" dt="2021-06-08T13:13:22.981" v="12379" actId="22"/>
+          <ac:picMkLst>
+            <pc:docMk/>
+            <pc:sldMk cId="4002604732" sldId="272"/>
+            <ac:picMk id="7" creationId="{3AC68287-EE93-4F40-926B-3E734C498BA0}"/>
+          </ac:picMkLst>
+        </pc:picChg>
+      </pc:sldChg>
+      <pc:sldChg chg="addSp modSp new mod">
+        <pc:chgData name="Davide Romano" userId="c3ac3c10d9ce9e2a" providerId="LiveId" clId="{B14B8130-7782-43EB-987D-49D23A567CB4}" dt="2021-06-08T09:47:35.835" v="12245" actId="20577"/>
+        <pc:sldMkLst>
+          <pc:docMk/>
+          <pc:sldMk cId="759608758" sldId="273"/>
+        </pc:sldMkLst>
+        <pc:spChg chg="mod">
+          <ac:chgData name="Davide Romano" userId="c3ac3c10d9ce9e2a" providerId="LiveId" clId="{B14B8130-7782-43EB-987D-49D23A567CB4}" dt="2021-06-02T13:43:35.912" v="6630" actId="255"/>
+          <ac:spMkLst>
+            <pc:docMk/>
+            <pc:sldMk cId="759608758" sldId="273"/>
+            <ac:spMk id="2" creationId="{E6F88AD8-912C-4064-BCA3-E14AA29B8319}"/>
+          </ac:spMkLst>
+        </pc:spChg>
+        <pc:spChg chg="mod">
+          <ac:chgData name="Davide Romano" userId="c3ac3c10d9ce9e2a" providerId="LiveId" clId="{B14B8130-7782-43EB-987D-49D23A567CB4}" dt="2021-06-08T09:47:35.835" v="12245" actId="20577"/>
+          <ac:spMkLst>
+            <pc:docMk/>
+            <pc:sldMk cId="759608758" sldId="273"/>
+            <ac:spMk id="3" creationId="{9E26B18A-41EE-40A9-9D3C-E59FEC7AA35D}"/>
+          </ac:spMkLst>
+        </pc:spChg>
+        <pc:spChg chg="add mod">
+          <ac:chgData name="Davide Romano" userId="c3ac3c10d9ce9e2a" providerId="LiveId" clId="{B14B8130-7782-43EB-987D-49D23A567CB4}" dt="2021-06-02T17:40:27.315" v="6774" actId="20577"/>
+          <ac:spMkLst>
+            <pc:docMk/>
+            <pc:sldMk cId="759608758" sldId="273"/>
+            <ac:spMk id="4" creationId="{A1B3D0BC-4DB4-420F-8797-6533C6FBEF9E}"/>
+          </ac:spMkLst>
+        </pc:spChg>
+      </pc:sldChg>
+      <pc:sldChg chg="modSp mod ord">
+        <pc:chgData name="Davide Romano" userId="c3ac3c10d9ce9e2a" providerId="LiveId" clId="{B14B8130-7782-43EB-987D-49D23A567CB4}" dt="2021-06-08T13:46:07.625" v="12399" actId="403"/>
+        <pc:sldMkLst>
+          <pc:docMk/>
+          <pc:sldMk cId="3559874528" sldId="274"/>
+        </pc:sldMkLst>
+        <pc:spChg chg="mod">
+          <ac:chgData name="Davide Romano" userId="c3ac3c10d9ce9e2a" providerId="LiveId" clId="{B14B8130-7782-43EB-987D-49D23A567CB4}" dt="2021-06-08T13:46:07.625" v="12399" actId="403"/>
+          <ac:spMkLst>
+            <pc:docMk/>
+            <pc:sldMk cId="3559874528" sldId="274"/>
+            <ac:spMk id="2" creationId="{84FBF444-9288-4579-8734-36339035B881}"/>
+          </ac:spMkLst>
+        </pc:spChg>
+      </pc:sldChg>
+      <pc:sldChg chg="addSp modSp mod">
+        <pc:chgData name="Davide Romano" userId="c3ac3c10d9ce9e2a" providerId="LiveId" clId="{B14B8130-7782-43EB-987D-49D23A567CB4}" dt="2021-06-08T13:44:45.826" v="12389" actId="20577"/>
+        <pc:sldMkLst>
+          <pc:docMk/>
+          <pc:sldMk cId="2082295682" sldId="275"/>
+        </pc:sldMkLst>
+        <pc:spChg chg="add mod">
+          <ac:chgData name="Davide Romano" userId="c3ac3c10d9ce9e2a" providerId="LiveId" clId="{B14B8130-7782-43EB-987D-49D23A567CB4}" dt="2021-06-04T10:41:32.895" v="11134" actId="1076"/>
+          <ac:spMkLst>
+            <pc:docMk/>
+            <pc:sldMk cId="2082295682" sldId="275"/>
+            <ac:spMk id="3" creationId="{18065B3D-8C6E-498E-8910-B3438E5BAB38}"/>
+          </ac:spMkLst>
+        </pc:spChg>
+        <pc:spChg chg="mod">
+          <ac:chgData name="Davide Romano" userId="c3ac3c10d9ce9e2a" providerId="LiveId" clId="{B14B8130-7782-43EB-987D-49D23A567CB4}" dt="2021-06-08T13:44:45.826" v="12389" actId="20577"/>
+          <ac:spMkLst>
+            <pc:docMk/>
+            <pc:sldMk cId="2082295682" sldId="275"/>
+            <ac:spMk id="4" creationId="{602FA3EC-2A86-4AD1-B355-294B7FE53763}"/>
+          </ac:spMkLst>
+        </pc:spChg>
+      </pc:sldChg>
+      <pc:sldChg chg="delSp modSp mod">
+        <pc:chgData name="Davide Romano" userId="c3ac3c10d9ce9e2a" providerId="LiveId" clId="{B14B8130-7782-43EB-987D-49D23A567CB4}" dt="2021-06-06T15:27:37.520" v="11919" actId="403"/>
+        <pc:sldMkLst>
+          <pc:docMk/>
+          <pc:sldMk cId="481757856" sldId="276"/>
+        </pc:sldMkLst>
+        <pc:spChg chg="del">
+          <ac:chgData name="Davide Romano" userId="c3ac3c10d9ce9e2a" providerId="LiveId" clId="{B14B8130-7782-43EB-987D-49D23A567CB4}" dt="2021-06-05T17:33:06.993" v="11817" actId="478"/>
+          <ac:spMkLst>
+            <pc:docMk/>
+            <pc:sldMk cId="481757856" sldId="276"/>
+            <ac:spMk id="2" creationId="{CCC478D7-A4BF-4F10-AD4C-7478E9C4EAD1}"/>
+          </ac:spMkLst>
+        </pc:spChg>
+        <pc:spChg chg="mod">
+          <ac:chgData name="Davide Romano" userId="c3ac3c10d9ce9e2a" providerId="LiveId" clId="{B14B8130-7782-43EB-987D-49D23A567CB4}" dt="2021-06-06T15:27:37.520" v="11919" actId="403"/>
+          <ac:spMkLst>
+            <pc:docMk/>
+            <pc:sldMk cId="481757856" sldId="276"/>
+            <ac:spMk id="5" creationId="{9B5E12BC-4A19-4D6D-9F7C-0E6EA85A9B0F}"/>
+          </ac:spMkLst>
+        </pc:spChg>
+        <pc:spChg chg="mod">
+          <ac:chgData name="Davide Romano" userId="c3ac3c10d9ce9e2a" providerId="LiveId" clId="{B14B8130-7782-43EB-987D-49D23A567CB4}" dt="2021-06-05T17:33:23.438" v="11857" actId="1076"/>
+          <ac:spMkLst>
+            <pc:docMk/>
+            <pc:sldMk cId="481757856" sldId="276"/>
+            <ac:spMk id="6" creationId="{AF724172-295E-46FF-B497-74462AA6CF2A}"/>
+          </ac:spMkLst>
+        </pc:spChg>
+        <pc:spChg chg="del">
+          <ac:chgData name="Davide Romano" userId="c3ac3c10d9ce9e2a" providerId="LiveId" clId="{B14B8130-7782-43EB-987D-49D23A567CB4}" dt="2021-06-05T17:32:43.086" v="11808" actId="478"/>
+          <ac:spMkLst>
+            <pc:docMk/>
+            <pc:sldMk cId="481757856" sldId="276"/>
+            <ac:spMk id="7" creationId="{3255F5B4-723B-415F-BD72-C616395BA102}"/>
+          </ac:spMkLst>
+        </pc:spChg>
+        <pc:spChg chg="del mod">
+          <ac:chgData name="Davide Romano" userId="c3ac3c10d9ce9e2a" providerId="LiveId" clId="{B14B8130-7782-43EB-987D-49D23A567CB4}" dt="2021-06-05T17:32:47.928" v="11811" actId="478"/>
+          <ac:spMkLst>
+            <pc:docMk/>
+            <pc:sldMk cId="481757856" sldId="276"/>
+            <ac:spMk id="8" creationId="{0FFF603D-C33B-42AF-9A91-BCA1C662274B}"/>
+          </ac:spMkLst>
+        </pc:spChg>
+        <pc:spChg chg="del">
+          <ac:chgData name="Davide Romano" userId="c3ac3c10d9ce9e2a" providerId="LiveId" clId="{B14B8130-7782-43EB-987D-49D23A567CB4}" dt="2021-06-05T17:32:45.871" v="11809" actId="478"/>
+          <ac:spMkLst>
+            <pc:docMk/>
+            <pc:sldMk cId="481757856" sldId="276"/>
+            <ac:spMk id="9" creationId="{94E5A92D-84F2-4CC6-B4C0-4F03652DF892}"/>
+          </ac:spMkLst>
+        </pc:spChg>
+        <pc:spChg chg="del">
+          <ac:chgData name="Davide Romano" userId="c3ac3c10d9ce9e2a" providerId="LiveId" clId="{B14B8130-7782-43EB-987D-49D23A567CB4}" dt="2021-06-05T17:32:45.871" v="11809" actId="478"/>
+          <ac:spMkLst>
+            <pc:docMk/>
+            <pc:sldMk cId="481757856" sldId="276"/>
+            <ac:spMk id="10" creationId="{A0179B4B-D30E-4233-988B-83A42B69A715}"/>
+          </ac:spMkLst>
+        </pc:spChg>
+        <pc:spChg chg="del">
+          <ac:chgData name="Davide Romano" userId="c3ac3c10d9ce9e2a" providerId="LiveId" clId="{B14B8130-7782-43EB-987D-49D23A567CB4}" dt="2021-06-05T17:32:45.871" v="11809" actId="478"/>
+          <ac:spMkLst>
+            <pc:docMk/>
+            <pc:sldMk cId="481757856" sldId="276"/>
+            <ac:spMk id="11" creationId="{523B4FBB-3B63-44B9-94FF-4F7925E557BC}"/>
+          </ac:spMkLst>
+        </pc:spChg>
+        <pc:spChg chg="del">
+          <ac:chgData name="Davide Romano" userId="c3ac3c10d9ce9e2a" providerId="LiveId" clId="{B14B8130-7782-43EB-987D-49D23A567CB4}" dt="2021-06-05T17:32:49.247" v="11812" actId="478"/>
+          <ac:spMkLst>
+            <pc:docMk/>
+            <pc:sldMk cId="481757856" sldId="276"/>
+            <ac:spMk id="12" creationId="{1BCA5EC5-79BD-453B-B030-9A68B4EA7CA0}"/>
+          </ac:spMkLst>
+        </pc:spChg>
+        <pc:spChg chg="del">
+          <ac:chgData name="Davide Romano" userId="c3ac3c10d9ce9e2a" providerId="LiveId" clId="{B14B8130-7782-43EB-987D-49D23A567CB4}" dt="2021-06-05T17:32:45.871" v="11809" actId="478"/>
+          <ac:spMkLst>
+            <pc:docMk/>
+            <pc:sldMk cId="481757856" sldId="276"/>
+            <ac:spMk id="13" creationId="{DD80EDEF-DF2C-40F2-9471-73653433E605}"/>
+          </ac:spMkLst>
+        </pc:spChg>
+        <pc:spChg chg="del">
+          <ac:chgData name="Davide Romano" userId="c3ac3c10d9ce9e2a" providerId="LiveId" clId="{B14B8130-7782-43EB-987D-49D23A567CB4}" dt="2021-06-05T17:32:45.871" v="11809" actId="478"/>
+          <ac:spMkLst>
+            <pc:docMk/>
+            <pc:sldMk cId="481757856" sldId="276"/>
+            <ac:spMk id="14" creationId="{8AE3BF7C-451E-46A8-96E1-E962A3FAA25D}"/>
+          </ac:spMkLst>
+        </pc:spChg>
+      </pc:sldChg>
+      <pc:sldChg chg="delSp new del mod">
+        <pc:chgData name="Davide Romano" userId="c3ac3c10d9ce9e2a" providerId="LiveId" clId="{B14B8130-7782-43EB-987D-49D23A567CB4}" dt="2021-06-05T17:32:33.489" v="11807" actId="47"/>
+        <pc:sldMkLst>
+          <pc:docMk/>
+          <pc:sldMk cId="3739782397" sldId="276"/>
+        </pc:sldMkLst>
+        <pc:spChg chg="del">
+          <ac:chgData name="Davide Romano" userId="c3ac3c10d9ce9e2a" providerId="LiveId" clId="{B14B8130-7782-43EB-987D-49D23A567CB4}" dt="2021-06-05T17:32:26.224" v="11805" actId="478"/>
+          <ac:spMkLst>
+            <pc:docMk/>
+            <pc:sldMk cId="3739782397" sldId="276"/>
+            <ac:spMk id="2" creationId="{ECA2A098-1635-4129-A7DC-22C8B776EDAC}"/>
+          </ac:spMkLst>
+        </pc:spChg>
+        <pc:spChg chg="del">
+          <ac:chgData name="Davide Romano" userId="c3ac3c10d9ce9e2a" providerId="LiveId" clId="{B14B8130-7782-43EB-987D-49D23A567CB4}" dt="2021-06-05T17:32:27.108" v="11806" actId="478"/>
+          <ac:spMkLst>
+            <pc:docMk/>
+            <pc:sldMk cId="3739782397" sldId="276"/>
+            <ac:spMk id="3" creationId="{14472FB9-642A-498A-A189-B94F0C1B6181}"/>
+          </ac:spMkLst>
+        </pc:spChg>
+      </pc:sldChg>
+      <pc:sldChg chg="modSp new mod">
+        <pc:chgData name="Davide Romano" userId="c3ac3c10d9ce9e2a" providerId="LiveId" clId="{B14B8130-7782-43EB-987D-49D23A567CB4}" dt="2021-06-08T16:39:39.205" v="12809" actId="1076"/>
+        <pc:sldMkLst>
+          <pc:docMk/>
+          <pc:sldMk cId="3546326302" sldId="277"/>
+        </pc:sldMkLst>
+        <pc:spChg chg="mod">
+          <ac:chgData name="Davide Romano" userId="c3ac3c10d9ce9e2a" providerId="LiveId" clId="{B14B8130-7782-43EB-987D-49D23A567CB4}" dt="2021-06-08T16:39:37.156" v="12808" actId="1076"/>
+          <ac:spMkLst>
+            <pc:docMk/>
+            <pc:sldMk cId="3546326302" sldId="277"/>
+            <ac:spMk id="2" creationId="{1706A7DC-0D5B-4B29-868A-2F591C74EE8D}"/>
+          </ac:spMkLst>
+        </pc:spChg>
+        <pc:spChg chg="mod">
+          <ac:chgData name="Davide Romano" userId="c3ac3c10d9ce9e2a" providerId="LiveId" clId="{B14B8130-7782-43EB-987D-49D23A567CB4}" dt="2021-06-08T16:39:39.205" v="12809" actId="1076"/>
+          <ac:spMkLst>
+            <pc:docMk/>
+            <pc:sldMk cId="3546326302" sldId="277"/>
+            <ac:spMk id="3" creationId="{AEB66FC2-C8C8-444C-881F-77F0B81C3594}"/>
+          </ac:spMkLst>
+        </pc:spChg>
+      </pc:sldChg>
+    </pc:docChg>
+  </pc:docChgLst>
+  <pc:docChgLst>
+    <pc:chgData name="Utente guest" providerId="Windows Live" clId="Web-{C4C932F5-40D3-4160-A8AE-4E5317D68FAE}"/>
+    <pc:docChg chg="addSld modSld modSection">
+      <pc:chgData name="Utente guest" userId="" providerId="Windows Live" clId="Web-{C4C932F5-40D3-4160-A8AE-4E5317D68FAE}" dt="2021-06-02T14:55:50.403" v="977" actId="20577"/>
+      <pc:docMkLst>
+        <pc:docMk/>
+      </pc:docMkLst>
+      <pc:sldChg chg="modSp">
+        <pc:chgData name="Utente guest" userId="" providerId="Windows Live" clId="Web-{C4C932F5-40D3-4160-A8AE-4E5317D68FAE}" dt="2021-06-02T14:35:33.438" v="739" actId="20577"/>
+        <pc:sldMkLst>
+          <pc:docMk/>
+          <pc:sldMk cId="454804502" sldId="261"/>
+        </pc:sldMkLst>
+        <pc:spChg chg="mod">
+          <ac:chgData name="Utente guest" userId="" providerId="Windows Live" clId="Web-{C4C932F5-40D3-4160-A8AE-4E5317D68FAE}" dt="2021-06-02T14:35:33.438" v="739" actId="20577"/>
+          <ac:spMkLst>
+            <pc:docMk/>
+            <pc:sldMk cId="454804502" sldId="261"/>
+            <ac:spMk id="3" creationId="{8CDEC847-E9FA-49FF-BAD9-93C23970BB6B}"/>
+          </ac:spMkLst>
+        </pc:spChg>
+      </pc:sldChg>
+      <pc:sldChg chg="modSp">
+        <pc:chgData name="Utente guest" userId="" providerId="Windows Live" clId="Web-{C4C932F5-40D3-4160-A8AE-4E5317D68FAE}" dt="2021-06-02T14:55:50.403" v="977" actId="20577"/>
+        <pc:sldMkLst>
+          <pc:docMk/>
+          <pc:sldMk cId="59111166" sldId="271"/>
+        </pc:sldMkLst>
+        <pc:spChg chg="mod">
+          <ac:chgData name="Utente guest" userId="" providerId="Windows Live" clId="Web-{C4C932F5-40D3-4160-A8AE-4E5317D68FAE}" dt="2021-06-02T14:55:50.403" v="977" actId="20577"/>
+          <ac:spMkLst>
+            <pc:docMk/>
+            <pc:sldMk cId="59111166" sldId="271"/>
+            <ac:spMk id="3" creationId="{43207D95-BE19-48A2-9AC7-26D59EA281A1}"/>
+          </ac:spMkLst>
+        </pc:spChg>
+      </pc:sldChg>
+      <pc:sldChg chg="addSp modSp new">
+        <pc:chgData name="Utente guest" userId="" providerId="Windows Live" clId="Web-{C4C932F5-40D3-4160-A8AE-4E5317D68FAE}" dt="2021-06-02T14:43:04.745" v="863" actId="20577"/>
+        <pc:sldMkLst>
+          <pc:docMk/>
+          <pc:sldMk cId="3559874528" sldId="274"/>
+        </pc:sldMkLst>
+        <pc:spChg chg="add mod">
+          <ac:chgData name="Utente guest" userId="" providerId="Windows Live" clId="Web-{C4C932F5-40D3-4160-A8AE-4E5317D68FAE}" dt="2021-06-02T14:43:04.745" v="863" actId="20577"/>
+          <ac:spMkLst>
+            <pc:docMk/>
+            <pc:sldMk cId="3559874528" sldId="274"/>
+            <ac:spMk id="2" creationId="{84FBF444-9288-4579-8734-36339035B881}"/>
           </ac:spMkLst>
         </pc:spChg>
       </pc:sldChg>
@@ -363,35 +2964,105 @@
     </pc:docChg>
   </pc:docChgLst>
   <pc:docChgLst>
-    <pc:chgData name="Utente guest" providerId="Windows Live" clId="Web-{F09AC808-F22B-4C5F-95A4-CB6BA11B035E}"/>
-    <pc:docChg chg="modSld">
-      <pc:chgData name="Utente guest" userId="" providerId="Windows Live" clId="Web-{F09AC808-F22B-4C5F-95A4-CB6BA11B035E}" dt="2021-06-03T15:54:07.117" v="146" actId="20577"/>
+    <pc:chgData name="Utente guest" providerId="Windows Live" clId="Web-{51DCA8CF-D795-4A4F-9967-BAB967FB6AC1}"/>
+    <pc:docChg chg="addSld modSld modSection">
+      <pc:chgData name="Utente guest" userId="" providerId="Windows Live" clId="Web-{51DCA8CF-D795-4A4F-9967-BAB967FB6AC1}" dt="2021-06-02T14:28:02.065" v="294" actId="20577"/>
       <pc:docMkLst>
         <pc:docMk/>
       </pc:docMkLst>
       <pc:sldChg chg="modSp">
-        <pc:chgData name="Utente guest" userId="" providerId="Windows Live" clId="Web-{F09AC808-F22B-4C5F-95A4-CB6BA11B035E}" dt="2021-06-03T13:32:41.378" v="102" actId="20577"/>
-        <pc:sldMkLst>
-          <pc:docMk/>
-          <pc:sldMk cId="4183486380" sldId="257"/>
-        </pc:sldMkLst>
-        <pc:spChg chg="mod">
-          <ac:chgData name="Utente guest" userId="" providerId="Windows Live" clId="Web-{F09AC808-F22B-4C5F-95A4-CB6BA11B035E}" dt="2021-06-03T13:32:41.378" v="102" actId="20577"/>
-          <ac:spMkLst>
-            <pc:docMk/>
-            <pc:sldMk cId="4183486380" sldId="257"/>
-            <ac:spMk id="3" creationId="{40C0C029-AB8E-43C0-81D8-D5AC3A2A764E}"/>
-          </ac:spMkLst>
-        </pc:spChg>
-      </pc:sldChg>
-      <pc:sldChg chg="modSp">
-        <pc:chgData name="Utente guest" userId="" providerId="Windows Live" clId="Web-{F09AC808-F22B-4C5F-95A4-CB6BA11B035E}" dt="2021-06-03T15:54:07.117" v="146" actId="20577"/>
+        <pc:chgData name="Utente guest" userId="" providerId="Windows Live" clId="Web-{51DCA8CF-D795-4A4F-9967-BAB967FB6AC1}" dt="2021-06-02T14:28:02.065" v="294" actId="20577"/>
         <pc:sldMkLst>
           <pc:docMk/>
           <pc:sldMk cId="454804502" sldId="261"/>
         </pc:sldMkLst>
         <pc:spChg chg="mod">
-          <ac:chgData name="Utente guest" userId="" providerId="Windows Live" clId="Web-{F09AC808-F22B-4C5F-95A4-CB6BA11B035E}" dt="2021-06-03T15:54:07.117" v="146" actId="20577"/>
+          <ac:chgData name="Utente guest" userId="" providerId="Windows Live" clId="Web-{51DCA8CF-D795-4A4F-9967-BAB967FB6AC1}" dt="2021-06-02T14:28:02.065" v="294" actId="20577"/>
+          <ac:spMkLst>
+            <pc:docMk/>
+            <pc:sldMk cId="454804502" sldId="261"/>
+            <ac:spMk id="3" creationId="{8CDEC847-E9FA-49FF-BAD9-93C23970BB6B}"/>
+          </ac:spMkLst>
+        </pc:spChg>
+      </pc:sldChg>
+      <pc:sldChg chg="modSp">
+        <pc:chgData name="Utente guest" userId="" providerId="Windows Live" clId="Web-{51DCA8CF-D795-4A4F-9967-BAB967FB6AC1}" dt="2021-06-02T10:06:58.670" v="2" actId="20577"/>
+        <pc:sldMkLst>
+          <pc:docMk/>
+          <pc:sldMk cId="3776714482" sldId="266"/>
+        </pc:sldMkLst>
+        <pc:spChg chg="mod">
+          <ac:chgData name="Utente guest" userId="" providerId="Windows Live" clId="Web-{51DCA8CF-D795-4A4F-9967-BAB967FB6AC1}" dt="2021-06-02T10:06:58.670" v="2" actId="20577"/>
+          <ac:spMkLst>
+            <pc:docMk/>
+            <pc:sldMk cId="3776714482" sldId="266"/>
+            <ac:spMk id="3" creationId="{06AC63E7-FD21-494C-9BCC-923FE382CF68}"/>
+          </ac:spMkLst>
+        </pc:spChg>
+      </pc:sldChg>
+      <pc:sldChg chg="modSp">
+        <pc:chgData name="Utente guest" userId="" providerId="Windows Live" clId="Web-{51DCA8CF-D795-4A4F-9967-BAB967FB6AC1}" dt="2021-06-02T10:32:06.025" v="16" actId="20577"/>
+        <pc:sldMkLst>
+          <pc:docMk/>
+          <pc:sldMk cId="2512718786" sldId="267"/>
+        </pc:sldMkLst>
+        <pc:spChg chg="mod">
+          <ac:chgData name="Utente guest" userId="" providerId="Windows Live" clId="Web-{51DCA8CF-D795-4A4F-9967-BAB967FB6AC1}" dt="2021-06-02T10:32:06.025" v="16" actId="20577"/>
+          <ac:spMkLst>
+            <pc:docMk/>
+            <pc:sldMk cId="2512718786" sldId="267"/>
+            <ac:spMk id="3" creationId="{208110D2-D72A-4954-A9E7-B3348AD41880}"/>
+          </ac:spMkLst>
+        </pc:spChg>
+      </pc:sldChg>
+      <pc:sldChg chg="addSp delSp modSp new">
+        <pc:chgData name="Utente guest" userId="" providerId="Windows Live" clId="Web-{51DCA8CF-D795-4A4F-9967-BAB967FB6AC1}" dt="2021-06-02T13:38:35.501" v="291" actId="20577"/>
+        <pc:sldMkLst>
+          <pc:docMk/>
+          <pc:sldMk cId="59111166" sldId="271"/>
+        </pc:sldMkLst>
+        <pc:spChg chg="del">
+          <ac:chgData name="Utente guest" userId="" providerId="Windows Live" clId="Web-{51DCA8CF-D795-4A4F-9967-BAB967FB6AC1}" dt="2021-06-02T10:45:24.493" v="19"/>
+          <ac:spMkLst>
+            <pc:docMk/>
+            <pc:sldMk cId="59111166" sldId="271"/>
+            <ac:spMk id="2" creationId="{82B83D2C-77E5-45DD-87F7-DEECAF715D4C}"/>
+          </ac:spMkLst>
+        </pc:spChg>
+        <pc:spChg chg="mod">
+          <ac:chgData name="Utente guest" userId="" providerId="Windows Live" clId="Web-{51DCA8CF-D795-4A4F-9967-BAB967FB6AC1}" dt="2021-06-02T13:38:35.501" v="291" actId="20577"/>
+          <ac:spMkLst>
+            <pc:docMk/>
+            <pc:sldMk cId="59111166" sldId="271"/>
+            <ac:spMk id="3" creationId="{43207D95-BE19-48A2-9AC7-26D59EA281A1}"/>
+          </ac:spMkLst>
+        </pc:spChg>
+        <pc:spChg chg="add del">
+          <ac:chgData name="Utente guest" userId="" providerId="Windows Live" clId="Web-{51DCA8CF-D795-4A4F-9967-BAB967FB6AC1}" dt="2021-06-02T10:45:32.618" v="22"/>
+          <ac:spMkLst>
+            <pc:docMk/>
+            <pc:sldMk cId="59111166" sldId="271"/>
+            <ac:spMk id="4" creationId="{1D36DC5B-B01E-4C45-91E7-9FA12A0A2750}"/>
+          </ac:spMkLst>
+        </pc:spChg>
+      </pc:sldChg>
+    </pc:docChg>
+  </pc:docChgLst>
+  <pc:docChgLst>
+    <pc:chgData name="Utente guest" providerId="Windows Live" clId="Web-{4ED11C23-41F6-495B-A105-47BF96129674}"/>
+    <pc:docChg chg="modSld">
+      <pc:chgData name="Utente guest" userId="" providerId="Windows Live" clId="Web-{4ED11C23-41F6-495B-A105-47BF96129674}" dt="2021-06-04T21:04:25.338" v="6" actId="20577"/>
+      <pc:docMkLst>
+        <pc:docMk/>
+      </pc:docMkLst>
+      <pc:sldChg chg="modSp">
+        <pc:chgData name="Utente guest" userId="" providerId="Windows Live" clId="Web-{4ED11C23-41F6-495B-A105-47BF96129674}" dt="2021-06-04T21:04:25.338" v="6" actId="20577"/>
+        <pc:sldMkLst>
+          <pc:docMk/>
+          <pc:sldMk cId="454804502" sldId="261"/>
+        </pc:sldMkLst>
+        <pc:spChg chg="mod">
+          <ac:chgData name="Utente guest" userId="" providerId="Windows Live" clId="Web-{4ED11C23-41F6-495B-A105-47BF96129674}" dt="2021-06-04T21:04:25.338" v="6" actId="20577"/>
           <ac:spMkLst>
             <pc:docMk/>
             <pc:sldMk cId="454804502" sldId="261"/>
@@ -540,290 +3211,28 @@
     </pc:docChg>
   </pc:docChgLst>
   <pc:docChgLst>
-    <pc:chgData name="Utente guest" providerId="Windows Live" clId="Web-{C4C932F5-40D3-4160-A8AE-4E5317D68FAE}"/>
-    <pc:docChg chg="addSld modSld modSection">
-      <pc:chgData name="Utente guest" userId="" providerId="Windows Live" clId="Web-{C4C932F5-40D3-4160-A8AE-4E5317D68FAE}" dt="2021-06-02T14:55:50.403" v="977" actId="20577"/>
+    <pc:chgData name="Utente guest" providerId="Windows Live" clId="Web-{FCB13962-E94F-4C9F-A5AE-7EF162A81138}"/>
+    <pc:docChg chg="modSld">
+      <pc:chgData name="Utente guest" userId="" providerId="Windows Live" clId="Web-{FCB13962-E94F-4C9F-A5AE-7EF162A81138}" dt="2021-06-05T16:00:10.923" v="73" actId="20577"/>
       <pc:docMkLst>
         <pc:docMk/>
       </pc:docMkLst>
-      <pc:sldChg chg="modSp">
-        <pc:chgData name="Utente guest" userId="" providerId="Windows Live" clId="Web-{C4C932F5-40D3-4160-A8AE-4E5317D68FAE}" dt="2021-06-02T14:35:33.438" v="739" actId="20577"/>
-        <pc:sldMkLst>
-          <pc:docMk/>
-          <pc:sldMk cId="454804502" sldId="261"/>
-        </pc:sldMkLst>
-        <pc:spChg chg="mod">
-          <ac:chgData name="Utente guest" userId="" providerId="Windows Live" clId="Web-{C4C932F5-40D3-4160-A8AE-4E5317D68FAE}" dt="2021-06-02T14:35:33.438" v="739" actId="20577"/>
-          <ac:spMkLst>
-            <pc:docMk/>
-            <pc:sldMk cId="454804502" sldId="261"/>
-            <ac:spMk id="3" creationId="{8CDEC847-E9FA-49FF-BAD9-93C23970BB6B}"/>
-          </ac:spMkLst>
-        </pc:spChg>
-      </pc:sldChg>
-      <pc:sldChg chg="modSp">
-        <pc:chgData name="Utente guest" userId="" providerId="Windows Live" clId="Web-{C4C932F5-40D3-4160-A8AE-4E5317D68FAE}" dt="2021-06-02T14:55:50.403" v="977" actId="20577"/>
-        <pc:sldMkLst>
-          <pc:docMk/>
-          <pc:sldMk cId="59111166" sldId="271"/>
-        </pc:sldMkLst>
-        <pc:spChg chg="mod">
-          <ac:chgData name="Utente guest" userId="" providerId="Windows Live" clId="Web-{C4C932F5-40D3-4160-A8AE-4E5317D68FAE}" dt="2021-06-02T14:55:50.403" v="977" actId="20577"/>
-          <ac:spMkLst>
-            <pc:docMk/>
-            <pc:sldMk cId="59111166" sldId="271"/>
-            <ac:spMk id="3" creationId="{43207D95-BE19-48A2-9AC7-26D59EA281A1}"/>
-          </ac:spMkLst>
-        </pc:spChg>
-      </pc:sldChg>
-      <pc:sldChg chg="addSp modSp new">
-        <pc:chgData name="Utente guest" userId="" providerId="Windows Live" clId="Web-{C4C932F5-40D3-4160-A8AE-4E5317D68FAE}" dt="2021-06-02T14:43:04.745" v="863" actId="20577"/>
-        <pc:sldMkLst>
-          <pc:docMk/>
-          <pc:sldMk cId="3559874528" sldId="274"/>
-        </pc:sldMkLst>
-        <pc:spChg chg="add mod">
-          <ac:chgData name="Utente guest" userId="" providerId="Windows Live" clId="Web-{C4C932F5-40D3-4160-A8AE-4E5317D68FAE}" dt="2021-06-02T14:43:04.745" v="863" actId="20577"/>
-          <ac:spMkLst>
-            <pc:docMk/>
-            <pc:sldMk cId="3559874528" sldId="274"/>
-            <ac:spMk id="2" creationId="{84FBF444-9288-4579-8734-36339035B881}"/>
-          </ac:spMkLst>
-        </pc:spChg>
-      </pc:sldChg>
-    </pc:docChg>
-  </pc:docChgLst>
-  <pc:docChgLst>
-    <pc:chgData name="Utente guest" providerId="Windows Live" clId="Web-{FB68D5EE-263A-4381-AA0D-BD68277D8F93}"/>
-    <pc:docChg chg="addSld modSld sldOrd modSection">
-      <pc:chgData name="Utente guest" userId="" providerId="Windows Live" clId="Web-{FB68D5EE-263A-4381-AA0D-BD68277D8F93}" dt="2021-06-01T15:22:15.705" v="565" actId="20577"/>
-      <pc:docMkLst>
-        <pc:docMk/>
-      </pc:docMkLst>
-      <pc:sldChg chg="modSp">
-        <pc:chgData name="Utente guest" userId="" providerId="Windows Live" clId="Web-{FB68D5EE-263A-4381-AA0D-BD68277D8F93}" dt="2021-06-01T14:18:10.470" v="292" actId="20577"/>
-        <pc:sldMkLst>
-          <pc:docMk/>
-          <pc:sldMk cId="3727552200" sldId="259"/>
-        </pc:sldMkLst>
-        <pc:spChg chg="mod">
-          <ac:chgData name="Utente guest" userId="" providerId="Windows Live" clId="Web-{FB68D5EE-263A-4381-AA0D-BD68277D8F93}" dt="2021-06-01T14:18:10.470" v="292" actId="20577"/>
-          <ac:spMkLst>
-            <pc:docMk/>
-            <pc:sldMk cId="3727552200" sldId="259"/>
-            <ac:spMk id="4" creationId="{EB866CC2-B024-4565-9E57-DDA3BCD9066A}"/>
-          </ac:spMkLst>
-        </pc:spChg>
-      </pc:sldChg>
-      <pc:sldChg chg="modSp">
-        <pc:chgData name="Utente guest" userId="" providerId="Windows Live" clId="Web-{FB68D5EE-263A-4381-AA0D-BD68277D8F93}" dt="2021-06-01T13:52:33.758" v="142" actId="20577"/>
-        <pc:sldMkLst>
-          <pc:docMk/>
-          <pc:sldMk cId="454804502" sldId="261"/>
-        </pc:sldMkLst>
-        <pc:spChg chg="mod">
-          <ac:chgData name="Utente guest" userId="" providerId="Windows Live" clId="Web-{FB68D5EE-263A-4381-AA0D-BD68277D8F93}" dt="2021-06-01T13:52:33.758" v="142" actId="20577"/>
-          <ac:spMkLst>
-            <pc:docMk/>
-            <pc:sldMk cId="454804502" sldId="261"/>
-            <ac:spMk id="3" creationId="{8CDEC847-E9FA-49FF-BAD9-93C23970BB6B}"/>
-          </ac:spMkLst>
-        </pc:spChg>
-      </pc:sldChg>
-      <pc:sldChg chg="addSp delSp modSp">
-        <pc:chgData name="Utente guest" userId="" providerId="Windows Live" clId="Web-{FB68D5EE-263A-4381-AA0D-BD68277D8F93}" dt="2021-06-01T14:38:11.974" v="329" actId="20577"/>
-        <pc:sldMkLst>
-          <pc:docMk/>
-          <pc:sldMk cId="1014551272" sldId="263"/>
-        </pc:sldMkLst>
-        <pc:spChg chg="add mod">
-          <ac:chgData name="Utente guest" userId="" providerId="Windows Live" clId="Web-{FB68D5EE-263A-4381-AA0D-BD68277D8F93}" dt="2021-06-01T13:37:17.102" v="8" actId="20577"/>
-          <ac:spMkLst>
-            <pc:docMk/>
-            <pc:sldMk cId="1014551272" sldId="263"/>
-            <ac:spMk id="3" creationId="{8D8290E7-C1DC-4CAA-9084-0E5B74284351}"/>
-          </ac:spMkLst>
-        </pc:spChg>
-        <pc:spChg chg="add del">
-          <ac:chgData name="Utente guest" userId="" providerId="Windows Live" clId="Web-{FB68D5EE-263A-4381-AA0D-BD68277D8F93}" dt="2021-06-01T13:44:38.890" v="10"/>
-          <ac:spMkLst>
-            <pc:docMk/>
-            <pc:sldMk cId="1014551272" sldId="263"/>
-            <ac:spMk id="4" creationId="{C4AE567D-9545-46D9-9D30-BBCB8408A62C}"/>
-          </ac:spMkLst>
-        </pc:spChg>
-        <pc:spChg chg="add del mod">
-          <ac:chgData name="Utente guest" userId="" providerId="Windows Live" clId="Web-{FB68D5EE-263A-4381-AA0D-BD68277D8F93}" dt="2021-06-01T13:49:39.505" v="110"/>
-          <ac:spMkLst>
-            <pc:docMk/>
-            <pc:sldMk cId="1014551272" sldId="263"/>
-            <ac:spMk id="6" creationId="{B0993B7C-A53A-4820-B262-B952CD8835AA}"/>
-          </ac:spMkLst>
-        </pc:spChg>
-        <pc:spChg chg="add del mod">
-          <ac:chgData name="Utente guest" userId="" providerId="Windows Live" clId="Web-{FB68D5EE-263A-4381-AA0D-BD68277D8F93}" dt="2021-06-01T13:50:00.443" v="114"/>
-          <ac:spMkLst>
-            <pc:docMk/>
-            <pc:sldMk cId="1014551272" sldId="263"/>
-            <ac:spMk id="7" creationId="{4A3C6DAC-6667-4EBB-9178-41A5EFF58DDB}"/>
-          </ac:spMkLst>
-        </pc:spChg>
-        <pc:spChg chg="add mod">
-          <ac:chgData name="Utente guest" userId="" providerId="Windows Live" clId="Web-{FB68D5EE-263A-4381-AA0D-BD68277D8F93}" dt="2021-06-01T14:38:11.974" v="329" actId="20577"/>
-          <ac:spMkLst>
-            <pc:docMk/>
-            <pc:sldMk cId="1014551272" sldId="263"/>
-            <ac:spMk id="9" creationId="{B7B398FD-11D8-4B66-8CD5-300A1871C868}"/>
-          </ac:spMkLst>
-        </pc:spChg>
-      </pc:sldChg>
-      <pc:sldChg chg="modSp">
-        <pc:chgData name="Utente guest" userId="" providerId="Windows Live" clId="Web-{FB68D5EE-263A-4381-AA0D-BD68277D8F93}" dt="2021-06-01T15:13:38.275" v="477" actId="20577"/>
-        <pc:sldMkLst>
-          <pc:docMk/>
-          <pc:sldMk cId="1520066137" sldId="264"/>
-        </pc:sldMkLst>
-        <pc:spChg chg="mod">
-          <ac:chgData name="Utente guest" userId="" providerId="Windows Live" clId="Web-{FB68D5EE-263A-4381-AA0D-BD68277D8F93}" dt="2021-06-01T15:13:38.275" v="477" actId="20577"/>
-          <ac:spMkLst>
-            <pc:docMk/>
-            <pc:sldMk cId="1520066137" sldId="264"/>
-            <ac:spMk id="2" creationId="{D56CAC12-04E7-47E8-906E-814DB0BA81EA}"/>
-          </ac:spMkLst>
-        </pc:spChg>
-      </pc:sldChg>
-      <pc:sldChg chg="addSp delSp modSp new ord">
-        <pc:chgData name="Utente guest" userId="" providerId="Windows Live" clId="Web-{FB68D5EE-263A-4381-AA0D-BD68277D8F93}" dt="2021-06-01T15:22:15.705" v="565" actId="20577"/>
-        <pc:sldMkLst>
-          <pc:docMk/>
-          <pc:sldMk cId="2904629529" sldId="265"/>
-        </pc:sldMkLst>
-        <pc:spChg chg="del">
-          <ac:chgData name="Utente guest" userId="" providerId="Windows Live" clId="Web-{FB68D5EE-263A-4381-AA0D-BD68277D8F93}" dt="2021-06-01T14:47:43.484" v="333"/>
-          <ac:spMkLst>
-            <pc:docMk/>
-            <pc:sldMk cId="2904629529" sldId="265"/>
-            <ac:spMk id="2" creationId="{C3FB585D-20C3-44BA-8732-85D06DE10DC8}"/>
-          </ac:spMkLst>
-        </pc:spChg>
-        <pc:spChg chg="del">
-          <ac:chgData name="Utente guest" userId="" providerId="Windows Live" clId="Web-{FB68D5EE-263A-4381-AA0D-BD68277D8F93}" dt="2021-06-01T14:47:43.484" v="332"/>
-          <ac:spMkLst>
-            <pc:docMk/>
-            <pc:sldMk cId="2904629529" sldId="265"/>
-            <ac:spMk id="3" creationId="{E17F44DE-267A-4AD9-B924-C9E7CE0E68F1}"/>
-          </ac:spMkLst>
-        </pc:spChg>
-        <pc:spChg chg="add mod">
-          <ac:chgData name="Utente guest" userId="" providerId="Windows Live" clId="Web-{FB68D5EE-263A-4381-AA0D-BD68277D8F93}" dt="2021-06-01T15:22:15.705" v="565" actId="20577"/>
-          <ac:spMkLst>
-            <pc:docMk/>
-            <pc:sldMk cId="2904629529" sldId="265"/>
-            <ac:spMk id="5" creationId="{547B7B68-8863-4F09-B4D7-676839A090CB}"/>
-          </ac:spMkLst>
-        </pc:spChg>
-      </pc:sldChg>
-    </pc:docChg>
-  </pc:docChgLst>
-  <pc:docChgLst>
-    <pc:chgData name="Utente guest" providerId="Windows Live" clId="Web-{C16BD6C9-0F11-4065-AB88-4CCDBED70ECD}"/>
-    <pc:docChg chg="addSld delSld modSld modSection">
-      <pc:chgData name="Utente guest" userId="" providerId="Windows Live" clId="Web-{C16BD6C9-0F11-4065-AB88-4CCDBED70ECD}" dt="2021-06-05T16:26:58.451" v="1821" actId="20577"/>
-      <pc:docMkLst>
-        <pc:docMk/>
-      </pc:docMkLst>
-      <pc:sldChg chg="modSp">
-        <pc:chgData name="Utente guest" userId="" providerId="Windows Live" clId="Web-{C16BD6C9-0F11-4065-AB88-4CCDBED70ECD}" dt="2021-06-05T16:16:27.824" v="1535" actId="20577"/>
-        <pc:sldMkLst>
-          <pc:docMk/>
-          <pc:sldMk cId="454804502" sldId="261"/>
-        </pc:sldMkLst>
-        <pc:spChg chg="mod">
-          <ac:chgData name="Utente guest" userId="" providerId="Windows Live" clId="Web-{C16BD6C9-0F11-4065-AB88-4CCDBED70ECD}" dt="2021-06-05T16:16:27.824" v="1535" actId="20577"/>
-          <ac:spMkLst>
-            <pc:docMk/>
-            <pc:sldMk cId="454804502" sldId="261"/>
-            <ac:spMk id="3" creationId="{8CDEC847-E9FA-49FF-BAD9-93C23970BB6B}"/>
-          </ac:spMkLst>
-        </pc:spChg>
-      </pc:sldChg>
-      <pc:sldChg chg="modSp">
-        <pc:chgData name="Utente guest" userId="" providerId="Windows Live" clId="Web-{C16BD6C9-0F11-4065-AB88-4CCDBED70ECD}" dt="2021-06-05T14:04:15.018" v="145" actId="20577"/>
-        <pc:sldMkLst>
-          <pc:docMk/>
-          <pc:sldMk cId="1014551272" sldId="263"/>
-        </pc:sldMkLst>
-        <pc:spChg chg="mod">
-          <ac:chgData name="Utente guest" userId="" providerId="Windows Live" clId="Web-{C16BD6C9-0F11-4065-AB88-4CCDBED70ECD}" dt="2021-06-05T14:04:15.018" v="145" actId="20577"/>
-          <ac:spMkLst>
-            <pc:docMk/>
-            <pc:sldMk cId="1014551272" sldId="263"/>
-            <ac:spMk id="5" creationId="{24A7ACBE-DC98-415E-AFB1-964D20E9B782}"/>
-          </ac:spMkLst>
-        </pc:spChg>
-        <pc:spChg chg="mod">
-          <ac:chgData name="Utente guest" userId="" providerId="Windows Live" clId="Web-{C16BD6C9-0F11-4065-AB88-4CCDBED70ECD}" dt="2021-06-05T14:04:02.986" v="138" actId="20577"/>
-          <ac:spMkLst>
-            <pc:docMk/>
-            <pc:sldMk cId="1014551272" sldId="263"/>
-            <ac:spMk id="9" creationId="{B7B398FD-11D8-4B66-8CD5-300A1871C868}"/>
-          </ac:spMkLst>
-        </pc:spChg>
-      </pc:sldChg>
-      <pc:sldChg chg="modSp">
-        <pc:chgData name="Utente guest" userId="" providerId="Windows Live" clId="Web-{C16BD6C9-0F11-4065-AB88-4CCDBED70ECD}" dt="2021-06-05T14:40:32.651" v="436" actId="20577"/>
-        <pc:sldMkLst>
-          <pc:docMk/>
-          <pc:sldMk cId="1520066137" sldId="264"/>
-        </pc:sldMkLst>
-        <pc:spChg chg="mod">
-          <ac:chgData name="Utente guest" userId="" providerId="Windows Live" clId="Web-{C16BD6C9-0F11-4065-AB88-4CCDBED70ECD}" dt="2021-06-05T14:07:09.177" v="163" actId="20577"/>
-          <ac:spMkLst>
-            <pc:docMk/>
-            <pc:sldMk cId="1520066137" sldId="264"/>
-            <ac:spMk id="2" creationId="{D56CAC12-04E7-47E8-906E-814DB0BA81EA}"/>
-          </ac:spMkLst>
-        </pc:spChg>
-        <pc:spChg chg="mod">
-          <ac:chgData name="Utente guest" userId="" providerId="Windows Live" clId="Web-{C16BD6C9-0F11-4065-AB88-4CCDBED70ECD}" dt="2021-06-05T14:40:32.651" v="436" actId="20577"/>
-          <ac:spMkLst>
-            <pc:docMk/>
-            <pc:sldMk cId="1520066137" sldId="264"/>
-            <ac:spMk id="4" creationId="{E890DFDA-43FF-47F3-A640-D6FBD834B9B1}"/>
-          </ac:spMkLst>
-        </pc:spChg>
-      </pc:sldChg>
-      <pc:sldChg chg="modSp">
-        <pc:chgData name="Utente guest" userId="" providerId="Windows Live" clId="Web-{C16BD6C9-0F11-4065-AB88-4CCDBED70ECD}" dt="2021-06-05T14:21:27.458" v="308" actId="20577"/>
-        <pc:sldMkLst>
-          <pc:docMk/>
-          <pc:sldMk cId="2904629529" sldId="265"/>
-        </pc:sldMkLst>
-        <pc:spChg chg="mod">
-          <ac:chgData name="Utente guest" userId="" providerId="Windows Live" clId="Web-{C16BD6C9-0F11-4065-AB88-4CCDBED70ECD}" dt="2021-06-05T14:21:27.458" v="308" actId="20577"/>
-          <ac:spMkLst>
-            <pc:docMk/>
-            <pc:sldMk cId="2904629529" sldId="265"/>
-            <ac:spMk id="5" creationId="{547B7B68-8863-4F09-B4D7-676839A090CB}"/>
-          </ac:spMkLst>
-        </pc:spChg>
-      </pc:sldChg>
-      <pc:sldChg chg="modSp">
-        <pc:chgData name="Utente guest" userId="" providerId="Windows Live" clId="Web-{C16BD6C9-0F11-4065-AB88-4CCDBED70ECD}" dt="2021-06-05T16:26:58.451" v="1821" actId="20577"/>
+      <pc:sldChg chg="addSp modSp">
+        <pc:chgData name="Utente guest" userId="" providerId="Windows Live" clId="Web-{FCB13962-E94F-4C9F-A5AE-7EF162A81138}" dt="2021-06-05T16:00:10.923" v="73" actId="20577"/>
         <pc:sldMkLst>
           <pc:docMk/>
           <pc:sldMk cId="3559874528" sldId="274"/>
         </pc:sldMkLst>
         <pc:spChg chg="mod">
-          <ac:chgData name="Utente guest" userId="" providerId="Windows Live" clId="Web-{C16BD6C9-0F11-4065-AB88-4CCDBED70ECD}" dt="2021-06-05T16:26:58.451" v="1821" actId="20577"/>
+          <ac:chgData name="Utente guest" userId="" providerId="Windows Live" clId="Web-{FCB13962-E94F-4C9F-A5AE-7EF162A81138}" dt="2021-06-05T16:00:10.923" v="73" actId="20577"/>
           <ac:spMkLst>
             <pc:docMk/>
             <pc:sldMk cId="3559874528" sldId="274"/>
             <ac:spMk id="2" creationId="{84FBF444-9288-4579-8734-36339035B881}"/>
           </ac:spMkLst>
         </pc:spChg>
-        <pc:spChg chg="mod">
-          <ac:chgData name="Utente guest" userId="" providerId="Windows Live" clId="Web-{C16BD6C9-0F11-4065-AB88-4CCDBED70ECD}" dt="2021-06-05T15:51:34.851" v="1169" actId="1076"/>
+        <pc:spChg chg="add mod">
+          <ac:chgData name="Utente guest" userId="" providerId="Windows Live" clId="Web-{FCB13962-E94F-4C9F-A5AE-7EF162A81138}" dt="2021-06-05T15:49:31.363" v="69" actId="20577"/>
           <ac:spMkLst>
             <pc:docMk/>
             <pc:sldMk cId="3559874528" sldId="274"/>
@@ -831,2333 +3240,18 @@
           </ac:spMkLst>
         </pc:spChg>
       </pc:sldChg>
-      <pc:sldChg chg="addSp modSp new del">
-        <pc:chgData name="Utente guest" userId="" providerId="Windows Live" clId="Web-{C16BD6C9-0F11-4065-AB88-4CCDBED70ECD}" dt="2021-06-05T15:49:47.271" v="1113"/>
+      <pc:sldChg chg="delSp modSp">
+        <pc:chgData name="Utente guest" userId="" providerId="Windows Live" clId="Web-{FCB13962-E94F-4C9F-A5AE-7EF162A81138}" dt="2021-06-05T15:48:55.534" v="45"/>
         <pc:sldMkLst>
           <pc:docMk/>
           <pc:sldMk cId="4203622781" sldId="276"/>
         </pc:sldMkLst>
-        <pc:spChg chg="add mod">
-          <ac:chgData name="Utente guest" userId="" providerId="Windows Live" clId="Web-{C16BD6C9-0F11-4065-AB88-4CCDBED70ECD}" dt="2021-06-05T15:45:55.828" v="978" actId="20577"/>
+        <pc:spChg chg="del mod">
+          <ac:chgData name="Utente guest" userId="" providerId="Windows Live" clId="Web-{FCB13962-E94F-4C9F-A5AE-7EF162A81138}" dt="2021-06-05T15:48:55.534" v="45"/>
           <ac:spMkLst>
             <pc:docMk/>
             <pc:sldMk cId="4203622781" sldId="276"/>
             <ac:spMk id="2" creationId="{B064D744-FE2F-4A29-A8CD-6784351A1FDE}"/>
-          </ac:spMkLst>
-        </pc:spChg>
-      </pc:sldChg>
-    </pc:docChg>
-  </pc:docChgLst>
-  <pc:docChgLst>
-    <pc:chgData name="Davide Romano" userId="c3ac3c10d9ce9e2a" providerId="LiveId" clId="{B14B8130-7782-43EB-987D-49D23A567CB4}"/>
-    <pc:docChg chg="undo redo custSel addSld delSld modSld sldOrd addSection delSection modSection">
-      <pc:chgData name="Davide Romano" userId="c3ac3c10d9ce9e2a" providerId="LiveId" clId="{B14B8130-7782-43EB-987D-49D23A567CB4}" dt="2021-06-06T17:26:31.842" v="12182" actId="20577"/>
-      <pc:docMkLst>
-        <pc:docMk/>
-      </pc:docMkLst>
-      <pc:sldChg chg="modSp mod">
-        <pc:chgData name="Davide Romano" userId="c3ac3c10d9ce9e2a" providerId="LiveId" clId="{B14B8130-7782-43EB-987D-49D23A567CB4}" dt="2021-06-06T15:27:26.255" v="11910" actId="207"/>
-        <pc:sldMkLst>
-          <pc:docMk/>
-          <pc:sldMk cId="3539450417" sldId="256"/>
-        </pc:sldMkLst>
-        <pc:spChg chg="mod">
-          <ac:chgData name="Davide Romano" userId="c3ac3c10d9ce9e2a" providerId="LiveId" clId="{B14B8130-7782-43EB-987D-49D23A567CB4}" dt="2021-06-06T15:27:26.255" v="11910" actId="207"/>
-          <ac:spMkLst>
-            <pc:docMk/>
-            <pc:sldMk cId="3539450417" sldId="256"/>
-            <ac:spMk id="4" creationId="{68FFAE1F-DCC3-44F6-B9A0-2F2ABD36CEF3}"/>
-          </ac:spMkLst>
-        </pc:spChg>
-        <pc:spChg chg="mod">
-          <ac:chgData name="Davide Romano" userId="c3ac3c10d9ce9e2a" providerId="LiveId" clId="{B14B8130-7782-43EB-987D-49D23A567CB4}" dt="2021-06-06T15:26:32.367" v="11905" actId="207"/>
-          <ac:spMkLst>
-            <pc:docMk/>
-            <pc:sldMk cId="3539450417" sldId="256"/>
-            <ac:spMk id="5" creationId="{34FBF581-0D37-4C99-A911-DC18F3791DE8}"/>
-          </ac:spMkLst>
-        </pc:spChg>
-        <pc:spChg chg="mod">
-          <ac:chgData name="Davide Romano" userId="c3ac3c10d9ce9e2a" providerId="LiveId" clId="{B14B8130-7782-43EB-987D-49D23A567CB4}" dt="2021-06-06T15:26:28.653" v="11904" actId="207"/>
-          <ac:spMkLst>
-            <pc:docMk/>
-            <pc:sldMk cId="3539450417" sldId="256"/>
-            <ac:spMk id="6" creationId="{EA6752B8-AD50-4805-B443-4C0A56A5767A}"/>
-          </ac:spMkLst>
-        </pc:spChg>
-      </pc:sldChg>
-      <pc:sldChg chg="addSp delSp modSp mod">
-        <pc:chgData name="Davide Romano" userId="c3ac3c10d9ce9e2a" providerId="LiveId" clId="{B14B8130-7782-43EB-987D-49D23A567CB4}" dt="2021-06-06T15:26:19.520" v="11898" actId="20577"/>
-        <pc:sldMkLst>
-          <pc:docMk/>
-          <pc:sldMk cId="4183486380" sldId="257"/>
-        </pc:sldMkLst>
-        <pc:spChg chg="add mod">
-          <ac:chgData name="Davide Romano" userId="c3ac3c10d9ce9e2a" providerId="LiveId" clId="{B14B8130-7782-43EB-987D-49D23A567CB4}" dt="2021-06-03T14:47:16.969" v="7765" actId="1076"/>
-          <ac:spMkLst>
-            <pc:docMk/>
-            <pc:sldMk cId="4183486380" sldId="257"/>
-            <ac:spMk id="2" creationId="{CCC478D7-A4BF-4F10-AD4C-7478E9C4EAD1}"/>
-          </ac:spMkLst>
-        </pc:spChg>
-        <pc:spChg chg="del mod">
-          <ac:chgData name="Davide Romano" userId="c3ac3c10d9ce9e2a" providerId="LiveId" clId="{B14B8130-7782-43EB-987D-49D23A567CB4}" dt="2021-06-05T16:30:54.712" v="11487" actId="478"/>
-          <ac:spMkLst>
-            <pc:docMk/>
-            <pc:sldMk cId="4183486380" sldId="257"/>
-            <ac:spMk id="3" creationId="{40C0C029-AB8E-43C0-81D8-D5AC3A2A764E}"/>
-          </ac:spMkLst>
-        </pc:spChg>
-        <pc:spChg chg="del mod">
-          <ac:chgData name="Davide Romano" userId="c3ac3c10d9ce9e2a" providerId="LiveId" clId="{B14B8130-7782-43EB-987D-49D23A567CB4}" dt="2021-06-03T13:31:00.206" v="6777"/>
-          <ac:spMkLst>
-            <pc:docMk/>
-            <pc:sldMk cId="4183486380" sldId="257"/>
-            <ac:spMk id="4" creationId="{DA05A9BE-CE3C-4E17-AF46-ADFA0246EF26}"/>
-          </ac:spMkLst>
-        </pc:spChg>
-        <pc:spChg chg="add mod">
-          <ac:chgData name="Davide Romano" userId="c3ac3c10d9ce9e2a" providerId="LiveId" clId="{B14B8130-7782-43EB-987D-49D23A567CB4}" dt="2021-06-05T17:33:38.077" v="11860" actId="20577"/>
-          <ac:spMkLst>
-            <pc:docMk/>
-            <pc:sldMk cId="4183486380" sldId="257"/>
-            <ac:spMk id="5" creationId="{9B5E12BC-4A19-4D6D-9F7C-0E6EA85A9B0F}"/>
-          </ac:spMkLst>
-        </pc:spChg>
-        <pc:spChg chg="mod">
-          <ac:chgData name="Davide Romano" userId="c3ac3c10d9ce9e2a" providerId="LiveId" clId="{B14B8130-7782-43EB-987D-49D23A567CB4}" dt="2021-06-03T14:57:45.638" v="7901" actId="255"/>
-          <ac:spMkLst>
-            <pc:docMk/>
-            <pc:sldMk cId="4183486380" sldId="257"/>
-            <ac:spMk id="6" creationId="{AF724172-295E-46FF-B497-74462AA6CF2A}"/>
-          </ac:spMkLst>
-        </pc:spChg>
-        <pc:spChg chg="add mod">
-          <ac:chgData name="Davide Romano" userId="c3ac3c10d9ce9e2a" providerId="LiveId" clId="{B14B8130-7782-43EB-987D-49D23A567CB4}" dt="2021-06-05T17:34:26.361" v="11861" actId="1076"/>
-          <ac:spMkLst>
-            <pc:docMk/>
-            <pc:sldMk cId="4183486380" sldId="257"/>
-            <ac:spMk id="7" creationId="{3255F5B4-723B-415F-BD72-C616395BA102}"/>
-          </ac:spMkLst>
-        </pc:spChg>
-        <pc:spChg chg="add mod">
-          <ac:chgData name="Davide Romano" userId="c3ac3c10d9ce9e2a" providerId="LiveId" clId="{B14B8130-7782-43EB-987D-49D23A567CB4}" dt="2021-06-06T15:26:19.520" v="11898" actId="20577"/>
-          <ac:spMkLst>
-            <pc:docMk/>
-            <pc:sldMk cId="4183486380" sldId="257"/>
-            <ac:spMk id="8" creationId="{0FFF603D-C33B-42AF-9A91-BCA1C662274B}"/>
-          </ac:spMkLst>
-        </pc:spChg>
-        <pc:spChg chg="add mod">
-          <ac:chgData name="Davide Romano" userId="c3ac3c10d9ce9e2a" providerId="LiveId" clId="{B14B8130-7782-43EB-987D-49D23A567CB4}" dt="2021-06-03T15:06:57.080" v="8187" actId="1076"/>
-          <ac:spMkLst>
-            <pc:docMk/>
-            <pc:sldMk cId="4183486380" sldId="257"/>
-            <ac:spMk id="9" creationId="{94E5A92D-84F2-4CC6-B4C0-4F03652DF892}"/>
-          </ac:spMkLst>
-        </pc:spChg>
-        <pc:spChg chg="add mod">
-          <ac:chgData name="Davide Romano" userId="c3ac3c10d9ce9e2a" providerId="LiveId" clId="{B14B8130-7782-43EB-987D-49D23A567CB4}" dt="2021-06-03T15:06:59.522" v="8188" actId="1076"/>
-          <ac:spMkLst>
-            <pc:docMk/>
-            <pc:sldMk cId="4183486380" sldId="257"/>
-            <ac:spMk id="10" creationId="{A0179B4B-D30E-4233-988B-83A42B69A715}"/>
-          </ac:spMkLst>
-        </pc:spChg>
-        <pc:spChg chg="add mod">
-          <ac:chgData name="Davide Romano" userId="c3ac3c10d9ce9e2a" providerId="LiveId" clId="{B14B8130-7782-43EB-987D-49D23A567CB4}" dt="2021-06-03T15:06:53.941" v="8186" actId="404"/>
-          <ac:spMkLst>
-            <pc:docMk/>
-            <pc:sldMk cId="4183486380" sldId="257"/>
-            <ac:spMk id="11" creationId="{523B4FBB-3B63-44B9-94FF-4F7925E557BC}"/>
-          </ac:spMkLst>
-        </pc:spChg>
-        <pc:spChg chg="add mod">
-          <ac:chgData name="Davide Romano" userId="c3ac3c10d9ce9e2a" providerId="LiveId" clId="{B14B8130-7782-43EB-987D-49D23A567CB4}" dt="2021-06-05T16:41:07.498" v="11596" actId="20577"/>
-          <ac:spMkLst>
-            <pc:docMk/>
-            <pc:sldMk cId="4183486380" sldId="257"/>
-            <ac:spMk id="12" creationId="{1BCA5EC5-79BD-453B-B030-9A68B4EA7CA0}"/>
-          </ac:spMkLst>
-        </pc:spChg>
-        <pc:spChg chg="add mod">
-          <ac:chgData name="Davide Romano" userId="c3ac3c10d9ce9e2a" providerId="LiveId" clId="{B14B8130-7782-43EB-987D-49D23A567CB4}" dt="2021-06-06T15:26:16.280" v="11897" actId="207"/>
-          <ac:spMkLst>
-            <pc:docMk/>
-            <pc:sldMk cId="4183486380" sldId="257"/>
-            <ac:spMk id="13" creationId="{DD80EDEF-DF2C-40F2-9471-73653433E605}"/>
-          </ac:spMkLst>
-        </pc:spChg>
-        <pc:spChg chg="add mod">
-          <ac:chgData name="Davide Romano" userId="c3ac3c10d9ce9e2a" providerId="LiveId" clId="{B14B8130-7782-43EB-987D-49D23A567CB4}" dt="2021-06-05T16:31:02.160" v="11488" actId="1076"/>
-          <ac:spMkLst>
-            <pc:docMk/>
-            <pc:sldMk cId="4183486380" sldId="257"/>
-            <ac:spMk id="14" creationId="{8AE3BF7C-451E-46A8-96E1-E962A3FAA25D}"/>
-          </ac:spMkLst>
-        </pc:spChg>
-      </pc:sldChg>
-      <pc:sldChg chg="addSp delSp modSp mod setBg">
-        <pc:chgData name="Davide Romano" userId="c3ac3c10d9ce9e2a" providerId="LiveId" clId="{B14B8130-7782-43EB-987D-49D23A567CB4}" dt="2021-06-05T14:44:06.545" v="11195" actId="931"/>
-        <pc:sldMkLst>
-          <pc:docMk/>
-          <pc:sldMk cId="2726428701" sldId="258"/>
-        </pc:sldMkLst>
-        <pc:spChg chg="add">
-          <ac:chgData name="Davide Romano" userId="c3ac3c10d9ce9e2a" providerId="LiveId" clId="{B14B8130-7782-43EB-987D-49D23A567CB4}" dt="2021-05-30T13:49:05.981" v="1056" actId="26606"/>
-          <ac:spMkLst>
-            <pc:docMk/>
-            <pc:sldMk cId="2726428701" sldId="258"/>
-            <ac:spMk id="9" creationId="{AB8C311F-7253-4AED-9701-7FC0708C41C7}"/>
-          </ac:spMkLst>
-        </pc:spChg>
-        <pc:spChg chg="add">
-          <ac:chgData name="Davide Romano" userId="c3ac3c10d9ce9e2a" providerId="LiveId" clId="{B14B8130-7782-43EB-987D-49D23A567CB4}" dt="2021-05-30T13:49:05.981" v="1056" actId="26606"/>
-          <ac:spMkLst>
-            <pc:docMk/>
-            <pc:sldMk cId="2726428701" sldId="258"/>
-            <ac:spMk id="11" creationId="{E2384209-CB15-4CDF-9D31-C44FD9A3F20D}"/>
-          </ac:spMkLst>
-        </pc:spChg>
-        <pc:spChg chg="add">
-          <ac:chgData name="Davide Romano" userId="c3ac3c10d9ce9e2a" providerId="LiveId" clId="{B14B8130-7782-43EB-987D-49D23A567CB4}" dt="2021-05-30T13:49:05.981" v="1056" actId="26606"/>
-          <ac:spMkLst>
-            <pc:docMk/>
-            <pc:sldMk cId="2726428701" sldId="258"/>
-            <ac:spMk id="13" creationId="{2633B3B5-CC90-43F0-8714-D31D1F3F0209}"/>
-          </ac:spMkLst>
-        </pc:spChg>
-        <pc:spChg chg="add">
-          <ac:chgData name="Davide Romano" userId="c3ac3c10d9ce9e2a" providerId="LiveId" clId="{B14B8130-7782-43EB-987D-49D23A567CB4}" dt="2021-05-30T13:49:05.981" v="1056" actId="26606"/>
-          <ac:spMkLst>
-            <pc:docMk/>
-            <pc:sldMk cId="2726428701" sldId="258"/>
-            <ac:spMk id="15" creationId="{A8D57A06-A426-446D-B02C-A2DC6B62E45E}"/>
-          </ac:spMkLst>
-        </pc:spChg>
-        <pc:picChg chg="del">
-          <ac:chgData name="Davide Romano" userId="c3ac3c10d9ce9e2a" providerId="LiveId" clId="{B14B8130-7782-43EB-987D-49D23A567CB4}" dt="2021-05-30T12:55:08.362" v="3" actId="478"/>
-          <ac:picMkLst>
-            <pc:docMk/>
-            <pc:sldMk cId="2726428701" sldId="258"/>
-            <ac:picMk id="3" creationId="{83FB1919-9DDE-4105-9650-12F432A43906}"/>
-          </ac:picMkLst>
-        </pc:picChg>
-        <pc:picChg chg="add mod">
-          <ac:chgData name="Davide Romano" userId="c3ac3c10d9ce9e2a" providerId="LiveId" clId="{B14B8130-7782-43EB-987D-49D23A567CB4}" dt="2021-06-05T14:44:06.545" v="11195" actId="931"/>
-          <ac:picMkLst>
-            <pc:docMk/>
-            <pc:sldMk cId="2726428701" sldId="258"/>
-            <ac:picMk id="3" creationId="{BFE4FD36-8400-46BD-A857-665D9CB7EB47}"/>
-          </ac:picMkLst>
-        </pc:picChg>
-        <pc:picChg chg="add del mod">
-          <ac:chgData name="Davide Romano" userId="c3ac3c10d9ce9e2a" providerId="LiveId" clId="{B14B8130-7782-43EB-987D-49D23A567CB4}" dt="2021-06-05T14:44:01.192" v="11194" actId="478"/>
-          <ac:picMkLst>
-            <pc:docMk/>
-            <pc:sldMk cId="2726428701" sldId="258"/>
-            <ac:picMk id="4" creationId="{5C4B816E-72DE-4A9C-BF49-BA03B85DD57F}"/>
-          </ac:picMkLst>
-        </pc:picChg>
-      </pc:sldChg>
-      <pc:sldChg chg="modSp mod">
-        <pc:chgData name="Davide Romano" userId="c3ac3c10d9ce9e2a" providerId="LiveId" clId="{B14B8130-7782-43EB-987D-49D23A567CB4}" dt="2021-06-03T15:55:20.758" v="9466" actId="20577"/>
-        <pc:sldMkLst>
-          <pc:docMk/>
-          <pc:sldMk cId="3727552200" sldId="259"/>
-        </pc:sldMkLst>
-        <pc:spChg chg="mod">
-          <ac:chgData name="Davide Romano" userId="c3ac3c10d9ce9e2a" providerId="LiveId" clId="{B14B8130-7782-43EB-987D-49D23A567CB4}" dt="2021-06-03T15:55:20.758" v="9466" actId="20577"/>
-          <ac:spMkLst>
-            <pc:docMk/>
-            <pc:sldMk cId="3727552200" sldId="259"/>
-            <ac:spMk id="4" creationId="{EB866CC2-B024-4565-9E57-DDA3BCD9066A}"/>
-          </ac:spMkLst>
-        </pc:spChg>
-      </pc:sldChg>
-      <pc:sldChg chg="addSp delSp modSp new mod">
-        <pc:chgData name="Davide Romano" userId="c3ac3c10d9ce9e2a" providerId="LiveId" clId="{B14B8130-7782-43EB-987D-49D23A567CB4}" dt="2021-06-05T16:41:19.703" v="11598" actId="2"/>
-        <pc:sldMkLst>
-          <pc:docMk/>
-          <pc:sldMk cId="3833303443" sldId="260"/>
-        </pc:sldMkLst>
-        <pc:spChg chg="del">
-          <ac:chgData name="Davide Romano" userId="c3ac3c10d9ce9e2a" providerId="LiveId" clId="{B14B8130-7782-43EB-987D-49D23A567CB4}" dt="2021-05-30T13:03:01.944" v="61" actId="478"/>
-          <ac:spMkLst>
-            <pc:docMk/>
-            <pc:sldMk cId="3833303443" sldId="260"/>
-            <ac:spMk id="2" creationId="{B1E6ED70-16C0-4E15-9963-86DE6A0273FE}"/>
-          </ac:spMkLst>
-        </pc:spChg>
-        <pc:spChg chg="del">
-          <ac:chgData name="Davide Romano" userId="c3ac3c10d9ce9e2a" providerId="LiveId" clId="{B14B8130-7782-43EB-987D-49D23A567CB4}" dt="2021-05-30T13:03:08.701" v="62" actId="478"/>
-          <ac:spMkLst>
-            <pc:docMk/>
-            <pc:sldMk cId="3833303443" sldId="260"/>
-            <ac:spMk id="3" creationId="{1200E35A-3CF2-4EB2-97A9-213167462203}"/>
-          </ac:spMkLst>
-        </pc:spChg>
-        <pc:spChg chg="add mod">
-          <ac:chgData name="Davide Romano" userId="c3ac3c10d9ce9e2a" providerId="LiveId" clId="{B14B8130-7782-43EB-987D-49D23A567CB4}" dt="2021-06-05T16:41:19.703" v="11598" actId="2"/>
-          <ac:spMkLst>
-            <pc:docMk/>
-            <pc:sldMk cId="3833303443" sldId="260"/>
-            <ac:spMk id="4" creationId="{A9C541D1-00EC-4469-9C23-DFB772363D95}"/>
-          </ac:spMkLst>
-        </pc:spChg>
-        <pc:spChg chg="add mod">
-          <ac:chgData name="Davide Romano" userId="c3ac3c10d9ce9e2a" providerId="LiveId" clId="{B14B8130-7782-43EB-987D-49D23A567CB4}" dt="2021-05-30T13:22:37.555" v="510" actId="1076"/>
-          <ac:spMkLst>
-            <pc:docMk/>
-            <pc:sldMk cId="3833303443" sldId="260"/>
-            <ac:spMk id="5" creationId="{CA0CC497-A9E1-48CD-A560-F717975D53F5}"/>
-          </ac:spMkLst>
-        </pc:spChg>
-      </pc:sldChg>
-      <pc:sldChg chg="addSp modSp new mod">
-        <pc:chgData name="Davide Romano" userId="c3ac3c10d9ce9e2a" providerId="LiveId" clId="{B14B8130-7782-43EB-987D-49D23A567CB4}" dt="2021-06-06T15:29:20.950" v="11933" actId="20577"/>
-        <pc:sldMkLst>
-          <pc:docMk/>
-          <pc:sldMk cId="454804502" sldId="261"/>
-        </pc:sldMkLst>
-        <pc:spChg chg="mod">
-          <ac:chgData name="Davide Romano" userId="c3ac3c10d9ce9e2a" providerId="LiveId" clId="{B14B8130-7782-43EB-987D-49D23A567CB4}" dt="2021-05-30T15:03:23.387" v="1793" actId="1076"/>
-          <ac:spMkLst>
-            <pc:docMk/>
-            <pc:sldMk cId="454804502" sldId="261"/>
-            <ac:spMk id="2" creationId="{B12B455F-CC9C-4839-BD75-0D4670EDF7B8}"/>
-          </ac:spMkLst>
-        </pc:spChg>
-        <pc:spChg chg="mod">
-          <ac:chgData name="Davide Romano" userId="c3ac3c10d9ce9e2a" providerId="LiveId" clId="{B14B8130-7782-43EB-987D-49D23A567CB4}" dt="2021-06-06T15:29:20.950" v="11933" actId="20577"/>
-          <ac:spMkLst>
-            <pc:docMk/>
-            <pc:sldMk cId="454804502" sldId="261"/>
-            <ac:spMk id="3" creationId="{8CDEC847-E9FA-49FF-BAD9-93C23970BB6B}"/>
-          </ac:spMkLst>
-        </pc:spChg>
-        <pc:spChg chg="add mod">
-          <ac:chgData name="Davide Romano" userId="c3ac3c10d9ce9e2a" providerId="LiveId" clId="{B14B8130-7782-43EB-987D-49D23A567CB4}" dt="2021-06-02T08:42:47.360" v="3754" actId="20577"/>
-          <ac:spMkLst>
-            <pc:docMk/>
-            <pc:sldMk cId="454804502" sldId="261"/>
-            <ac:spMk id="4" creationId="{CD058A57-BF0A-4C61-A0D5-C46DB6977323}"/>
-          </ac:spMkLst>
-        </pc:spChg>
-      </pc:sldChg>
-      <pc:sldChg chg="addSp delSp modSp new mod setBg setClrOvrMap">
-        <pc:chgData name="Davide Romano" userId="c3ac3c10d9ce9e2a" providerId="LiveId" clId="{B14B8130-7782-43EB-987D-49D23A567CB4}" dt="2021-06-05T16:16:02.978" v="11431"/>
-        <pc:sldMkLst>
-          <pc:docMk/>
-          <pc:sldMk cId="2262558534" sldId="262"/>
-        </pc:sldMkLst>
-        <pc:spChg chg="del">
-          <ac:chgData name="Davide Romano" userId="c3ac3c10d9ce9e2a" providerId="LiveId" clId="{B14B8130-7782-43EB-987D-49D23A567CB4}" dt="2021-05-30T13:48:05.616" v="1044" actId="478"/>
-          <ac:spMkLst>
-            <pc:docMk/>
-            <pc:sldMk cId="2262558534" sldId="262"/>
-            <ac:spMk id="2" creationId="{911D5A8E-C8FB-4F03-A2D6-CE61F59D9167}"/>
-          </ac:spMkLst>
-        </pc:spChg>
-        <pc:spChg chg="add del mod">
-          <ac:chgData name="Davide Romano" userId="c3ac3c10d9ce9e2a" providerId="LiveId" clId="{B14B8130-7782-43EB-987D-49D23A567CB4}" dt="2021-06-05T13:29:25.483" v="11160" actId="478"/>
-          <ac:spMkLst>
-            <pc:docMk/>
-            <pc:sldMk cId="2262558534" sldId="262"/>
-            <ac:spMk id="2" creationId="{C8B5106E-9AE1-4557-AFD5-09A6E56AF0E1}"/>
-          </ac:spMkLst>
-        </pc:spChg>
-        <pc:spChg chg="del">
-          <ac:chgData name="Davide Romano" userId="c3ac3c10d9ce9e2a" providerId="LiveId" clId="{B14B8130-7782-43EB-987D-49D23A567CB4}" dt="2021-05-30T13:48:07.316" v="1045" actId="478"/>
-          <ac:spMkLst>
-            <pc:docMk/>
-            <pc:sldMk cId="2262558534" sldId="262"/>
-            <ac:spMk id="3" creationId="{E60DF268-E7C2-4C6F-AD91-1674026AF2F9}"/>
-          </ac:spMkLst>
-        </pc:spChg>
-        <pc:spChg chg="add del">
-          <ac:chgData name="Davide Romano" userId="c3ac3c10d9ce9e2a" providerId="LiveId" clId="{B14B8130-7782-43EB-987D-49D23A567CB4}" dt="2021-05-30T13:48:37.614" v="1054" actId="26606"/>
-          <ac:spMkLst>
-            <pc:docMk/>
-            <pc:sldMk cId="2262558534" sldId="262"/>
-            <ac:spMk id="7" creationId="{32BC26D8-82FB-445E-AA49-62A77D7C1EE0}"/>
-          </ac:spMkLst>
-        </pc:spChg>
-        <pc:spChg chg="add del">
-          <ac:chgData name="Davide Romano" userId="c3ac3c10d9ce9e2a" providerId="LiveId" clId="{B14B8130-7782-43EB-987D-49D23A567CB4}" dt="2021-05-30T13:48:37.614" v="1054" actId="26606"/>
-          <ac:spMkLst>
-            <pc:docMk/>
-            <pc:sldMk cId="2262558534" sldId="262"/>
-            <ac:spMk id="8" creationId="{CB44330D-EA18-4254-AA95-EB49948539B8}"/>
-          </ac:spMkLst>
-        </pc:spChg>
-        <pc:spChg chg="add del">
-          <ac:chgData name="Davide Romano" userId="c3ac3c10d9ce9e2a" providerId="LiveId" clId="{B14B8130-7782-43EB-987D-49D23A567CB4}" dt="2021-05-30T13:48:26.661" v="1048" actId="26606"/>
-          <ac:spMkLst>
-            <pc:docMk/>
-            <pc:sldMk cId="2262558534" sldId="262"/>
-            <ac:spMk id="10" creationId="{AB8C311F-7253-4AED-9701-7FC0708C41C7}"/>
-          </ac:spMkLst>
-        </pc:spChg>
-        <pc:spChg chg="add">
-          <ac:chgData name="Davide Romano" userId="c3ac3c10d9ce9e2a" providerId="LiveId" clId="{B14B8130-7782-43EB-987D-49D23A567CB4}" dt="2021-05-30T13:48:37.629" v="1055" actId="26606"/>
-          <ac:spMkLst>
-            <pc:docMk/>
-            <pc:sldMk cId="2262558534" sldId="262"/>
-            <ac:spMk id="11" creationId="{AB8C311F-7253-4AED-9701-7FC0708C41C7}"/>
-          </ac:spMkLst>
-        </pc:spChg>
-        <pc:spChg chg="add del">
-          <ac:chgData name="Davide Romano" userId="c3ac3c10d9ce9e2a" providerId="LiveId" clId="{B14B8130-7782-43EB-987D-49D23A567CB4}" dt="2021-05-30T13:48:26.661" v="1048" actId="26606"/>
-          <ac:spMkLst>
-            <pc:docMk/>
-            <pc:sldMk cId="2262558534" sldId="262"/>
-            <ac:spMk id="12" creationId="{E2384209-CB15-4CDF-9D31-C44FD9A3F20D}"/>
-          </ac:spMkLst>
-        </pc:spChg>
-        <pc:spChg chg="add">
-          <ac:chgData name="Davide Romano" userId="c3ac3c10d9ce9e2a" providerId="LiveId" clId="{B14B8130-7782-43EB-987D-49D23A567CB4}" dt="2021-05-30T13:48:37.629" v="1055" actId="26606"/>
-          <ac:spMkLst>
-            <pc:docMk/>
-            <pc:sldMk cId="2262558534" sldId="262"/>
-            <ac:spMk id="13" creationId="{E2384209-CB15-4CDF-9D31-C44FD9A3F20D}"/>
-          </ac:spMkLst>
-        </pc:spChg>
-        <pc:spChg chg="add del">
-          <ac:chgData name="Davide Romano" userId="c3ac3c10d9ce9e2a" providerId="LiveId" clId="{B14B8130-7782-43EB-987D-49D23A567CB4}" dt="2021-05-30T13:48:26.661" v="1048" actId="26606"/>
-          <ac:spMkLst>
-            <pc:docMk/>
-            <pc:sldMk cId="2262558534" sldId="262"/>
-            <ac:spMk id="14" creationId="{2633B3B5-CC90-43F0-8714-D31D1F3F0209}"/>
-          </ac:spMkLst>
-        </pc:spChg>
-        <pc:spChg chg="add">
-          <ac:chgData name="Davide Romano" userId="c3ac3c10d9ce9e2a" providerId="LiveId" clId="{B14B8130-7782-43EB-987D-49D23A567CB4}" dt="2021-05-30T13:48:37.629" v="1055" actId="26606"/>
-          <ac:spMkLst>
-            <pc:docMk/>
-            <pc:sldMk cId="2262558534" sldId="262"/>
-            <ac:spMk id="15" creationId="{2633B3B5-CC90-43F0-8714-D31D1F3F0209}"/>
-          </ac:spMkLst>
-        </pc:spChg>
-        <pc:spChg chg="add del">
-          <ac:chgData name="Davide Romano" userId="c3ac3c10d9ce9e2a" providerId="LiveId" clId="{B14B8130-7782-43EB-987D-49D23A567CB4}" dt="2021-05-30T13:48:26.661" v="1048" actId="26606"/>
-          <ac:spMkLst>
-            <pc:docMk/>
-            <pc:sldMk cId="2262558534" sldId="262"/>
-            <ac:spMk id="16" creationId="{A8D57A06-A426-446D-B02C-A2DC6B62E45E}"/>
-          </ac:spMkLst>
-        </pc:spChg>
-        <pc:spChg chg="add">
-          <ac:chgData name="Davide Romano" userId="c3ac3c10d9ce9e2a" providerId="LiveId" clId="{B14B8130-7782-43EB-987D-49D23A567CB4}" dt="2021-05-30T13:48:37.629" v="1055" actId="26606"/>
-          <ac:spMkLst>
-            <pc:docMk/>
-            <pc:sldMk cId="2262558534" sldId="262"/>
-            <ac:spMk id="17" creationId="{A8D57A06-A426-446D-B02C-A2DC6B62E45E}"/>
-          </ac:spMkLst>
-        </pc:spChg>
-        <pc:spChg chg="add del">
-          <ac:chgData name="Davide Romano" userId="c3ac3c10d9ce9e2a" providerId="LiveId" clId="{B14B8130-7782-43EB-987D-49D23A567CB4}" dt="2021-05-30T13:48:29.975" v="1050" actId="26606"/>
-          <ac:spMkLst>
-            <pc:docMk/>
-            <pc:sldMk cId="2262558534" sldId="262"/>
-            <ac:spMk id="18" creationId="{01D0AF59-99C3-4251-AB9A-C966C6AD4400}"/>
-          </ac:spMkLst>
-        </pc:spChg>
-        <pc:spChg chg="add del">
-          <ac:chgData name="Davide Romano" userId="c3ac3c10d9ce9e2a" providerId="LiveId" clId="{B14B8130-7782-43EB-987D-49D23A567CB4}" dt="2021-05-30T13:48:29.975" v="1050" actId="26606"/>
-          <ac:spMkLst>
-            <pc:docMk/>
-            <pc:sldMk cId="2262558534" sldId="262"/>
-            <ac:spMk id="19" creationId="{1855405F-37A2-4869-9154-F8BE3BECE6C3}"/>
-          </ac:spMkLst>
-        </pc:spChg>
-        <pc:spChg chg="add del">
-          <ac:chgData name="Davide Romano" userId="c3ac3c10d9ce9e2a" providerId="LiveId" clId="{B14B8130-7782-43EB-987D-49D23A567CB4}" dt="2021-06-02T08:46:29.235" v="3834" actId="34122"/>
-          <ac:spMkLst>
-            <pc:docMk/>
-            <pc:sldMk cId="2262558534" sldId="262"/>
-            <ac:spMk id="19" creationId="{D88C4956-6706-4AD7-9649-A9BB7E23F437}"/>
-          </ac:spMkLst>
-        </pc:spChg>
-        <pc:grpChg chg="del mod">
-          <ac:chgData name="Davide Romano" userId="c3ac3c10d9ce9e2a" providerId="LiveId" clId="{B14B8130-7782-43EB-987D-49D23A567CB4}" dt="2021-06-03T13:47:50.633" v="6789"/>
-          <ac:grpSpMkLst>
-            <pc:docMk/>
-            <pc:sldMk cId="2262558534" sldId="262"/>
-            <ac:grpSpMk id="12" creationId="{D009309F-F3EA-42A3-9E5C-DAE18FDB7407}"/>
-          </ac:grpSpMkLst>
-        </pc:grpChg>
-        <pc:grpChg chg="del mod">
-          <ac:chgData name="Davide Romano" userId="c3ac3c10d9ce9e2a" providerId="LiveId" clId="{B14B8130-7782-43EB-987D-49D23A567CB4}" dt="2021-06-05T14:07:34.869" v="11172" actId="478"/>
-          <ac:grpSpMkLst>
-            <pc:docMk/>
-            <pc:sldMk cId="2262558534" sldId="262"/>
-            <ac:grpSpMk id="14" creationId="{D7C1863B-8920-4E66-AAF6-945762BDE539}"/>
-          </ac:grpSpMkLst>
-        </pc:grpChg>
-        <pc:grpChg chg="del mod">
-          <ac:chgData name="Davide Romano" userId="c3ac3c10d9ce9e2a" providerId="LiveId" clId="{B14B8130-7782-43EB-987D-49D23A567CB4}" dt="2021-06-03T13:51:23.981" v="6828"/>
-          <ac:grpSpMkLst>
-            <pc:docMk/>
-            <pc:sldMk cId="2262558534" sldId="262"/>
-            <ac:grpSpMk id="22" creationId="{6A7C3F8C-7298-4860-9671-9836238BDC33}"/>
-          </ac:grpSpMkLst>
-        </pc:grpChg>
-        <pc:grpChg chg="del mod">
-          <ac:chgData name="Davide Romano" userId="c3ac3c10d9ce9e2a" providerId="LiveId" clId="{B14B8130-7782-43EB-987D-49D23A567CB4}" dt="2021-06-05T14:07:34.869" v="11172" actId="478"/>
-          <ac:grpSpMkLst>
-            <pc:docMk/>
-            <pc:sldMk cId="2262558534" sldId="262"/>
-            <ac:grpSpMk id="25" creationId="{4AA40901-9CA1-4E4C-9C68-A905AEB0CF87}"/>
-          </ac:grpSpMkLst>
-        </pc:grpChg>
-        <pc:grpChg chg="del mod">
-          <ac:chgData name="Davide Romano" userId="c3ac3c10d9ce9e2a" providerId="LiveId" clId="{B14B8130-7782-43EB-987D-49D23A567CB4}" dt="2021-06-03T13:49:53.227" v="6821"/>
-          <ac:grpSpMkLst>
-            <pc:docMk/>
-            <pc:sldMk cId="2262558534" sldId="262"/>
-            <ac:grpSpMk id="25" creationId="{73860EB8-B4DE-40E7-80BB-969789164DBA}"/>
-          </ac:grpSpMkLst>
-        </pc:grpChg>
-        <pc:grpChg chg="del mod">
-          <ac:chgData name="Davide Romano" userId="c3ac3c10d9ce9e2a" providerId="LiveId" clId="{B14B8130-7782-43EB-987D-49D23A567CB4}" dt="2021-06-05T14:07:34.869" v="11172" actId="478"/>
-          <ac:grpSpMkLst>
-            <pc:docMk/>
-            <pc:sldMk cId="2262558534" sldId="262"/>
-            <ac:grpSpMk id="46" creationId="{74DEFA75-2554-4ABE-B9F9-9761DFF87A21}"/>
-          </ac:grpSpMkLst>
-        </pc:grpChg>
-        <pc:grpChg chg="del mod">
-          <ac:chgData name="Davide Romano" userId="c3ac3c10d9ce9e2a" providerId="LiveId" clId="{B14B8130-7782-43EB-987D-49D23A567CB4}" dt="2021-06-03T13:51:35.167" v="6839"/>
-          <ac:grpSpMkLst>
-            <pc:docMk/>
-            <pc:sldMk cId="2262558534" sldId="262"/>
-            <ac:grpSpMk id="55" creationId="{F918699E-0273-4C13-B167-366B4A37D8D2}"/>
-          </ac:grpSpMkLst>
-        </pc:grpChg>
-        <pc:grpChg chg="del mod">
-          <ac:chgData name="Davide Romano" userId="c3ac3c10d9ce9e2a" providerId="LiveId" clId="{B14B8130-7782-43EB-987D-49D23A567CB4}" dt="2021-06-03T13:52:28.784" v="6886"/>
-          <ac:grpSpMkLst>
-            <pc:docMk/>
-            <pc:sldMk cId="2262558534" sldId="262"/>
-            <ac:grpSpMk id="57" creationId="{1159C3F4-6872-4E53-9038-152963EC8C0B}"/>
-          </ac:grpSpMkLst>
-        </pc:grpChg>
-        <pc:grpChg chg="del mod">
-          <ac:chgData name="Davide Romano" userId="c3ac3c10d9ce9e2a" providerId="LiveId" clId="{B14B8130-7782-43EB-987D-49D23A567CB4}" dt="2021-06-05T13:27:48.432" v="11155"/>
-          <ac:grpSpMkLst>
-            <pc:docMk/>
-            <pc:sldMk cId="2262558534" sldId="262"/>
-            <ac:grpSpMk id="57" creationId="{2013C064-442B-4CD1-8532-D8C88C465A32}"/>
-          </ac:grpSpMkLst>
-        </pc:grpChg>
-        <pc:grpChg chg="del mod">
-          <ac:chgData name="Davide Romano" userId="c3ac3c10d9ce9e2a" providerId="LiveId" clId="{B14B8130-7782-43EB-987D-49D23A567CB4}" dt="2021-06-03T13:52:28.784" v="6886"/>
-          <ac:grpSpMkLst>
-            <pc:docMk/>
-            <pc:sldMk cId="2262558534" sldId="262"/>
-            <ac:grpSpMk id="68" creationId="{F0AF1481-A7FD-49E0-9CE7-2AAE4FF6A684}"/>
-          </ac:grpSpMkLst>
-        </pc:grpChg>
-        <pc:grpChg chg="del mod">
-          <ac:chgData name="Davide Romano" userId="c3ac3c10d9ce9e2a" providerId="LiveId" clId="{B14B8130-7782-43EB-987D-49D23A567CB4}" dt="2021-06-03T13:52:28.784" v="6886"/>
-          <ac:grpSpMkLst>
-            <pc:docMk/>
-            <pc:sldMk cId="2262558534" sldId="262"/>
-            <ac:grpSpMk id="76" creationId="{71D0159C-FCFE-4983-876A-0581E970770F}"/>
-          </ac:grpSpMkLst>
-        </pc:grpChg>
-        <pc:grpChg chg="del mod">
-          <ac:chgData name="Davide Romano" userId="c3ac3c10d9ce9e2a" providerId="LiveId" clId="{B14B8130-7782-43EB-987D-49D23A567CB4}" dt="2021-06-03T13:52:28.784" v="6886"/>
-          <ac:grpSpMkLst>
-            <pc:docMk/>
-            <pc:sldMk cId="2262558534" sldId="262"/>
-            <ac:grpSpMk id="82" creationId="{EEEF5E3E-B082-4CC3-9A42-7F9FE42BBE6D}"/>
-          </ac:grpSpMkLst>
-        </pc:grpChg>
-        <pc:grpChg chg="del mod">
-          <ac:chgData name="Davide Romano" userId="c3ac3c10d9ce9e2a" providerId="LiveId" clId="{B14B8130-7782-43EB-987D-49D23A567CB4}" dt="2021-06-05T13:27:07.317" v="11149"/>
-          <ac:grpSpMkLst>
-            <pc:docMk/>
-            <pc:sldMk cId="2262558534" sldId="262"/>
-            <ac:grpSpMk id="88" creationId="{6E167C97-B7AC-4B82-A035-EB776FCFF630}"/>
-          </ac:grpSpMkLst>
-        </pc:grpChg>
-        <pc:grpChg chg="del mod">
-          <ac:chgData name="Davide Romano" userId="c3ac3c10d9ce9e2a" providerId="LiveId" clId="{B14B8130-7782-43EB-987D-49D23A567CB4}" dt="2021-06-03T13:52:28.784" v="6886"/>
-          <ac:grpSpMkLst>
-            <pc:docMk/>
-            <pc:sldMk cId="2262558534" sldId="262"/>
-            <ac:grpSpMk id="88" creationId="{E669D160-72F7-49A0-9974-68F90448A0D6}"/>
-          </ac:grpSpMkLst>
-        </pc:grpChg>
-        <pc:grpChg chg="del mod">
-          <ac:chgData name="Davide Romano" userId="c3ac3c10d9ce9e2a" providerId="LiveId" clId="{B14B8130-7782-43EB-987D-49D23A567CB4}" dt="2021-06-05T14:07:34.869" v="11172" actId="478"/>
-          <ac:grpSpMkLst>
-            <pc:docMk/>
-            <pc:sldMk cId="2262558534" sldId="262"/>
-            <ac:grpSpMk id="104" creationId="{DD1DF7A1-E967-4974-9BB7-62CE8ACBF950}"/>
-          </ac:grpSpMkLst>
-        </pc:grpChg>
-        <pc:grpChg chg="del mod">
-          <ac:chgData name="Davide Romano" userId="c3ac3c10d9ce9e2a" providerId="LiveId" clId="{B14B8130-7782-43EB-987D-49D23A567CB4}" dt="2021-06-05T14:07:34.869" v="11172" actId="478"/>
-          <ac:grpSpMkLst>
-            <pc:docMk/>
-            <pc:sldMk cId="2262558534" sldId="262"/>
-            <ac:grpSpMk id="111" creationId="{E4D29982-2C3E-4C2B-9A51-251752FE6F88}"/>
-          </ac:grpSpMkLst>
-        </pc:grpChg>
-        <pc:grpChg chg="del mod">
-          <ac:chgData name="Davide Romano" userId="c3ac3c10d9ce9e2a" providerId="LiveId" clId="{B14B8130-7782-43EB-987D-49D23A567CB4}" dt="2021-06-05T13:27:11.701" v="11152"/>
-          <ac:grpSpMkLst>
-            <pc:docMk/>
-            <pc:sldMk cId="2262558534" sldId="262"/>
-            <ac:grpSpMk id="114" creationId="{63884DDD-A697-4569-B4BC-F692C7552CAA}"/>
-          </ac:grpSpMkLst>
-        </pc:grpChg>
-        <pc:grpChg chg="del mod">
-          <ac:chgData name="Davide Romano" userId="c3ac3c10d9ce9e2a" providerId="LiveId" clId="{B14B8130-7782-43EB-987D-49D23A567CB4}" dt="2021-06-05T14:07:34.869" v="11172" actId="478"/>
-          <ac:grpSpMkLst>
-            <pc:docMk/>
-            <pc:sldMk cId="2262558534" sldId="262"/>
-            <ac:grpSpMk id="117" creationId="{68A1B12C-8FA2-4199-80FC-34940ECC7BD0}"/>
-          </ac:grpSpMkLst>
-        </pc:grpChg>
-        <pc:grpChg chg="del mod">
-          <ac:chgData name="Davide Romano" userId="c3ac3c10d9ce9e2a" providerId="LiveId" clId="{B14B8130-7782-43EB-987D-49D23A567CB4}" dt="2021-06-05T14:07:34.869" v="11172" actId="478"/>
-          <ac:grpSpMkLst>
-            <pc:docMk/>
-            <pc:sldMk cId="2262558534" sldId="262"/>
-            <ac:grpSpMk id="120" creationId="{F69BB428-3851-4EAC-A038-BB2F7E3EAE37}"/>
-          </ac:grpSpMkLst>
-        </pc:grpChg>
-        <pc:grpChg chg="del mod">
-          <ac:chgData name="Davide Romano" userId="c3ac3c10d9ce9e2a" providerId="LiveId" clId="{B14B8130-7782-43EB-987D-49D23A567CB4}" dt="2021-06-05T16:16:02.978" v="11431"/>
-          <ac:grpSpMkLst>
-            <pc:docMk/>
-            <pc:sldMk cId="2262558534" sldId="262"/>
-            <ac:grpSpMk id="132" creationId="{B25E3E31-764B-4504-B990-073C88C2AE6D}"/>
-          </ac:grpSpMkLst>
-        </pc:grpChg>
-        <pc:grpChg chg="mod">
-          <ac:chgData name="Davide Romano" userId="c3ac3c10d9ce9e2a" providerId="LiveId" clId="{B14B8130-7782-43EB-987D-49D23A567CB4}" dt="2021-06-05T16:16:02.978" v="11431"/>
-          <ac:grpSpMkLst>
-            <pc:docMk/>
-            <pc:sldMk cId="2262558534" sldId="262"/>
-            <ac:grpSpMk id="134" creationId="{7AEAA6B3-8545-46EE-B469-B5D912E5E75F}"/>
-          </ac:grpSpMkLst>
-        </pc:grpChg>
-        <pc:picChg chg="add del mod">
-          <ac:chgData name="Davide Romano" userId="c3ac3c10d9ce9e2a" providerId="LiveId" clId="{B14B8130-7782-43EB-987D-49D23A567CB4}" dt="2021-06-05T14:07:28.387" v="11171" actId="478"/>
-          <ac:picMkLst>
-            <pc:docMk/>
-            <pc:sldMk cId="2262558534" sldId="262"/>
-            <ac:picMk id="5" creationId="{FDB0C1CB-E2CD-475C-9A50-1ACB3DC44BC3}"/>
-          </ac:picMkLst>
-        </pc:picChg>
-        <pc:picChg chg="add del mod">
-          <ac:chgData name="Davide Romano" userId="c3ac3c10d9ce9e2a" providerId="LiveId" clId="{B14B8130-7782-43EB-987D-49D23A567CB4}" dt="2021-06-05T14:43:52.387" v="11192" actId="478"/>
-          <ac:picMkLst>
-            <pc:docMk/>
-            <pc:sldMk cId="2262558534" sldId="262"/>
-            <ac:picMk id="124" creationId="{B1125D9B-B85E-4877-A20C-9F11620601DF}"/>
-          </ac:picMkLst>
-        </pc:picChg>
-        <pc:picChg chg="add mod">
-          <ac:chgData name="Davide Romano" userId="c3ac3c10d9ce9e2a" providerId="LiveId" clId="{B14B8130-7782-43EB-987D-49D23A567CB4}" dt="2021-06-05T14:43:57.549" v="11193" actId="931"/>
-          <ac:picMkLst>
-            <pc:docMk/>
-            <pc:sldMk cId="2262558534" sldId="262"/>
-            <ac:picMk id="126" creationId="{DC7E326C-8ECF-400E-B1ED-93C36A651397}"/>
-          </ac:picMkLst>
-        </pc:picChg>
-        <pc:inkChg chg="add mod">
-          <ac:chgData name="Davide Romano" userId="c3ac3c10d9ce9e2a" providerId="LiveId" clId="{B14B8130-7782-43EB-987D-49D23A567CB4}" dt="2021-06-05T16:16:02.978" v="11431"/>
-          <ac:inkMkLst>
-            <pc:docMk/>
-            <pc:sldMk cId="2262558534" sldId="262"/>
-            <ac:inkMk id="2" creationId="{E7F66158-F044-4910-A94F-2BB94C7CFD9B}"/>
-          </ac:inkMkLst>
-        </pc:inkChg>
-        <pc:inkChg chg="add del mod">
-          <ac:chgData name="Davide Romano" userId="c3ac3c10d9ce9e2a" providerId="LiveId" clId="{B14B8130-7782-43EB-987D-49D23A567CB4}" dt="2021-06-04T09:26:25.084" v="9623"/>
-          <ac:inkMkLst>
-            <pc:docMk/>
-            <pc:sldMk cId="2262558534" sldId="262"/>
-            <ac:inkMk id="3" creationId="{7D74B016-F14A-4067-A99D-C791B66C5B37}"/>
-          </ac:inkMkLst>
-        </pc:inkChg>
-        <pc:inkChg chg="add mod">
-          <ac:chgData name="Davide Romano" userId="c3ac3c10d9ce9e2a" providerId="LiveId" clId="{B14B8130-7782-43EB-987D-49D23A567CB4}" dt="2021-06-05T16:16:02.978" v="11431"/>
-          <ac:inkMkLst>
-            <pc:docMk/>
-            <pc:sldMk cId="2262558534" sldId="262"/>
-            <ac:inkMk id="3" creationId="{A11C5A1F-FDA6-41AC-8AFC-57119C8FF5B3}"/>
-          </ac:inkMkLst>
-        </pc:inkChg>
-        <pc:inkChg chg="add del">
-          <ac:chgData name="Davide Romano" userId="c3ac3c10d9ce9e2a" providerId="LiveId" clId="{B14B8130-7782-43EB-987D-49D23A567CB4}" dt="2021-06-05T13:25:32.241" v="11138" actId="9405"/>
-          <ac:inkMkLst>
-            <pc:docMk/>
-            <pc:sldMk cId="2262558534" sldId="262"/>
-            <ac:inkMk id="3" creationId="{D6F96A66-399C-4870-ADE9-7766EA62B341}"/>
-          </ac:inkMkLst>
-        </pc:inkChg>
-        <pc:inkChg chg="add mod">
-          <ac:chgData name="Davide Romano" userId="c3ac3c10d9ce9e2a" providerId="LiveId" clId="{B14B8130-7782-43EB-987D-49D23A567CB4}" dt="2021-06-05T16:16:02.978" v="11431"/>
-          <ac:inkMkLst>
-            <pc:docMk/>
-            <pc:sldMk cId="2262558534" sldId="262"/>
-            <ac:inkMk id="4" creationId="{2B18AA44-AC57-4648-AAB0-892F927B9E9E}"/>
-          </ac:inkMkLst>
-        </pc:inkChg>
-        <pc:inkChg chg="add del">
-          <ac:chgData name="Davide Romano" userId="c3ac3c10d9ce9e2a" providerId="LiveId" clId="{B14B8130-7782-43EB-987D-49D23A567CB4}" dt="2021-06-04T09:26:29.331" v="9625"/>
-          <ac:inkMkLst>
-            <pc:docMk/>
-            <pc:sldMk cId="2262558534" sldId="262"/>
-            <ac:inkMk id="4" creationId="{3BEE31C5-6CA7-40E1-BDC0-111DB1B225D9}"/>
-          </ac:inkMkLst>
-        </pc:inkChg>
-        <pc:inkChg chg="add del">
-          <ac:chgData name="Davide Romano" userId="c3ac3c10d9ce9e2a" providerId="LiveId" clId="{B14B8130-7782-43EB-987D-49D23A567CB4}" dt="2021-06-05T14:07:34.869" v="11172" actId="478"/>
-          <ac:inkMkLst>
-            <pc:docMk/>
-            <pc:sldMk cId="2262558534" sldId="262"/>
-            <ac:inkMk id="4" creationId="{43A704D9-7A87-422C-A293-8146975E9D64}"/>
-          </ac:inkMkLst>
-        </pc:inkChg>
-        <pc:inkChg chg="add del mod">
-          <ac:chgData name="Davide Romano" userId="c3ac3c10d9ce9e2a" providerId="LiveId" clId="{B14B8130-7782-43EB-987D-49D23A567CB4}" dt="2021-06-03T13:47:50.633" v="6787"/>
-          <ac:inkMkLst>
-            <pc:docMk/>
-            <pc:sldMk cId="2262558534" sldId="262"/>
-            <ac:inkMk id="4" creationId="{A52EE7C5-62FF-4886-9FBA-769D8FDAA409}"/>
-          </ac:inkMkLst>
-        </pc:inkChg>
-        <pc:inkChg chg="add mod">
-          <ac:chgData name="Davide Romano" userId="c3ac3c10d9ce9e2a" providerId="LiveId" clId="{B14B8130-7782-43EB-987D-49D23A567CB4}" dt="2021-06-05T16:16:02.978" v="11431"/>
-          <ac:inkMkLst>
-            <pc:docMk/>
-            <pc:sldMk cId="2262558534" sldId="262"/>
-            <ac:inkMk id="5" creationId="{6E82E659-31A5-4D17-AA95-0AEF8B1CDEEA}"/>
-          </ac:inkMkLst>
-        </pc:inkChg>
-        <pc:inkChg chg="add mod">
-          <ac:chgData name="Davide Romano" userId="c3ac3c10d9ce9e2a" providerId="LiveId" clId="{B14B8130-7782-43EB-987D-49D23A567CB4}" dt="2021-06-04T09:26:35.521" v="9632"/>
-          <ac:inkMkLst>
-            <pc:docMk/>
-            <pc:sldMk cId="2262558534" sldId="262"/>
-            <ac:inkMk id="6" creationId="{583630D0-9E48-4C4E-8150-F3AA6D469176}"/>
-          </ac:inkMkLst>
-        </pc:inkChg>
-        <pc:inkChg chg="add mod">
-          <ac:chgData name="Davide Romano" userId="c3ac3c10d9ce9e2a" providerId="LiveId" clId="{B14B8130-7782-43EB-987D-49D23A567CB4}" dt="2021-06-05T16:16:02.978" v="11431"/>
-          <ac:inkMkLst>
-            <pc:docMk/>
-            <pc:sldMk cId="2262558534" sldId="262"/>
-            <ac:inkMk id="6" creationId="{A9C41466-2D36-4448-80DD-7778775A79A2}"/>
-          </ac:inkMkLst>
-        </pc:inkChg>
-        <pc:inkChg chg="add del mod">
-          <ac:chgData name="Davide Romano" userId="c3ac3c10d9ce9e2a" providerId="LiveId" clId="{B14B8130-7782-43EB-987D-49D23A567CB4}" dt="2021-06-03T13:47:50.633" v="6786"/>
-          <ac:inkMkLst>
-            <pc:docMk/>
-            <pc:sldMk cId="2262558534" sldId="262"/>
-            <ac:inkMk id="6" creationId="{FDF3C7EA-02BB-4EFB-8D5F-7A58BDA80C5A}"/>
-          </ac:inkMkLst>
-        </pc:inkChg>
-        <pc:inkChg chg="add mod">
-          <ac:chgData name="Davide Romano" userId="c3ac3c10d9ce9e2a" providerId="LiveId" clId="{B14B8130-7782-43EB-987D-49D23A567CB4}" dt="2021-06-05T16:16:02.978" v="11431"/>
-          <ac:inkMkLst>
-            <pc:docMk/>
-            <pc:sldMk cId="2262558534" sldId="262"/>
-            <ac:inkMk id="7" creationId="{8EE07071-7677-40BA-95F9-439416A90AA0}"/>
-          </ac:inkMkLst>
-        </pc:inkChg>
-        <pc:inkChg chg="add mod">
-          <ac:chgData name="Davide Romano" userId="c3ac3c10d9ce9e2a" providerId="LiveId" clId="{B14B8130-7782-43EB-987D-49D23A567CB4}" dt="2021-06-04T09:26:35.521" v="9632"/>
-          <ac:inkMkLst>
-            <pc:docMk/>
-            <pc:sldMk cId="2262558534" sldId="262"/>
-            <ac:inkMk id="7" creationId="{E8AD6FAB-4C6A-4784-9FDB-7344C145F868}"/>
-          </ac:inkMkLst>
-        </pc:inkChg>
-        <pc:inkChg chg="add del mod">
-          <ac:chgData name="Davide Romano" userId="c3ac3c10d9ce9e2a" providerId="LiveId" clId="{B14B8130-7782-43EB-987D-49D23A567CB4}" dt="2021-06-03T13:47:50.633" v="6785"/>
-          <ac:inkMkLst>
-            <pc:docMk/>
-            <pc:sldMk cId="2262558534" sldId="262"/>
-            <ac:inkMk id="7" creationId="{EE954C53-187E-4197-8BBF-264228E7EFD3}"/>
-          </ac:inkMkLst>
-        </pc:inkChg>
-        <pc:inkChg chg="add mod">
-          <ac:chgData name="Davide Romano" userId="c3ac3c10d9ce9e2a" providerId="LiveId" clId="{B14B8130-7782-43EB-987D-49D23A567CB4}" dt="2021-06-04T09:26:35.521" v="9632"/>
-          <ac:inkMkLst>
-            <pc:docMk/>
-            <pc:sldMk cId="2262558534" sldId="262"/>
-            <ac:inkMk id="8" creationId="{41DEED64-1D8D-416A-964F-BFF6809D8A38}"/>
-          </ac:inkMkLst>
-        </pc:inkChg>
-        <pc:inkChg chg="add del mod">
-          <ac:chgData name="Davide Romano" userId="c3ac3c10d9ce9e2a" providerId="LiveId" clId="{B14B8130-7782-43EB-987D-49D23A567CB4}" dt="2021-06-03T13:47:50.633" v="6790"/>
-          <ac:inkMkLst>
-            <pc:docMk/>
-            <pc:sldMk cId="2262558534" sldId="262"/>
-            <ac:inkMk id="8" creationId="{761328F8-183C-4BB4-B5B0-28825274E22A}"/>
-          </ac:inkMkLst>
-        </pc:inkChg>
-        <pc:inkChg chg="add mod">
-          <ac:chgData name="Davide Romano" userId="c3ac3c10d9ce9e2a" providerId="LiveId" clId="{B14B8130-7782-43EB-987D-49D23A567CB4}" dt="2021-06-04T09:26:35.521" v="9632"/>
-          <ac:inkMkLst>
-            <pc:docMk/>
-            <pc:sldMk cId="2262558534" sldId="262"/>
-            <ac:inkMk id="9" creationId="{13CD668C-9EC4-4EB3-9235-EE9E58AE38AC}"/>
-          </ac:inkMkLst>
-        </pc:inkChg>
-        <pc:inkChg chg="add del mod">
-          <ac:chgData name="Davide Romano" userId="c3ac3c10d9ce9e2a" providerId="LiveId" clId="{B14B8130-7782-43EB-987D-49D23A567CB4}" dt="2021-06-03T13:47:50.633" v="6789"/>
-          <ac:inkMkLst>
-            <pc:docMk/>
-            <pc:sldMk cId="2262558534" sldId="262"/>
-            <ac:inkMk id="9" creationId="{4FB02338-A048-4D08-B09D-E5DD36CE6C42}"/>
-          </ac:inkMkLst>
-        </pc:inkChg>
-        <pc:inkChg chg="add mod">
-          <ac:chgData name="Davide Romano" userId="c3ac3c10d9ce9e2a" providerId="LiveId" clId="{B14B8130-7782-43EB-987D-49D23A567CB4}" dt="2021-06-04T09:26:35.521" v="9632"/>
-          <ac:inkMkLst>
-            <pc:docMk/>
-            <pc:sldMk cId="2262558534" sldId="262"/>
-            <ac:inkMk id="10" creationId="{0E2EC2A5-547C-4EEB-A0D2-BEDE10A7500B}"/>
-          </ac:inkMkLst>
-        </pc:inkChg>
-        <pc:inkChg chg="add del mod">
-          <ac:chgData name="Davide Romano" userId="c3ac3c10d9ce9e2a" providerId="LiveId" clId="{B14B8130-7782-43EB-987D-49D23A567CB4}" dt="2021-06-03T13:47:50.633" v="6788"/>
-          <ac:inkMkLst>
-            <pc:docMk/>
-            <pc:sldMk cId="2262558534" sldId="262"/>
-            <ac:inkMk id="10" creationId="{AC9ED8B1-213A-482E-8FF2-893FBF58AE3A}"/>
-          </ac:inkMkLst>
-        </pc:inkChg>
-        <pc:inkChg chg="add mod">
-          <ac:chgData name="Davide Romano" userId="c3ac3c10d9ce9e2a" providerId="LiveId" clId="{B14B8130-7782-43EB-987D-49D23A567CB4}" dt="2021-06-04T09:26:35.521" v="9632"/>
-          <ac:inkMkLst>
-            <pc:docMk/>
-            <pc:sldMk cId="2262558534" sldId="262"/>
-            <ac:inkMk id="12" creationId="{B3612AB4-3315-4188-8173-5643A4FBA5F3}"/>
-          </ac:inkMkLst>
-        </pc:inkChg>
-        <pc:inkChg chg="add del mod">
-          <ac:chgData name="Davide Romano" userId="c3ac3c10d9ce9e2a" providerId="LiveId" clId="{B14B8130-7782-43EB-987D-49D23A567CB4}" dt="2021-06-03T13:51:23.981" v="6824"/>
-          <ac:inkMkLst>
-            <pc:docMk/>
-            <pc:sldMk cId="2262558534" sldId="262"/>
-            <ac:inkMk id="14" creationId="{4D05CD17-CC5B-4D1C-8C48-26B2D5C9B541}"/>
-          </ac:inkMkLst>
-        </pc:inkChg>
-        <pc:inkChg chg="add mod">
-          <ac:chgData name="Davide Romano" userId="c3ac3c10d9ce9e2a" providerId="LiveId" clId="{B14B8130-7782-43EB-987D-49D23A567CB4}" dt="2021-06-04T09:26:39.242" v="9639"/>
-          <ac:inkMkLst>
-            <pc:docMk/>
-            <pc:sldMk cId="2262558534" sldId="262"/>
-            <ac:inkMk id="16" creationId="{48A07B02-8EED-48E9-B504-9B74812B2D53}"/>
-          </ac:inkMkLst>
-        </pc:inkChg>
-        <pc:inkChg chg="add del mod">
-          <ac:chgData name="Davide Romano" userId="c3ac3c10d9ce9e2a" providerId="LiveId" clId="{B14B8130-7782-43EB-987D-49D23A567CB4}" dt="2021-06-03T13:51:23.981" v="6826"/>
-          <ac:inkMkLst>
-            <pc:docMk/>
-            <pc:sldMk cId="2262558534" sldId="262"/>
-            <ac:inkMk id="16" creationId="{4D4E74BA-AFC5-490E-95F7-688CAFEF7DDF}"/>
-          </ac:inkMkLst>
-        </pc:inkChg>
-        <pc:inkChg chg="add del mod">
-          <ac:chgData name="Davide Romano" userId="c3ac3c10d9ce9e2a" providerId="LiveId" clId="{B14B8130-7782-43EB-987D-49D23A567CB4}" dt="2021-06-03T13:51:23.981" v="6827"/>
-          <ac:inkMkLst>
-            <pc:docMk/>
-            <pc:sldMk cId="2262558534" sldId="262"/>
-            <ac:inkMk id="18" creationId="{402605F2-2521-4830-BFD0-41D5CE910888}"/>
-          </ac:inkMkLst>
-        </pc:inkChg>
-        <pc:inkChg chg="add mod">
-          <ac:chgData name="Davide Romano" userId="c3ac3c10d9ce9e2a" providerId="LiveId" clId="{B14B8130-7782-43EB-987D-49D23A567CB4}" dt="2021-06-04T09:26:39.242" v="9639"/>
-          <ac:inkMkLst>
-            <pc:docMk/>
-            <pc:sldMk cId="2262558534" sldId="262"/>
-            <ac:inkMk id="18" creationId="{84089628-AA57-4B10-9069-36B0A227DA2B}"/>
-          </ac:inkMkLst>
-        </pc:inkChg>
-        <pc:inkChg chg="add mod">
-          <ac:chgData name="Davide Romano" userId="c3ac3c10d9ce9e2a" providerId="LiveId" clId="{B14B8130-7782-43EB-987D-49D23A567CB4}" dt="2021-06-04T09:26:39.242" v="9639"/>
-          <ac:inkMkLst>
-            <pc:docMk/>
-            <pc:sldMk cId="2262558534" sldId="262"/>
-            <ac:inkMk id="19" creationId="{38D7A2B9-A7FC-45A4-A853-883888B5904F}"/>
-          </ac:inkMkLst>
-        </pc:inkChg>
-        <pc:inkChg chg="add del mod">
-          <ac:chgData name="Davide Romano" userId="c3ac3c10d9ce9e2a" providerId="LiveId" clId="{B14B8130-7782-43EB-987D-49D23A567CB4}" dt="2021-06-03T13:51:23.981" v="6828"/>
-          <ac:inkMkLst>
-            <pc:docMk/>
-            <pc:sldMk cId="2262558534" sldId="262"/>
-            <ac:inkMk id="19" creationId="{5181728A-C18F-49FE-A1C6-1C8F44C7BDC1}"/>
-          </ac:inkMkLst>
-        </pc:inkChg>
-        <pc:inkChg chg="add del mod">
-          <ac:chgData name="Davide Romano" userId="c3ac3c10d9ce9e2a" providerId="LiveId" clId="{B14B8130-7782-43EB-987D-49D23A567CB4}" dt="2021-06-03T13:51:24.446" v="6829"/>
-          <ac:inkMkLst>
-            <pc:docMk/>
-            <pc:sldMk cId="2262558534" sldId="262"/>
-            <ac:inkMk id="20" creationId="{89E5F416-7BEB-4186-B3D7-C25263063AA9}"/>
-          </ac:inkMkLst>
-        </pc:inkChg>
-        <pc:inkChg chg="add mod">
-          <ac:chgData name="Davide Romano" userId="c3ac3c10d9ce9e2a" providerId="LiveId" clId="{B14B8130-7782-43EB-987D-49D23A567CB4}" dt="2021-06-04T09:26:39.242" v="9639"/>
-          <ac:inkMkLst>
-            <pc:docMk/>
-            <pc:sldMk cId="2262558534" sldId="262"/>
-            <ac:inkMk id="20" creationId="{DE941BD6-1A24-4589-B66B-89A75DB1A4CA}"/>
-          </ac:inkMkLst>
-        </pc:inkChg>
-        <pc:inkChg chg="add mod">
-          <ac:chgData name="Davide Romano" userId="c3ac3c10d9ce9e2a" providerId="LiveId" clId="{B14B8130-7782-43EB-987D-49D23A567CB4}" dt="2021-06-04T09:26:39.242" v="9639"/>
-          <ac:inkMkLst>
-            <pc:docMk/>
-            <pc:sldMk cId="2262558534" sldId="262"/>
-            <ac:inkMk id="21" creationId="{07BCB6CE-1285-4075-A8F5-2184E4FFBFD6}"/>
-          </ac:inkMkLst>
-        </pc:inkChg>
-        <pc:inkChg chg="add del mod">
-          <ac:chgData name="Davide Romano" userId="c3ac3c10d9ce9e2a" providerId="LiveId" clId="{B14B8130-7782-43EB-987D-49D23A567CB4}" dt="2021-06-03T13:51:23.981" v="6825"/>
-          <ac:inkMkLst>
-            <pc:docMk/>
-            <pc:sldMk cId="2262558534" sldId="262"/>
-            <ac:inkMk id="21" creationId="{EBE0683A-46BF-4DCA-967E-F0DACD4DE98B}"/>
-          </ac:inkMkLst>
-        </pc:inkChg>
-        <pc:inkChg chg="add mod">
-          <ac:chgData name="Davide Romano" userId="c3ac3c10d9ce9e2a" providerId="LiveId" clId="{B14B8130-7782-43EB-987D-49D23A567CB4}" dt="2021-06-04T09:26:39.242" v="9639"/>
-          <ac:inkMkLst>
-            <pc:docMk/>
-            <pc:sldMk cId="2262558534" sldId="262"/>
-            <ac:inkMk id="22" creationId="{50E3D7BA-CED2-468A-8435-BBCAA3EF0851}"/>
-          </ac:inkMkLst>
-        </pc:inkChg>
-        <pc:inkChg chg="add mod">
-          <ac:chgData name="Davide Romano" userId="c3ac3c10d9ce9e2a" providerId="LiveId" clId="{B14B8130-7782-43EB-987D-49D23A567CB4}" dt="2021-06-03T13:49:53.227" v="6821"/>
-          <ac:inkMkLst>
-            <pc:docMk/>
-            <pc:sldMk cId="2262558534" sldId="262"/>
-            <ac:inkMk id="23" creationId="{11F8F969-C68F-48FF-BA5E-862DC3056BBA}"/>
-          </ac:inkMkLst>
-        </pc:inkChg>
-        <pc:inkChg chg="add mod">
-          <ac:chgData name="Davide Romano" userId="c3ac3c10d9ce9e2a" providerId="LiveId" clId="{B14B8130-7782-43EB-987D-49D23A567CB4}" dt="2021-06-03T13:49:53.227" v="6821"/>
-          <ac:inkMkLst>
-            <pc:docMk/>
-            <pc:sldMk cId="2262558534" sldId="262"/>
-            <ac:inkMk id="24" creationId="{60C0FB4B-BDAD-4223-A2A9-578DC456798C}"/>
-          </ac:inkMkLst>
-        </pc:inkChg>
-        <pc:inkChg chg="add mod">
-          <ac:chgData name="Davide Romano" userId="c3ac3c10d9ce9e2a" providerId="LiveId" clId="{B14B8130-7782-43EB-987D-49D23A567CB4}" dt="2021-06-03T13:49:53.227" v="6821"/>
-          <ac:inkMkLst>
-            <pc:docMk/>
-            <pc:sldMk cId="2262558534" sldId="262"/>
-            <ac:inkMk id="26" creationId="{4058ED46-51A1-4DC7-B99E-8A31CCB1579C}"/>
-          </ac:inkMkLst>
-        </pc:inkChg>
-        <pc:inkChg chg="add mod">
-          <ac:chgData name="Davide Romano" userId="c3ac3c10d9ce9e2a" providerId="LiveId" clId="{B14B8130-7782-43EB-987D-49D23A567CB4}" dt="2021-06-03T13:49:53.227" v="6821"/>
-          <ac:inkMkLst>
-            <pc:docMk/>
-            <pc:sldMk cId="2262558534" sldId="262"/>
-            <ac:inkMk id="27" creationId="{98BAEF45-8047-4005-87CB-0CA4610ACF0E}"/>
-          </ac:inkMkLst>
-        </pc:inkChg>
-        <pc:inkChg chg="add mod">
-          <ac:chgData name="Davide Romano" userId="c3ac3c10d9ce9e2a" providerId="LiveId" clId="{B14B8130-7782-43EB-987D-49D23A567CB4}" dt="2021-06-03T13:49:53.227" v="6821"/>
-          <ac:inkMkLst>
-            <pc:docMk/>
-            <pc:sldMk cId="2262558534" sldId="262"/>
-            <ac:inkMk id="28" creationId="{8162045E-6F33-4744-9993-EA543D9213E0}"/>
-          </ac:inkMkLst>
-        </pc:inkChg>
-        <pc:inkChg chg="add mod">
-          <ac:chgData name="Davide Romano" userId="c3ac3c10d9ce9e2a" providerId="LiveId" clId="{B14B8130-7782-43EB-987D-49D23A567CB4}" dt="2021-06-03T13:49:53.227" v="6821"/>
-          <ac:inkMkLst>
-            <pc:docMk/>
-            <pc:sldMk cId="2262558534" sldId="262"/>
-            <ac:inkMk id="29" creationId="{6B1F79DF-DF6E-46C5-B3BE-B9BC96686BC7}"/>
-          </ac:inkMkLst>
-        </pc:inkChg>
-        <pc:inkChg chg="add mod">
-          <ac:chgData name="Davide Romano" userId="c3ac3c10d9ce9e2a" providerId="LiveId" clId="{B14B8130-7782-43EB-987D-49D23A567CB4}" dt="2021-06-03T13:49:53.227" v="6821"/>
-          <ac:inkMkLst>
-            <pc:docMk/>
-            <pc:sldMk cId="2262558534" sldId="262"/>
-            <ac:inkMk id="30" creationId="{5E937F81-27E9-41F0-B834-9E0588E8407A}"/>
-          </ac:inkMkLst>
-        </pc:inkChg>
-        <pc:inkChg chg="add mod">
-          <ac:chgData name="Davide Romano" userId="c3ac3c10d9ce9e2a" providerId="LiveId" clId="{B14B8130-7782-43EB-987D-49D23A567CB4}" dt="2021-06-03T13:49:53.227" v="6821"/>
-          <ac:inkMkLst>
-            <pc:docMk/>
-            <pc:sldMk cId="2262558534" sldId="262"/>
-            <ac:inkMk id="31" creationId="{6563F60C-DB99-4B37-ABEA-7A41C7DD48E3}"/>
-          </ac:inkMkLst>
-        </pc:inkChg>
-        <pc:inkChg chg="add mod">
-          <ac:chgData name="Davide Romano" userId="c3ac3c10d9ce9e2a" providerId="LiveId" clId="{B14B8130-7782-43EB-987D-49D23A567CB4}" dt="2021-06-03T13:49:53.227" v="6821"/>
-          <ac:inkMkLst>
-            <pc:docMk/>
-            <pc:sldMk cId="2262558534" sldId="262"/>
-            <ac:inkMk id="32" creationId="{9CC28940-534B-4B47-AF4D-5097574B7F7E}"/>
-          </ac:inkMkLst>
-        </pc:inkChg>
-        <pc:inkChg chg="add mod">
-          <ac:chgData name="Davide Romano" userId="c3ac3c10d9ce9e2a" providerId="LiveId" clId="{B14B8130-7782-43EB-987D-49D23A567CB4}" dt="2021-06-03T13:49:53.227" v="6821"/>
-          <ac:inkMkLst>
-            <pc:docMk/>
-            <pc:sldMk cId="2262558534" sldId="262"/>
-            <ac:inkMk id="33" creationId="{259E6AAD-C9C3-483C-B0D5-3B57AE3B762E}"/>
-          </ac:inkMkLst>
-        </pc:inkChg>
-        <pc:inkChg chg="add mod">
-          <ac:chgData name="Davide Romano" userId="c3ac3c10d9ce9e2a" providerId="LiveId" clId="{B14B8130-7782-43EB-987D-49D23A567CB4}" dt="2021-06-03T13:49:53.227" v="6821"/>
-          <ac:inkMkLst>
-            <pc:docMk/>
-            <pc:sldMk cId="2262558534" sldId="262"/>
-            <ac:inkMk id="34" creationId="{E658DC46-43AB-4A92-A84E-F4E050CA866D}"/>
-          </ac:inkMkLst>
-        </pc:inkChg>
-        <pc:inkChg chg="add mod">
-          <ac:chgData name="Davide Romano" userId="c3ac3c10d9ce9e2a" providerId="LiveId" clId="{B14B8130-7782-43EB-987D-49D23A567CB4}" dt="2021-06-03T13:49:53.227" v="6821"/>
-          <ac:inkMkLst>
-            <pc:docMk/>
-            <pc:sldMk cId="2262558534" sldId="262"/>
-            <ac:inkMk id="35" creationId="{A25E6155-1EBD-48AA-8C82-58B496BCB73B}"/>
-          </ac:inkMkLst>
-        </pc:inkChg>
-        <pc:inkChg chg="add mod">
-          <ac:chgData name="Davide Romano" userId="c3ac3c10d9ce9e2a" providerId="LiveId" clId="{B14B8130-7782-43EB-987D-49D23A567CB4}" dt="2021-06-03T13:49:53.227" v="6821"/>
-          <ac:inkMkLst>
-            <pc:docMk/>
-            <pc:sldMk cId="2262558534" sldId="262"/>
-            <ac:inkMk id="36" creationId="{B8F55339-75CE-4D21-BD93-14B807AD31B5}"/>
-          </ac:inkMkLst>
-        </pc:inkChg>
-        <pc:inkChg chg="add mod">
-          <ac:chgData name="Davide Romano" userId="c3ac3c10d9ce9e2a" providerId="LiveId" clId="{B14B8130-7782-43EB-987D-49D23A567CB4}" dt="2021-06-03T13:49:53.227" v="6821"/>
-          <ac:inkMkLst>
-            <pc:docMk/>
-            <pc:sldMk cId="2262558534" sldId="262"/>
-            <ac:inkMk id="37" creationId="{338CD486-9589-485F-85DF-259CF4837E7A}"/>
-          </ac:inkMkLst>
-        </pc:inkChg>
-        <pc:inkChg chg="add mod">
-          <ac:chgData name="Davide Romano" userId="c3ac3c10d9ce9e2a" providerId="LiveId" clId="{B14B8130-7782-43EB-987D-49D23A567CB4}" dt="2021-06-03T13:49:53.227" v="6821"/>
-          <ac:inkMkLst>
-            <pc:docMk/>
-            <pc:sldMk cId="2262558534" sldId="262"/>
-            <ac:inkMk id="38" creationId="{20773AFD-C075-4E8A-A5C4-2F895D830663}"/>
-          </ac:inkMkLst>
-        </pc:inkChg>
-        <pc:inkChg chg="add mod">
-          <ac:chgData name="Davide Romano" userId="c3ac3c10d9ce9e2a" providerId="LiveId" clId="{B14B8130-7782-43EB-987D-49D23A567CB4}" dt="2021-06-03T13:49:53.227" v="6821"/>
-          <ac:inkMkLst>
-            <pc:docMk/>
-            <pc:sldMk cId="2262558534" sldId="262"/>
-            <ac:inkMk id="39" creationId="{228AF9D3-E32C-487F-A180-4EDCBA63FAEF}"/>
-          </ac:inkMkLst>
-        </pc:inkChg>
-        <pc:inkChg chg="add mod">
-          <ac:chgData name="Davide Romano" userId="c3ac3c10d9ce9e2a" providerId="LiveId" clId="{B14B8130-7782-43EB-987D-49D23A567CB4}" dt="2021-06-03T13:49:53.227" v="6821"/>
-          <ac:inkMkLst>
-            <pc:docMk/>
-            <pc:sldMk cId="2262558534" sldId="262"/>
-            <ac:inkMk id="40" creationId="{75E6EE04-7FD9-4E8D-AD94-19758D742536}"/>
-          </ac:inkMkLst>
-        </pc:inkChg>
-        <pc:inkChg chg="add mod">
-          <ac:chgData name="Davide Romano" userId="c3ac3c10d9ce9e2a" providerId="LiveId" clId="{B14B8130-7782-43EB-987D-49D23A567CB4}" dt="2021-06-03T13:49:53.227" v="6821"/>
-          <ac:inkMkLst>
-            <pc:docMk/>
-            <pc:sldMk cId="2262558534" sldId="262"/>
-            <ac:inkMk id="41" creationId="{FEF7EDC3-631E-4BC7-8A05-B2FC7AE0CE42}"/>
-          </ac:inkMkLst>
-        </pc:inkChg>
-        <pc:inkChg chg="add mod">
-          <ac:chgData name="Davide Romano" userId="c3ac3c10d9ce9e2a" providerId="LiveId" clId="{B14B8130-7782-43EB-987D-49D23A567CB4}" dt="2021-06-03T13:49:53.227" v="6821"/>
-          <ac:inkMkLst>
-            <pc:docMk/>
-            <pc:sldMk cId="2262558534" sldId="262"/>
-            <ac:inkMk id="42" creationId="{BB642592-D728-466A-819A-E5DD752F9626}"/>
-          </ac:inkMkLst>
-        </pc:inkChg>
-        <pc:inkChg chg="add mod">
-          <ac:chgData name="Davide Romano" userId="c3ac3c10d9ce9e2a" providerId="LiveId" clId="{B14B8130-7782-43EB-987D-49D23A567CB4}" dt="2021-06-03T13:49:53.227" v="6821"/>
-          <ac:inkMkLst>
-            <pc:docMk/>
-            <pc:sldMk cId="2262558534" sldId="262"/>
-            <ac:inkMk id="43" creationId="{5B4CFFA6-0368-4B18-85F4-98A964093779}"/>
-          </ac:inkMkLst>
-        </pc:inkChg>
-        <pc:inkChg chg="add mod">
-          <ac:chgData name="Davide Romano" userId="c3ac3c10d9ce9e2a" providerId="LiveId" clId="{B14B8130-7782-43EB-987D-49D23A567CB4}" dt="2021-06-03T13:49:53.227" v="6821"/>
-          <ac:inkMkLst>
-            <pc:docMk/>
-            <pc:sldMk cId="2262558534" sldId="262"/>
-            <ac:inkMk id="44" creationId="{3ADA40E1-953F-4719-B995-E99D327E7D20}"/>
-          </ac:inkMkLst>
-        </pc:inkChg>
-        <pc:inkChg chg="add del">
-          <ac:chgData name="Davide Romano" userId="c3ac3c10d9ce9e2a" providerId="LiveId" clId="{B14B8130-7782-43EB-987D-49D23A567CB4}" dt="2021-06-05T14:07:34.869" v="11172" actId="478"/>
-          <ac:inkMkLst>
-            <pc:docMk/>
-            <pc:sldMk cId="2262558534" sldId="262"/>
-            <ac:inkMk id="45" creationId="{5B7D8FE6-99F8-40E5-9B47-99BE6307A438}"/>
-          </ac:inkMkLst>
-        </pc:inkChg>
-        <pc:inkChg chg="add del">
-          <ac:chgData name="Davide Romano" userId="c3ac3c10d9ce9e2a" providerId="LiveId" clId="{B14B8130-7782-43EB-987D-49D23A567CB4}" dt="2021-06-05T14:07:34.869" v="11172" actId="478"/>
-          <ac:inkMkLst>
-            <pc:docMk/>
-            <pc:sldMk cId="2262558534" sldId="262"/>
-            <ac:inkMk id="47" creationId="{B1219DAF-5902-444E-85BC-67F24F404761}"/>
-          </ac:inkMkLst>
-        </pc:inkChg>
-        <pc:inkChg chg="add del">
-          <ac:chgData name="Davide Romano" userId="c3ac3c10d9ce9e2a" providerId="LiveId" clId="{B14B8130-7782-43EB-987D-49D23A567CB4}" dt="2021-06-05T14:07:34.869" v="11172" actId="478"/>
-          <ac:inkMkLst>
-            <pc:docMk/>
-            <pc:sldMk cId="2262558534" sldId="262"/>
-            <ac:inkMk id="48" creationId="{6B217105-6130-4FDE-BC76-7F3C3F484BAB}"/>
-          </ac:inkMkLst>
-        </pc:inkChg>
-        <pc:inkChg chg="add mod">
-          <ac:chgData name="Davide Romano" userId="c3ac3c10d9ce9e2a" providerId="LiveId" clId="{B14B8130-7782-43EB-987D-49D23A567CB4}" dt="2021-06-03T13:52:28.784" v="6886"/>
-          <ac:inkMkLst>
-            <pc:docMk/>
-            <pc:sldMk cId="2262558534" sldId="262"/>
-            <ac:inkMk id="49" creationId="{388DE13E-AD08-44C7-894E-DB4183B4BFB8}"/>
-          </ac:inkMkLst>
-        </pc:inkChg>
-        <pc:inkChg chg="add mod">
-          <ac:chgData name="Davide Romano" userId="c3ac3c10d9ce9e2a" providerId="LiveId" clId="{B14B8130-7782-43EB-987D-49D23A567CB4}" dt="2021-06-03T13:52:28.784" v="6886"/>
-          <ac:inkMkLst>
-            <pc:docMk/>
-            <pc:sldMk cId="2262558534" sldId="262"/>
-            <ac:inkMk id="50" creationId="{F07B8B74-70D7-4CC4-BCEF-3EC095D775CC}"/>
-          </ac:inkMkLst>
-        </pc:inkChg>
-        <pc:inkChg chg="add mod">
-          <ac:chgData name="Davide Romano" userId="c3ac3c10d9ce9e2a" providerId="LiveId" clId="{B14B8130-7782-43EB-987D-49D23A567CB4}" dt="2021-06-03T13:52:28.784" v="6886"/>
-          <ac:inkMkLst>
-            <pc:docMk/>
-            <pc:sldMk cId="2262558534" sldId="262"/>
-            <ac:inkMk id="51" creationId="{698B8AE1-4518-4894-876B-0348E1807C9F}"/>
-          </ac:inkMkLst>
-        </pc:inkChg>
-        <pc:inkChg chg="add mod">
-          <ac:chgData name="Davide Romano" userId="c3ac3c10d9ce9e2a" providerId="LiveId" clId="{B14B8130-7782-43EB-987D-49D23A567CB4}" dt="2021-06-03T13:52:28.784" v="6886"/>
-          <ac:inkMkLst>
-            <pc:docMk/>
-            <pc:sldMk cId="2262558534" sldId="262"/>
-            <ac:inkMk id="52" creationId="{298F7526-212F-4C76-866C-27D55E5BF855}"/>
-          </ac:inkMkLst>
-        </pc:inkChg>
-        <pc:inkChg chg="add mod">
-          <ac:chgData name="Davide Romano" userId="c3ac3c10d9ce9e2a" providerId="LiveId" clId="{B14B8130-7782-43EB-987D-49D23A567CB4}" dt="2021-06-03T13:52:28.784" v="6886"/>
-          <ac:inkMkLst>
-            <pc:docMk/>
-            <pc:sldMk cId="2262558534" sldId="262"/>
-            <ac:inkMk id="53" creationId="{D3DC5D10-B8A1-4975-9385-CD535E3347EA}"/>
-          </ac:inkMkLst>
-        </pc:inkChg>
-        <pc:inkChg chg="add mod">
-          <ac:chgData name="Davide Romano" userId="c3ac3c10d9ce9e2a" providerId="LiveId" clId="{B14B8130-7782-43EB-987D-49D23A567CB4}" dt="2021-06-05T13:27:48.432" v="11155"/>
-          <ac:inkMkLst>
-            <pc:docMk/>
-            <pc:sldMk cId="2262558534" sldId="262"/>
-            <ac:inkMk id="54" creationId="{5454D560-525A-4421-AB8C-98BA596DCF81}"/>
-          </ac:inkMkLst>
-        </pc:inkChg>
-        <pc:inkChg chg="add del mod">
-          <ac:chgData name="Davide Romano" userId="c3ac3c10d9ce9e2a" providerId="LiveId" clId="{B14B8130-7782-43EB-987D-49D23A567CB4}" dt="2021-06-03T13:51:31.999" v="6837"/>
-          <ac:inkMkLst>
-            <pc:docMk/>
-            <pc:sldMk cId="2262558534" sldId="262"/>
-            <ac:inkMk id="54" creationId="{A395913B-75A6-4BF8-BD65-63BBC3B0AE58}"/>
-          </ac:inkMkLst>
-        </pc:inkChg>
-        <pc:inkChg chg="add mod">
-          <ac:chgData name="Davide Romano" userId="c3ac3c10d9ce9e2a" providerId="LiveId" clId="{B14B8130-7782-43EB-987D-49D23A567CB4}" dt="2021-06-05T13:27:48.432" v="11155"/>
-          <ac:inkMkLst>
-            <pc:docMk/>
-            <pc:sldMk cId="2262558534" sldId="262"/>
-            <ac:inkMk id="55" creationId="{6F2D22E6-7BEE-4399-9337-69339A5A1997}"/>
-          </ac:inkMkLst>
-        </pc:inkChg>
-        <pc:inkChg chg="add del mod">
-          <ac:chgData name="Davide Romano" userId="c3ac3c10d9ce9e2a" providerId="LiveId" clId="{B14B8130-7782-43EB-987D-49D23A567CB4}" dt="2021-06-05T14:07:34.869" v="11172" actId="478"/>
-          <ac:inkMkLst>
-            <pc:docMk/>
-            <pc:sldMk cId="2262558534" sldId="262"/>
-            <ac:inkMk id="56" creationId="{C7799861-E138-4830-B341-3221F75E4FE9}"/>
-          </ac:inkMkLst>
-        </pc:inkChg>
-        <pc:inkChg chg="add mod">
-          <ac:chgData name="Davide Romano" userId="c3ac3c10d9ce9e2a" providerId="LiveId" clId="{B14B8130-7782-43EB-987D-49D23A567CB4}" dt="2021-06-03T13:52:28.784" v="6886"/>
-          <ac:inkMkLst>
-            <pc:docMk/>
-            <pc:sldMk cId="2262558534" sldId="262"/>
-            <ac:inkMk id="58" creationId="{9AC4A25C-D992-43F8-819F-A5A3B8822CEC}"/>
-          </ac:inkMkLst>
-        </pc:inkChg>
-        <pc:inkChg chg="add mod">
-          <ac:chgData name="Davide Romano" userId="c3ac3c10d9ce9e2a" providerId="LiveId" clId="{B14B8130-7782-43EB-987D-49D23A567CB4}" dt="2021-06-03T13:52:28.784" v="6886"/>
-          <ac:inkMkLst>
-            <pc:docMk/>
-            <pc:sldMk cId="2262558534" sldId="262"/>
-            <ac:inkMk id="59" creationId="{20148B88-92F7-43CA-B957-434DB9B4F8E8}"/>
-          </ac:inkMkLst>
-        </pc:inkChg>
-        <pc:inkChg chg="add mod">
-          <ac:chgData name="Davide Romano" userId="c3ac3c10d9ce9e2a" providerId="LiveId" clId="{B14B8130-7782-43EB-987D-49D23A567CB4}" dt="2021-06-03T13:52:28.784" v="6886"/>
-          <ac:inkMkLst>
-            <pc:docMk/>
-            <pc:sldMk cId="2262558534" sldId="262"/>
-            <ac:inkMk id="60" creationId="{40870A46-4EBF-4F3A-9EF6-B5F72DEAEF7B}"/>
-          </ac:inkMkLst>
-        </pc:inkChg>
-        <pc:inkChg chg="add mod">
-          <ac:chgData name="Davide Romano" userId="c3ac3c10d9ce9e2a" providerId="LiveId" clId="{B14B8130-7782-43EB-987D-49D23A567CB4}" dt="2021-06-03T13:52:28.784" v="6886"/>
-          <ac:inkMkLst>
-            <pc:docMk/>
-            <pc:sldMk cId="2262558534" sldId="262"/>
-            <ac:inkMk id="61" creationId="{BD63DFF0-176A-434C-9F2F-D0E0393C29D9}"/>
-          </ac:inkMkLst>
-        </pc:inkChg>
-        <pc:inkChg chg="add mod">
-          <ac:chgData name="Davide Romano" userId="c3ac3c10d9ce9e2a" providerId="LiveId" clId="{B14B8130-7782-43EB-987D-49D23A567CB4}" dt="2021-06-03T13:52:28.784" v="6886"/>
-          <ac:inkMkLst>
-            <pc:docMk/>
-            <pc:sldMk cId="2262558534" sldId="262"/>
-            <ac:inkMk id="62" creationId="{0710A9F0-741B-4CC8-8B86-564C874C60BD}"/>
-          </ac:inkMkLst>
-        </pc:inkChg>
-        <pc:inkChg chg="add mod">
-          <ac:chgData name="Davide Romano" userId="c3ac3c10d9ce9e2a" providerId="LiveId" clId="{B14B8130-7782-43EB-987D-49D23A567CB4}" dt="2021-06-03T13:52:28.784" v="6886"/>
-          <ac:inkMkLst>
-            <pc:docMk/>
-            <pc:sldMk cId="2262558534" sldId="262"/>
-            <ac:inkMk id="63" creationId="{441CD603-3B47-49DA-BBBF-EBF7A2710C09}"/>
-          </ac:inkMkLst>
-        </pc:inkChg>
-        <pc:inkChg chg="add mod">
-          <ac:chgData name="Davide Romano" userId="c3ac3c10d9ce9e2a" providerId="LiveId" clId="{B14B8130-7782-43EB-987D-49D23A567CB4}" dt="2021-06-03T13:52:28.784" v="6886"/>
-          <ac:inkMkLst>
-            <pc:docMk/>
-            <pc:sldMk cId="2262558534" sldId="262"/>
-            <ac:inkMk id="64" creationId="{9769FC73-68BB-4175-A2C2-D06AC58F5EF4}"/>
-          </ac:inkMkLst>
-        </pc:inkChg>
-        <pc:inkChg chg="add mod">
-          <ac:chgData name="Davide Romano" userId="c3ac3c10d9ce9e2a" providerId="LiveId" clId="{B14B8130-7782-43EB-987D-49D23A567CB4}" dt="2021-06-03T13:52:28.784" v="6886"/>
-          <ac:inkMkLst>
-            <pc:docMk/>
-            <pc:sldMk cId="2262558534" sldId="262"/>
-            <ac:inkMk id="65" creationId="{C68EAE4D-BCF6-4A5D-94F1-7B9B450B427E}"/>
-          </ac:inkMkLst>
-        </pc:inkChg>
-        <pc:inkChg chg="add mod">
-          <ac:chgData name="Davide Romano" userId="c3ac3c10d9ce9e2a" providerId="LiveId" clId="{B14B8130-7782-43EB-987D-49D23A567CB4}" dt="2021-06-03T13:52:28.784" v="6886"/>
-          <ac:inkMkLst>
-            <pc:docMk/>
-            <pc:sldMk cId="2262558534" sldId="262"/>
-            <ac:inkMk id="66" creationId="{DB9A8E8E-33E6-428D-84C0-D797D1C0E998}"/>
-          </ac:inkMkLst>
-        </pc:inkChg>
-        <pc:inkChg chg="add mod">
-          <ac:chgData name="Davide Romano" userId="c3ac3c10d9ce9e2a" providerId="LiveId" clId="{B14B8130-7782-43EB-987D-49D23A567CB4}" dt="2021-06-03T13:52:28.784" v="6886"/>
-          <ac:inkMkLst>
-            <pc:docMk/>
-            <pc:sldMk cId="2262558534" sldId="262"/>
-            <ac:inkMk id="67" creationId="{F700C103-34DC-49EE-9CF8-91395E7D83E8}"/>
-          </ac:inkMkLst>
-        </pc:inkChg>
-        <pc:inkChg chg="add mod">
-          <ac:chgData name="Davide Romano" userId="c3ac3c10d9ce9e2a" providerId="LiveId" clId="{B14B8130-7782-43EB-987D-49D23A567CB4}" dt="2021-06-05T13:27:11.701" v="11152"/>
-          <ac:inkMkLst>
-            <pc:docMk/>
-            <pc:sldMk cId="2262558534" sldId="262"/>
-            <ac:inkMk id="68" creationId="{D3A3FEEA-9959-472F-A50F-F5059ABE01DF}"/>
-          </ac:inkMkLst>
-        </pc:inkChg>
-        <pc:inkChg chg="add mod">
-          <ac:chgData name="Davide Romano" userId="c3ac3c10d9ce9e2a" providerId="LiveId" clId="{B14B8130-7782-43EB-987D-49D23A567CB4}" dt="2021-06-03T13:52:28.784" v="6886"/>
-          <ac:inkMkLst>
-            <pc:docMk/>
-            <pc:sldMk cId="2262558534" sldId="262"/>
-            <ac:inkMk id="69" creationId="{FE30AD96-DFC8-4822-89ED-290F241DD3F4}"/>
-          </ac:inkMkLst>
-        </pc:inkChg>
-        <pc:inkChg chg="add mod">
-          <ac:chgData name="Davide Romano" userId="c3ac3c10d9ce9e2a" providerId="LiveId" clId="{B14B8130-7782-43EB-987D-49D23A567CB4}" dt="2021-06-03T13:52:28.784" v="6886"/>
-          <ac:inkMkLst>
-            <pc:docMk/>
-            <pc:sldMk cId="2262558534" sldId="262"/>
-            <ac:inkMk id="70" creationId="{0848F1DC-8BF1-460C-AFBC-FE0B9477C184}"/>
-          </ac:inkMkLst>
-        </pc:inkChg>
-        <pc:inkChg chg="add mod">
-          <ac:chgData name="Davide Romano" userId="c3ac3c10d9ce9e2a" providerId="LiveId" clId="{B14B8130-7782-43EB-987D-49D23A567CB4}" dt="2021-06-03T13:52:28.784" v="6886"/>
-          <ac:inkMkLst>
-            <pc:docMk/>
-            <pc:sldMk cId="2262558534" sldId="262"/>
-            <ac:inkMk id="71" creationId="{F32ABAE6-44C6-4583-AFCE-D8D729F45F57}"/>
-          </ac:inkMkLst>
-        </pc:inkChg>
-        <pc:inkChg chg="add mod">
-          <ac:chgData name="Davide Romano" userId="c3ac3c10d9ce9e2a" providerId="LiveId" clId="{B14B8130-7782-43EB-987D-49D23A567CB4}" dt="2021-06-03T13:52:28.784" v="6886"/>
-          <ac:inkMkLst>
-            <pc:docMk/>
-            <pc:sldMk cId="2262558534" sldId="262"/>
-            <ac:inkMk id="72" creationId="{5B9AF9BC-A876-4E9C-BDFB-4247ECC0D5E8}"/>
-          </ac:inkMkLst>
-        </pc:inkChg>
-        <pc:inkChg chg="add mod">
-          <ac:chgData name="Davide Romano" userId="c3ac3c10d9ce9e2a" providerId="LiveId" clId="{B14B8130-7782-43EB-987D-49D23A567CB4}" dt="2021-06-03T13:52:28.784" v="6886"/>
-          <ac:inkMkLst>
-            <pc:docMk/>
-            <pc:sldMk cId="2262558534" sldId="262"/>
-            <ac:inkMk id="73" creationId="{F60F0319-E295-45A1-80FE-9AE86B81C4A0}"/>
-          </ac:inkMkLst>
-        </pc:inkChg>
-        <pc:inkChg chg="add mod">
-          <ac:chgData name="Davide Romano" userId="c3ac3c10d9ce9e2a" providerId="LiveId" clId="{B14B8130-7782-43EB-987D-49D23A567CB4}" dt="2021-06-03T13:52:28.784" v="6886"/>
-          <ac:inkMkLst>
-            <pc:docMk/>
-            <pc:sldMk cId="2262558534" sldId="262"/>
-            <ac:inkMk id="74" creationId="{040A11B8-3602-4F58-AB61-F232E9963480}"/>
-          </ac:inkMkLst>
-        </pc:inkChg>
-        <pc:inkChg chg="add mod">
-          <ac:chgData name="Davide Romano" userId="c3ac3c10d9ce9e2a" providerId="LiveId" clId="{B14B8130-7782-43EB-987D-49D23A567CB4}" dt="2021-06-03T13:52:28.784" v="6886"/>
-          <ac:inkMkLst>
-            <pc:docMk/>
-            <pc:sldMk cId="2262558534" sldId="262"/>
-            <ac:inkMk id="75" creationId="{A61A2533-A9A6-431D-923D-73591E173900}"/>
-          </ac:inkMkLst>
-        </pc:inkChg>
-        <pc:inkChg chg="add mod">
-          <ac:chgData name="Davide Romano" userId="c3ac3c10d9ce9e2a" providerId="LiveId" clId="{B14B8130-7782-43EB-987D-49D23A567CB4}" dt="2021-06-05T13:27:11.701" v="11152"/>
-          <ac:inkMkLst>
-            <pc:docMk/>
-            <pc:sldMk cId="2262558534" sldId="262"/>
-            <ac:inkMk id="76" creationId="{593BB6A7-01C5-49A9-9082-F364689FD977}"/>
-          </ac:inkMkLst>
-        </pc:inkChg>
-        <pc:inkChg chg="add mod">
-          <ac:chgData name="Davide Romano" userId="c3ac3c10d9ce9e2a" providerId="LiveId" clId="{B14B8130-7782-43EB-987D-49D23A567CB4}" dt="2021-06-03T13:52:28.784" v="6886"/>
-          <ac:inkMkLst>
-            <pc:docMk/>
-            <pc:sldMk cId="2262558534" sldId="262"/>
-            <ac:inkMk id="77" creationId="{5F7182C3-1C3D-4574-90FD-EE148BB3F55F}"/>
-          </ac:inkMkLst>
-        </pc:inkChg>
-        <pc:inkChg chg="add mod">
-          <ac:chgData name="Davide Romano" userId="c3ac3c10d9ce9e2a" providerId="LiveId" clId="{B14B8130-7782-43EB-987D-49D23A567CB4}" dt="2021-06-03T13:52:28.784" v="6886"/>
-          <ac:inkMkLst>
-            <pc:docMk/>
-            <pc:sldMk cId="2262558534" sldId="262"/>
-            <ac:inkMk id="78" creationId="{F3B4A0B7-E518-410B-99D0-998BBA3A778D}"/>
-          </ac:inkMkLst>
-        </pc:inkChg>
-        <pc:inkChg chg="add mod">
-          <ac:chgData name="Davide Romano" userId="c3ac3c10d9ce9e2a" providerId="LiveId" clId="{B14B8130-7782-43EB-987D-49D23A567CB4}" dt="2021-06-03T13:52:28.784" v="6886"/>
-          <ac:inkMkLst>
-            <pc:docMk/>
-            <pc:sldMk cId="2262558534" sldId="262"/>
-            <ac:inkMk id="79" creationId="{67BCDDD4-2E3F-4F4D-BBCC-B8CFCA26EB49}"/>
-          </ac:inkMkLst>
-        </pc:inkChg>
-        <pc:inkChg chg="add mod">
-          <ac:chgData name="Davide Romano" userId="c3ac3c10d9ce9e2a" providerId="LiveId" clId="{B14B8130-7782-43EB-987D-49D23A567CB4}" dt="2021-06-03T13:52:28.784" v="6886"/>
-          <ac:inkMkLst>
-            <pc:docMk/>
-            <pc:sldMk cId="2262558534" sldId="262"/>
-            <ac:inkMk id="80" creationId="{65403A05-70DF-4088-AAC8-B8A606EC4B6E}"/>
-          </ac:inkMkLst>
-        </pc:inkChg>
-        <pc:inkChg chg="add mod">
-          <ac:chgData name="Davide Romano" userId="c3ac3c10d9ce9e2a" providerId="LiveId" clId="{B14B8130-7782-43EB-987D-49D23A567CB4}" dt="2021-06-03T13:52:28.784" v="6886"/>
-          <ac:inkMkLst>
-            <pc:docMk/>
-            <pc:sldMk cId="2262558534" sldId="262"/>
-            <ac:inkMk id="81" creationId="{3EE26BAA-3F6F-43BB-853A-30B3781E35D7}"/>
-          </ac:inkMkLst>
-        </pc:inkChg>
-        <pc:inkChg chg="add mod">
-          <ac:chgData name="Davide Romano" userId="c3ac3c10d9ce9e2a" providerId="LiveId" clId="{B14B8130-7782-43EB-987D-49D23A567CB4}" dt="2021-06-05T13:27:11.701" v="11152"/>
-          <ac:inkMkLst>
-            <pc:docMk/>
-            <pc:sldMk cId="2262558534" sldId="262"/>
-            <ac:inkMk id="82" creationId="{472D2ED8-5BB6-4379-8301-7712B5373105}"/>
-          </ac:inkMkLst>
-        </pc:inkChg>
-        <pc:inkChg chg="add mod">
-          <ac:chgData name="Davide Romano" userId="c3ac3c10d9ce9e2a" providerId="LiveId" clId="{B14B8130-7782-43EB-987D-49D23A567CB4}" dt="2021-06-03T13:52:28.784" v="6886"/>
-          <ac:inkMkLst>
-            <pc:docMk/>
-            <pc:sldMk cId="2262558534" sldId="262"/>
-            <ac:inkMk id="83" creationId="{41D18411-FB86-4155-9242-E8A7EBB006FE}"/>
-          </ac:inkMkLst>
-        </pc:inkChg>
-        <pc:inkChg chg="add mod">
-          <ac:chgData name="Davide Romano" userId="c3ac3c10d9ce9e2a" providerId="LiveId" clId="{B14B8130-7782-43EB-987D-49D23A567CB4}" dt="2021-06-03T13:52:28.784" v="6886"/>
-          <ac:inkMkLst>
-            <pc:docMk/>
-            <pc:sldMk cId="2262558534" sldId="262"/>
-            <ac:inkMk id="84" creationId="{00496AFA-CAA8-49E0-B21F-EFE63B78F813}"/>
-          </ac:inkMkLst>
-        </pc:inkChg>
-        <pc:inkChg chg="add mod">
-          <ac:chgData name="Davide Romano" userId="c3ac3c10d9ce9e2a" providerId="LiveId" clId="{B14B8130-7782-43EB-987D-49D23A567CB4}" dt="2021-06-03T13:52:28.784" v="6886"/>
-          <ac:inkMkLst>
-            <pc:docMk/>
-            <pc:sldMk cId="2262558534" sldId="262"/>
-            <ac:inkMk id="85" creationId="{7F60742C-F82B-4705-B3C5-030910232B72}"/>
-          </ac:inkMkLst>
-        </pc:inkChg>
-        <pc:inkChg chg="add mod">
-          <ac:chgData name="Davide Romano" userId="c3ac3c10d9ce9e2a" providerId="LiveId" clId="{B14B8130-7782-43EB-987D-49D23A567CB4}" dt="2021-06-03T13:52:28.784" v="6886"/>
-          <ac:inkMkLst>
-            <pc:docMk/>
-            <pc:sldMk cId="2262558534" sldId="262"/>
-            <ac:inkMk id="86" creationId="{C2538966-70F2-43AE-870A-B0EB49F6C438}"/>
-          </ac:inkMkLst>
-        </pc:inkChg>
-        <pc:inkChg chg="add mod">
-          <ac:chgData name="Davide Romano" userId="c3ac3c10d9ce9e2a" providerId="LiveId" clId="{B14B8130-7782-43EB-987D-49D23A567CB4}" dt="2021-06-03T13:52:28.784" v="6886"/>
-          <ac:inkMkLst>
-            <pc:docMk/>
-            <pc:sldMk cId="2262558534" sldId="262"/>
-            <ac:inkMk id="87" creationId="{20D16A06-EC8B-49FE-AA12-4B8EF950D2A2}"/>
-          </ac:inkMkLst>
-        </pc:inkChg>
-        <pc:inkChg chg="add mod">
-          <ac:chgData name="Davide Romano" userId="c3ac3c10d9ce9e2a" providerId="LiveId" clId="{B14B8130-7782-43EB-987D-49D23A567CB4}" dt="2021-06-03T13:52:28.784" v="6886"/>
-          <ac:inkMkLst>
-            <pc:docMk/>
-            <pc:sldMk cId="2262558534" sldId="262"/>
-            <ac:inkMk id="89" creationId="{A735A501-FECA-422D-9C68-AE66BF72D8B8}"/>
-          </ac:inkMkLst>
-        </pc:inkChg>
-        <pc:inkChg chg="add mod">
-          <ac:chgData name="Davide Romano" userId="c3ac3c10d9ce9e2a" providerId="LiveId" clId="{B14B8130-7782-43EB-987D-49D23A567CB4}" dt="2021-06-03T13:52:28.784" v="6886"/>
-          <ac:inkMkLst>
-            <pc:docMk/>
-            <pc:sldMk cId="2262558534" sldId="262"/>
-            <ac:inkMk id="90" creationId="{6DDEFB0E-BAF1-4417-B36B-AC9B8489F838}"/>
-          </ac:inkMkLst>
-        </pc:inkChg>
-        <pc:inkChg chg="add mod">
-          <ac:chgData name="Davide Romano" userId="c3ac3c10d9ce9e2a" providerId="LiveId" clId="{B14B8130-7782-43EB-987D-49D23A567CB4}" dt="2021-06-03T13:52:28.784" v="6886"/>
-          <ac:inkMkLst>
-            <pc:docMk/>
-            <pc:sldMk cId="2262558534" sldId="262"/>
-            <ac:inkMk id="91" creationId="{15D3949D-2F4E-435F-AB33-C7FFE2886798}"/>
-          </ac:inkMkLst>
-        </pc:inkChg>
-        <pc:inkChg chg="add mod">
-          <ac:chgData name="Davide Romano" userId="c3ac3c10d9ce9e2a" providerId="LiveId" clId="{B14B8130-7782-43EB-987D-49D23A567CB4}" dt="2021-06-03T13:52:28.784" v="6886"/>
-          <ac:inkMkLst>
-            <pc:docMk/>
-            <pc:sldMk cId="2262558534" sldId="262"/>
-            <ac:inkMk id="92" creationId="{A9642D89-3128-47C7-817F-662A0316C5C8}"/>
-          </ac:inkMkLst>
-        </pc:inkChg>
-        <pc:inkChg chg="add mod">
-          <ac:chgData name="Davide Romano" userId="c3ac3c10d9ce9e2a" providerId="LiveId" clId="{B14B8130-7782-43EB-987D-49D23A567CB4}" dt="2021-06-03T13:52:28.784" v="6886"/>
-          <ac:inkMkLst>
-            <pc:docMk/>
-            <pc:sldMk cId="2262558534" sldId="262"/>
-            <ac:inkMk id="93" creationId="{79D42BFA-132E-46BE-8674-734F55C4950C}"/>
-          </ac:inkMkLst>
-        </pc:inkChg>
-        <pc:inkChg chg="add mod">
-          <ac:chgData name="Davide Romano" userId="c3ac3c10d9ce9e2a" providerId="LiveId" clId="{B14B8130-7782-43EB-987D-49D23A567CB4}" dt="2021-06-03T13:52:28.784" v="6886"/>
-          <ac:inkMkLst>
-            <pc:docMk/>
-            <pc:sldMk cId="2262558534" sldId="262"/>
-            <ac:inkMk id="94" creationId="{91EB8BB7-C26F-415E-8236-2254963B2E54}"/>
-          </ac:inkMkLst>
-        </pc:inkChg>
-        <pc:inkChg chg="add mod">
-          <ac:chgData name="Davide Romano" userId="c3ac3c10d9ce9e2a" providerId="LiveId" clId="{B14B8130-7782-43EB-987D-49D23A567CB4}" dt="2021-06-03T13:52:28.784" v="6886"/>
-          <ac:inkMkLst>
-            <pc:docMk/>
-            <pc:sldMk cId="2262558534" sldId="262"/>
-            <ac:inkMk id="95" creationId="{C000AAF3-2911-457D-8720-54C5E77D0D20}"/>
-          </ac:inkMkLst>
-        </pc:inkChg>
-        <pc:inkChg chg="add mod">
-          <ac:chgData name="Davide Romano" userId="c3ac3c10d9ce9e2a" providerId="LiveId" clId="{B14B8130-7782-43EB-987D-49D23A567CB4}" dt="2021-06-03T13:52:28.784" v="6886"/>
-          <ac:inkMkLst>
-            <pc:docMk/>
-            <pc:sldMk cId="2262558534" sldId="262"/>
-            <ac:inkMk id="96" creationId="{878E8747-AD07-4271-AC5B-C8ACCB976681}"/>
-          </ac:inkMkLst>
-        </pc:inkChg>
-        <pc:inkChg chg="add mod">
-          <ac:chgData name="Davide Romano" userId="c3ac3c10d9ce9e2a" providerId="LiveId" clId="{B14B8130-7782-43EB-987D-49D23A567CB4}" dt="2021-06-03T13:52:28.784" v="6886"/>
-          <ac:inkMkLst>
-            <pc:docMk/>
-            <pc:sldMk cId="2262558534" sldId="262"/>
-            <ac:inkMk id="97" creationId="{601541F3-FB74-4DA4-B68B-F67F39FEB1A3}"/>
-          </ac:inkMkLst>
-        </pc:inkChg>
-        <pc:inkChg chg="add mod">
-          <ac:chgData name="Davide Romano" userId="c3ac3c10d9ce9e2a" providerId="LiveId" clId="{B14B8130-7782-43EB-987D-49D23A567CB4}" dt="2021-06-03T13:52:28.784" v="6886"/>
-          <ac:inkMkLst>
-            <pc:docMk/>
-            <pc:sldMk cId="2262558534" sldId="262"/>
-            <ac:inkMk id="98" creationId="{59DC9F2A-152E-4121-8F56-8FEA83D3DBE1}"/>
-          </ac:inkMkLst>
-        </pc:inkChg>
-        <pc:inkChg chg="add mod">
-          <ac:chgData name="Davide Romano" userId="c3ac3c10d9ce9e2a" providerId="LiveId" clId="{B14B8130-7782-43EB-987D-49D23A567CB4}" dt="2021-06-03T13:52:28.784" v="6886"/>
-          <ac:inkMkLst>
-            <pc:docMk/>
-            <pc:sldMk cId="2262558534" sldId="262"/>
-            <ac:inkMk id="99" creationId="{99551118-A15C-4908-9198-F925486157B2}"/>
-          </ac:inkMkLst>
-        </pc:inkChg>
-        <pc:inkChg chg="add mod">
-          <ac:chgData name="Davide Romano" userId="c3ac3c10d9ce9e2a" providerId="LiveId" clId="{B14B8130-7782-43EB-987D-49D23A567CB4}" dt="2021-06-03T13:52:28.784" v="6886"/>
-          <ac:inkMkLst>
-            <pc:docMk/>
-            <pc:sldMk cId="2262558534" sldId="262"/>
-            <ac:inkMk id="100" creationId="{058441B3-E892-4A68-94B1-5E75BD00046F}"/>
-          </ac:inkMkLst>
-        </pc:inkChg>
-        <pc:inkChg chg="add mod">
-          <ac:chgData name="Davide Romano" userId="c3ac3c10d9ce9e2a" providerId="LiveId" clId="{B14B8130-7782-43EB-987D-49D23A567CB4}" dt="2021-06-03T13:52:28.784" v="6886"/>
-          <ac:inkMkLst>
-            <pc:docMk/>
-            <pc:sldMk cId="2262558534" sldId="262"/>
-            <ac:inkMk id="101" creationId="{32A24340-D8CC-40B8-AE72-741E8B148979}"/>
-          </ac:inkMkLst>
-        </pc:inkChg>
-        <pc:inkChg chg="add mod">
-          <ac:chgData name="Davide Romano" userId="c3ac3c10d9ce9e2a" providerId="LiveId" clId="{B14B8130-7782-43EB-987D-49D23A567CB4}" dt="2021-06-03T13:52:28.784" v="6886"/>
-          <ac:inkMkLst>
-            <pc:docMk/>
-            <pc:sldMk cId="2262558534" sldId="262"/>
-            <ac:inkMk id="102" creationId="{E09E3F91-68E2-44FB-AEFD-C126E35A554C}"/>
-          </ac:inkMkLst>
-        </pc:inkChg>
-        <pc:inkChg chg="add mod">
-          <ac:chgData name="Davide Romano" userId="c3ac3c10d9ce9e2a" providerId="LiveId" clId="{B14B8130-7782-43EB-987D-49D23A567CB4}" dt="2021-06-03T13:52:28.784" v="6886"/>
-          <ac:inkMkLst>
-            <pc:docMk/>
-            <pc:sldMk cId="2262558534" sldId="262"/>
-            <ac:inkMk id="103" creationId="{11EDC0B8-989A-4778-82DF-08B18E024ACD}"/>
-          </ac:inkMkLst>
-        </pc:inkChg>
-        <pc:inkChg chg="add del">
-          <ac:chgData name="Davide Romano" userId="c3ac3c10d9ce9e2a" providerId="LiveId" clId="{B14B8130-7782-43EB-987D-49D23A567CB4}" dt="2021-06-05T14:07:34.869" v="11172" actId="478"/>
-          <ac:inkMkLst>
-            <pc:docMk/>
-            <pc:sldMk cId="2262558534" sldId="262"/>
-            <ac:inkMk id="105" creationId="{C05F2884-C962-44B8-95A3-1066653709F6}"/>
-          </ac:inkMkLst>
-        </pc:inkChg>
-        <pc:inkChg chg="add mod">
-          <ac:chgData name="Davide Romano" userId="c3ac3c10d9ce9e2a" providerId="LiveId" clId="{B14B8130-7782-43EB-987D-49D23A567CB4}" dt="2021-06-03T15:36:59.957" v="8501"/>
-          <ac:inkMkLst>
-            <pc:docMk/>
-            <pc:sldMk cId="2262558534" sldId="262"/>
-            <ac:inkMk id="106" creationId="{C8D5A541-60BE-454D-8564-D172E0C9BA72}"/>
-          </ac:inkMkLst>
-        </pc:inkChg>
-        <pc:inkChg chg="add mod">
-          <ac:chgData name="Davide Romano" userId="c3ac3c10d9ce9e2a" providerId="LiveId" clId="{B14B8130-7782-43EB-987D-49D23A567CB4}" dt="2021-06-03T15:36:59.957" v="8501"/>
-          <ac:inkMkLst>
-            <pc:docMk/>
-            <pc:sldMk cId="2262558534" sldId="262"/>
-            <ac:inkMk id="107" creationId="{B195DA09-CE1E-4B6B-973F-325E54FA976B}"/>
-          </ac:inkMkLst>
-        </pc:inkChg>
-        <pc:inkChg chg="add mod">
-          <ac:chgData name="Davide Romano" userId="c3ac3c10d9ce9e2a" providerId="LiveId" clId="{B14B8130-7782-43EB-987D-49D23A567CB4}" dt="2021-06-03T15:36:59.957" v="8501"/>
-          <ac:inkMkLst>
-            <pc:docMk/>
-            <pc:sldMk cId="2262558534" sldId="262"/>
-            <ac:inkMk id="108" creationId="{7B901D36-E076-4E44-B30B-D5B53F36586D}"/>
-          </ac:inkMkLst>
-        </pc:inkChg>
-        <pc:inkChg chg="add mod">
-          <ac:chgData name="Davide Romano" userId="c3ac3c10d9ce9e2a" providerId="LiveId" clId="{B14B8130-7782-43EB-987D-49D23A567CB4}" dt="2021-06-03T15:36:59.957" v="8501"/>
-          <ac:inkMkLst>
-            <pc:docMk/>
-            <pc:sldMk cId="2262558534" sldId="262"/>
-            <ac:inkMk id="109" creationId="{A5B0E802-0949-4FF9-BF35-032682D86818}"/>
-          </ac:inkMkLst>
-        </pc:inkChg>
-        <pc:inkChg chg="add mod">
-          <ac:chgData name="Davide Romano" userId="c3ac3c10d9ce9e2a" providerId="LiveId" clId="{B14B8130-7782-43EB-987D-49D23A567CB4}" dt="2021-06-03T15:36:59.957" v="8501"/>
-          <ac:inkMkLst>
-            <pc:docMk/>
-            <pc:sldMk cId="2262558534" sldId="262"/>
-            <ac:inkMk id="110" creationId="{91941776-8368-47FF-9AE8-4EBF989DA61B}"/>
-          </ac:inkMkLst>
-        </pc:inkChg>
-        <pc:inkChg chg="add mod">
-          <ac:chgData name="Davide Romano" userId="c3ac3c10d9ce9e2a" providerId="LiveId" clId="{B14B8130-7782-43EB-987D-49D23A567CB4}" dt="2021-06-05T13:27:11.701" v="11152"/>
-          <ac:inkMkLst>
-            <pc:docMk/>
-            <pc:sldMk cId="2262558534" sldId="262"/>
-            <ac:inkMk id="112" creationId="{E8A9618B-0019-4322-B9D0-4E67797A3912}"/>
-          </ac:inkMkLst>
-        </pc:inkChg>
-        <pc:inkChg chg="add mod">
-          <ac:chgData name="Davide Romano" userId="c3ac3c10d9ce9e2a" providerId="LiveId" clId="{B14B8130-7782-43EB-987D-49D23A567CB4}" dt="2021-06-05T13:27:11.701" v="11152"/>
-          <ac:inkMkLst>
-            <pc:docMk/>
-            <pc:sldMk cId="2262558534" sldId="262"/>
-            <ac:inkMk id="113" creationId="{A732A963-4A4F-427B-9D29-C21C48979812}"/>
-          </ac:inkMkLst>
-        </pc:inkChg>
-        <pc:inkChg chg="add mod">
-          <ac:chgData name="Davide Romano" userId="c3ac3c10d9ce9e2a" providerId="LiveId" clId="{B14B8130-7782-43EB-987D-49D23A567CB4}" dt="2021-06-05T13:27:11.701" v="11152"/>
-          <ac:inkMkLst>
-            <pc:docMk/>
-            <pc:sldMk cId="2262558534" sldId="262"/>
-            <ac:inkMk id="115" creationId="{8276623B-D51A-4D00-8342-4FB8BE574608}"/>
-          </ac:inkMkLst>
-        </pc:inkChg>
-        <pc:inkChg chg="add mod">
-          <ac:chgData name="Davide Romano" userId="c3ac3c10d9ce9e2a" providerId="LiveId" clId="{B14B8130-7782-43EB-987D-49D23A567CB4}" dt="2021-06-05T13:27:11.701" v="11152"/>
-          <ac:inkMkLst>
-            <pc:docMk/>
-            <pc:sldMk cId="2262558534" sldId="262"/>
-            <ac:inkMk id="116" creationId="{F9632EC4-C975-4C8B-BB88-0EAC3BA43746}"/>
-          </ac:inkMkLst>
-        </pc:inkChg>
-        <pc:inkChg chg="add mod">
-          <ac:chgData name="Davide Romano" userId="c3ac3c10d9ce9e2a" providerId="LiveId" clId="{B14B8130-7782-43EB-987D-49D23A567CB4}" dt="2021-06-05T13:27:48.432" v="11155"/>
-          <ac:inkMkLst>
-            <pc:docMk/>
-            <pc:sldMk cId="2262558534" sldId="262"/>
-            <ac:inkMk id="118" creationId="{62D37503-24AC-44A5-A074-77E2AEC9F068}"/>
-          </ac:inkMkLst>
-        </pc:inkChg>
-        <pc:inkChg chg="add mod">
-          <ac:chgData name="Davide Romano" userId="c3ac3c10d9ce9e2a" providerId="LiveId" clId="{B14B8130-7782-43EB-987D-49D23A567CB4}" dt="2021-06-05T13:27:48.432" v="11155"/>
-          <ac:inkMkLst>
-            <pc:docMk/>
-            <pc:sldMk cId="2262558534" sldId="262"/>
-            <ac:inkMk id="119" creationId="{88AC2199-F3A7-422A-9C3E-27D4DEFA9101}"/>
-          </ac:inkMkLst>
-        </pc:inkChg>
-        <pc:inkChg chg="add del">
-          <ac:chgData name="Davide Romano" userId="c3ac3c10d9ce9e2a" providerId="LiveId" clId="{B14B8130-7782-43EB-987D-49D23A567CB4}" dt="2021-06-05T13:29:19.869" v="11159" actId="9405"/>
-          <ac:inkMkLst>
-            <pc:docMk/>
-            <pc:sldMk cId="2262558534" sldId="262"/>
-            <ac:inkMk id="121" creationId="{98FE28D0-480A-400F-ABAF-49208AD41452}"/>
-          </ac:inkMkLst>
-        </pc:inkChg>
-        <pc:inkChg chg="add del">
-          <ac:chgData name="Davide Romano" userId="c3ac3c10d9ce9e2a" providerId="LiveId" clId="{B14B8130-7782-43EB-987D-49D23A567CB4}" dt="2021-06-05T13:29:19.527" v="11158" actId="9405"/>
-          <ac:inkMkLst>
-            <pc:docMk/>
-            <pc:sldMk cId="2262558534" sldId="262"/>
-            <ac:inkMk id="122" creationId="{3EA04D12-96CD-4AE0-8711-5F353D09D834}"/>
-          </ac:inkMkLst>
-        </pc:inkChg>
-      </pc:sldChg>
-      <pc:sldChg chg="delSp modSp del mod">
-        <pc:chgData name="Davide Romano" userId="c3ac3c10d9ce9e2a" providerId="LiveId" clId="{B14B8130-7782-43EB-987D-49D23A567CB4}" dt="2021-05-30T15:04:25.805" v="1798" actId="2696"/>
-        <pc:sldMkLst>
-          <pc:docMk/>
-          <pc:sldMk cId="18532425" sldId="263"/>
-        </pc:sldMkLst>
-        <pc:spChg chg="del">
-          <ac:chgData name="Davide Romano" userId="c3ac3c10d9ce9e2a" providerId="LiveId" clId="{B14B8130-7782-43EB-987D-49D23A567CB4}" dt="2021-05-30T13:52:01.072" v="1147" actId="478"/>
-          <ac:spMkLst>
-            <pc:docMk/>
-            <pc:sldMk cId="18532425" sldId="263"/>
-            <ac:spMk id="2" creationId="{2CF25644-C6BB-454A-B883-E4591B91425F}"/>
-          </ac:spMkLst>
-        </pc:spChg>
-        <pc:spChg chg="del">
-          <ac:chgData name="Davide Romano" userId="c3ac3c10d9ce9e2a" providerId="LiveId" clId="{B14B8130-7782-43EB-987D-49D23A567CB4}" dt="2021-05-30T13:52:02.299" v="1148" actId="478"/>
-          <ac:spMkLst>
-            <pc:docMk/>
-            <pc:sldMk cId="18532425" sldId="263"/>
-            <ac:spMk id="3" creationId="{8373F00F-EF17-46D6-A3B2-D9C82D9D5FDE}"/>
-          </ac:spMkLst>
-        </pc:spChg>
-        <pc:spChg chg="mod">
-          <ac:chgData name="Davide Romano" userId="c3ac3c10d9ce9e2a" providerId="LiveId" clId="{B14B8130-7782-43EB-987D-49D23A567CB4}" dt="2021-05-30T14:01:48.068" v="1492" actId="20577"/>
-          <ac:spMkLst>
-            <pc:docMk/>
-            <pc:sldMk cId="18532425" sldId="263"/>
-            <ac:spMk id="5" creationId="{A6D97257-32F1-46B3-9260-6D61D40AE718}"/>
-          </ac:spMkLst>
-        </pc:spChg>
-      </pc:sldChg>
-      <pc:sldChg chg="modSp mod">
-        <pc:chgData name="Davide Romano" userId="c3ac3c10d9ce9e2a" providerId="LiveId" clId="{B14B8130-7782-43EB-987D-49D23A567CB4}" dt="2021-06-04T09:29:27.939" v="9673" actId="207"/>
-        <pc:sldMkLst>
-          <pc:docMk/>
-          <pc:sldMk cId="1014551272" sldId="263"/>
-        </pc:sldMkLst>
-        <pc:spChg chg="mod">
-          <ac:chgData name="Davide Romano" userId="c3ac3c10d9ce9e2a" providerId="LiveId" clId="{B14B8130-7782-43EB-987D-49D23A567CB4}" dt="2021-06-02T09:18:01.984" v="4918" actId="14100"/>
-          <ac:spMkLst>
-            <pc:docMk/>
-            <pc:sldMk cId="1014551272" sldId="263"/>
-            <ac:spMk id="2" creationId="{F2EEFCDA-3B7B-460F-B7FF-25C4A73268AB}"/>
-          </ac:spMkLst>
-        </pc:spChg>
-        <pc:spChg chg="mod">
-          <ac:chgData name="Davide Romano" userId="c3ac3c10d9ce9e2a" providerId="LiveId" clId="{B14B8130-7782-43EB-987D-49D23A567CB4}" dt="2021-06-04T09:29:27.939" v="9673" actId="207"/>
-          <ac:spMkLst>
-            <pc:docMk/>
-            <pc:sldMk cId="1014551272" sldId="263"/>
-            <ac:spMk id="5" creationId="{24A7ACBE-DC98-415E-AFB1-964D20E9B782}"/>
-          </ac:spMkLst>
-        </pc:spChg>
-        <pc:spChg chg="mod">
-          <ac:chgData name="Davide Romano" userId="c3ac3c10d9ce9e2a" providerId="LiveId" clId="{B14B8130-7782-43EB-987D-49D23A567CB4}" dt="2021-06-04T09:21:30.358" v="9553" actId="20577"/>
-          <ac:spMkLst>
-            <pc:docMk/>
-            <pc:sldMk cId="1014551272" sldId="263"/>
-            <ac:spMk id="9" creationId="{B7B398FD-11D8-4B66-8CD5-300A1871C868}"/>
-          </ac:spMkLst>
-        </pc:spChg>
-      </pc:sldChg>
-      <pc:sldChg chg="addSp delSp modSp mod">
-        <pc:chgData name="Davide Romano" userId="c3ac3c10d9ce9e2a" providerId="LiveId" clId="{B14B8130-7782-43EB-987D-49D23A567CB4}" dt="2021-06-04T09:27:10.351" v="9652" actId="20577"/>
-        <pc:sldMkLst>
-          <pc:docMk/>
-          <pc:sldMk cId="1520066137" sldId="264"/>
-        </pc:sldMkLst>
-        <pc:spChg chg="add del mod">
-          <ac:chgData name="Davide Romano" userId="c3ac3c10d9ce9e2a" providerId="LiveId" clId="{B14B8130-7782-43EB-987D-49D23A567CB4}" dt="2021-06-04T09:26:56.509" v="9645" actId="20577"/>
-          <ac:spMkLst>
-            <pc:docMk/>
-            <pc:sldMk cId="1520066137" sldId="264"/>
-            <ac:spMk id="2" creationId="{D56CAC12-04E7-47E8-906E-814DB0BA81EA}"/>
-          </ac:spMkLst>
-        </pc:spChg>
-        <pc:spChg chg="add del mod">
-          <ac:chgData name="Davide Romano" userId="c3ac3c10d9ce9e2a" providerId="LiveId" clId="{B14B8130-7782-43EB-987D-49D23A567CB4}" dt="2021-06-01T15:07:00.042" v="2434"/>
-          <ac:spMkLst>
-            <pc:docMk/>
-            <pc:sldMk cId="1520066137" sldId="264"/>
-            <ac:spMk id="3" creationId="{22A5A06A-320F-44F5-B11E-82869A49420F}"/>
-          </ac:spMkLst>
-        </pc:spChg>
-        <pc:spChg chg="add mod">
-          <ac:chgData name="Davide Romano" userId="c3ac3c10d9ce9e2a" providerId="LiveId" clId="{B14B8130-7782-43EB-987D-49D23A567CB4}" dt="2021-06-04T09:27:10.351" v="9652" actId="20577"/>
-          <ac:spMkLst>
-            <pc:docMk/>
-            <pc:sldMk cId="1520066137" sldId="264"/>
-            <ac:spMk id="4" creationId="{E890DFDA-43FF-47F3-A640-D6FBD834B9B1}"/>
-          </ac:spMkLst>
-        </pc:spChg>
-      </pc:sldChg>
-      <pc:sldChg chg="del">
-        <pc:chgData name="Davide Romano" userId="c3ac3c10d9ce9e2a" providerId="LiveId" clId="{B14B8130-7782-43EB-987D-49D23A567CB4}" dt="2021-05-30T15:04:28.226" v="1799" actId="2696"/>
-        <pc:sldMkLst>
-          <pc:docMk/>
-          <pc:sldMk cId="2996220520" sldId="264"/>
-        </pc:sldMkLst>
-      </pc:sldChg>
-      <pc:sldChg chg="modSp mod">
-        <pc:chgData name="Davide Romano" userId="c3ac3c10d9ce9e2a" providerId="LiveId" clId="{B14B8130-7782-43EB-987D-49D23A567CB4}" dt="2021-06-04T09:29:20.116" v="9672" actId="20577"/>
-        <pc:sldMkLst>
-          <pc:docMk/>
-          <pc:sldMk cId="2904629529" sldId="265"/>
-        </pc:sldMkLst>
-        <pc:spChg chg="mod">
-          <ac:chgData name="Davide Romano" userId="c3ac3c10d9ce9e2a" providerId="LiveId" clId="{B14B8130-7782-43EB-987D-49D23A567CB4}" dt="2021-06-04T09:29:20.116" v="9672" actId="20577"/>
-          <ac:spMkLst>
-            <pc:docMk/>
-            <pc:sldMk cId="2904629529" sldId="265"/>
-            <ac:spMk id="5" creationId="{547B7B68-8863-4F09-B4D7-676839A090CB}"/>
-          </ac:spMkLst>
-        </pc:spChg>
-      </pc:sldChg>
-      <pc:sldChg chg="addSp delSp modSp new mod">
-        <pc:chgData name="Davide Romano" userId="c3ac3c10d9ce9e2a" providerId="LiveId" clId="{B14B8130-7782-43EB-987D-49D23A567CB4}" dt="2021-06-05T16:41:28.033" v="11599" actId="313"/>
-        <pc:sldMkLst>
-          <pc:docMk/>
-          <pc:sldMk cId="3776714482" sldId="266"/>
-        </pc:sldMkLst>
-        <pc:spChg chg="del">
-          <ac:chgData name="Davide Romano" userId="c3ac3c10d9ce9e2a" providerId="LiveId" clId="{B14B8130-7782-43EB-987D-49D23A567CB4}" dt="2021-06-01T15:59:52.315" v="2769" actId="478"/>
-          <ac:spMkLst>
-            <pc:docMk/>
-            <pc:sldMk cId="3776714482" sldId="266"/>
-            <ac:spMk id="2" creationId="{2D914C88-EAA7-4AB4-9A03-2BD3E44088CB}"/>
-          </ac:spMkLst>
-        </pc:spChg>
-        <pc:spChg chg="add mod">
-          <ac:chgData name="Davide Romano" userId="c3ac3c10d9ce9e2a" providerId="LiveId" clId="{B14B8130-7782-43EB-987D-49D23A567CB4}" dt="2021-06-02T10:00:32.476" v="5125" actId="1076"/>
-          <ac:spMkLst>
-            <pc:docMk/>
-            <pc:sldMk cId="3776714482" sldId="266"/>
-            <ac:spMk id="2" creationId="{6F25B206-F411-40D8-93AD-862A3BE2F09E}"/>
-          </ac:spMkLst>
-        </pc:spChg>
-        <pc:spChg chg="mod">
-          <ac:chgData name="Davide Romano" userId="c3ac3c10d9ce9e2a" providerId="LiveId" clId="{B14B8130-7782-43EB-987D-49D23A567CB4}" dt="2021-06-05T16:41:28.033" v="11599" actId="313"/>
-          <ac:spMkLst>
-            <pc:docMk/>
-            <pc:sldMk cId="3776714482" sldId="266"/>
-            <ac:spMk id="3" creationId="{06AC63E7-FD21-494C-9BCC-923FE382CF68}"/>
-          </ac:spMkLst>
-        </pc:spChg>
-      </pc:sldChg>
-      <pc:sldChg chg="addSp delSp modSp new mod">
-        <pc:chgData name="Davide Romano" userId="c3ac3c10d9ce9e2a" providerId="LiveId" clId="{B14B8130-7782-43EB-987D-49D23A567CB4}" dt="2021-06-02T10:37:26.429" v="5367" actId="255"/>
-        <pc:sldMkLst>
-          <pc:docMk/>
-          <pc:sldMk cId="2512718786" sldId="267"/>
-        </pc:sldMkLst>
-        <pc:spChg chg="add mod">
-          <ac:chgData name="Davide Romano" userId="c3ac3c10d9ce9e2a" providerId="LiveId" clId="{B14B8130-7782-43EB-987D-49D23A567CB4}" dt="2021-06-02T10:37:06.068" v="5360" actId="255"/>
-          <ac:spMkLst>
-            <pc:docMk/>
-            <pc:sldMk cId="2512718786" sldId="267"/>
-            <ac:spMk id="2" creationId="{21CA935D-93E7-44F7-9BE2-C29BEAD33742}"/>
-          </ac:spMkLst>
-        </pc:spChg>
-        <pc:spChg chg="del">
-          <ac:chgData name="Davide Romano" userId="c3ac3c10d9ce9e2a" providerId="LiveId" clId="{B14B8130-7782-43EB-987D-49D23A567CB4}" dt="2021-06-01T16:12:48.783" v="3137" actId="478"/>
-          <ac:spMkLst>
-            <pc:docMk/>
-            <pc:sldMk cId="2512718786" sldId="267"/>
-            <ac:spMk id="2" creationId="{279F17C4-37E9-4C6A-AB44-4272462F0538}"/>
-          </ac:spMkLst>
-        </pc:spChg>
-        <pc:spChg chg="mod">
-          <ac:chgData name="Davide Romano" userId="c3ac3c10d9ce9e2a" providerId="LiveId" clId="{B14B8130-7782-43EB-987D-49D23A567CB4}" dt="2021-06-02T10:37:26.429" v="5367" actId="255"/>
-          <ac:spMkLst>
-            <pc:docMk/>
-            <pc:sldMk cId="2512718786" sldId="267"/>
-            <ac:spMk id="3" creationId="{208110D2-D72A-4954-A9E7-B3348AD41880}"/>
-          </ac:spMkLst>
-        </pc:spChg>
-      </pc:sldChg>
-      <pc:sldChg chg="delSp modSp new mod">
-        <pc:chgData name="Davide Romano" userId="c3ac3c10d9ce9e2a" providerId="LiveId" clId="{B14B8130-7782-43EB-987D-49D23A567CB4}" dt="2021-06-02T10:37:50.012" v="5381" actId="403"/>
-        <pc:sldMkLst>
-          <pc:docMk/>
-          <pc:sldMk cId="2290920864" sldId="268"/>
-        </pc:sldMkLst>
-        <pc:spChg chg="del">
-          <ac:chgData name="Davide Romano" userId="c3ac3c10d9ce9e2a" providerId="LiveId" clId="{B14B8130-7782-43EB-987D-49D23A567CB4}" dt="2021-06-01T16:47:46.458" v="3430" actId="478"/>
-          <ac:spMkLst>
-            <pc:docMk/>
-            <pc:sldMk cId="2290920864" sldId="268"/>
-            <ac:spMk id="2" creationId="{5D610225-8808-41EF-A69E-CDECD9EC12FF}"/>
-          </ac:spMkLst>
-        </pc:spChg>
-        <pc:spChg chg="mod">
-          <ac:chgData name="Davide Romano" userId="c3ac3c10d9ce9e2a" providerId="LiveId" clId="{B14B8130-7782-43EB-987D-49D23A567CB4}" dt="2021-06-02T10:37:50.012" v="5381" actId="403"/>
-          <ac:spMkLst>
-            <pc:docMk/>
-            <pc:sldMk cId="2290920864" sldId="268"/>
-            <ac:spMk id="3" creationId="{CF7F9D15-2369-4008-ABB1-46B3311707CC}"/>
-          </ac:spMkLst>
-        </pc:spChg>
-      </pc:sldChg>
-      <pc:sldChg chg="addSp modSp new mod">
-        <pc:chgData name="Davide Romano" userId="c3ac3c10d9ce9e2a" providerId="LiveId" clId="{B14B8130-7782-43EB-987D-49D23A567CB4}" dt="2021-06-05T17:21:11.401" v="11770" actId="207"/>
-        <pc:sldMkLst>
-          <pc:docMk/>
-          <pc:sldMk cId="1622650760" sldId="269"/>
-        </pc:sldMkLst>
-        <pc:spChg chg="mod">
-          <ac:chgData name="Davide Romano" userId="c3ac3c10d9ce9e2a" providerId="LiveId" clId="{B14B8130-7782-43EB-987D-49D23A567CB4}" dt="2021-06-02T09:03:20.696" v="3961" actId="1076"/>
-          <ac:spMkLst>
-            <pc:docMk/>
-            <pc:sldMk cId="1622650760" sldId="269"/>
-            <ac:spMk id="2" creationId="{9BB75058-DCFD-4B3B-A72B-86EBC87B12A5}"/>
-          </ac:spMkLst>
-        </pc:spChg>
-        <pc:spChg chg="mod">
-          <ac:chgData name="Davide Romano" userId="c3ac3c10d9ce9e2a" providerId="LiveId" clId="{B14B8130-7782-43EB-987D-49D23A567CB4}" dt="2021-06-05T17:20:18.055" v="11749" actId="14100"/>
-          <ac:spMkLst>
-            <pc:docMk/>
-            <pc:sldMk cId="1622650760" sldId="269"/>
-            <ac:spMk id="3" creationId="{0ED52FF0-FEB1-4FF2-92D3-1945BCC0794B}"/>
-          </ac:spMkLst>
-        </pc:spChg>
-        <pc:spChg chg="add mod">
-          <ac:chgData name="Davide Romano" userId="c3ac3c10d9ce9e2a" providerId="LiveId" clId="{B14B8130-7782-43EB-987D-49D23A567CB4}" dt="2021-06-05T17:21:11.401" v="11770" actId="207"/>
-          <ac:spMkLst>
-            <pc:docMk/>
-            <pc:sldMk cId="1622650760" sldId="269"/>
-            <ac:spMk id="4" creationId="{40BFD8B9-EF8C-4C4C-8E5E-AFBF1FE0955F}"/>
-          </ac:spMkLst>
-        </pc:spChg>
-      </pc:sldChg>
-      <pc:sldChg chg="addSp delSp modSp new del mod">
-        <pc:chgData name="Davide Romano" userId="c3ac3c10d9ce9e2a" providerId="LiveId" clId="{B14B8130-7782-43EB-987D-49D23A567CB4}" dt="2021-06-02T13:29:02.020" v="6607" actId="2696"/>
-        <pc:sldMkLst>
-          <pc:docMk/>
-          <pc:sldMk cId="410689081" sldId="270"/>
-        </pc:sldMkLst>
-        <pc:spChg chg="mod">
-          <ac:chgData name="Davide Romano" userId="c3ac3c10d9ce9e2a" providerId="LiveId" clId="{B14B8130-7782-43EB-987D-49D23A567CB4}" dt="2021-06-02T10:39:45.518" v="5393" actId="122"/>
-          <ac:spMkLst>
-            <pc:docMk/>
-            <pc:sldMk cId="410689081" sldId="270"/>
-            <ac:spMk id="2" creationId="{FE881D5C-55E0-4533-9DD4-2858625731CD}"/>
-          </ac:spMkLst>
-        </pc:spChg>
-        <pc:spChg chg="mod">
-          <ac:chgData name="Davide Romano" userId="c3ac3c10d9ce9e2a" providerId="LiveId" clId="{B14B8130-7782-43EB-987D-49D23A567CB4}" dt="2021-06-02T13:28:57.685" v="6606" actId="20577"/>
-          <ac:spMkLst>
-            <pc:docMk/>
-            <pc:sldMk cId="410689081" sldId="270"/>
-            <ac:spMk id="3" creationId="{9D58A5D8-0298-40CC-AA20-DC08B129649B}"/>
-          </ac:spMkLst>
-        </pc:spChg>
-        <pc:spChg chg="add del mod">
-          <ac:chgData name="Davide Romano" userId="c3ac3c10d9ce9e2a" providerId="LiveId" clId="{B14B8130-7782-43EB-987D-49D23A567CB4}" dt="2021-06-02T13:28:23.477" v="6603" actId="21"/>
-          <ac:spMkLst>
-            <pc:docMk/>
-            <pc:sldMk cId="410689081" sldId="270"/>
-            <ac:spMk id="4" creationId="{B8E5808A-A4AB-4DEF-9504-9C88FF66BBDD}"/>
-          </ac:spMkLst>
-        </pc:spChg>
-      </pc:sldChg>
-      <pc:sldChg chg="addSp modSp mod">
-        <pc:chgData name="Davide Romano" userId="c3ac3c10d9ce9e2a" providerId="LiveId" clId="{B14B8130-7782-43EB-987D-49D23A567CB4}" dt="2021-06-02T14:48:12.838" v="6767" actId="20577"/>
-        <pc:sldMkLst>
-          <pc:docMk/>
-          <pc:sldMk cId="59111166" sldId="271"/>
-        </pc:sldMkLst>
-        <pc:spChg chg="mod">
-          <ac:chgData name="Davide Romano" userId="c3ac3c10d9ce9e2a" providerId="LiveId" clId="{B14B8130-7782-43EB-987D-49D23A567CB4}" dt="2021-06-02T14:48:12.838" v="6767" actId="20577"/>
-          <ac:spMkLst>
-            <pc:docMk/>
-            <pc:sldMk cId="59111166" sldId="271"/>
-            <ac:spMk id="3" creationId="{43207D95-BE19-48A2-9AC7-26D59EA281A1}"/>
-          </ac:spMkLst>
-        </pc:spChg>
-        <pc:spChg chg="add mod">
-          <ac:chgData name="Davide Romano" userId="c3ac3c10d9ce9e2a" providerId="LiveId" clId="{B14B8130-7782-43EB-987D-49D23A567CB4}" dt="2021-06-02T13:28:27.974" v="6605" actId="1076"/>
-          <ac:spMkLst>
-            <pc:docMk/>
-            <pc:sldMk cId="59111166" sldId="271"/>
-            <ac:spMk id="5" creationId="{08CE9197-F09D-4608-9BB3-46D24FFBDCF3}"/>
-          </ac:spMkLst>
-        </pc:spChg>
-      </pc:sldChg>
-      <pc:sldChg chg="addSp delSp modSp new mod ord">
-        <pc:chgData name="Davide Romano" userId="c3ac3c10d9ce9e2a" providerId="LiveId" clId="{B14B8130-7782-43EB-987D-49D23A567CB4}" dt="2021-06-05T17:21:54.056" v="11795" actId="20577"/>
-        <pc:sldMkLst>
-          <pc:docMk/>
-          <pc:sldMk cId="4002604732" sldId="272"/>
-        </pc:sldMkLst>
-        <pc:spChg chg="mod">
-          <ac:chgData name="Davide Romano" userId="c3ac3c10d9ce9e2a" providerId="LiveId" clId="{B14B8130-7782-43EB-987D-49D23A567CB4}" dt="2021-06-04T10:30:25.082" v="10541" actId="1076"/>
-          <ac:spMkLst>
-            <pc:docMk/>
-            <pc:sldMk cId="4002604732" sldId="272"/>
-            <ac:spMk id="2" creationId="{36E5CEDA-850E-4CB0-8FE4-4517A5FEEF25}"/>
-          </ac:spMkLst>
-        </pc:spChg>
-        <pc:spChg chg="del mod">
-          <ac:chgData name="Davide Romano" userId="c3ac3c10d9ce9e2a" providerId="LiveId" clId="{B14B8130-7782-43EB-987D-49D23A567CB4}" dt="2021-06-04T10:18:37.498" v="10003" actId="478"/>
-          <ac:spMkLst>
-            <pc:docMk/>
-            <pc:sldMk cId="4002604732" sldId="272"/>
-            <ac:spMk id="3" creationId="{337D7462-2DAC-4D99-89DA-74E7991B4067}"/>
-          </ac:spMkLst>
-        </pc:spChg>
-        <pc:spChg chg="add mod">
-          <ac:chgData name="Davide Romano" userId="c3ac3c10d9ce9e2a" providerId="LiveId" clId="{B14B8130-7782-43EB-987D-49D23A567CB4}" dt="2021-06-05T17:21:54.056" v="11795" actId="20577"/>
-          <ac:spMkLst>
-            <pc:docMk/>
-            <pc:sldMk cId="4002604732" sldId="272"/>
-            <ac:spMk id="4" creationId="{602FA3EC-2A86-4AD1-B355-294B7FE53763}"/>
-          </ac:spMkLst>
-        </pc:spChg>
-      </pc:sldChg>
-      <pc:sldChg chg="addSp modSp new mod">
-        <pc:chgData name="Davide Romano" userId="c3ac3c10d9ce9e2a" providerId="LiveId" clId="{B14B8130-7782-43EB-987D-49D23A567CB4}" dt="2021-06-06T15:23:45.204" v="11896" actId="20577"/>
-        <pc:sldMkLst>
-          <pc:docMk/>
-          <pc:sldMk cId="759608758" sldId="273"/>
-        </pc:sldMkLst>
-        <pc:spChg chg="mod">
-          <ac:chgData name="Davide Romano" userId="c3ac3c10d9ce9e2a" providerId="LiveId" clId="{B14B8130-7782-43EB-987D-49D23A567CB4}" dt="2021-06-02T13:43:35.912" v="6630" actId="255"/>
-          <ac:spMkLst>
-            <pc:docMk/>
-            <pc:sldMk cId="759608758" sldId="273"/>
-            <ac:spMk id="2" creationId="{E6F88AD8-912C-4064-BCA3-E14AA29B8319}"/>
-          </ac:spMkLst>
-        </pc:spChg>
-        <pc:spChg chg="mod">
-          <ac:chgData name="Davide Romano" userId="c3ac3c10d9ce9e2a" providerId="LiveId" clId="{B14B8130-7782-43EB-987D-49D23A567CB4}" dt="2021-06-06T15:23:45.204" v="11896" actId="20577"/>
-          <ac:spMkLst>
-            <pc:docMk/>
-            <pc:sldMk cId="759608758" sldId="273"/>
-            <ac:spMk id="3" creationId="{9E26B18A-41EE-40A9-9D3C-E59FEC7AA35D}"/>
-          </ac:spMkLst>
-        </pc:spChg>
-        <pc:spChg chg="add mod">
-          <ac:chgData name="Davide Romano" userId="c3ac3c10d9ce9e2a" providerId="LiveId" clId="{B14B8130-7782-43EB-987D-49D23A567CB4}" dt="2021-06-02T17:40:27.315" v="6774" actId="20577"/>
-          <ac:spMkLst>
-            <pc:docMk/>
-            <pc:sldMk cId="759608758" sldId="273"/>
-            <ac:spMk id="4" creationId="{A1B3D0BC-4DB4-420F-8797-6533C6FBEF9E}"/>
-          </ac:spMkLst>
-        </pc:spChg>
-      </pc:sldChg>
-      <pc:sldChg chg="modSp mod ord">
-        <pc:chgData name="Davide Romano" userId="c3ac3c10d9ce9e2a" providerId="LiveId" clId="{B14B8130-7782-43EB-987D-49D23A567CB4}" dt="2021-06-05T16:22:07.778" v="11482" actId="313"/>
-        <pc:sldMkLst>
-          <pc:docMk/>
-          <pc:sldMk cId="3559874528" sldId="274"/>
-        </pc:sldMkLst>
-        <pc:spChg chg="mod">
-          <ac:chgData name="Davide Romano" userId="c3ac3c10d9ce9e2a" providerId="LiveId" clId="{B14B8130-7782-43EB-987D-49D23A567CB4}" dt="2021-06-05T16:22:07.778" v="11482" actId="313"/>
-          <ac:spMkLst>
-            <pc:docMk/>
-            <pc:sldMk cId="3559874528" sldId="274"/>
-            <ac:spMk id="2" creationId="{84FBF444-9288-4579-8734-36339035B881}"/>
-          </ac:spMkLst>
-        </pc:spChg>
-      </pc:sldChg>
-      <pc:sldChg chg="addSp modSp mod">
-        <pc:chgData name="Davide Romano" userId="c3ac3c10d9ce9e2a" providerId="LiveId" clId="{B14B8130-7782-43EB-987D-49D23A567CB4}" dt="2021-06-05T17:22:10.686" v="11800" actId="20577"/>
-        <pc:sldMkLst>
-          <pc:docMk/>
-          <pc:sldMk cId="2082295682" sldId="275"/>
-        </pc:sldMkLst>
-        <pc:spChg chg="add mod">
-          <ac:chgData name="Davide Romano" userId="c3ac3c10d9ce9e2a" providerId="LiveId" clId="{B14B8130-7782-43EB-987D-49D23A567CB4}" dt="2021-06-04T10:41:32.895" v="11134" actId="1076"/>
-          <ac:spMkLst>
-            <pc:docMk/>
-            <pc:sldMk cId="2082295682" sldId="275"/>
-            <ac:spMk id="3" creationId="{18065B3D-8C6E-498E-8910-B3438E5BAB38}"/>
-          </ac:spMkLst>
-        </pc:spChg>
-        <pc:spChg chg="mod">
-          <ac:chgData name="Davide Romano" userId="c3ac3c10d9ce9e2a" providerId="LiveId" clId="{B14B8130-7782-43EB-987D-49D23A567CB4}" dt="2021-06-05T17:22:10.686" v="11800" actId="20577"/>
-          <ac:spMkLst>
-            <pc:docMk/>
-            <pc:sldMk cId="2082295682" sldId="275"/>
-            <ac:spMk id="4" creationId="{602FA3EC-2A86-4AD1-B355-294B7FE53763}"/>
-          </ac:spMkLst>
-        </pc:spChg>
-      </pc:sldChg>
-      <pc:sldChg chg="delSp modSp mod">
-        <pc:chgData name="Davide Romano" userId="c3ac3c10d9ce9e2a" providerId="LiveId" clId="{B14B8130-7782-43EB-987D-49D23A567CB4}" dt="2021-06-06T15:27:37.520" v="11919" actId="403"/>
-        <pc:sldMkLst>
-          <pc:docMk/>
-          <pc:sldMk cId="481757856" sldId="276"/>
-        </pc:sldMkLst>
-        <pc:spChg chg="del">
-          <ac:chgData name="Davide Romano" userId="c3ac3c10d9ce9e2a" providerId="LiveId" clId="{B14B8130-7782-43EB-987D-49D23A567CB4}" dt="2021-06-05T17:33:06.993" v="11817" actId="478"/>
-          <ac:spMkLst>
-            <pc:docMk/>
-            <pc:sldMk cId="481757856" sldId="276"/>
-            <ac:spMk id="2" creationId="{CCC478D7-A4BF-4F10-AD4C-7478E9C4EAD1}"/>
-          </ac:spMkLst>
-        </pc:spChg>
-        <pc:spChg chg="mod">
-          <ac:chgData name="Davide Romano" userId="c3ac3c10d9ce9e2a" providerId="LiveId" clId="{B14B8130-7782-43EB-987D-49D23A567CB4}" dt="2021-06-06T15:27:37.520" v="11919" actId="403"/>
-          <ac:spMkLst>
-            <pc:docMk/>
-            <pc:sldMk cId="481757856" sldId="276"/>
-            <ac:spMk id="5" creationId="{9B5E12BC-4A19-4D6D-9F7C-0E6EA85A9B0F}"/>
-          </ac:spMkLst>
-        </pc:spChg>
-        <pc:spChg chg="mod">
-          <ac:chgData name="Davide Romano" userId="c3ac3c10d9ce9e2a" providerId="LiveId" clId="{B14B8130-7782-43EB-987D-49D23A567CB4}" dt="2021-06-05T17:33:23.438" v="11857" actId="1076"/>
-          <ac:spMkLst>
-            <pc:docMk/>
-            <pc:sldMk cId="481757856" sldId="276"/>
-            <ac:spMk id="6" creationId="{AF724172-295E-46FF-B497-74462AA6CF2A}"/>
-          </ac:spMkLst>
-        </pc:spChg>
-        <pc:spChg chg="del">
-          <ac:chgData name="Davide Romano" userId="c3ac3c10d9ce9e2a" providerId="LiveId" clId="{B14B8130-7782-43EB-987D-49D23A567CB4}" dt="2021-06-05T17:32:43.086" v="11808" actId="478"/>
-          <ac:spMkLst>
-            <pc:docMk/>
-            <pc:sldMk cId="481757856" sldId="276"/>
-            <ac:spMk id="7" creationId="{3255F5B4-723B-415F-BD72-C616395BA102}"/>
-          </ac:spMkLst>
-        </pc:spChg>
-        <pc:spChg chg="del mod">
-          <ac:chgData name="Davide Romano" userId="c3ac3c10d9ce9e2a" providerId="LiveId" clId="{B14B8130-7782-43EB-987D-49D23A567CB4}" dt="2021-06-05T17:32:47.928" v="11811" actId="478"/>
-          <ac:spMkLst>
-            <pc:docMk/>
-            <pc:sldMk cId="481757856" sldId="276"/>
-            <ac:spMk id="8" creationId="{0FFF603D-C33B-42AF-9A91-BCA1C662274B}"/>
-          </ac:spMkLst>
-        </pc:spChg>
-        <pc:spChg chg="del">
-          <ac:chgData name="Davide Romano" userId="c3ac3c10d9ce9e2a" providerId="LiveId" clId="{B14B8130-7782-43EB-987D-49D23A567CB4}" dt="2021-06-05T17:32:45.871" v="11809" actId="478"/>
-          <ac:spMkLst>
-            <pc:docMk/>
-            <pc:sldMk cId="481757856" sldId="276"/>
-            <ac:spMk id="9" creationId="{94E5A92D-84F2-4CC6-B4C0-4F03652DF892}"/>
-          </ac:spMkLst>
-        </pc:spChg>
-        <pc:spChg chg="del">
-          <ac:chgData name="Davide Romano" userId="c3ac3c10d9ce9e2a" providerId="LiveId" clId="{B14B8130-7782-43EB-987D-49D23A567CB4}" dt="2021-06-05T17:32:45.871" v="11809" actId="478"/>
-          <ac:spMkLst>
-            <pc:docMk/>
-            <pc:sldMk cId="481757856" sldId="276"/>
-            <ac:spMk id="10" creationId="{A0179B4B-D30E-4233-988B-83A42B69A715}"/>
-          </ac:spMkLst>
-        </pc:spChg>
-        <pc:spChg chg="del">
-          <ac:chgData name="Davide Romano" userId="c3ac3c10d9ce9e2a" providerId="LiveId" clId="{B14B8130-7782-43EB-987D-49D23A567CB4}" dt="2021-06-05T17:32:45.871" v="11809" actId="478"/>
-          <ac:spMkLst>
-            <pc:docMk/>
-            <pc:sldMk cId="481757856" sldId="276"/>
-            <ac:spMk id="11" creationId="{523B4FBB-3B63-44B9-94FF-4F7925E557BC}"/>
-          </ac:spMkLst>
-        </pc:spChg>
-        <pc:spChg chg="del">
-          <ac:chgData name="Davide Romano" userId="c3ac3c10d9ce9e2a" providerId="LiveId" clId="{B14B8130-7782-43EB-987D-49D23A567CB4}" dt="2021-06-05T17:32:49.247" v="11812" actId="478"/>
-          <ac:spMkLst>
-            <pc:docMk/>
-            <pc:sldMk cId="481757856" sldId="276"/>
-            <ac:spMk id="12" creationId="{1BCA5EC5-79BD-453B-B030-9A68B4EA7CA0}"/>
-          </ac:spMkLst>
-        </pc:spChg>
-        <pc:spChg chg="del">
-          <ac:chgData name="Davide Romano" userId="c3ac3c10d9ce9e2a" providerId="LiveId" clId="{B14B8130-7782-43EB-987D-49D23A567CB4}" dt="2021-06-05T17:32:45.871" v="11809" actId="478"/>
-          <ac:spMkLst>
-            <pc:docMk/>
-            <pc:sldMk cId="481757856" sldId="276"/>
-            <ac:spMk id="13" creationId="{DD80EDEF-DF2C-40F2-9471-73653433E605}"/>
-          </ac:spMkLst>
-        </pc:spChg>
-        <pc:spChg chg="del">
-          <ac:chgData name="Davide Romano" userId="c3ac3c10d9ce9e2a" providerId="LiveId" clId="{B14B8130-7782-43EB-987D-49D23A567CB4}" dt="2021-06-05T17:32:45.871" v="11809" actId="478"/>
-          <ac:spMkLst>
-            <pc:docMk/>
-            <pc:sldMk cId="481757856" sldId="276"/>
-            <ac:spMk id="14" creationId="{8AE3BF7C-451E-46A8-96E1-E962A3FAA25D}"/>
-          </ac:spMkLst>
-        </pc:spChg>
-      </pc:sldChg>
-      <pc:sldChg chg="delSp new del mod">
-        <pc:chgData name="Davide Romano" userId="c3ac3c10d9ce9e2a" providerId="LiveId" clId="{B14B8130-7782-43EB-987D-49D23A567CB4}" dt="2021-06-05T17:32:33.489" v="11807" actId="47"/>
-        <pc:sldMkLst>
-          <pc:docMk/>
-          <pc:sldMk cId="3739782397" sldId="276"/>
-        </pc:sldMkLst>
-        <pc:spChg chg="del">
-          <ac:chgData name="Davide Romano" userId="c3ac3c10d9ce9e2a" providerId="LiveId" clId="{B14B8130-7782-43EB-987D-49D23A567CB4}" dt="2021-06-05T17:32:26.224" v="11805" actId="478"/>
-          <ac:spMkLst>
-            <pc:docMk/>
-            <pc:sldMk cId="3739782397" sldId="276"/>
-            <ac:spMk id="2" creationId="{ECA2A098-1635-4129-A7DC-22C8B776EDAC}"/>
-          </ac:spMkLst>
-        </pc:spChg>
-        <pc:spChg chg="del">
-          <ac:chgData name="Davide Romano" userId="c3ac3c10d9ce9e2a" providerId="LiveId" clId="{B14B8130-7782-43EB-987D-49D23A567CB4}" dt="2021-06-05T17:32:27.108" v="11806" actId="478"/>
-          <ac:spMkLst>
-            <pc:docMk/>
-            <pc:sldMk cId="3739782397" sldId="276"/>
-            <ac:spMk id="3" creationId="{14472FB9-642A-498A-A189-B94F0C1B6181}"/>
-          </ac:spMkLst>
-        </pc:spChg>
-      </pc:sldChg>
-      <pc:sldChg chg="modSp new mod">
-        <pc:chgData name="Davide Romano" userId="c3ac3c10d9ce9e2a" providerId="LiveId" clId="{B14B8130-7782-43EB-987D-49D23A567CB4}" dt="2021-06-06T17:26:31.842" v="12182" actId="20577"/>
-        <pc:sldMkLst>
-          <pc:docMk/>
-          <pc:sldMk cId="3546326302" sldId="277"/>
-        </pc:sldMkLst>
-        <pc:spChg chg="mod">
-          <ac:chgData name="Davide Romano" userId="c3ac3c10d9ce9e2a" providerId="LiveId" clId="{B14B8130-7782-43EB-987D-49D23A567CB4}" dt="2021-06-06T16:37:32.566" v="11946" actId="20577"/>
-          <ac:spMkLst>
-            <pc:docMk/>
-            <pc:sldMk cId="3546326302" sldId="277"/>
-            <ac:spMk id="2" creationId="{1706A7DC-0D5B-4B29-868A-2F591C74EE8D}"/>
-          </ac:spMkLst>
-        </pc:spChg>
-        <pc:spChg chg="mod">
-          <ac:chgData name="Davide Romano" userId="c3ac3c10d9ce9e2a" providerId="LiveId" clId="{B14B8130-7782-43EB-987D-49D23A567CB4}" dt="2021-06-06T17:26:31.842" v="12182" actId="20577"/>
-          <ac:spMkLst>
-            <pc:docMk/>
-            <pc:sldMk cId="3546326302" sldId="277"/>
-            <ac:spMk id="3" creationId="{AEB66FC2-C8C8-444C-881F-77F0B81C3594}"/>
-          </ac:spMkLst>
-        </pc:spChg>
-      </pc:sldChg>
-    </pc:docChg>
-  </pc:docChgLst>
-  <pc:docChgLst>
-    <pc:chgData name="Utente guest" providerId="Windows Live" clId="Web-{51DCA8CF-D795-4A4F-9967-BAB967FB6AC1}"/>
-    <pc:docChg chg="addSld modSld modSection">
-      <pc:chgData name="Utente guest" userId="" providerId="Windows Live" clId="Web-{51DCA8CF-D795-4A4F-9967-BAB967FB6AC1}" dt="2021-06-02T14:28:02.065" v="294" actId="20577"/>
-      <pc:docMkLst>
-        <pc:docMk/>
-      </pc:docMkLst>
-      <pc:sldChg chg="modSp">
-        <pc:chgData name="Utente guest" userId="" providerId="Windows Live" clId="Web-{51DCA8CF-D795-4A4F-9967-BAB967FB6AC1}" dt="2021-06-02T14:28:02.065" v="294" actId="20577"/>
-        <pc:sldMkLst>
-          <pc:docMk/>
-          <pc:sldMk cId="454804502" sldId="261"/>
-        </pc:sldMkLst>
-        <pc:spChg chg="mod">
-          <ac:chgData name="Utente guest" userId="" providerId="Windows Live" clId="Web-{51DCA8CF-D795-4A4F-9967-BAB967FB6AC1}" dt="2021-06-02T14:28:02.065" v="294" actId="20577"/>
-          <ac:spMkLst>
-            <pc:docMk/>
-            <pc:sldMk cId="454804502" sldId="261"/>
-            <ac:spMk id="3" creationId="{8CDEC847-E9FA-49FF-BAD9-93C23970BB6B}"/>
-          </ac:spMkLst>
-        </pc:spChg>
-      </pc:sldChg>
-      <pc:sldChg chg="modSp">
-        <pc:chgData name="Utente guest" userId="" providerId="Windows Live" clId="Web-{51DCA8CF-D795-4A4F-9967-BAB967FB6AC1}" dt="2021-06-02T10:06:58.670" v="2" actId="20577"/>
-        <pc:sldMkLst>
-          <pc:docMk/>
-          <pc:sldMk cId="3776714482" sldId="266"/>
-        </pc:sldMkLst>
-        <pc:spChg chg="mod">
-          <ac:chgData name="Utente guest" userId="" providerId="Windows Live" clId="Web-{51DCA8CF-D795-4A4F-9967-BAB967FB6AC1}" dt="2021-06-02T10:06:58.670" v="2" actId="20577"/>
-          <ac:spMkLst>
-            <pc:docMk/>
-            <pc:sldMk cId="3776714482" sldId="266"/>
-            <ac:spMk id="3" creationId="{06AC63E7-FD21-494C-9BCC-923FE382CF68}"/>
-          </ac:spMkLst>
-        </pc:spChg>
-      </pc:sldChg>
-      <pc:sldChg chg="modSp">
-        <pc:chgData name="Utente guest" userId="" providerId="Windows Live" clId="Web-{51DCA8CF-D795-4A4F-9967-BAB967FB6AC1}" dt="2021-06-02T10:32:06.025" v="16" actId="20577"/>
-        <pc:sldMkLst>
-          <pc:docMk/>
-          <pc:sldMk cId="2512718786" sldId="267"/>
-        </pc:sldMkLst>
-        <pc:spChg chg="mod">
-          <ac:chgData name="Utente guest" userId="" providerId="Windows Live" clId="Web-{51DCA8CF-D795-4A4F-9967-BAB967FB6AC1}" dt="2021-06-02T10:32:06.025" v="16" actId="20577"/>
-          <ac:spMkLst>
-            <pc:docMk/>
-            <pc:sldMk cId="2512718786" sldId="267"/>
-            <ac:spMk id="3" creationId="{208110D2-D72A-4954-A9E7-B3348AD41880}"/>
-          </ac:spMkLst>
-        </pc:spChg>
-      </pc:sldChg>
-      <pc:sldChg chg="addSp delSp modSp new">
-        <pc:chgData name="Utente guest" userId="" providerId="Windows Live" clId="Web-{51DCA8CF-D795-4A4F-9967-BAB967FB6AC1}" dt="2021-06-02T13:38:35.501" v="291" actId="20577"/>
-        <pc:sldMkLst>
-          <pc:docMk/>
-          <pc:sldMk cId="59111166" sldId="271"/>
-        </pc:sldMkLst>
-        <pc:spChg chg="del">
-          <ac:chgData name="Utente guest" userId="" providerId="Windows Live" clId="Web-{51DCA8CF-D795-4A4F-9967-BAB967FB6AC1}" dt="2021-06-02T10:45:24.493" v="19"/>
-          <ac:spMkLst>
-            <pc:docMk/>
-            <pc:sldMk cId="59111166" sldId="271"/>
-            <ac:spMk id="2" creationId="{82B83D2C-77E5-45DD-87F7-DEECAF715D4C}"/>
-          </ac:spMkLst>
-        </pc:spChg>
-        <pc:spChg chg="mod">
-          <ac:chgData name="Utente guest" userId="" providerId="Windows Live" clId="Web-{51DCA8CF-D795-4A4F-9967-BAB967FB6AC1}" dt="2021-06-02T13:38:35.501" v="291" actId="20577"/>
-          <ac:spMkLst>
-            <pc:docMk/>
-            <pc:sldMk cId="59111166" sldId="271"/>
-            <ac:spMk id="3" creationId="{43207D95-BE19-48A2-9AC7-26D59EA281A1}"/>
-          </ac:spMkLst>
-        </pc:spChg>
-        <pc:spChg chg="add del">
-          <ac:chgData name="Utente guest" userId="" providerId="Windows Live" clId="Web-{51DCA8CF-D795-4A4F-9967-BAB967FB6AC1}" dt="2021-06-02T10:45:32.618" v="22"/>
-          <ac:spMkLst>
-            <pc:docMk/>
-            <pc:sldMk cId="59111166" sldId="271"/>
-            <ac:spMk id="4" creationId="{1D36DC5B-B01E-4C45-91E7-9FA12A0A2750}"/>
-          </ac:spMkLst>
-        </pc:spChg>
-      </pc:sldChg>
-    </pc:docChg>
-  </pc:docChgLst>
-  <pc:docChgLst>
-    <pc:chgData name="Matte Mannai" userId="f9f1d15fa8820bad" providerId="Windows Live" clId="Web-{C7256D88-6842-4158-802D-67661F249B24}"/>
-    <pc:docChg chg="addSld modSld sldOrd">
-      <pc:chgData name="Matte Mannai" userId="f9f1d15fa8820bad" providerId="Windows Live" clId="Web-{C7256D88-6842-4158-802D-67661F249B24}" dt="2021-05-30T14:17:36.498" v="293" actId="20577"/>
-      <pc:docMkLst>
-        <pc:docMk/>
-      </pc:docMkLst>
-      <pc:sldChg chg="addSp delSp">
-        <pc:chgData name="Matte Mannai" userId="f9f1d15fa8820bad" providerId="Windows Live" clId="Web-{C7256D88-6842-4158-802D-67661F249B24}" dt="2021-05-30T13:04:23.383" v="1"/>
-        <pc:sldMkLst>
-          <pc:docMk/>
-          <pc:sldMk cId="2726428701" sldId="258"/>
-        </pc:sldMkLst>
-        <pc:picChg chg="add del">
-          <ac:chgData name="Matte Mannai" userId="f9f1d15fa8820bad" providerId="Windows Live" clId="Web-{C7256D88-6842-4158-802D-67661F249B24}" dt="2021-05-30T13:04:23.383" v="1"/>
-          <ac:picMkLst>
-            <pc:docMk/>
-            <pc:sldMk cId="2726428701" sldId="258"/>
-            <ac:picMk id="4" creationId="{5C4B816E-72DE-4A9C-BF49-BA03B85DD57F}"/>
-          </ac:picMkLst>
-        </pc:picChg>
-      </pc:sldChg>
-      <pc:sldChg chg="modSp">
-        <pc:chgData name="Matte Mannai" userId="f9f1d15fa8820bad" providerId="Windows Live" clId="Web-{C7256D88-6842-4158-802D-67661F249B24}" dt="2021-05-30T14:17:36.498" v="293" actId="20577"/>
-        <pc:sldMkLst>
-          <pc:docMk/>
-          <pc:sldMk cId="454804502" sldId="261"/>
-        </pc:sldMkLst>
-        <pc:spChg chg="mod">
-          <ac:chgData name="Matte Mannai" userId="f9f1d15fa8820bad" providerId="Windows Live" clId="Web-{C7256D88-6842-4158-802D-67661F249B24}" dt="2021-05-30T14:17:36.498" v="293" actId="20577"/>
-          <ac:spMkLst>
-            <pc:docMk/>
-            <pc:sldMk cId="454804502" sldId="261"/>
-            <ac:spMk id="3" creationId="{8CDEC847-E9FA-49FF-BAD9-93C23970BB6B}"/>
-          </ac:spMkLst>
-        </pc:spChg>
-      </pc:sldChg>
-      <pc:sldChg chg="addSp modSp new ord">
-        <pc:chgData name="Matte Mannai" userId="f9f1d15fa8820bad" providerId="Windows Live" clId="Web-{C7256D88-6842-4158-802D-67661F249B24}" dt="2021-05-30T14:07:44.372" v="253" actId="1076"/>
-        <pc:sldMkLst>
-          <pc:docMk/>
-          <pc:sldMk cId="18532425" sldId="263"/>
-        </pc:sldMkLst>
-        <pc:spChg chg="mod">
-          <ac:chgData name="Matte Mannai" userId="f9f1d15fa8820bad" providerId="Windows Live" clId="Web-{C7256D88-6842-4158-802D-67661F249B24}" dt="2021-05-30T13:51:49.657" v="45" actId="14100"/>
-          <ac:spMkLst>
-            <pc:docMk/>
-            <pc:sldMk cId="18532425" sldId="263"/>
-            <ac:spMk id="2" creationId="{2CF25644-C6BB-454A-B883-E4591B91425F}"/>
-          </ac:spMkLst>
-        </pc:spChg>
-        <pc:spChg chg="add mod">
-          <ac:chgData name="Matte Mannai" userId="f9f1d15fa8820bad" providerId="Windows Live" clId="Web-{C7256D88-6842-4158-802D-67661F249B24}" dt="2021-05-30T13:52:53.550" v="58" actId="1076"/>
-          <ac:spMkLst>
-            <pc:docMk/>
-            <pc:sldMk cId="18532425" sldId="263"/>
-            <ac:spMk id="4" creationId="{2CA354D7-6021-4DBA-8FF2-1581A1AC43D7}"/>
-          </ac:spMkLst>
-        </pc:spChg>
-        <pc:spChg chg="add mod">
-          <ac:chgData name="Matte Mannai" userId="f9f1d15fa8820bad" providerId="Windows Live" clId="Web-{C7256D88-6842-4158-802D-67661F249B24}" dt="2021-05-30T14:07:44.372" v="253" actId="1076"/>
-          <ac:spMkLst>
-            <pc:docMk/>
-            <pc:sldMk cId="18532425" sldId="263"/>
-            <ac:spMk id="5" creationId="{A6D97257-32F1-46B3-9260-6D61D40AE718}"/>
           </ac:spMkLst>
         </pc:spChg>
       </pc:sldChg>
@@ -3410,7 +3504,7 @@
           <a:p>
             <a:fld id="{EB7AD923-636F-4703-A154-2F0997394AE5}" type="datetimeFigureOut">
               <a:rPr lang="it-IT" smtClean="0"/>
-              <a:t>06/06/2021</a:t>
+              <a:t>08/06/2021</a:t>
             </a:fld>
             <a:endParaRPr lang="it-IT" dirty="0"/>
           </a:p>
@@ -3742,6 +3836,90 @@
           <a:p>
             <a:fld id="{D1783AC9-ADD0-4178-8AD1-257600409AB3}" type="slidenum">
               <a:rPr lang="it-IT" smtClean="0"/>
+              <a:t>17</a:t>
+            </a:fld>
+            <a:endParaRPr lang="it-IT" dirty="0"/>
+          </a:p>
+        </p:txBody>
+      </p:sp>
+    </p:spTree>
+    <p:extLst>
+      <p:ext uri="{BB962C8B-B14F-4D97-AF65-F5344CB8AC3E}">
+        <p14:creationId xmlns:p14="http://schemas.microsoft.com/office/powerpoint/2010/main" val="637165697"/>
+      </p:ext>
+    </p:extLst>
+  </p:cSld>
+  <p:clrMapOvr>
+    <a:masterClrMapping/>
+  </p:clrMapOvr>
+</p:notes>
+</file>
+
+<file path=ppt/notesSlides/notesSlide2.xml><?xml version="1.0" encoding="utf-8"?>
+<p:notes xmlns:a="http://schemas.openxmlformats.org/drawingml/2006/main" xmlns:r="http://schemas.openxmlformats.org/officeDocument/2006/relationships" xmlns:p="http://schemas.openxmlformats.org/presentationml/2006/main">
+  <p:cSld>
+    <p:spTree>
+      <p:nvGrpSpPr>
+        <p:cNvPr id="1" name=""/>
+        <p:cNvGrpSpPr/>
+        <p:nvPr/>
+      </p:nvGrpSpPr>
+      <p:grpSpPr>
+        <a:xfrm>
+          <a:off x="0" y="0"/>
+          <a:ext cx="0" cy="0"/>
+          <a:chOff x="0" y="0"/>
+          <a:chExt cx="0" cy="0"/>
+        </a:xfrm>
+      </p:grpSpPr>
+      <p:sp>
+        <p:nvSpPr>
+          <p:cNvPr id="2" name="Segnaposto immagine diapositiva 1"/>
+          <p:cNvSpPr>
+            <a:spLocks noGrp="1" noRot="1" noChangeAspect="1"/>
+          </p:cNvSpPr>
+          <p:nvPr>
+            <p:ph type="sldImg"/>
+          </p:nvPr>
+        </p:nvSpPr>
+        <p:spPr/>
+      </p:sp>
+      <p:sp>
+        <p:nvSpPr>
+          <p:cNvPr id="3" name="Segnaposto note 2"/>
+          <p:cNvSpPr>
+            <a:spLocks noGrp="1"/>
+          </p:cNvSpPr>
+          <p:nvPr>
+            <p:ph type="body" idx="1"/>
+          </p:nvPr>
+        </p:nvSpPr>
+        <p:spPr/>
+        <p:txBody>
+          <a:bodyPr/>
+          <a:lstStyle/>
+          <a:p>
+            <a:endParaRPr lang="it-IT" dirty="0"/>
+          </a:p>
+        </p:txBody>
+      </p:sp>
+      <p:sp>
+        <p:nvSpPr>
+          <p:cNvPr id="4" name="Segnaposto numero diapositiva 3"/>
+          <p:cNvSpPr>
+            <a:spLocks noGrp="1"/>
+          </p:cNvSpPr>
+          <p:nvPr>
+            <p:ph type="sldNum" sz="quarter" idx="5"/>
+          </p:nvPr>
+        </p:nvSpPr>
+        <p:spPr/>
+        <p:txBody>
+          <a:bodyPr/>
+          <a:lstStyle/>
+          <a:p>
+            <a:fld id="{D1783AC9-ADD0-4178-8AD1-257600409AB3}" type="slidenum">
+              <a:rPr lang="it-IT" smtClean="0"/>
               <a:t>21</a:t>
             </a:fld>
             <a:endParaRPr lang="it-IT" dirty="0"/>
@@ -3908,7 +4086,7 @@
           <a:p>
             <a:fld id="{B488E95D-51D5-41A0-ADCD-58492DE6F203}" type="datetimeFigureOut">
               <a:rPr lang="it-IT" smtClean="0"/>
-              <a:t>06/06/2021</a:t>
+              <a:t>08/06/2021</a:t>
             </a:fld>
             <a:endParaRPr lang="it-IT" dirty="0"/>
           </a:p>
@@ -4106,7 +4284,7 @@
           <a:p>
             <a:fld id="{B488E95D-51D5-41A0-ADCD-58492DE6F203}" type="datetimeFigureOut">
               <a:rPr lang="it-IT" smtClean="0"/>
-              <a:t>06/06/2021</a:t>
+              <a:t>08/06/2021</a:t>
             </a:fld>
             <a:endParaRPr lang="it-IT" dirty="0"/>
           </a:p>
@@ -4314,7 +4492,7 @@
           <a:p>
             <a:fld id="{B488E95D-51D5-41A0-ADCD-58492DE6F203}" type="datetimeFigureOut">
               <a:rPr lang="it-IT" smtClean="0"/>
-              <a:t>06/06/2021</a:t>
+              <a:t>08/06/2021</a:t>
             </a:fld>
             <a:endParaRPr lang="it-IT" dirty="0"/>
           </a:p>
@@ -4512,7 +4690,7 @@
           <a:p>
             <a:fld id="{B488E95D-51D5-41A0-ADCD-58492DE6F203}" type="datetimeFigureOut">
               <a:rPr lang="it-IT" smtClean="0"/>
-              <a:t>06/06/2021</a:t>
+              <a:t>08/06/2021</a:t>
             </a:fld>
             <a:endParaRPr lang="it-IT" dirty="0"/>
           </a:p>
@@ -4787,7 +4965,7 @@
           <a:p>
             <a:fld id="{B488E95D-51D5-41A0-ADCD-58492DE6F203}" type="datetimeFigureOut">
               <a:rPr lang="it-IT" smtClean="0"/>
-              <a:t>06/06/2021</a:t>
+              <a:t>08/06/2021</a:t>
             </a:fld>
             <a:endParaRPr lang="it-IT" dirty="0"/>
           </a:p>
@@ -5052,7 +5230,7 @@
           <a:p>
             <a:fld id="{B488E95D-51D5-41A0-ADCD-58492DE6F203}" type="datetimeFigureOut">
               <a:rPr lang="it-IT" smtClean="0"/>
-              <a:t>06/06/2021</a:t>
+              <a:t>08/06/2021</a:t>
             </a:fld>
             <a:endParaRPr lang="it-IT" dirty="0"/>
           </a:p>
@@ -5464,7 +5642,7 @@
           <a:p>
             <a:fld id="{B488E95D-51D5-41A0-ADCD-58492DE6F203}" type="datetimeFigureOut">
               <a:rPr lang="it-IT" smtClean="0"/>
-              <a:t>06/06/2021</a:t>
+              <a:t>08/06/2021</a:t>
             </a:fld>
             <a:endParaRPr lang="it-IT" dirty="0"/>
           </a:p>
@@ -5605,7 +5783,7 @@
           <a:p>
             <a:fld id="{B488E95D-51D5-41A0-ADCD-58492DE6F203}" type="datetimeFigureOut">
               <a:rPr lang="it-IT" smtClean="0"/>
-              <a:t>06/06/2021</a:t>
+              <a:t>08/06/2021</a:t>
             </a:fld>
             <a:endParaRPr lang="it-IT" dirty="0"/>
           </a:p>
@@ -5718,7 +5896,7 @@
           <a:p>
             <a:fld id="{B488E95D-51D5-41A0-ADCD-58492DE6F203}" type="datetimeFigureOut">
               <a:rPr lang="it-IT" smtClean="0"/>
-              <a:t>06/06/2021</a:t>
+              <a:t>08/06/2021</a:t>
             </a:fld>
             <a:endParaRPr lang="it-IT" dirty="0"/>
           </a:p>
@@ -6029,7 +6207,7 @@
           <a:p>
             <a:fld id="{B488E95D-51D5-41A0-ADCD-58492DE6F203}" type="datetimeFigureOut">
               <a:rPr lang="it-IT" smtClean="0"/>
-              <a:t>06/06/2021</a:t>
+              <a:t>08/06/2021</a:t>
             </a:fld>
             <a:endParaRPr lang="it-IT" dirty="0"/>
           </a:p>
@@ -6317,7 +6495,7 @@
           <a:p>
             <a:fld id="{B488E95D-51D5-41A0-ADCD-58492DE6F203}" type="datetimeFigureOut">
               <a:rPr lang="it-IT" smtClean="0"/>
-              <a:t>06/06/2021</a:t>
+              <a:t>08/06/2021</a:t>
             </a:fld>
             <a:endParaRPr lang="it-IT" dirty="0"/>
           </a:p>
@@ -6558,7 +6736,7 @@
           <a:p>
             <a:fld id="{B488E95D-51D5-41A0-ADCD-58492DE6F203}" type="datetimeFigureOut">
               <a:rPr lang="it-IT" smtClean="0"/>
-              <a:t>06/06/2021</a:t>
+              <a:t>08/06/2021</a:t>
             </a:fld>
             <a:endParaRPr lang="it-IT" dirty="0"/>
           </a:p>
@@ -7944,7 +8122,7 @@
         <p:spPr>
           <a:xfrm>
             <a:off x="182165" y="67649"/>
-            <a:ext cx="11863488" cy="7294305"/>
+            <a:ext cx="11863488" cy="7417415"/>
           </a:xfrm>
           <a:prstGeom prst="rect">
             <a:avLst/>
@@ -7961,7 +8139,10 @@
           <a:lstStyle/>
           <a:p>
             <a:r>
-              <a:rPr lang="it-IT" dirty="0">
+              <a:rPr lang="it-IT" sz="4800" dirty="0">
+                <a:solidFill>
+                  <a:srgbClr val="CC66FF"/>
+                </a:solidFill>
                 <a:cs typeface="Calibri" panose="020F0502020204030204"/>
               </a:rPr>
               <a:t>SLIDE PER QUANDO NON RIESCO A PARLARE:</a:t>
@@ -8457,13 +8638,13 @@
         </p:nvSpPr>
         <p:spPr>
           <a:xfrm>
-            <a:off x="838200" y="876375"/>
+            <a:off x="716900" y="798270"/>
             <a:ext cx="10515600" cy="6059730"/>
           </a:xfrm>
         </p:spPr>
         <p:txBody>
           <a:bodyPr vert="horz" lIns="91440" tIns="45720" rIns="91440" bIns="45720" rtlCol="0" anchor="t">
-            <a:normAutofit fontScale="77500" lnSpcReduction="20000"/>
+            <a:normAutofit fontScale="85000" lnSpcReduction="20000"/>
           </a:bodyPr>
           <a:lstStyle/>
           <a:p>
@@ -8536,8 +8717,27 @@
                 <a:latin typeface="Calibri"/>
                 <a:cs typeface="Calibri"/>
               </a:rPr>
-              <a:t>SELECT gid</a:t>
-            </a:r>
+              <a:t>SELECT </a:t>
+            </a:r>
+            <a:r>
+              <a:rPr lang="it-IT" sz="1800" dirty="0" err="1">
+                <a:solidFill>
+                  <a:srgbClr val="FF0000"/>
+                </a:solidFill>
+                <a:effectLst/>
+                <a:latin typeface="Calibri"/>
+                <a:cs typeface="Calibri"/>
+              </a:rPr>
+              <a:t>gid</a:t>
+            </a:r>
+            <a:endParaRPr lang="it-IT" sz="1800" dirty="0">
+              <a:solidFill>
+                <a:srgbClr val="FF0000"/>
+              </a:solidFill>
+              <a:effectLst/>
+              <a:latin typeface="Calibri"/>
+              <a:cs typeface="Calibri"/>
+            </a:endParaRPr>
           </a:p>
           <a:p>
             <a:pPr marL="0" marR="0" indent="0">
@@ -8558,13 +8758,14 @@
                 <a:latin typeface="Calibri"/>
                 <a:cs typeface="Calibri"/>
               </a:rPr>
-              <a:t>FROM GIOCO JOIN dadi_giochi ON gioco.gid = </a:t>
-            </a:r>
-            <a:r>
-              <a:rPr lang="it-IT" sz="1800" dirty="0">
+              <a:t>FROM GIOCO JOIN </a:t>
+            </a:r>
+            <a:r>
+              <a:rPr lang="it-IT" sz="1800" dirty="0" err="1">
                 <a:solidFill>
                   <a:srgbClr val="FF0000"/>
                 </a:solidFill>
+                <a:effectLst/>
                 <a:latin typeface="Calibri"/>
                 <a:cs typeface="Calibri"/>
               </a:rPr>
@@ -8579,16 +8780,19 @@
                 <a:latin typeface="Calibri"/>
                 <a:cs typeface="Calibri"/>
               </a:rPr>
-              <a:t>.gid</a:t>
-            </a:r>
-          </a:p>
-          <a:p>
-            <a:pPr marL="0" indent="0">
-              <a:spcBef>
-                <a:spcPts val="0"/>
-              </a:spcBef>
-              <a:buNone/>
-            </a:pPr>
+              <a:t> ON </a:t>
+            </a:r>
+            <a:r>
+              <a:rPr lang="it-IT" sz="1800" dirty="0" err="1">
+                <a:solidFill>
+                  <a:srgbClr val="FF0000"/>
+                </a:solidFill>
+                <a:effectLst/>
+                <a:latin typeface="Calibri"/>
+                <a:cs typeface="Calibri"/>
+              </a:rPr>
+              <a:t>gioco.gid</a:t>
+            </a:r>
             <a:r>
               <a:rPr lang="it-IT" sz="1800" dirty="0">
                 <a:solidFill>
@@ -8598,18 +8802,45 @@
                 <a:latin typeface="Calibri"/>
                 <a:cs typeface="Calibri"/>
               </a:rPr>
-              <a:t>WHERE N_Squadre_max</a:t>
-            </a:r>
-            <a:r>
-              <a:rPr lang="it-IT" sz="1800" dirty="0">
+              <a:t> = </a:t>
+            </a:r>
+            <a:r>
+              <a:rPr lang="it-IT" sz="1800" dirty="0" err="1">
                 <a:solidFill>
                   <a:srgbClr val="FF0000"/>
                 </a:solidFill>
                 <a:latin typeface="Calibri"/>
                 <a:cs typeface="Calibri"/>
               </a:rPr>
-              <a:t> &lt;=</a:t>
-            </a:r>
+              <a:t>dadi_giochi</a:t>
+            </a:r>
+            <a:r>
+              <a:rPr lang="it-IT" sz="1800" dirty="0" err="1">
+                <a:solidFill>
+                  <a:srgbClr val="FF0000"/>
+                </a:solidFill>
+                <a:effectLst/>
+                <a:latin typeface="Calibri"/>
+                <a:cs typeface="Calibri"/>
+              </a:rPr>
+              <a:t>.gid</a:t>
+            </a:r>
+            <a:endParaRPr lang="it-IT" sz="1800" dirty="0">
+              <a:solidFill>
+                <a:srgbClr val="FF0000"/>
+              </a:solidFill>
+              <a:effectLst/>
+              <a:latin typeface="Calibri"/>
+              <a:cs typeface="Calibri"/>
+            </a:endParaRPr>
+          </a:p>
+          <a:p>
+            <a:pPr marL="0" indent="0">
+              <a:spcBef>
+                <a:spcPts val="0"/>
+              </a:spcBef>
+              <a:buNone/>
+            </a:pPr>
             <a:r>
               <a:rPr lang="it-IT" sz="1800" dirty="0">
                 <a:solidFill>
@@ -8619,6 +8850,38 @@
                 <a:latin typeface="Calibri"/>
                 <a:cs typeface="Calibri"/>
               </a:rPr>
+              <a:t>WHERE </a:t>
+            </a:r>
+            <a:r>
+              <a:rPr lang="it-IT" sz="1800" dirty="0" err="1">
+                <a:solidFill>
+                  <a:srgbClr val="FF0000"/>
+                </a:solidFill>
+                <a:effectLst/>
+                <a:latin typeface="Calibri"/>
+                <a:cs typeface="Calibri"/>
+              </a:rPr>
+              <a:t>N_Squadre_max</a:t>
+            </a:r>
+            <a:r>
+              <a:rPr lang="it-IT" sz="1800" dirty="0">
+                <a:solidFill>
+                  <a:srgbClr val="FF0000"/>
+                </a:solidFill>
+                <a:latin typeface="Calibri"/>
+                <a:cs typeface="Calibri"/>
+              </a:rPr>
+              <a:t> &lt;=</a:t>
+            </a:r>
+            <a:r>
+              <a:rPr lang="it-IT" sz="1800" dirty="0">
+                <a:solidFill>
+                  <a:srgbClr val="FF0000"/>
+                </a:solidFill>
+                <a:effectLst/>
+                <a:latin typeface="Calibri"/>
+                <a:cs typeface="Calibri"/>
+              </a:rPr>
               <a:t> 4</a:t>
             </a:r>
           </a:p>
@@ -8640,8 +8903,25 @@
                 <a:latin typeface="Calibri"/>
                 <a:cs typeface="Calibri"/>
               </a:rPr>
-              <a:t>GROUP BY gid</a:t>
-            </a:r>
+              <a:t>GROUP BY </a:t>
+            </a:r>
+            <a:r>
+              <a:rPr lang="it-IT" sz="1800" dirty="0" err="1">
+                <a:solidFill>
+                  <a:srgbClr val="FF0000"/>
+                </a:solidFill>
+                <a:latin typeface="Calibri"/>
+                <a:cs typeface="Calibri"/>
+              </a:rPr>
+              <a:t>gid</a:t>
+            </a:r>
+            <a:endParaRPr lang="it-IT" sz="1800" dirty="0">
+              <a:solidFill>
+                <a:srgbClr val="FF0000"/>
+              </a:solidFill>
+              <a:latin typeface="Calibri"/>
+              <a:cs typeface="Calibri"/>
+            </a:endParaRPr>
           </a:p>
           <a:p>
             <a:pPr marL="0" marR="0" indent="0">
@@ -8662,7 +8942,29 @@
                 <a:latin typeface="Calibri"/>
                 <a:cs typeface="Calibri"/>
               </a:rPr>
-              <a:t>HAVING COUNT(did)=</a:t>
+              <a:t>HAVING COUNT(</a:t>
+            </a:r>
+            <a:r>
+              <a:rPr lang="it-IT" sz="1800" dirty="0" err="1">
+                <a:solidFill>
+                  <a:srgbClr val="FF0000"/>
+                </a:solidFill>
+                <a:effectLst/>
+                <a:latin typeface="Calibri"/>
+                <a:cs typeface="Calibri"/>
+              </a:rPr>
+              <a:t>did</a:t>
+            </a:r>
+            <a:r>
+              <a:rPr lang="it-IT" sz="1800" dirty="0">
+                <a:solidFill>
+                  <a:srgbClr val="FF0000"/>
+                </a:solidFill>
+                <a:effectLst/>
+                <a:latin typeface="Calibri"/>
+                <a:cs typeface="Calibri"/>
+              </a:rPr>
+              <a:t>)=</a:t>
             </a:r>
             <a:r>
               <a:rPr lang="it-IT" sz="1800" dirty="0">
@@ -8745,7 +9047,7 @@
                 <a:latin typeface="Calibri"/>
                 <a:cs typeface="Calibri"/>
               </a:rPr>
-              <a:t>SELECT gid</a:t>
+              <a:t>SELECT Id</a:t>
             </a:r>
           </a:p>
           <a:p>
@@ -8765,7 +9067,7 @@
                 <a:latin typeface="Calibri"/>
                 <a:cs typeface="Calibri"/>
               </a:rPr>
-              <a:t>FROM gioco</a:t>
+              <a:t>FROM Giochi</a:t>
             </a:r>
           </a:p>
           <a:p>
@@ -8773,73 +9075,6 @@
               <a:spcBef>
                 <a:spcPts val="0"/>
               </a:spcBef>
-              <a:buNone/>
-            </a:pPr>
-            <a:r>
-              <a:rPr lang="it-IT" sz="1800" dirty="0">
-                <a:solidFill>
-                  <a:schemeClr val="accent6">
-                    <a:lumMod val="75000"/>
-                  </a:schemeClr>
-                </a:solidFill>
-                <a:latin typeface="Calibri" panose="020F0502020204030204" pitchFamily="34" charset="0"/>
-                <a:cs typeface="Calibri"/>
-              </a:rPr>
-              <a:t>WHERE ndadi=2 AND nsquadremax&lt;=4</a:t>
-            </a:r>
-          </a:p>
-          <a:p>
-            <a:pPr marL="0" indent="0">
-              <a:spcBef>
-                <a:spcPts val="0"/>
-              </a:spcBef>
-              <a:buNone/>
-            </a:pPr>
-            <a:endParaRPr lang="it-IT" sz="1800" dirty="0">
-              <a:latin typeface="Calibri" panose="020F0502020204030204" pitchFamily="34" charset="0"/>
-            </a:endParaRPr>
-          </a:p>
-          <a:p>
-            <a:pPr marL="0" marR="0" indent="0">
-              <a:spcBef>
-                <a:spcPts val="0"/>
-              </a:spcBef>
-              <a:spcAft>
-                <a:spcPts val="0"/>
-              </a:spcAft>
-              <a:buNone/>
-            </a:pPr>
-            <a:r>
-              <a:rPr lang="it-IT" sz="1900" b="1" dirty="0">
-                <a:effectLst/>
-                <a:latin typeface="Calibri"/>
-                <a:cs typeface="Calibri"/>
-              </a:rPr>
-              <a:t>2. Determinare l’identificatore delle sfide relative a un gioco A di vostra scelta (specificare direttamente l’identificatore nella richiesta) che, in alternativa: o hanno avuto luogo a gennaio 2021 e durata massima superiore a 2 ore, o dadi hanno avuto luogo a marzo 2021 e durata massima pari a 30 minuti.</a:t>
-            </a:r>
-          </a:p>
-          <a:p>
-            <a:pPr marL="0" marR="0" indent="0">
-              <a:spcBef>
-                <a:spcPts val="0"/>
-              </a:spcBef>
-              <a:spcAft>
-                <a:spcPts val="0"/>
-              </a:spcAft>
-              <a:buNone/>
-            </a:pPr>
-            <a:endParaRPr lang="it-IT" sz="1800" dirty="0">
-              <a:latin typeface="Calibri" panose="020F0502020204030204" pitchFamily="34" charset="0"/>
-            </a:endParaRPr>
-          </a:p>
-          <a:p>
-            <a:pPr marL="0" marR="0" indent="0">
-              <a:spcBef>
-                <a:spcPts val="0"/>
-              </a:spcBef>
-              <a:spcAft>
-                <a:spcPts val="0"/>
-              </a:spcAft>
               <a:buNone/>
             </a:pPr>
             <a:r>
@@ -8852,19 +9087,20 @@
                 <a:latin typeface="Calibri"/>
                 <a:cs typeface="Calibri"/>
               </a:rPr>
-              <a:t>SELECT pid</a:t>
-            </a:r>
-          </a:p>
-          <a:p>
-            <a:pPr marL="0" marR="0" indent="0">
-              <a:spcBef>
-                <a:spcPts val="0"/>
-              </a:spcBef>
-              <a:spcAft>
-                <a:spcPts val="0"/>
-              </a:spcAft>
-              <a:buNone/>
-            </a:pPr>
+              <a:t>WHER </a:t>
+            </a:r>
+            <a:r>
+              <a:rPr lang="it-IT" sz="1800" dirty="0" err="1">
+                <a:solidFill>
+                  <a:schemeClr val="accent6">
+                    <a:lumMod val="75000"/>
+                  </a:schemeClr>
+                </a:solidFill>
+                <a:latin typeface="Calibri"/>
+                <a:cs typeface="Calibri"/>
+              </a:rPr>
+              <a:t>NDadi</a:t>
+            </a:r>
             <a:r>
               <a:rPr lang="it-IT" sz="1800" dirty="0">
                 <a:solidFill>
@@ -8875,19 +9111,20 @@
                 <a:latin typeface="Calibri"/>
                 <a:cs typeface="Calibri"/>
               </a:rPr>
-              <a:t>FROM sfide</a:t>
-            </a:r>
-          </a:p>
-          <a:p>
-            <a:pPr marL="0" marR="0" indent="0">
-              <a:spcBef>
-                <a:spcPts val="0"/>
-              </a:spcBef>
-              <a:spcAft>
-                <a:spcPts val="0"/>
-              </a:spcAft>
-              <a:buNone/>
-            </a:pPr>
+              <a:t>=2 AND </a:t>
+            </a:r>
+            <a:r>
+              <a:rPr lang="it-IT" sz="1800" dirty="0" err="1">
+                <a:solidFill>
+                  <a:schemeClr val="accent6">
+                    <a:lumMod val="75000"/>
+                  </a:schemeClr>
+                </a:solidFill>
+                <a:latin typeface="Calibri"/>
+                <a:cs typeface="Calibri"/>
+              </a:rPr>
+              <a:t>NSquadreMax</a:t>
+            </a:r>
             <a:r>
               <a:rPr lang="it-IT" sz="1800" dirty="0">
                 <a:solidFill>
@@ -8898,8 +9135,19 @@
                 <a:latin typeface="Calibri"/>
                 <a:cs typeface="Calibri"/>
               </a:rPr>
-              <a:t>WHERE gid=A AND data BETWEEN 01-01-2021 AND 31-01-2021 AND duratamax &gt; 2</a:t>
-            </a:r>
+              <a:t>&lt;=4</a:t>
+            </a:r>
+          </a:p>
+          <a:p>
+            <a:pPr marL="0" indent="0">
+              <a:spcBef>
+                <a:spcPts val="0"/>
+              </a:spcBef>
+              <a:buNone/>
+            </a:pPr>
+            <a:endParaRPr lang="it-IT" sz="1800" dirty="0">
+              <a:latin typeface="Calibri" panose="020F0502020204030204" pitchFamily="34" charset="0"/>
+            </a:endParaRPr>
           </a:p>
           <a:p>
             <a:pPr marL="0" marR="0" indent="0">
@@ -8909,6 +9157,36 @@
               <a:spcAft>
                 <a:spcPts val="0"/>
               </a:spcAft>
+              <a:buNone/>
+            </a:pPr>
+            <a:r>
+              <a:rPr lang="it-IT" sz="1900" b="1" dirty="0">
+                <a:effectLst/>
+                <a:latin typeface="Calibri"/>
+                <a:cs typeface="Calibri"/>
+              </a:rPr>
+              <a:t>2. Determinare l’identificatore delle sfide relative a un gioco A di vostra scelta (specificare direttamente l’identificatore nella richiesta) che, in alternativa: o hanno avuto luogo a gennaio 2021 e durata massima superiore a 2 ore, o dadi hanno avuto luogo a marzo 2021 e durata massima pari a 30 minuti.</a:t>
+            </a:r>
+          </a:p>
+          <a:p>
+            <a:pPr marL="0" marR="0" indent="0">
+              <a:spcBef>
+                <a:spcPts val="0"/>
+              </a:spcBef>
+              <a:spcAft>
+                <a:spcPts val="0"/>
+              </a:spcAft>
+              <a:buNone/>
+            </a:pPr>
+            <a:endParaRPr lang="it-IT" sz="1800" dirty="0">
+              <a:latin typeface="Calibri" panose="020F0502020204030204" pitchFamily="34" charset="0"/>
+            </a:endParaRPr>
+          </a:p>
+          <a:p>
+            <a:pPr marL="0" indent="0">
+              <a:spcBef>
+                <a:spcPts val="0"/>
+              </a:spcBef>
               <a:buNone/>
             </a:pPr>
             <a:r>
@@ -8921,17 +9199,14 @@
                 <a:latin typeface="Calibri"/>
                 <a:cs typeface="Calibri"/>
               </a:rPr>
-              <a:t>UNION</a:t>
-            </a:r>
-          </a:p>
-          <a:p>
-            <a:pPr marL="0" marR="0" indent="0">
+              <a:t>SELECT id</a:t>
+            </a:r>
+          </a:p>
+          <a:p>
+            <a:pPr marL="0" indent="0">
               <a:spcBef>
                 <a:spcPts val="0"/>
               </a:spcBef>
-              <a:spcAft>
-                <a:spcPts val="0"/>
-              </a:spcAft>
               <a:buNone/>
             </a:pPr>
             <a:r>
@@ -8944,17 +9219,14 @@
                 <a:latin typeface="Calibri"/>
                 <a:cs typeface="Calibri"/>
               </a:rPr>
-              <a:t>SELECT pid</a:t>
-            </a:r>
-          </a:p>
-          <a:p>
-            <a:pPr marL="0" marR="0" indent="0">
+              <a:t>FROM sfide</a:t>
+            </a:r>
+          </a:p>
+          <a:p>
+            <a:pPr marL="0" indent="0">
               <a:spcBef>
                 <a:spcPts val="0"/>
               </a:spcBef>
-              <a:spcAft>
-                <a:spcPts val="0"/>
-              </a:spcAft>
               <a:buNone/>
             </a:pPr>
             <a:r>
@@ -8967,16 +9239,20 @@
                 <a:latin typeface="Calibri"/>
                 <a:cs typeface="Calibri"/>
               </a:rPr>
-              <a:t>FROM sfide</a:t>
-            </a:r>
-          </a:p>
-          <a:p>
-            <a:pPr marL="0" indent="0">
-              <a:spcBef>
-                <a:spcPts val="0"/>
-              </a:spcBef>
-              <a:buNone/>
-            </a:pPr>
+              <a:t>WHERE gioco=856 AND </a:t>
+            </a:r>
+            <a:r>
+              <a:rPr lang="it-IT" sz="1800" dirty="0" err="1">
+                <a:solidFill>
+                  <a:schemeClr val="accent6">
+                    <a:lumMod val="75000"/>
+                  </a:schemeClr>
+                </a:solidFill>
+                <a:latin typeface="Calibri"/>
+                <a:cs typeface="Calibri"/>
+              </a:rPr>
+              <a:t>DurataMax</a:t>
+            </a:r>
             <a:r>
               <a:rPr lang="it-IT" sz="1800" dirty="0">
                 <a:solidFill>
@@ -8987,16 +9263,178 @@
                 <a:latin typeface="Calibri"/>
                 <a:cs typeface="Calibri"/>
               </a:rPr>
-              <a:t>WHERE gid=A AND data BETWEEN 01-03-2021 AND 31-03-2021 AND duratamax = 0.5 </a:t>
-            </a:r>
+              <a:t> &gt; '0 days 02:00:00' AND </a:t>
+            </a:r>
+            <a:r>
+              <a:rPr lang="it-IT" sz="1800" dirty="0" err="1">
+                <a:solidFill>
+                  <a:schemeClr val="accent6">
+                    <a:lumMod val="75000"/>
+                  </a:schemeClr>
+                </a:solidFill>
+                <a:latin typeface="Calibri"/>
+                <a:cs typeface="Calibri"/>
+              </a:rPr>
+              <a:t>Sfide.Data</a:t>
+            </a:r>
+            <a:r>
+              <a:rPr lang="it-IT" sz="1800" dirty="0">
+                <a:solidFill>
+                  <a:schemeClr val="accent6">
+                    <a:lumMod val="75000"/>
+                  </a:schemeClr>
+                </a:solidFill>
+                <a:latin typeface="Calibri"/>
+                <a:cs typeface="Calibri"/>
+              </a:rPr>
+              <a:t> BETWEEN '2021-01-01' AND '2021-01-31’ </a:t>
+            </a:r>
+          </a:p>
+          <a:p>
+            <a:pPr marL="0" indent="0">
+              <a:spcBef>
+                <a:spcPts val="0"/>
+              </a:spcBef>
+              <a:buNone/>
+            </a:pPr>
+            <a:r>
+              <a:rPr lang="it-IT" sz="1800" dirty="0">
+                <a:solidFill>
+                  <a:schemeClr val="accent6">
+                    <a:lumMod val="75000"/>
+                  </a:schemeClr>
+                </a:solidFill>
+                <a:latin typeface="Calibri"/>
+                <a:cs typeface="Calibri"/>
+              </a:rPr>
+              <a:t>UNION</a:t>
+            </a:r>
+          </a:p>
+          <a:p>
+            <a:pPr marL="0" indent="0">
+              <a:spcBef>
+                <a:spcPts val="0"/>
+              </a:spcBef>
+              <a:buNone/>
+            </a:pPr>
+            <a:r>
+              <a:rPr lang="it-IT" sz="1800" dirty="0">
+                <a:solidFill>
+                  <a:schemeClr val="accent6">
+                    <a:lumMod val="75000"/>
+                  </a:schemeClr>
+                </a:solidFill>
+                <a:latin typeface="Calibri"/>
+                <a:cs typeface="Calibri"/>
+              </a:rPr>
+              <a:t>SELECT </a:t>
+            </a:r>
+            <a:r>
+              <a:rPr lang="it-IT" sz="1800" dirty="0" err="1">
+                <a:solidFill>
+                  <a:schemeClr val="accent6">
+                    <a:lumMod val="75000"/>
+                  </a:schemeClr>
+                </a:solidFill>
+                <a:latin typeface="Calibri"/>
+                <a:cs typeface="Calibri"/>
+              </a:rPr>
+              <a:t>idFROM</a:t>
+            </a:r>
+            <a:r>
+              <a:rPr lang="it-IT" sz="1800" dirty="0">
+                <a:solidFill>
+                  <a:schemeClr val="accent6">
+                    <a:lumMod val="75000"/>
+                  </a:schemeClr>
+                </a:solidFill>
+                <a:latin typeface="Calibri"/>
+                <a:cs typeface="Calibri"/>
+              </a:rPr>
+              <a:t> </a:t>
+            </a:r>
+            <a:r>
+              <a:rPr lang="it-IT" sz="1800" dirty="0" err="1">
+                <a:solidFill>
+                  <a:schemeClr val="accent6">
+                    <a:lumMod val="75000"/>
+                  </a:schemeClr>
+                </a:solidFill>
+                <a:latin typeface="Calibri"/>
+                <a:cs typeface="Calibri"/>
+              </a:rPr>
+              <a:t>sfideWHERE</a:t>
+            </a:r>
+            <a:r>
+              <a:rPr lang="it-IT" sz="1800" dirty="0">
+                <a:solidFill>
+                  <a:schemeClr val="accent6">
+                    <a:lumMod val="75000"/>
+                  </a:schemeClr>
+                </a:solidFill>
+                <a:latin typeface="Calibri"/>
+                <a:cs typeface="Calibri"/>
+              </a:rPr>
+              <a:t> gioco=856 AND </a:t>
+            </a:r>
+            <a:r>
+              <a:rPr lang="it-IT" sz="1800" dirty="0" err="1">
+                <a:solidFill>
+                  <a:schemeClr val="accent6">
+                    <a:lumMod val="75000"/>
+                  </a:schemeClr>
+                </a:solidFill>
+                <a:latin typeface="Calibri"/>
+                <a:cs typeface="Calibri"/>
+              </a:rPr>
+              <a:t>DurataMax</a:t>
+            </a:r>
+            <a:r>
+              <a:rPr lang="it-IT" sz="1800" dirty="0">
+                <a:solidFill>
+                  <a:schemeClr val="accent6">
+                    <a:lumMod val="75000"/>
+                  </a:schemeClr>
+                </a:solidFill>
+                <a:latin typeface="Calibri"/>
+                <a:cs typeface="Calibri"/>
+              </a:rPr>
+              <a:t> ='0 days 00:30:00' AND </a:t>
+            </a:r>
+            <a:r>
+              <a:rPr lang="it-IT" sz="1800" dirty="0" err="1">
+                <a:solidFill>
+                  <a:schemeClr val="accent6">
+                    <a:lumMod val="75000"/>
+                  </a:schemeClr>
+                </a:solidFill>
+                <a:latin typeface="Calibri"/>
+                <a:cs typeface="Calibri"/>
+              </a:rPr>
+              <a:t>Sfide.data</a:t>
+            </a:r>
+            <a:r>
+              <a:rPr lang="it-IT" sz="1800" dirty="0">
+                <a:solidFill>
+                  <a:schemeClr val="accent6">
+                    <a:lumMod val="75000"/>
+                  </a:schemeClr>
+                </a:solidFill>
+                <a:latin typeface="Calibri"/>
+                <a:cs typeface="Calibri"/>
+              </a:rPr>
+              <a:t> BETWEEN '2021-03-01' AND '2021-03-31’ </a:t>
+            </a:r>
+          </a:p>
+          <a:p>
+            <a:pPr marL="0" indent="0">
+              <a:spcBef>
+                <a:spcPts val="0"/>
+              </a:spcBef>
+              <a:buNone/>
+            </a:pPr>
             <a:endParaRPr lang="it-IT" sz="1800" dirty="0">
-              <a:solidFill>
-                <a:schemeClr val="accent6">
-                  <a:lumMod val="75000"/>
-                </a:schemeClr>
-              </a:solidFill>
               <a:latin typeface="Calibri" panose="020F0502020204030204" pitchFamily="34" charset="0"/>
-              <a:cs typeface="Calibri"/>
             </a:endParaRPr>
           </a:p>
           <a:p>
@@ -9055,13 +9493,10 @@
             </a:endParaRPr>
           </a:p>
           <a:p>
-            <a:pPr marL="0" marR="0" indent="0">
+            <a:pPr marL="0" indent="0">
               <a:spcBef>
                 <a:spcPts val="0"/>
               </a:spcBef>
-              <a:spcAft>
-                <a:spcPts val="0"/>
-              </a:spcAft>
               <a:buNone/>
             </a:pPr>
             <a:r>
@@ -9075,42 +9510,21 @@
                 <a:latin typeface="Calibri"/>
                 <a:cs typeface="Calibri"/>
               </a:rPr>
-              <a:t>SELECT pid, gid</a:t>
-            </a:r>
-          </a:p>
-          <a:p>
-            <a:pPr marL="0" marR="0" indent="0">
-              <a:spcBef>
-                <a:spcPts val="0"/>
-              </a:spcBef>
-              <a:spcAft>
-                <a:spcPts val="0"/>
-              </a:spcAft>
-              <a:buNone/>
-            </a:pPr>
-            <a:r>
-              <a:rPr lang="it-IT" sz="1800" dirty="0">
+              <a:t>SELECT Sfide.id AS </a:t>
+            </a:r>
+            <a:r>
+              <a:rPr lang="it-IT" sz="1800" dirty="0" err="1">
                 <a:solidFill>
                   <a:schemeClr val="accent6">
                     <a:lumMod val="75000"/>
                   </a:schemeClr>
                 </a:solidFill>
+                <a:effectLst/>
                 <a:latin typeface="Calibri"/>
                 <a:cs typeface="Calibri"/>
               </a:rPr>
-              <a:t>FROM gioco JOIN sfida ON …</a:t>
-            </a:r>
-          </a:p>
-          <a:p>
-            <a:pPr marL="0" marR="0" indent="0">
-              <a:spcBef>
-                <a:spcPts val="0"/>
-              </a:spcBef>
-              <a:spcAft>
-                <a:spcPts val="0"/>
-              </a:spcAft>
-              <a:buNone/>
-            </a:pPr>
+              <a:t>SfidaID</a:t>
+            </a:r>
             <a:r>
               <a:rPr lang="it-IT" sz="1800" dirty="0">
                 <a:solidFill>
@@ -9122,49 +9536,150 @@
                 <a:latin typeface="Calibri"/>
                 <a:cs typeface="Calibri"/>
               </a:rPr>
-              <a:t>WHERE n_dadi &gt; 2 AND duratamax &gt; 2</a:t>
-            </a:r>
-          </a:p>
-          <a:p>
-            <a:pPr marL="0" indent="0">
-              <a:spcBef>
-                <a:spcPts val="0"/>
-              </a:spcBef>
-              <a:buNone/>
-            </a:pPr>
-            <a:endParaRPr lang="it-IT" sz="1800" dirty="0">
-              <a:latin typeface="Calibri" panose="020F0502020204030204" pitchFamily="34" charset="0"/>
-              <a:cs typeface="Calibri"/>
-            </a:endParaRPr>
-          </a:p>
-          <a:p>
-            <a:pPr marL="0" indent="0">
-              <a:spcBef>
-                <a:spcPts val="0"/>
-              </a:spcBef>
-              <a:buNone/>
-            </a:pPr>
-            <a:r>
-              <a:rPr lang="it-IT" sz="1800" b="1" dirty="0">
+              <a:t>, Giochi.id AS </a:t>
+            </a:r>
+            <a:r>
+              <a:rPr lang="it-IT" sz="1800" dirty="0" err="1">
                 <a:solidFill>
                   <a:schemeClr val="accent6">
                     <a:lumMod val="75000"/>
                   </a:schemeClr>
                 </a:solidFill>
+                <a:effectLst/>
                 <a:latin typeface="Calibri"/>
                 <a:cs typeface="Calibri"/>
               </a:rPr>
-              <a:t>Aggiungere attributo (ridondante) n_dadi in SFIDE</a:t>
-            </a:r>
-            <a:endParaRPr lang="it-IT" sz="1800" b="1" dirty="0">
+              <a:t>GiochiID</a:t>
+            </a:r>
+            <a:endParaRPr lang="it-IT" sz="1800" dirty="0">
               <a:solidFill>
                 <a:schemeClr val="accent6">
                   <a:lumMod val="75000"/>
                 </a:schemeClr>
               </a:solidFill>
-              <a:latin typeface="Calibri" panose="020F0502020204030204" pitchFamily="34" charset="0"/>
+              <a:latin typeface="Calibri"/>
               <a:cs typeface="Calibri"/>
             </a:endParaRPr>
+          </a:p>
+          <a:p>
+            <a:pPr marL="0" indent="0">
+              <a:spcBef>
+                <a:spcPts val="0"/>
+              </a:spcBef>
+              <a:buNone/>
+            </a:pPr>
+            <a:r>
+              <a:rPr lang="it-IT" sz="1800" dirty="0">
+                <a:solidFill>
+                  <a:schemeClr val="accent6">
+                    <a:lumMod val="75000"/>
+                  </a:schemeClr>
+                </a:solidFill>
+                <a:effectLst/>
+                <a:latin typeface="Calibri"/>
+                <a:cs typeface="Calibri"/>
+              </a:rPr>
+              <a:t>FROM Giochi JOIN Sfide ON </a:t>
+            </a:r>
+            <a:r>
+              <a:rPr lang="it-IT" sz="1800" dirty="0" err="1">
+                <a:solidFill>
+                  <a:schemeClr val="accent6">
+                    <a:lumMod val="75000"/>
+                  </a:schemeClr>
+                </a:solidFill>
+                <a:effectLst/>
+                <a:latin typeface="Calibri"/>
+                <a:cs typeface="Calibri"/>
+              </a:rPr>
+              <a:t>Sfide.gioco</a:t>
+            </a:r>
+            <a:r>
+              <a:rPr lang="it-IT" sz="1800" dirty="0">
+                <a:solidFill>
+                  <a:schemeClr val="accent6">
+                    <a:lumMod val="75000"/>
+                  </a:schemeClr>
+                </a:solidFill>
+                <a:effectLst/>
+                <a:latin typeface="Calibri"/>
+                <a:cs typeface="Calibri"/>
+              </a:rPr>
+              <a:t> = GIochi.id</a:t>
+            </a:r>
+          </a:p>
+          <a:p>
+            <a:pPr marL="0" indent="0">
+              <a:spcBef>
+                <a:spcPts val="0"/>
+              </a:spcBef>
+              <a:buNone/>
+            </a:pPr>
+            <a:r>
+              <a:rPr lang="it-IT" sz="1800" dirty="0">
+                <a:solidFill>
+                  <a:schemeClr val="accent6">
+                    <a:lumMod val="75000"/>
+                  </a:schemeClr>
+                </a:solidFill>
+                <a:effectLst/>
+                <a:latin typeface="Calibri"/>
+                <a:cs typeface="Calibri"/>
+              </a:rPr>
+              <a:t>WHERE </a:t>
+            </a:r>
+            <a:r>
+              <a:rPr lang="it-IT" sz="1800" dirty="0" err="1">
+                <a:solidFill>
+                  <a:schemeClr val="accent6">
+                    <a:lumMod val="75000"/>
+                  </a:schemeClr>
+                </a:solidFill>
+                <a:effectLst/>
+                <a:latin typeface="Calibri"/>
+                <a:cs typeface="Calibri"/>
+              </a:rPr>
+              <a:t>Giochi.ndadi</a:t>
+            </a:r>
+            <a:r>
+              <a:rPr lang="it-IT" sz="1800" dirty="0">
+                <a:solidFill>
+                  <a:schemeClr val="accent6">
+                    <a:lumMod val="75000"/>
+                  </a:schemeClr>
+                </a:solidFill>
+                <a:effectLst/>
+                <a:latin typeface="Calibri"/>
+                <a:cs typeface="Calibri"/>
+              </a:rPr>
+              <a:t>&gt;2 AND </a:t>
+            </a:r>
+            <a:r>
+              <a:rPr lang="it-IT" sz="1800" dirty="0" err="1">
+                <a:solidFill>
+                  <a:schemeClr val="accent6">
+                    <a:lumMod val="75000"/>
+                  </a:schemeClr>
+                </a:solidFill>
+                <a:effectLst/>
+                <a:latin typeface="Calibri"/>
+                <a:cs typeface="Calibri"/>
+              </a:rPr>
+              <a:t>Sfide.DurataMax</a:t>
+            </a:r>
+            <a:r>
+              <a:rPr lang="it-IT" sz="1800" dirty="0">
+                <a:solidFill>
+                  <a:schemeClr val="accent6">
+                    <a:lumMod val="75000"/>
+                  </a:schemeClr>
+                </a:solidFill>
+                <a:effectLst/>
+                <a:latin typeface="Calibri"/>
+                <a:cs typeface="Calibri"/>
+              </a:rPr>
+              <a:t>&gt;'0 days 02:00:00’</a:t>
+            </a:r>
           </a:p>
         </p:txBody>
       </p:sp>
@@ -9413,7 +9928,15 @@
             </a:r>
             <a:r>
               <a:rPr lang="it-IT" sz="1400" dirty="0"/>
-              <a:t>(gioco), duratamax&gt;2) SOLO ORDINATO (Condizione di intervallo)</a:t>
+              <a:t>(gioco), </a:t>
+            </a:r>
+            <a:r>
+              <a:rPr lang="it-IT" sz="1400" dirty="0" err="1"/>
+              <a:t>duratamax</a:t>
+            </a:r>
+            <a:r>
+              <a:rPr lang="it-IT" sz="1400" dirty="0"/>
+              <a:t>&gt;'2:00:00') SOLO ORDINATO (Condizione di intervallo)</a:t>
             </a:r>
           </a:p>
           <a:p>
@@ -9482,7 +10005,15 @@
             </a:r>
             <a:r>
               <a:rPr lang="it-IT" sz="1400" dirty="0"/>
-              <a:t>(gioco), duratamax&gt;2) ORDINATO</a:t>
+              <a:t>(gioco), </a:t>
+            </a:r>
+            <a:r>
+              <a:rPr lang="it-IT" sz="1400" dirty="0" err="1"/>
+              <a:t>duratamax</a:t>
+            </a:r>
+            <a:r>
+              <a:rPr lang="it-IT" sz="1400" dirty="0"/>
+              <a:t>&gt;'2:00:00') ORDINATO</a:t>
             </a:r>
           </a:p>
           <a:p>
@@ -9728,7 +10259,41 @@
                 <a:ea typeface="+mn-ea"/>
                 <a:cs typeface="+mn-cs"/>
               </a:rPr>
-              <a:t>(ndadi), ndadi=2) ORDINATO NON CLUSTERIZZATO</a:t>
+              <a:t>(</a:t>
+            </a:r>
+            <a:r>
+              <a:rPr kumimoji="0" lang="it-IT" sz="1400" b="0" i="0" u="none" strike="noStrike" kern="1200" cap="none" spc="0" normalizeH="0" baseline="0" noProof="0" dirty="0" err="1">
+                <a:ln>
+                  <a:noFill/>
+                </a:ln>
+                <a:solidFill>
+                  <a:prstClr val="black"/>
+                </a:solidFill>
+                <a:effectLst/>
+                <a:uLnTx/>
+                <a:uFillTx/>
+                <a:latin typeface="Calibri" panose="020F0502020204030204"/>
+                <a:ea typeface="+mn-ea"/>
+                <a:cs typeface="+mn-cs"/>
+              </a:rPr>
+              <a:t>ndadi</a:t>
+            </a:r>
+            <a:r>
+              <a:rPr kumimoji="0" lang="it-IT" sz="1400" b="0" i="0" u="none" strike="noStrike" kern="1200" cap="none" spc="0" normalizeH="0" baseline="0" noProof="0" dirty="0">
+                <a:ln>
+                  <a:noFill/>
+                </a:ln>
+                <a:solidFill>
+                  <a:prstClr val="black"/>
+                </a:solidFill>
+                <a:effectLst/>
+                <a:uLnTx/>
+                <a:uFillTx/>
+                <a:latin typeface="Calibri" panose="020F0502020204030204"/>
+                <a:ea typeface="+mn-ea"/>
+                <a:cs typeface="+mn-cs"/>
+              </a:rPr>
+              <a:t>)) ORDINATO CLUSTERIZZATO</a:t>
             </a:r>
           </a:p>
           <a:p>
@@ -9811,57 +10376,13 @@
               <a:defRPr/>
             </a:pPr>
             <a:r>
-              <a:rPr kumimoji="0" lang="it-IT" sz="1400" b="0" i="0" u="none" strike="noStrike" kern="1200" cap="none" spc="0" normalizeH="0" baseline="0" noProof="0" dirty="0">
-                <a:ln>
-                  <a:noFill/>
-                </a:ln>
+              <a:rPr lang="it-IT" sz="1400" dirty="0">
                 <a:solidFill>
                   <a:prstClr val="black"/>
                 </a:solidFill>
-                <a:effectLst/>
-                <a:uLnTx/>
-                <a:uFillTx/>
                 <a:latin typeface="Calibri" panose="020F0502020204030204"/>
-                <a:ea typeface="+mn-ea"/>
-                <a:cs typeface="+mn-cs"/>
-              </a:rPr>
-              <a:t>Non è clusterizzato perché abbiamo scelto di clusterizzare l’indice con condizione ndadi&gt;2 per la query 3.</a:t>
-            </a:r>
-          </a:p>
-          <a:p>
-            <a:pPr marL="0" marR="0" lvl="0" indent="0" algn="l" defTabSz="914400" rtl="0" eaLnBrk="1" fontAlgn="auto" latinLnBrk="0" hangingPunct="1">
-              <a:lnSpc>
-                <a:spcPct val="100000"/>
-              </a:lnSpc>
-              <a:spcBef>
-                <a:spcPts val="0"/>
-              </a:spcBef>
-              <a:spcAft>
-                <a:spcPts val="0"/>
-              </a:spcAft>
-              <a:buClrTx/>
-              <a:buSzTx/>
-              <a:buFontTx/>
-              <a:buNone/>
-              <a:tabLst/>
-              <a:defRPr/>
-            </a:pPr>
-            <a:r>
-              <a:rPr kumimoji="0" lang="it-IT" sz="2000" b="1" i="0" u="none" strike="noStrike" kern="1200" cap="none" spc="0" normalizeH="0" baseline="0" noProof="0" dirty="0">
-                <a:ln>
-                  <a:noFill/>
-                </a:ln>
-                <a:solidFill>
-                  <a:prstClr val="black"/>
-                </a:solidFill>
-                <a:effectLst/>
-                <a:uLnTx/>
-                <a:uFillTx/>
-                <a:latin typeface="Calibri" panose="020F0502020204030204"/>
-                <a:ea typeface="+mn-ea"/>
-                <a:cs typeface="+mn-cs"/>
-              </a:rPr>
-              <a:t>QUERY 2</a:t>
+              </a:rPr>
+              <a:t>Clusterizzato perché non c’è un altro indice su GIOCHI.</a:t>
             </a:r>
             <a:endParaRPr kumimoji="0" lang="it-IT" sz="1400" b="0" i="0" u="none" strike="noStrike" kern="1200" cap="none" spc="0" normalizeH="0" baseline="0" noProof="0" dirty="0">
               <a:ln>
@@ -9897,7 +10418,7 @@
               <a:defRPr/>
             </a:pPr>
             <a:r>
-              <a:rPr kumimoji="0" lang="it-IT" sz="1400" b="0" i="0" u="none" strike="noStrike" kern="1200" cap="none" spc="0" normalizeH="0" baseline="0" noProof="0" dirty="0">
+              <a:rPr kumimoji="0" lang="it-IT" sz="2000" b="1" i="0" u="none" strike="noStrike" kern="1200" cap="none" spc="0" normalizeH="0" baseline="0" noProof="0" dirty="0">
                 <a:ln>
                   <a:noFill/>
                 </a:ln>
@@ -9911,61 +10432,8 @@
                 <a:ea typeface="+mn-ea"/>
                 <a:cs typeface="+mn-cs"/>
               </a:rPr>
-              <a:t>(I</a:t>
-            </a:r>
-            <a:r>
-              <a:rPr kumimoji="0" lang="it-IT" sz="1400" b="0" i="0" u="none" strike="noStrike" kern="1200" cap="none" spc="0" normalizeH="0" baseline="-25000" noProof="0" dirty="0">
-                <a:ln>
-                  <a:noFill/>
-                </a:ln>
-                <a:solidFill>
-                  <a:prstClr val="black"/>
-                </a:solidFill>
-                <a:effectLst/>
-                <a:uLnTx/>
-                <a:uFillTx/>
-                <a:latin typeface="Calibri" panose="020F0502020204030204"/>
-                <a:ea typeface="+mn-ea"/>
-                <a:cs typeface="+mn-cs"/>
-              </a:rPr>
-              <a:t> SFIDE</a:t>
-            </a:r>
-            <a:r>
-              <a:rPr kumimoji="0" lang="it-IT" sz="1400" b="0" i="0" u="none" strike="noStrike" kern="1200" cap="none" spc="0" normalizeH="0" baseline="0" noProof="0" dirty="0">
-                <a:ln>
-                  <a:noFill/>
-                </a:ln>
-                <a:solidFill>
-                  <a:prstClr val="black"/>
-                </a:solidFill>
-                <a:effectLst/>
-                <a:uLnTx/>
-                <a:uFillTx/>
-                <a:latin typeface="Calibri" panose="020F0502020204030204"/>
-                <a:ea typeface="+mn-ea"/>
-                <a:cs typeface="+mn-cs"/>
-              </a:rPr>
-              <a:t>(gioco), gid=A) ORDINATO CLUSTERIZZATO</a:t>
-            </a:r>
-          </a:p>
-          <a:p>
-            <a:pPr marL="0" marR="0" lvl="0" indent="0" algn="l" defTabSz="914400" rtl="0" eaLnBrk="1" fontAlgn="auto" latinLnBrk="0" hangingPunct="1">
-              <a:lnSpc>
-                <a:spcPct val="100000"/>
-              </a:lnSpc>
-              <a:spcBef>
-                <a:spcPts val="0"/>
-              </a:spcBef>
-              <a:spcAft>
-                <a:spcPts val="0"/>
-              </a:spcAft>
-              <a:buClrTx/>
-              <a:buSzTx/>
-              <a:buFontTx/>
-              <a:buNone/>
-              <a:tabLst/>
-              <a:defRPr/>
-            </a:pPr>
+              <a:t>QUERY 2</a:t>
+            </a:r>
             <a:endParaRPr kumimoji="0" lang="it-IT" sz="1400" b="0" i="0" u="none" strike="noStrike" kern="1200" cap="none" spc="0" normalizeH="0" baseline="0" noProof="0" dirty="0">
               <a:ln>
                 <a:noFill/>
@@ -10000,7 +10468,7 @@
               <a:defRPr/>
             </a:pPr>
             <a:r>
-              <a:rPr kumimoji="0" lang="it-IT" sz="2000" b="1" i="0" u="none" strike="noStrike" kern="1200" cap="none" spc="0" normalizeH="0" baseline="0" noProof="0" dirty="0">
+              <a:rPr kumimoji="0" lang="it-IT" sz="1400" b="0" i="0" u="none" strike="noStrike" kern="1200" cap="none" spc="0" normalizeH="0" baseline="0" noProof="0" dirty="0">
                 <a:ln>
                   <a:noFill/>
                 </a:ln>
@@ -10014,8 +10482,61 @@
                 <a:ea typeface="+mn-ea"/>
                 <a:cs typeface="+mn-cs"/>
               </a:rPr>
-              <a:t>QUERY 3</a:t>
-            </a:r>
+              <a:t>(I</a:t>
+            </a:r>
+            <a:r>
+              <a:rPr kumimoji="0" lang="it-IT" sz="1400" b="0" i="0" u="none" strike="noStrike" kern="1200" cap="none" spc="0" normalizeH="0" baseline="-25000" noProof="0" dirty="0">
+                <a:ln>
+                  <a:noFill/>
+                </a:ln>
+                <a:solidFill>
+                  <a:prstClr val="black"/>
+                </a:solidFill>
+                <a:effectLst/>
+                <a:uLnTx/>
+                <a:uFillTx/>
+                <a:latin typeface="Calibri" panose="020F0502020204030204"/>
+                <a:ea typeface="+mn-ea"/>
+                <a:cs typeface="+mn-cs"/>
+              </a:rPr>
+              <a:t> SFIDE</a:t>
+            </a:r>
+            <a:r>
+              <a:rPr kumimoji="0" lang="it-IT" sz="1400" b="0" i="0" u="none" strike="noStrike" kern="1200" cap="none" spc="0" normalizeH="0" baseline="0" noProof="0" dirty="0">
+                <a:ln>
+                  <a:noFill/>
+                </a:ln>
+                <a:solidFill>
+                  <a:prstClr val="black"/>
+                </a:solidFill>
+                <a:effectLst/>
+                <a:uLnTx/>
+                <a:uFillTx/>
+                <a:latin typeface="Calibri" panose="020F0502020204030204"/>
+                <a:ea typeface="+mn-ea"/>
+                <a:cs typeface="+mn-cs"/>
+              </a:rPr>
+              <a:t>(gioco)) ORDINATO CLUSTERIZZATO</a:t>
+            </a:r>
+          </a:p>
+          <a:p>
+            <a:pPr marL="0" marR="0" lvl="0" indent="0" algn="l" defTabSz="914400" rtl="0" eaLnBrk="1" fontAlgn="auto" latinLnBrk="0" hangingPunct="1">
+              <a:lnSpc>
+                <a:spcPct val="100000"/>
+              </a:lnSpc>
+              <a:spcBef>
+                <a:spcPts val="0"/>
+              </a:spcBef>
+              <a:spcAft>
+                <a:spcPts val="0"/>
+              </a:spcAft>
+              <a:buClrTx/>
+              <a:buSzTx/>
+              <a:buFontTx/>
+              <a:buNone/>
+              <a:tabLst/>
+              <a:defRPr/>
+            </a:pPr>
             <a:endParaRPr kumimoji="0" lang="it-IT" sz="1400" b="0" i="0" u="none" strike="noStrike" kern="1200" cap="none" spc="0" normalizeH="0" baseline="0" noProof="0" dirty="0">
               <a:ln>
                 <a:noFill/>
@@ -10050,6 +10571,56 @@
               <a:defRPr/>
             </a:pPr>
             <a:r>
+              <a:rPr kumimoji="0" lang="it-IT" sz="2000" b="1" i="0" u="none" strike="noStrike" kern="1200" cap="none" spc="0" normalizeH="0" baseline="0" noProof="0" dirty="0">
+                <a:ln>
+                  <a:noFill/>
+                </a:ln>
+                <a:solidFill>
+                  <a:prstClr val="black"/>
+                </a:solidFill>
+                <a:effectLst/>
+                <a:uLnTx/>
+                <a:uFillTx/>
+                <a:latin typeface="Calibri" panose="020F0502020204030204"/>
+                <a:ea typeface="+mn-ea"/>
+                <a:cs typeface="+mn-cs"/>
+              </a:rPr>
+              <a:t>QUERY 3</a:t>
+            </a:r>
+            <a:endParaRPr kumimoji="0" lang="it-IT" sz="1400" b="0" i="0" u="none" strike="noStrike" kern="1200" cap="none" spc="0" normalizeH="0" baseline="0" noProof="0" dirty="0">
+              <a:ln>
+                <a:noFill/>
+              </a:ln>
+              <a:solidFill>
+                <a:prstClr val="black"/>
+              </a:solidFill>
+              <a:effectLst/>
+              <a:uLnTx/>
+              <a:uFillTx/>
+              <a:latin typeface="Calibri" panose="020F0502020204030204"/>
+              <a:ea typeface="+mn-ea"/>
+              <a:cs typeface="+mn-cs"/>
+            </a:endParaRPr>
+          </a:p>
+          <a:p>
+            <a:pPr marL="0" marR="0" lvl="0" indent="0" algn="l" defTabSz="914400" rtl="0" eaLnBrk="1" fontAlgn="auto" latinLnBrk="0" hangingPunct="1">
+              <a:lnSpc>
+                <a:spcPct val="100000"/>
+              </a:lnSpc>
+              <a:spcBef>
+                <a:spcPts val="0"/>
+              </a:spcBef>
+              <a:spcAft>
+                <a:spcPts val="0"/>
+              </a:spcAft>
+              <a:buClrTx/>
+              <a:buSzTx/>
+              <a:buFontTx/>
+              <a:buNone/>
+              <a:tabLst/>
+              <a:defRPr/>
+            </a:pPr>
+            <a:r>
               <a:rPr kumimoji="0" lang="it-IT" sz="1400" b="0" i="0" u="none" strike="noStrike" kern="1200" cap="none" spc="0" normalizeH="0" baseline="0" noProof="0" dirty="0">
                 <a:ln>
                   <a:noFill/>
@@ -10098,7 +10669,41 @@
                 <a:ea typeface="+mn-ea"/>
                 <a:cs typeface="+mn-cs"/>
               </a:rPr>
-              <a:t>(ndadi), ndadi&gt;2) ORDINATO CLUSTERIZZATO</a:t>
+              <a:t>(</a:t>
+            </a:r>
+            <a:r>
+              <a:rPr kumimoji="0" lang="it-IT" sz="1400" b="0" i="0" u="none" strike="noStrike" kern="1200" cap="none" spc="0" normalizeH="0" baseline="0" noProof="0" dirty="0" err="1">
+                <a:ln>
+                  <a:noFill/>
+                </a:ln>
+                <a:solidFill>
+                  <a:prstClr val="black"/>
+                </a:solidFill>
+                <a:effectLst/>
+                <a:uLnTx/>
+                <a:uFillTx/>
+                <a:latin typeface="Calibri" panose="020F0502020204030204"/>
+                <a:ea typeface="+mn-ea"/>
+                <a:cs typeface="+mn-cs"/>
+              </a:rPr>
+              <a:t>ndadi</a:t>
+            </a:r>
+            <a:r>
+              <a:rPr kumimoji="0" lang="it-IT" sz="1400" b="0" i="0" u="none" strike="noStrike" kern="1200" cap="none" spc="0" normalizeH="0" baseline="0" noProof="0" dirty="0">
+                <a:ln>
+                  <a:noFill/>
+                </a:ln>
+                <a:solidFill>
+                  <a:prstClr val="black"/>
+                </a:solidFill>
+                <a:effectLst/>
+                <a:uLnTx/>
+                <a:uFillTx/>
+                <a:latin typeface="Calibri" panose="020F0502020204030204"/>
+                <a:ea typeface="+mn-ea"/>
+                <a:cs typeface="+mn-cs"/>
+              </a:rPr>
+              <a:t>)) ORDINATO CLUSTERIZZATO</a:t>
             </a:r>
           </a:p>
         </p:txBody>
@@ -10186,8 +10791,8 @@
         </p:nvSpPr>
         <p:spPr>
           <a:xfrm>
-            <a:off x="381000" y="523220"/>
-            <a:ext cx="10515600" cy="6285641"/>
+            <a:off x="92242" y="523220"/>
+            <a:ext cx="5715000" cy="2831544"/>
           </a:xfrm>
         </p:spPr>
         <p:txBody>
@@ -10209,46 +10814,73 @@
               <a:buNone/>
             </a:pPr>
             <a:r>
-              <a:rPr lang="it-IT" sz="1300" dirty="0"/>
-              <a:t>SELECT gid</a:t>
-            </a:r>
-            <a:endParaRPr lang="it-IT" sz="1300" dirty="0">
-              <a:cs typeface="Calibri"/>
-            </a:endParaRPr>
+              <a:rPr lang="en-US" sz="1300" dirty="0"/>
+              <a:t>SELECT id</a:t>
+            </a:r>
           </a:p>
           <a:p>
             <a:pPr marL="0" indent="0">
               <a:buNone/>
             </a:pPr>
             <a:r>
-              <a:rPr lang="it-IT" sz="1300" dirty="0"/>
-              <a:t>FROM giochi</a:t>
-            </a:r>
+              <a:rPr lang="en-US" sz="1300" dirty="0"/>
+              <a:t>FROM </a:t>
+            </a:r>
+            <a:r>
+              <a:rPr lang="en-US" sz="1300" dirty="0" err="1"/>
+              <a:t>Giochi</a:t>
+            </a:r>
+            <a:endParaRPr lang="en-US" sz="1300" dirty="0"/>
           </a:p>
           <a:p>
             <a:pPr marL="0" indent="0">
               <a:buNone/>
             </a:pPr>
             <a:r>
-              <a:rPr lang="it-IT" sz="1300" dirty="0"/>
-              <a:t>WHERE task IS NOT IN (SELECT gid FRΟΜ caselle WHERE task IS NULL)</a:t>
+              <a:rPr lang="en-US" sz="1300" dirty="0"/>
+              <a:t>WHERE </a:t>
+            </a:r>
+            <a:r>
+              <a:rPr lang="en-US" sz="1300" dirty="0" err="1"/>
+              <a:t>Giochi.Id</a:t>
+            </a:r>
+            <a:r>
+              <a:rPr lang="en-US" sz="1300" dirty="0"/>
+              <a:t> IN </a:t>
             </a:r>
           </a:p>
           <a:p>
             <a:pPr marL="0" indent="0">
               <a:buNone/>
             </a:pPr>
-            <a:endParaRPr lang="it-IT" sz="1300" dirty="0">
-              <a:cs typeface="Calibri"/>
-            </a:endParaRPr>
+            <a:r>
+              <a:rPr lang="en-US" sz="1300" dirty="0"/>
+              <a:t>	(SELECT </a:t>
+            </a:r>
+            <a:r>
+              <a:rPr lang="en-US" sz="1300" dirty="0" err="1"/>
+              <a:t>Caselle.gioco</a:t>
+            </a:r>
+            <a:r>
+              <a:rPr lang="en-US" sz="1300" dirty="0"/>
+              <a:t> </a:t>
+            </a:r>
           </a:p>
           <a:p>
             <a:pPr marL="0" indent="0">
               <a:buNone/>
             </a:pPr>
             <a:r>
-              <a:rPr lang="it-IT" sz="1300" b="1" dirty="0"/>
-              <a:t>Determinare i giochi che non contengono caselle a cui sono associati task</a:t>
+              <a:rPr lang="en-US" sz="1300" dirty="0"/>
+              <a:t>	FROM </a:t>
+            </a:r>
+            <a:r>
+              <a:rPr lang="en-US" sz="1300" dirty="0" err="1"/>
+              <a:t>Caselle</a:t>
+            </a:r>
+            <a:r>
+              <a:rPr lang="en-US" sz="1300" dirty="0"/>
+              <a:t> </a:t>
             </a:r>
           </a:p>
           <a:p>
@@ -10256,176 +10888,20 @@
               <a:buNone/>
             </a:pPr>
             <a:r>
-              <a:rPr lang="it-IT" sz="1300" dirty="0"/>
-              <a:t>SELECT gid</a:t>
-            </a:r>
-            <a:endParaRPr lang="it-IT" sz="1300" dirty="0">
-              <a:cs typeface="Calibri" panose="020F0502020204030204"/>
-            </a:endParaRPr>
-          </a:p>
-          <a:p>
-            <a:pPr marL="0" indent="0">
-              <a:buNone/>
-            </a:pPr>
-            <a:r>
-              <a:rPr lang="it-IT" sz="1300" dirty="0"/>
-              <a:t>FROM giochi</a:t>
-            </a:r>
-            <a:endParaRPr lang="it-IT" sz="1300" dirty="0">
-              <a:cs typeface="Calibri"/>
-            </a:endParaRPr>
-          </a:p>
-          <a:p>
-            <a:pPr marL="0" indent="0">
-              <a:buNone/>
-            </a:pPr>
-            <a:r>
-              <a:rPr lang="it-IT" sz="1300" dirty="0"/>
-              <a:t>WHERE gid IS NOT IN </a:t>
-            </a:r>
-            <a:endParaRPr lang="it-IT" sz="1300" dirty="0">
-              <a:cs typeface="Calibri"/>
-            </a:endParaRPr>
-          </a:p>
-          <a:p>
-            <a:pPr marL="0" indent="0">
-              <a:buNone/>
-            </a:pPr>
-            <a:r>
-              <a:rPr lang="it-IT" sz="1300" dirty="0"/>
-              <a:t>	(SELECT gid</a:t>
-            </a:r>
-            <a:endParaRPr lang="it-IT" sz="1300" dirty="0">
-              <a:cs typeface="Calibri" panose="020F0502020204030204"/>
-            </a:endParaRPr>
-          </a:p>
-          <a:p>
-            <a:pPr marL="0" indent="0">
-              <a:buNone/>
-            </a:pPr>
-            <a:r>
-              <a:rPr lang="it-IT" sz="1300" dirty="0"/>
-              <a:t>	FROM caselle</a:t>
-            </a:r>
-            <a:endParaRPr lang="it-IT" sz="1300" dirty="0">
-              <a:cs typeface="Calibri"/>
-            </a:endParaRPr>
-          </a:p>
-          <a:p>
-            <a:pPr marL="0" indent="0">
-              <a:buNone/>
-            </a:pPr>
-            <a:r>
-              <a:rPr lang="it-IT" sz="1300" dirty="0"/>
-              <a:t>	WHERE task IS NOT NULL)</a:t>
-            </a:r>
-            <a:endParaRPr lang="it-IT" sz="1300" dirty="0">
-              <a:cs typeface="Calibri"/>
-            </a:endParaRPr>
-          </a:p>
-          <a:p>
-            <a:pPr marL="0" indent="0">
-              <a:buNone/>
-            </a:pPr>
+              <a:rPr lang="en-US" sz="1300" dirty="0"/>
+              <a:t>	WHERE </a:t>
+            </a:r>
+            <a:r>
+              <a:rPr lang="en-US" sz="1300" dirty="0" err="1"/>
+              <a:t>Caselle.task</a:t>
+            </a:r>
+            <a:r>
+              <a:rPr lang="en-US" sz="1300" dirty="0"/>
+              <a:t> IS NOT NULL)</a:t>
+            </a:r>
             <a:r>
               <a:rPr lang="it-IT" sz="1300" dirty="0"/>
               <a:t>	</a:t>
-            </a:r>
-            <a:endParaRPr lang="it-IT" sz="1300" dirty="0">
-              <a:cs typeface="Calibri"/>
-            </a:endParaRPr>
-          </a:p>
-          <a:p>
-            <a:pPr marL="0" indent="0">
-              <a:buNone/>
-            </a:pPr>
-            <a:r>
-              <a:rPr lang="it-IT" sz="1300" b="1" dirty="0"/>
-              <a:t>Determinare le sfide che hanno durata superiore alla durata media delle sfide relative allo stesso gioco.</a:t>
-            </a:r>
-            <a:endParaRPr lang="it-IT" sz="1300" b="1" dirty="0">
-              <a:cs typeface="Calibri"/>
-            </a:endParaRPr>
-          </a:p>
-          <a:p>
-            <a:pPr marL="0" indent="0">
-              <a:buNone/>
-            </a:pPr>
-            <a:r>
-              <a:rPr lang="it-IT" sz="1300" dirty="0"/>
-              <a:t>SELECT pid</a:t>
-            </a:r>
-            <a:endParaRPr lang="it-IT" sz="1300" dirty="0">
-              <a:cs typeface="Calibri"/>
-            </a:endParaRPr>
-          </a:p>
-          <a:p>
-            <a:pPr marL="0" indent="0">
-              <a:buNone/>
-            </a:pPr>
-            <a:r>
-              <a:rPr lang="it-IT" sz="1300" dirty="0"/>
-              <a:t>FROM Sfide AS S</a:t>
-            </a:r>
-            <a:endParaRPr lang="it-IT" sz="1300" dirty="0">
-              <a:cs typeface="Calibri"/>
-            </a:endParaRPr>
-          </a:p>
-          <a:p>
-            <a:pPr marL="0" indent="0">
-              <a:buNone/>
-            </a:pPr>
-            <a:r>
-              <a:rPr lang="it-IT" sz="1300" dirty="0"/>
-              <a:t>WHERE duratamax &gt; </a:t>
-            </a:r>
-          </a:p>
-          <a:p>
-            <a:pPr marL="0" indent="0">
-              <a:buNone/>
-            </a:pPr>
-            <a:r>
-              <a:rPr lang="it-IT" sz="1300" dirty="0"/>
-              <a:t>	(SELECT AVG(duratamax) </a:t>
-            </a:r>
-          </a:p>
-          <a:p>
-            <a:pPr marL="0" indent="0">
-              <a:buNone/>
-            </a:pPr>
-            <a:r>
-              <a:rPr lang="it-IT" sz="1300" dirty="0"/>
-              <a:t>	FROM Sfide </a:t>
-            </a:r>
-          </a:p>
-          <a:p>
-            <a:pPr marL="0" indent="0">
-              <a:buNone/>
-            </a:pPr>
-            <a:r>
-              <a:rPr lang="it-IT" sz="1300" dirty="0"/>
-              <a:t>	 WHERE gid = S.gid</a:t>
-            </a:r>
-          </a:p>
-          <a:p>
-            <a:pPr marL="0" indent="0">
-              <a:buNone/>
-            </a:pPr>
-            <a:r>
-              <a:rPr lang="it-IT" sz="1300" dirty="0"/>
-              <a:t>	</a:t>
-            </a:r>
-            <a:r>
-              <a:rPr lang="it-IT" sz="1300" dirty="0">
-                <a:solidFill>
-                  <a:srgbClr val="FF0000"/>
-                </a:solidFill>
-              </a:rPr>
-              <a:t>GROUP BY pid</a:t>
-            </a:r>
-            <a:r>
-              <a:rPr lang="it-IT" sz="1300" dirty="0"/>
-              <a:t>) </a:t>
             </a:r>
             <a:endParaRPr lang="it-IT" sz="1300" dirty="0">
               <a:cs typeface="Calibri"/>
@@ -10465,6 +10941,314 @@
               <a:rPr lang="it-IT" sz="2800" dirty="0"/>
               <a:t>INTERROGAZIONI</a:t>
             </a:r>
+          </a:p>
+        </p:txBody>
+      </p:sp>
+      <p:sp>
+        <p:nvSpPr>
+          <p:cNvPr id="4" name="CasellaDiTesto 3">
+            <a:extLst>
+              <a:ext uri="{FF2B5EF4-FFF2-40B4-BE49-F238E27FC236}">
+                <a16:creationId xmlns:a16="http://schemas.microsoft.com/office/drawing/2014/main" id="{107EDE46-AF87-45A7-9778-D4883757B92A}"/>
+              </a:ext>
+            </a:extLst>
+          </p:cNvPr>
+          <p:cNvSpPr txBox="1"/>
+          <p:nvPr/>
+        </p:nvSpPr>
+        <p:spPr>
+          <a:xfrm>
+            <a:off x="6477000" y="523220"/>
+            <a:ext cx="5715000" cy="1877437"/>
+          </a:xfrm>
+          <a:prstGeom prst="rect">
+            <a:avLst/>
+          </a:prstGeom>
+          <a:noFill/>
+        </p:spPr>
+        <p:txBody>
+          <a:bodyPr wrap="square" rtlCol="0">
+            <a:spAutoFit/>
+          </a:bodyPr>
+          <a:lstStyle/>
+          <a:p>
+            <a:pPr marL="0" indent="0">
+              <a:buNone/>
+            </a:pPr>
+            <a:r>
+              <a:rPr lang="it-IT" sz="1400" b="1" dirty="0"/>
+              <a:t>Determinare i giochi che non contengono caselle a cui sono associati task</a:t>
+            </a:r>
+            <a:endParaRPr lang="it-IT" sz="1400" b="1" dirty="0">
+              <a:cs typeface="Calibri"/>
+            </a:endParaRPr>
+          </a:p>
+          <a:p>
+            <a:pPr marL="0" indent="0">
+              <a:buNone/>
+            </a:pPr>
+            <a:r>
+              <a:rPr lang="it-IT" sz="1400" dirty="0"/>
+              <a:t>SELECT Giochi.id</a:t>
+            </a:r>
+            <a:endParaRPr lang="it-IT" sz="1400" dirty="0">
+              <a:cs typeface="Calibri" panose="020F0502020204030204"/>
+            </a:endParaRPr>
+          </a:p>
+          <a:p>
+            <a:pPr marL="0" indent="0">
+              <a:buNone/>
+            </a:pPr>
+            <a:r>
+              <a:rPr lang="it-IT" sz="1400" dirty="0"/>
+              <a:t>FROM giochi</a:t>
+            </a:r>
+            <a:endParaRPr lang="it-IT" sz="1400" dirty="0">
+              <a:cs typeface="Calibri"/>
+            </a:endParaRPr>
+          </a:p>
+          <a:p>
+            <a:pPr marL="0" indent="0">
+              <a:buNone/>
+            </a:pPr>
+            <a:r>
+              <a:rPr lang="it-IT" sz="1400" dirty="0"/>
+              <a:t>WHERE Giochi.id NOT IN </a:t>
+            </a:r>
+            <a:endParaRPr lang="it-IT" sz="1400" dirty="0">
+              <a:cs typeface="Calibri"/>
+            </a:endParaRPr>
+          </a:p>
+          <a:p>
+            <a:pPr marL="0" indent="0">
+              <a:buNone/>
+            </a:pPr>
+            <a:r>
+              <a:rPr lang="it-IT" sz="1400" dirty="0"/>
+              <a:t>	(SELECT </a:t>
+            </a:r>
+            <a:r>
+              <a:rPr lang="it-IT" sz="1400" dirty="0" err="1"/>
+              <a:t>Caselle.gioco</a:t>
+            </a:r>
+            <a:endParaRPr lang="it-IT" sz="1400" dirty="0">
+              <a:cs typeface="Calibri" panose="020F0502020204030204"/>
+            </a:endParaRPr>
+          </a:p>
+          <a:p>
+            <a:pPr marL="0" indent="0">
+              <a:buNone/>
+            </a:pPr>
+            <a:r>
+              <a:rPr lang="it-IT" sz="1400" dirty="0"/>
+              <a:t>	FROM Caselle</a:t>
+            </a:r>
+            <a:endParaRPr lang="it-IT" sz="1400" dirty="0">
+              <a:cs typeface="Calibri"/>
+            </a:endParaRPr>
+          </a:p>
+          <a:p>
+            <a:pPr marL="0" indent="0">
+              <a:buNone/>
+            </a:pPr>
+            <a:r>
+              <a:rPr lang="it-IT" sz="1400" dirty="0"/>
+              <a:t>	WHERE </a:t>
+            </a:r>
+            <a:r>
+              <a:rPr lang="it-IT" sz="1400" dirty="0" err="1"/>
+              <a:t>Caselle.task</a:t>
+            </a:r>
+            <a:r>
+              <a:rPr lang="it-IT" sz="1400" dirty="0"/>
+              <a:t> IS NOT NULL)</a:t>
+            </a:r>
+            <a:endParaRPr lang="it-IT" sz="1400" dirty="0">
+              <a:cs typeface="Calibri"/>
+            </a:endParaRPr>
+          </a:p>
+          <a:p>
+            <a:endParaRPr lang="it-IT" dirty="0"/>
+          </a:p>
+        </p:txBody>
+      </p:sp>
+      <p:sp>
+        <p:nvSpPr>
+          <p:cNvPr id="5" name="CasellaDiTesto 4">
+            <a:extLst>
+              <a:ext uri="{FF2B5EF4-FFF2-40B4-BE49-F238E27FC236}">
+                <a16:creationId xmlns:a16="http://schemas.microsoft.com/office/drawing/2014/main" id="{169655A4-590E-4733-B5DB-C477CFDCC119}"/>
+              </a:ext>
+            </a:extLst>
+          </p:cNvPr>
+          <p:cNvSpPr txBox="1"/>
+          <p:nvPr/>
+        </p:nvSpPr>
+        <p:spPr>
+          <a:xfrm>
+            <a:off x="1627821" y="4026456"/>
+            <a:ext cx="8936357" cy="2585323"/>
+          </a:xfrm>
+          <a:prstGeom prst="rect">
+            <a:avLst/>
+          </a:prstGeom>
+          <a:noFill/>
+        </p:spPr>
+        <p:txBody>
+          <a:bodyPr wrap="none" rtlCol="0">
+            <a:spAutoFit/>
+          </a:bodyPr>
+          <a:lstStyle/>
+          <a:p>
+            <a:pPr marL="0" indent="0">
+              <a:buNone/>
+            </a:pPr>
+            <a:r>
+              <a:rPr lang="it-IT" sz="1600" b="1" dirty="0"/>
+              <a:t>Determinare le sfide che hanno durata superiore alla durata media delle sfide relative allo stesso gioco.</a:t>
+            </a:r>
+            <a:endParaRPr lang="it-IT" sz="1600" b="1" dirty="0">
+              <a:cs typeface="Calibri"/>
+            </a:endParaRPr>
+          </a:p>
+          <a:p>
+            <a:pPr marL="0" indent="0">
+              <a:buNone/>
+            </a:pPr>
+            <a:r>
+              <a:rPr lang="it-IT" sz="1600" dirty="0"/>
+              <a:t>SELECT </a:t>
+            </a:r>
+            <a:r>
+              <a:rPr lang="it-IT" sz="1600" dirty="0" err="1"/>
+              <a:t>S.Id</a:t>
+            </a:r>
+            <a:endParaRPr lang="it-IT" sz="1600" dirty="0">
+              <a:cs typeface="Calibri"/>
+            </a:endParaRPr>
+          </a:p>
+          <a:p>
+            <a:pPr marL="0" indent="0">
+              <a:buNone/>
+            </a:pPr>
+            <a:r>
+              <a:rPr lang="it-IT" sz="1600" dirty="0"/>
+              <a:t>FROM Sfide AS S</a:t>
+            </a:r>
+            <a:endParaRPr lang="it-IT" sz="1600" dirty="0">
+              <a:cs typeface="Calibri"/>
+            </a:endParaRPr>
+          </a:p>
+          <a:p>
+            <a:pPr marL="0" indent="0">
+              <a:buNone/>
+            </a:pPr>
+            <a:r>
+              <a:rPr lang="it-IT" sz="1600" dirty="0"/>
+              <a:t>WHERE </a:t>
+            </a:r>
+            <a:r>
+              <a:rPr lang="it-IT" sz="1600" dirty="0" err="1"/>
+              <a:t>S.DurataMax</a:t>
+            </a:r>
+            <a:r>
+              <a:rPr lang="it-IT" sz="1600" dirty="0"/>
+              <a:t> &gt; </a:t>
+            </a:r>
+            <a:endParaRPr lang="it-IT" sz="1600" dirty="0">
+              <a:cs typeface="Calibri"/>
+            </a:endParaRPr>
+          </a:p>
+          <a:p>
+            <a:pPr marL="0" indent="0">
+              <a:buNone/>
+            </a:pPr>
+            <a:r>
+              <a:rPr lang="it-IT" sz="1600" dirty="0"/>
+              <a:t>	(SELECT AVG(</a:t>
+            </a:r>
+            <a:r>
+              <a:rPr lang="it-IT" sz="1600" dirty="0" err="1"/>
+              <a:t>DurataMax</a:t>
+            </a:r>
+            <a:r>
+              <a:rPr lang="it-IT" sz="1600" dirty="0"/>
+              <a:t>) </a:t>
+            </a:r>
+            <a:endParaRPr lang="it-IT" sz="1600" dirty="0">
+              <a:cs typeface="Calibri"/>
+            </a:endParaRPr>
+          </a:p>
+          <a:p>
+            <a:pPr marL="0" indent="0">
+              <a:buNone/>
+            </a:pPr>
+            <a:r>
+              <a:rPr lang="it-IT" sz="1600" dirty="0"/>
+              <a:t>	FROM Sfide </a:t>
+            </a:r>
+            <a:endParaRPr lang="it-IT" sz="1600" dirty="0">
+              <a:cs typeface="Calibri"/>
+            </a:endParaRPr>
+          </a:p>
+          <a:p>
+            <a:pPr marL="0" indent="0">
+              <a:buNone/>
+            </a:pPr>
+            <a:r>
+              <a:rPr lang="it-IT" sz="1600" dirty="0"/>
+              <a:t>	 WHERE </a:t>
+            </a:r>
+            <a:r>
+              <a:rPr lang="it-IT" sz="1600" dirty="0" err="1"/>
+              <a:t>Sfide.gioco</a:t>
+            </a:r>
+            <a:r>
+              <a:rPr lang="it-IT" sz="1600" dirty="0"/>
+              <a:t> = </a:t>
+            </a:r>
+            <a:r>
+              <a:rPr lang="it-IT" sz="1600" dirty="0" err="1"/>
+              <a:t>S.gioco</a:t>
+            </a:r>
+            <a:r>
+              <a:rPr lang="it-IT" sz="1600" dirty="0"/>
+              <a:t>) </a:t>
+            </a:r>
+          </a:p>
+          <a:p>
+            <a:pPr marL="0" indent="0">
+              <a:buNone/>
+            </a:pPr>
+            <a:endParaRPr lang="it-IT" sz="1600" dirty="0">
+              <a:cs typeface="Calibri"/>
+            </a:endParaRPr>
+          </a:p>
+          <a:p>
+            <a:pPr marL="0" indent="0">
+              <a:buNone/>
+            </a:pPr>
+            <a:r>
+              <a:rPr lang="it-IT" sz="1600" dirty="0">
+                <a:cs typeface="Calibri"/>
+              </a:rPr>
+              <a:t>--secondo me il GROUP BY nella </a:t>
+            </a:r>
+            <a:r>
+              <a:rPr lang="it-IT" sz="1600" dirty="0" err="1">
+                <a:cs typeface="Calibri"/>
+              </a:rPr>
+              <a:t>subquery</a:t>
+            </a:r>
+            <a:r>
+              <a:rPr lang="it-IT" sz="1600" dirty="0">
+                <a:cs typeface="Calibri"/>
+              </a:rPr>
+              <a:t> non serve AVEVI RAGIONE CAMILLA</a:t>
+            </a:r>
+          </a:p>
+          <a:p>
+            <a:endParaRPr lang="it-IT" dirty="0"/>
           </a:p>
         </p:txBody>
       </p:sp>
@@ -10517,7 +11301,7 @@
         <p:spPr>
           <a:xfrm>
             <a:off x="228600" y="158190"/>
-            <a:ext cx="11905129" cy="6655267"/>
+            <a:ext cx="11905129" cy="7776700"/>
           </a:xfrm>
         </p:spPr>
         <p:txBody>
@@ -10552,7 +11336,21 @@
                 <a:ea typeface="+mn-lt"/>
                 <a:cs typeface="+mn-lt"/>
               </a:rPr>
-              <a:t>CREATE VIEW infoGiochi AS </a:t>
+              <a:t>CREATE VIEW </a:t>
+            </a:r>
+            <a:r>
+              <a:rPr lang="it-IT" sz="1600" dirty="0" err="1">
+                <a:ea typeface="+mn-lt"/>
+                <a:cs typeface="+mn-lt"/>
+              </a:rPr>
+              <a:t>infoGiochi</a:t>
+            </a:r>
+            <a:r>
+              <a:rPr lang="it-IT" sz="1600" dirty="0">
+                <a:ea typeface="+mn-lt"/>
+                <a:cs typeface="+mn-lt"/>
+              </a:rPr>
+              <a:t> AS </a:t>
             </a:r>
           </a:p>
           <a:p>
@@ -10564,7 +11362,35 @@
                 <a:ea typeface="+mn-lt"/>
                 <a:cs typeface="+mn-lt"/>
               </a:rPr>
-              <a:t>SELECT COUNT(PID), AVG(duratamax), SUM(N_Squadre), COUNT(EMAIL)</a:t>
+              <a:t>SELECT COUNT(PID), AVG(</a:t>
+            </a:r>
+            <a:r>
+              <a:rPr lang="it-IT" sz="1600" dirty="0" err="1">
+                <a:ea typeface="+mn-lt"/>
+                <a:cs typeface="+mn-lt"/>
+              </a:rPr>
+              <a:t>duratamax</a:t>
+            </a:r>
+            <a:r>
+              <a:rPr lang="it-IT" sz="1600" dirty="0">
+                <a:ea typeface="+mn-lt"/>
+                <a:cs typeface="+mn-lt"/>
+              </a:rPr>
+              <a:t>), SUM(</a:t>
+            </a:r>
+            <a:r>
+              <a:rPr lang="it-IT" sz="1600" dirty="0" err="1">
+                <a:ea typeface="+mn-lt"/>
+                <a:cs typeface="+mn-lt"/>
+              </a:rPr>
+              <a:t>N_Squadre</a:t>
+            </a:r>
+            <a:r>
+              <a:rPr lang="it-IT" sz="1600" dirty="0">
+                <a:ea typeface="+mn-lt"/>
+                <a:cs typeface="+mn-lt"/>
+              </a:rPr>
+              <a:t>), COUNT(EMAIL)</a:t>
             </a:r>
           </a:p>
           <a:p>
@@ -10576,7 +11402,21 @@
                 <a:ea typeface="+mn-lt"/>
                 <a:cs typeface="+mn-lt"/>
               </a:rPr>
-              <a:t>FROM Sfide JOIN GIOCA_IN ON Sfide.PID = GIOCA_IN.PID</a:t>
+              <a:t>FROM Sfide JOIN GIOCA_IN ON </a:t>
+            </a:r>
+            <a:r>
+              <a:rPr lang="it-IT" sz="1600" dirty="0" err="1">
+                <a:ea typeface="+mn-lt"/>
+                <a:cs typeface="+mn-lt"/>
+              </a:rPr>
+              <a:t>Sfide.PID</a:t>
+            </a:r>
+            <a:r>
+              <a:rPr lang="it-IT" sz="1600" dirty="0">
+                <a:ea typeface="+mn-lt"/>
+                <a:cs typeface="+mn-lt"/>
+              </a:rPr>
+              <a:t> = GIOCA_IN.PID</a:t>
             </a:r>
           </a:p>
           <a:p>
@@ -10588,7 +11428,35 @@
                 <a:ea typeface="+mn-lt"/>
                 <a:cs typeface="+mn-lt"/>
               </a:rPr>
-              <a:t>WHERE Sfide.Data &lt;= CURRENT_DATA AND Sfide.Orario &lt;= CURRENT_TIME</a:t>
+              <a:t>WHERE </a:t>
+            </a:r>
+            <a:r>
+              <a:rPr lang="it-IT" sz="1600" dirty="0" err="1">
+                <a:ea typeface="+mn-lt"/>
+                <a:cs typeface="+mn-lt"/>
+              </a:rPr>
+              <a:t>Sfide.Data</a:t>
+            </a:r>
+            <a:r>
+              <a:rPr lang="it-IT" sz="1600" dirty="0">
+                <a:ea typeface="+mn-lt"/>
+                <a:cs typeface="+mn-lt"/>
+              </a:rPr>
+              <a:t> &lt;= CURRENT_DATA AND </a:t>
+            </a:r>
+            <a:r>
+              <a:rPr lang="it-IT" sz="1600" dirty="0" err="1">
+                <a:ea typeface="+mn-lt"/>
+                <a:cs typeface="+mn-lt"/>
+              </a:rPr>
+              <a:t>Sfide.Orario</a:t>
+            </a:r>
+            <a:r>
+              <a:rPr lang="it-IT" sz="1600" dirty="0">
+                <a:ea typeface="+mn-lt"/>
+                <a:cs typeface="+mn-lt"/>
+              </a:rPr>
+              <a:t> &lt;= CURRENT_TIME</a:t>
             </a:r>
           </a:p>
           <a:p>
@@ -10628,6 +11496,189 @@
             <a:pPr marL="0" indent="0">
               <a:buNone/>
             </a:pPr>
+            <a:r>
+              <a:rPr lang="it-IT" sz="1600" dirty="0">
+                <a:ea typeface="+mn-lt"/>
+                <a:cs typeface="+mn-lt"/>
+              </a:rPr>
+              <a:t>CREATE VIEW </a:t>
+            </a:r>
+            <a:r>
+              <a:rPr lang="it-IT" sz="1600" dirty="0" err="1">
+                <a:ea typeface="+mn-lt"/>
+                <a:cs typeface="+mn-lt"/>
+              </a:rPr>
+              <a:t>infoGiochi</a:t>
+            </a:r>
+            <a:r>
+              <a:rPr lang="it-IT" sz="1600" dirty="0">
+                <a:ea typeface="+mn-lt"/>
+                <a:cs typeface="+mn-lt"/>
+              </a:rPr>
+              <a:t> AS</a:t>
+            </a:r>
+          </a:p>
+          <a:p>
+            <a:pPr marL="0" indent="0">
+              <a:buNone/>
+            </a:pPr>
+            <a:r>
+              <a:rPr lang="it-IT" sz="1600" dirty="0">
+                <a:ea typeface="+mn-lt"/>
+                <a:cs typeface="+mn-lt"/>
+              </a:rPr>
+              <a:t>SELECT COUNT(</a:t>
+            </a:r>
+            <a:r>
+              <a:rPr lang="it-IT" sz="1600" dirty="0" err="1">
+                <a:ea typeface="+mn-lt"/>
+                <a:cs typeface="+mn-lt"/>
+              </a:rPr>
+              <a:t>Sfide.Id</a:t>
+            </a:r>
+            <a:r>
+              <a:rPr lang="it-IT" sz="1600" dirty="0">
+                <a:ea typeface="+mn-lt"/>
+                <a:cs typeface="+mn-lt"/>
+              </a:rPr>
+              <a:t>), AVG(</a:t>
+            </a:r>
+            <a:r>
+              <a:rPr lang="it-IT" sz="1600" dirty="0" err="1">
+                <a:ea typeface="+mn-lt"/>
+                <a:cs typeface="+mn-lt"/>
+              </a:rPr>
+              <a:t>Sfide.DurataMax</a:t>
+            </a:r>
+            <a:r>
+              <a:rPr lang="it-IT" sz="1600" dirty="0">
+                <a:ea typeface="+mn-lt"/>
+                <a:cs typeface="+mn-lt"/>
+              </a:rPr>
+              <a:t>), SUM(</a:t>
+            </a:r>
+            <a:r>
+              <a:rPr lang="it-IT" sz="1600" dirty="0" err="1">
+                <a:ea typeface="+mn-lt"/>
+                <a:cs typeface="+mn-lt"/>
+              </a:rPr>
+              <a:t>NSquadre</a:t>
+            </a:r>
+            <a:r>
+              <a:rPr lang="it-IT" sz="1600" dirty="0">
+                <a:ea typeface="+mn-lt"/>
+                <a:cs typeface="+mn-lt"/>
+              </a:rPr>
+              <a:t>), COUNT(</a:t>
+            </a:r>
+            <a:r>
+              <a:rPr lang="it-IT" sz="1600" dirty="0" err="1">
+                <a:ea typeface="+mn-lt"/>
+                <a:cs typeface="+mn-lt"/>
+              </a:rPr>
+              <a:t>GiocaIn.Email</a:t>
+            </a:r>
+            <a:r>
+              <a:rPr lang="it-IT" sz="1600" dirty="0">
+                <a:ea typeface="+mn-lt"/>
+                <a:cs typeface="+mn-lt"/>
+              </a:rPr>
+              <a:t>), MIN(</a:t>
+            </a:r>
+            <a:r>
+              <a:rPr lang="it-IT" sz="1600" dirty="0" err="1">
+                <a:ea typeface="+mn-lt"/>
+                <a:cs typeface="+mn-lt"/>
+              </a:rPr>
+              <a:t>Squadre.PunteggioTotale</a:t>
+            </a:r>
+            <a:r>
+              <a:rPr lang="it-IT" sz="1600" dirty="0">
+                <a:ea typeface="+mn-lt"/>
+                <a:cs typeface="+mn-lt"/>
+              </a:rPr>
+              <a:t>), AVG(</a:t>
+            </a:r>
+            <a:r>
+              <a:rPr lang="it-IT" sz="1600" dirty="0" err="1">
+                <a:ea typeface="+mn-lt"/>
+                <a:cs typeface="+mn-lt"/>
+              </a:rPr>
+              <a:t>Squadre.PunteggioTotale</a:t>
+            </a:r>
+            <a:r>
+              <a:rPr lang="it-IT" sz="1600" dirty="0">
+                <a:ea typeface="+mn-lt"/>
+                <a:cs typeface="+mn-lt"/>
+              </a:rPr>
+              <a:t>), MAX(</a:t>
+            </a:r>
+            <a:r>
+              <a:rPr lang="it-IT" sz="1600" dirty="0" err="1">
+                <a:ea typeface="+mn-lt"/>
+                <a:cs typeface="+mn-lt"/>
+              </a:rPr>
+              <a:t>Squadre.PunteggioTotale</a:t>
+            </a:r>
+            <a:r>
+              <a:rPr lang="it-IT" sz="1600" dirty="0">
+                <a:ea typeface="+mn-lt"/>
+                <a:cs typeface="+mn-lt"/>
+              </a:rPr>
+              <a:t>)</a:t>
+            </a:r>
+          </a:p>
+          <a:p>
+            <a:pPr marL="0" indent="0">
+              <a:buNone/>
+            </a:pPr>
+            <a:r>
+              <a:rPr lang="it-IT" sz="1600" dirty="0">
+                <a:ea typeface="+mn-lt"/>
+                <a:cs typeface="+mn-lt"/>
+              </a:rPr>
+              <a:t>FROM Sfide JOIN </a:t>
+            </a:r>
+            <a:r>
+              <a:rPr lang="it-IT" sz="1600" dirty="0" err="1">
+                <a:ea typeface="+mn-lt"/>
+                <a:cs typeface="+mn-lt"/>
+              </a:rPr>
+              <a:t>GiocaIn</a:t>
+            </a:r>
+            <a:r>
+              <a:rPr lang="it-IT" sz="1600" dirty="0">
+                <a:ea typeface="+mn-lt"/>
+                <a:cs typeface="+mn-lt"/>
+              </a:rPr>
+              <a:t> ON</a:t>
+            </a:r>
+          </a:p>
+          <a:p>
+            <a:pPr marL="0" indent="0">
+              <a:buNone/>
+            </a:pPr>
+            <a:r>
+              <a:rPr lang="it-IT" sz="1600" dirty="0" err="1">
+                <a:ea typeface="+mn-lt"/>
+                <a:cs typeface="+mn-lt"/>
+              </a:rPr>
+              <a:t>Sfide.Id</a:t>
+            </a:r>
+            <a:r>
+              <a:rPr lang="it-IT" sz="1600" dirty="0">
+                <a:ea typeface="+mn-lt"/>
+                <a:cs typeface="+mn-lt"/>
+              </a:rPr>
+              <a:t> = </a:t>
+            </a:r>
+            <a:r>
+              <a:rPr lang="it-IT" sz="1600" dirty="0" err="1">
+                <a:ea typeface="+mn-lt"/>
+                <a:cs typeface="+mn-lt"/>
+              </a:rPr>
+              <a:t>GiocaIn.Sfida</a:t>
+            </a:r>
             <a:endParaRPr lang="it-IT" sz="1600" dirty="0">
               <a:ea typeface="+mn-lt"/>
               <a:cs typeface="+mn-lt"/>
@@ -10642,25 +11693,57 @@
                 <a:ea typeface="+mn-lt"/>
                 <a:cs typeface="+mn-lt"/>
               </a:rPr>
-              <a:t>SELECT COUNT(Pid), AVG(durata), N_Squadre, COUNT(EMAIL), MIN(), AVG(), MAX()</a:t>
-            </a:r>
-          </a:p>
-          <a:p>
-            <a:pPr marL="0" indent="0">
-              <a:buNone/>
-            </a:pPr>
+              <a:t>JOIN Squadre ON </a:t>
+            </a:r>
+            <a:r>
+              <a:rPr lang="it-IT" sz="1600" dirty="0" err="1">
+                <a:ea typeface="+mn-lt"/>
+                <a:cs typeface="+mn-lt"/>
+              </a:rPr>
+              <a:t>GiocaIn.Squadra</a:t>
+            </a:r>
             <a:r>
               <a:rPr lang="it-IT" sz="1600" dirty="0">
                 <a:ea typeface="+mn-lt"/>
                 <a:cs typeface="+mn-lt"/>
               </a:rPr>
-              <a:t>GROUP BY Gid, Pid</a:t>
-            </a:r>
-          </a:p>
-          <a:p>
-            <a:pPr marL="0" indent="0">
-              <a:buNone/>
-            </a:pPr>
+              <a:t> = </a:t>
+            </a:r>
+            <a:r>
+              <a:rPr lang="it-IT" sz="1600" dirty="0" err="1">
+                <a:ea typeface="+mn-lt"/>
+                <a:cs typeface="+mn-lt"/>
+              </a:rPr>
+              <a:t>Squadre.Nome</a:t>
+            </a:r>
+            <a:r>
+              <a:rPr lang="it-IT" sz="1600" dirty="0">
+                <a:ea typeface="+mn-lt"/>
+                <a:cs typeface="+mn-lt"/>
+              </a:rPr>
+              <a:t> AND </a:t>
+            </a:r>
+            <a:r>
+              <a:rPr lang="it-IT" sz="1600" dirty="0" err="1">
+                <a:ea typeface="+mn-lt"/>
+                <a:cs typeface="+mn-lt"/>
+              </a:rPr>
+              <a:t>Squadra.Sfida</a:t>
+            </a:r>
+            <a:r>
+              <a:rPr lang="it-IT" sz="1600" dirty="0">
+                <a:ea typeface="+mn-lt"/>
+                <a:cs typeface="+mn-lt"/>
+              </a:rPr>
+              <a:t> = </a:t>
+            </a:r>
+            <a:r>
+              <a:rPr lang="it-IT" sz="1600" dirty="0" err="1">
+                <a:ea typeface="+mn-lt"/>
+                <a:cs typeface="+mn-lt"/>
+              </a:rPr>
+              <a:t>GiocaIn.Sfida</a:t>
+            </a:r>
             <a:endParaRPr lang="it-IT" sz="1600" dirty="0">
               <a:ea typeface="+mn-lt"/>
               <a:cs typeface="+mn-lt"/>
@@ -10670,49 +11753,63 @@
             <a:pPr marL="0" indent="0">
               <a:buNone/>
             </a:pPr>
+            <a:r>
+              <a:rPr lang="it-IT" sz="1600" dirty="0">
+                <a:ea typeface="+mn-lt"/>
+                <a:cs typeface="+mn-lt"/>
+              </a:rPr>
+              <a:t>--WHERE</a:t>
+            </a:r>
+          </a:p>
+          <a:p>
+            <a:pPr marL="0" indent="0">
+              <a:buNone/>
+            </a:pPr>
+            <a:r>
+              <a:rPr lang="it-IT" sz="1600" dirty="0">
+                <a:ea typeface="+mn-lt"/>
+                <a:cs typeface="+mn-lt"/>
+              </a:rPr>
+              <a:t>GROUP BY </a:t>
+            </a:r>
+            <a:r>
+              <a:rPr lang="it-IT" sz="1600" dirty="0" err="1">
+                <a:ea typeface="+mn-lt"/>
+                <a:cs typeface="+mn-lt"/>
+              </a:rPr>
+              <a:t>Sfide.Gioco</a:t>
+            </a:r>
             <a:endParaRPr lang="it-IT" sz="1600" dirty="0">
               <a:ea typeface="+mn-lt"/>
               <a:cs typeface="+mn-lt"/>
             </a:endParaRPr>
           </a:p>
-        </p:txBody>
-      </p:sp>
-      <p:sp>
-        <p:nvSpPr>
-          <p:cNvPr id="5" name="CasellaDiTesto 4">
-            <a:extLst>
-              <a:ext uri="{FF2B5EF4-FFF2-40B4-BE49-F238E27FC236}">
-                <a16:creationId xmlns:a16="http://schemas.microsoft.com/office/drawing/2014/main" id="{08CE9197-F09D-4608-9BB3-46D24FFBDCF3}"/>
-              </a:ext>
-            </a:extLst>
-          </p:cNvPr>
-          <p:cNvSpPr txBox="1"/>
-          <p:nvPr/>
-        </p:nvSpPr>
-        <p:spPr>
-          <a:xfrm>
-            <a:off x="457201" y="5854482"/>
-            <a:ext cx="6629400" cy="646331"/>
-          </a:xfrm>
-          <a:prstGeom prst="rect">
-            <a:avLst/>
-          </a:prstGeom>
-          <a:noFill/>
-        </p:spPr>
-        <p:txBody>
-          <a:bodyPr wrap="square" rtlCol="0">
-            <a:spAutoFit/>
-          </a:bodyPr>
-          <a:lstStyle/>
-          <a:p>
-            <a:r>
-              <a:rPr lang="it-IT" dirty="0">
-                <a:solidFill>
-                  <a:srgbClr val="FF0000"/>
-                </a:solidFill>
-              </a:rPr>
-              <a:t>Secondo me bisogna inserire un attributo PUNTEGGIO_FINALE in squadra o spostare il punteggio in squadra</a:t>
-            </a:r>
+          <a:p>
+            <a:pPr marL="0" indent="0">
+              <a:buNone/>
+            </a:pPr>
+            <a:endParaRPr lang="it-IT" sz="1600" dirty="0">
+              <a:ea typeface="+mn-lt"/>
+              <a:cs typeface="+mn-lt"/>
+            </a:endParaRPr>
+          </a:p>
+          <a:p>
+            <a:pPr marL="0" indent="0">
+              <a:buNone/>
+            </a:pPr>
+            <a:endParaRPr lang="it-IT" sz="1600" dirty="0">
+              <a:ea typeface="+mn-lt"/>
+              <a:cs typeface="+mn-lt"/>
+            </a:endParaRPr>
+          </a:p>
+          <a:p>
+            <a:pPr marL="0" indent="0">
+              <a:buNone/>
+            </a:pPr>
+            <a:endParaRPr lang="it-IT" sz="1600" dirty="0">
+              <a:ea typeface="+mn-lt"/>
+              <a:cs typeface="+mn-lt"/>
+            </a:endParaRPr>
           </a:p>
         </p:txBody>
       </p:sp>
@@ -10762,7 +11859,12 @@
             <p:ph type="title"/>
           </p:nvPr>
         </p:nvSpPr>
-        <p:spPr/>
+        <p:spPr>
+          <a:xfrm>
+            <a:off x="838200" y="-48125"/>
+            <a:ext cx="10515600" cy="1325563"/>
+          </a:xfrm>
+        </p:spPr>
         <p:txBody>
           <a:bodyPr/>
           <a:lstStyle/>
@@ -10790,10 +11892,15 @@
             <p:ph idx="1"/>
           </p:nvPr>
         </p:nvSpPr>
-        <p:spPr/>
+        <p:spPr>
+          <a:xfrm>
+            <a:off x="838200" y="1207339"/>
+            <a:ext cx="10515600" cy="5236911"/>
+          </a:xfrm>
+        </p:spPr>
         <p:txBody>
           <a:bodyPr>
-            <a:normAutofit lnSpcReduction="10000"/>
+            <a:normAutofit fontScale="70000" lnSpcReduction="20000"/>
           </a:bodyPr>
           <a:lstStyle/>
           <a:p>
@@ -10878,7 +11985,16 @@
             </a:r>
             <a:r>
               <a:rPr lang="it-IT" dirty="0"/>
-              <a:t>	FROM </a:t>
+              <a:t>	</a:t>
+            </a:r>
+          </a:p>
+          <a:p>
+            <a:pPr marL="0" indent="0">
+              <a:buNone/>
+            </a:pPr>
+            <a:r>
+              <a:rPr lang="it-IT" dirty="0"/>
+              <a:t>FROM </a:t>
             </a:r>
             <a:r>
               <a:rPr lang="it-IT" dirty="0" err="1"/>
@@ -10886,7 +12002,16 @@
             </a:r>
             <a:r>
               <a:rPr lang="it-IT" dirty="0"/>
-              <a:t>	WHERE </a:t>
+              <a:t>						  </a:t>
+            </a:r>
+          </a:p>
+          <a:p>
+            <a:pPr marL="0" indent="0">
+              <a:buNone/>
+            </a:pPr>
+            <a:r>
+              <a:rPr lang="it-IT" dirty="0"/>
+              <a:t>WHERE </a:t>
             </a:r>
             <a:r>
               <a:rPr lang="it-IT" dirty="0" err="1"/>
@@ -10894,15 +12019,7 @@
             </a:r>
             <a:r>
               <a:rPr lang="it-IT" dirty="0"/>
-              <a:t> = '</a:t>
-            </a:r>
-            <a:r>
-              <a:rPr lang="it-IT" dirty="0" err="1"/>
-              <a:t>online_challenge_activity</a:t>
-            </a:r>
-            <a:r>
-              <a:rPr lang="it-IT" dirty="0"/>
-              <a:t>') AND </a:t>
+              <a:t> = 'oca') AND </a:t>
             </a:r>
             <a:r>
               <a:rPr lang="it-IT" dirty="0" err="1"/>
@@ -10910,7 +12027,24 @@
             </a:r>
             <a:r>
               <a:rPr lang="it-IT" dirty="0"/>
-              <a:t>='r’;</a:t>
+              <a:t>='r’</a:t>
+            </a:r>
+          </a:p>
+          <a:p>
+            <a:pPr marL="0" indent="0">
+              <a:buNone/>
+            </a:pPr>
+            <a:r>
+              <a:rPr lang="it-IT" dirty="0"/>
+              <a:t>ORDER BY </a:t>
+            </a:r>
+            <a:r>
+              <a:rPr lang="it-IT" dirty="0" err="1"/>
+              <a:t>reltuples</a:t>
+            </a:r>
+            <a:r>
+              <a:rPr lang="it-IT" dirty="0"/>
+              <a:t>;</a:t>
             </a:r>
           </a:p>
           <a:p>
@@ -10948,7 +12082,7 @@
             </a:pPr>
             <a:r>
               <a:rPr lang="it-IT" dirty="0"/>
-              <a:t>Abbiamo 12 vincoli check da controllare in </a:t>
+              <a:t>Mancano gli ultimi 2 vincoli in Caselle e i vincoli di </a:t>
             </a:r>
             <a:r>
               <a:rPr lang="it-IT" dirty="0" err="1"/>
@@ -10956,7 +12090,86 @@
             </a:r>
             <a:r>
               <a:rPr lang="it-IT" dirty="0"/>
-              <a:t> , Podio, Caselle e dadi</a:t>
+              <a:t> e Podio</a:t>
+            </a:r>
+          </a:p>
+          <a:p>
+            <a:pPr marL="0" indent="0">
+              <a:buNone/>
+            </a:pPr>
+            <a:endParaRPr lang="it-IT" dirty="0"/>
+          </a:p>
+          <a:p>
+            <a:pPr marL="0" indent="0">
+              <a:buNone/>
+            </a:pPr>
+            <a:r>
+              <a:rPr lang="it-IT" dirty="0"/>
+              <a:t>Per inserire </a:t>
+            </a:r>
+            <a:r>
+              <a:rPr lang="it-IT" dirty="0" err="1"/>
+              <a:t>tuple</a:t>
+            </a:r>
+            <a:r>
+              <a:rPr lang="it-IT" dirty="0"/>
+              <a:t> in </a:t>
+            </a:r>
+            <a:r>
+              <a:rPr lang="it-IT" dirty="0" err="1"/>
+              <a:t>GiocaIN</a:t>
+            </a:r>
+            <a:endParaRPr lang="it-IT" dirty="0"/>
+          </a:p>
+          <a:p>
+            <a:pPr marL="0" indent="0">
+              <a:buNone/>
+            </a:pPr>
+            <a:r>
+              <a:rPr lang="it-IT" dirty="0"/>
+              <a:t>--INSERT INTO </a:t>
+            </a:r>
+            <a:r>
+              <a:rPr lang="it-IT" dirty="0" err="1"/>
+              <a:t>GiocaIn</a:t>
+            </a:r>
+            <a:r>
+              <a:rPr lang="it-IT" dirty="0"/>
+              <a:t> VALUES('TonMcCormick@lycos.gov','LYA6K5b4', 3, 'Giocatore’);</a:t>
+            </a:r>
+          </a:p>
+          <a:p>
+            <a:pPr marL="0" indent="0">
+              <a:buNone/>
+            </a:pPr>
+            <a:r>
+              <a:rPr lang="it-IT" dirty="0"/>
+              <a:t>--INSERT INTO </a:t>
+            </a:r>
+            <a:r>
+              <a:rPr lang="it-IT" dirty="0" err="1"/>
+              <a:t>GiocaIn</a:t>
+            </a:r>
+            <a:r>
+              <a:rPr lang="it-IT" dirty="0"/>
+              <a:t> VALUES('TonMcCormick@lycos.gov','IblAxd2PuxU6ydnH0', 11, 'Giocatore’);</a:t>
+            </a:r>
+          </a:p>
+          <a:p>
+            <a:pPr marL="0" indent="0">
+              <a:buNone/>
+            </a:pPr>
+            <a:r>
+              <a:rPr lang="it-IT" dirty="0"/>
+              <a:t>--INSERT INTO </a:t>
+            </a:r>
+            <a:r>
+              <a:rPr lang="it-IT" dirty="0" err="1"/>
+              <a:t>GiocaIn</a:t>
+            </a:r>
+            <a:r>
+              <a:rPr lang="it-IT" dirty="0"/>
+              <a:t> VALUES('TonMcCormick@lycos.gov','Hn10u3cl4ITb07gQVe', 16, 'Giocatore');</a:t>
             </a:r>
           </a:p>
         </p:txBody>
@@ -11566,61 +12779,10 @@
         </p:spPr>
         <p:txBody>
           <a:bodyPr>
-            <a:normAutofit fontScale="85000" lnSpcReduction="20000"/>
+            <a:normAutofit fontScale="92500" lnSpcReduction="10000"/>
           </a:bodyPr>
           <a:lstStyle/>
           <a:p>
-            <a:pPr marL="0" marR="0">
-              <a:spcBef>
-                <a:spcPts val="0"/>
-              </a:spcBef>
-              <a:spcAft>
-                <a:spcPts val="0"/>
-              </a:spcAft>
-            </a:pPr>
-            <a:r>
-              <a:rPr lang="it-IT" sz="1800" dirty="0">
-                <a:effectLst/>
-                <a:latin typeface="Calibri" panose="020F0502020204030204" pitchFamily="34" charset="0"/>
-              </a:rPr>
-              <a:t>TEMPO di TASK e QUIZ magari vanno spostate in GIOCO</a:t>
-            </a:r>
-          </a:p>
-          <a:p>
-            <a:pPr marL="0" marR="0">
-              <a:spcBef>
-                <a:spcPts val="0"/>
-              </a:spcBef>
-              <a:spcAft>
-                <a:spcPts val="0"/>
-              </a:spcAft>
-            </a:pPr>
-            <a:r>
-              <a:rPr lang="it-IT" sz="1800" dirty="0">
-                <a:effectLst/>
-                <a:latin typeface="Calibri" panose="020F0502020204030204" pitchFamily="34" charset="0"/>
-              </a:rPr>
-              <a:t>Aggiungere a SFIDA un attributo FINITO che dice se una sfida è conclusa, e anche un attributo che dice la data e ora di fine partita</a:t>
-            </a:r>
-          </a:p>
-          <a:p>
-            <a:pPr marL="0" marR="0">
-              <a:spcBef>
-                <a:spcPts val="0"/>
-              </a:spcBef>
-              <a:spcAft>
-                <a:spcPts val="0"/>
-              </a:spcAft>
-            </a:pPr>
-            <a:r>
-              <a:rPr lang="it-IT" sz="1800" dirty="0">
-                <a:effectLst/>
-                <a:latin typeface="Calibri" panose="020F0502020204030204" pitchFamily="34" charset="0"/>
-              </a:rPr>
-              <a:t>Mettere cardinalità nuove per dadi: (1,1) da dado a gioco e (0,n) da dado a squadra</a:t>
-            </a:r>
-          </a:p>
-          <a:p>
             <a:r>
               <a:rPr lang="it-IT" dirty="0"/>
               <a:t>Mettere punteggio TOTALE invece che corrente </a:t>
@@ -11651,6 +12813,17 @@
               <a:rPr lang="it-IT" dirty="0"/>
               <a:t>Cambiare nome a min e max in DADI</a:t>
             </a:r>
+          </a:p>
+          <a:p>
+            <a:r>
+              <a:rPr lang="it-IT" dirty="0"/>
+              <a:t>Mettere ID su </a:t>
+            </a:r>
+            <a:r>
+              <a:rPr lang="it-IT" dirty="0" err="1"/>
+              <a:t>icone_squadre</a:t>
+            </a:r>
+            <a:endParaRPr lang="it-IT" dirty="0"/>
           </a:p>
         </p:txBody>
       </p:sp>
@@ -12116,7 +13289,7 @@
         <p:spPr>
           <a:xfrm>
             <a:off x="4315152" y="736244"/>
-            <a:ext cx="3415266" cy="5786199"/>
+            <a:ext cx="3415266" cy="5970865"/>
           </a:xfrm>
           <a:prstGeom prst="rect">
             <a:avLst/>
@@ -12276,6 +13449,21 @@
               <a:rPr lang="it-IT" sz="1200" b="1" dirty="0"/>
               <a:t>-Icone Squadre</a:t>
             </a:r>
+          </a:p>
+          <a:p>
+            <a:r>
+              <a:rPr lang="it-IT" sz="1200" b="1" dirty="0"/>
+              <a:t>	</a:t>
+            </a:r>
+            <a:r>
+              <a:rPr lang="it-IT" sz="1200" dirty="0"/>
+              <a:t>-Id = </a:t>
+            </a:r>
+            <a:r>
+              <a:rPr lang="it-IT" sz="1200" dirty="0" err="1"/>
+              <a:t>integer</a:t>
+            </a:r>
+            <a:endParaRPr lang="it-IT" sz="1200" dirty="0"/>
           </a:p>
           <a:p>
             <a:r>
@@ -14751,14 +15939,14 @@
                 <a:ea typeface="+mn-lt"/>
                 <a:cs typeface="+mn-lt"/>
               </a:rPr>
-              <a:t>IMMAGINE, </a:t>
+              <a:t>ID</a:t>
             </a:r>
             <a:r>
               <a:rPr lang="it-IT" sz="1150" dirty="0">
                 <a:ea typeface="+mn-lt"/>
                 <a:cs typeface="+mn-lt"/>
               </a:rPr>
-              <a:t>SET_ICONA</a:t>
+              <a:t>, IMMAGINE, SET_ICONA</a:t>
             </a:r>
             <a:r>
               <a:rPr lang="it-IT" sz="1150" baseline="30000" dirty="0">
@@ -16369,7 +17557,7 @@
         <p:spPr>
           <a:xfrm>
             <a:off x="6504238" y="1339683"/>
-            <a:ext cx="5416884" cy="4899803"/>
+            <a:ext cx="5416884" cy="5370701"/>
           </a:xfrm>
           <a:prstGeom prst="rect">
             <a:avLst/>
@@ -16493,7 +17681,24 @@
               <a:rPr lang="it-IT" sz="1600" dirty="0">
                 <a:cs typeface="Calibri"/>
               </a:rPr>
-              <a:t>IMMAGINE -&gt; SET_ICONE</a:t>
+              <a:t>ID -&gt; SET_ICONE</a:t>
+            </a:r>
+          </a:p>
+          <a:p>
+            <a:pPr marL="0" indent="0">
+              <a:lnSpc>
+                <a:spcPct val="170000"/>
+              </a:lnSpc>
+              <a:spcBef>
+                <a:spcPts val="0"/>
+              </a:spcBef>
+              <a:buNone/>
+            </a:pPr>
+            <a:r>
+              <a:rPr lang="it-IT" sz="1600" dirty="0">
+                <a:cs typeface="Calibri"/>
+              </a:rPr>
+              <a:t>ID -&gt; IMMAGINE</a:t>
             </a:r>
             <a:endParaRPr lang="it-IT" dirty="0">
               <a:cs typeface="Calibri" panose="020F0502020204030204"/>
@@ -17130,21 +18335,6 @@
 </file>
 
 <file path=customXml/item1.xml><?xml version="1.0" encoding="utf-8"?>
-<p:properties xmlns:p="http://schemas.microsoft.com/office/2006/metadata/properties" xmlns:xsi="http://www.w3.org/2001/XMLSchema-instance" xmlns:pc="http://schemas.microsoft.com/office/infopath/2007/PartnerControls">
-  <documentManagement/>
-</p:properties>
-</file>
-
-<file path=customXml/item2.xml><?xml version="1.0" encoding="utf-8"?>
-<?mso-contentType ?>
-<FormTemplates xmlns="http://schemas.microsoft.com/sharepoint/v3/contenttype/forms">
-  <Display>DocumentLibraryForm</Display>
-  <Edit>DocumentLibraryForm</Edit>
-  <New>DocumentLibraryForm</New>
-</FormTemplates>
-</file>
-
-<file path=customXml/item3.xml><?xml version="1.0" encoding="utf-8"?>
 <ct:contentTypeSchema xmlns:ct="http://schemas.microsoft.com/office/2006/metadata/contentType" xmlns:ma="http://schemas.microsoft.com/office/2006/metadata/properties/metaAttributes" ct:_="" ma:_="" ma:contentTypeName="Documento" ma:contentTypeID="0x010100AEBE38543F56564797CEAB42D2598402" ma:contentTypeVersion="6" ma:contentTypeDescription="Creare un nuovo documento." ma:contentTypeScope="" ma:versionID="984681a764e813e6264aed6ad1022f06">
   <xsd:schema xmlns:xsd="http://www.w3.org/2001/XMLSchema" xmlns:xs="http://www.w3.org/2001/XMLSchema" xmlns:p="http://schemas.microsoft.com/office/2006/metadata/properties" xmlns:ns2="fb74fa05-7ee4-424e-b3ac-307f73e6e18a" targetNamespace="http://schemas.microsoft.com/office/2006/metadata/properties" ma:root="true" ma:fieldsID="6fc9f65ce991a5178c5a1a1622f78cd7" ns2:_="">
     <xsd:import namespace="fb74fa05-7ee4-424e-b3ac-307f73e6e18a"/>
@@ -17302,24 +18492,22 @@
 </ct:contentTypeSchema>
 </file>
 
-<file path=customXml/itemProps1.xml><?xml version="1.0" encoding="utf-8"?>
-<ds:datastoreItem xmlns:ds="http://schemas.openxmlformats.org/officeDocument/2006/customXml" ds:itemID="{7575C697-13A4-46B4-B8EB-0C93BC1286A6}">
-  <ds:schemaRefs>
-    <ds:schemaRef ds:uri="http://schemas.microsoft.com/office/2006/metadata/properties"/>
-    <ds:schemaRef ds:uri="http://schemas.microsoft.com/office/infopath/2007/PartnerControls"/>
-  </ds:schemaRefs>
-</ds:datastoreItem>
+<file path=customXml/item2.xml><?xml version="1.0" encoding="utf-8"?>
+<?mso-contentType ?>
+<FormTemplates xmlns="http://schemas.microsoft.com/sharepoint/v3/contenttype/forms">
+  <Display>DocumentLibraryForm</Display>
+  <Edit>DocumentLibraryForm</Edit>
+  <New>DocumentLibraryForm</New>
+</FormTemplates>
 </file>
 
-<file path=customXml/itemProps2.xml><?xml version="1.0" encoding="utf-8"?>
-<ds:datastoreItem xmlns:ds="http://schemas.openxmlformats.org/officeDocument/2006/customXml" ds:itemID="{C47ABCB7-85EF-493B-8321-D8A55F15655B}">
-  <ds:schemaRefs>
-    <ds:schemaRef ds:uri="http://schemas.microsoft.com/sharepoint/v3/contenttype/forms"/>
-  </ds:schemaRefs>
-</ds:datastoreItem>
+<file path=customXml/item3.xml><?xml version="1.0" encoding="utf-8"?>
+<p:properties xmlns:p="http://schemas.microsoft.com/office/2006/metadata/properties" xmlns:xsi="http://www.w3.org/2001/XMLSchema-instance" xmlns:pc="http://schemas.microsoft.com/office/infopath/2007/PartnerControls">
+  <documentManagement/>
+</p:properties>
 </file>
 
-<file path=customXml/itemProps3.xml><?xml version="1.0" encoding="utf-8"?>
+<file path=customXml/itemProps1.xml><?xml version="1.0" encoding="utf-8"?>
 <ds:datastoreItem xmlns:ds="http://schemas.openxmlformats.org/officeDocument/2006/customXml" ds:itemID="{F03F83A8-DBAD-4273-A8F9-2D15F71A9F06}">
   <ds:schemaRefs>
     <ds:schemaRef ds:uri="fb74fa05-7ee4-424e-b3ac-307f73e6e18a"/>
@@ -17335,4 +18523,21 @@
     <ds:schemaRef ds:uri="http://www.w3.org/2001/XMLSchema"/>
   </ds:schemaRefs>
 </ds:datastoreItem>
+</file>
+
+<file path=customXml/itemProps2.xml><?xml version="1.0" encoding="utf-8"?>
+<ds:datastoreItem xmlns:ds="http://schemas.openxmlformats.org/officeDocument/2006/customXml" ds:itemID="{C47ABCB7-85EF-493B-8321-D8A55F15655B}">
+  <ds:schemaRefs>
+    <ds:schemaRef ds:uri="http://schemas.microsoft.com/sharepoint/v3/contenttype/forms"/>
+  </ds:schemaRefs>
+</ds:datastoreItem>
+</file>
+
+<file path=customXml/itemProps3.xml><?xml version="1.0" encoding="utf-8"?>
+<ds:datastoreItem xmlns:ds="http://schemas.openxmlformats.org/officeDocument/2006/customXml" ds:itemID="{7575C697-13A4-46B4-B8EB-0C93BC1286A6}">
+  <ds:schemaRefs>
+    <ds:schemaRef ds:uri="http://schemas.microsoft.com/office/2006/metadata/properties"/>
+    <ds:schemaRef ds:uri="http://schemas.microsoft.com/office/infopath/2007/PartnerControls"/>
+  </ds:schemaRefs>
+</ds:datastoreItem>
 </file>